--- a/basic_new/Module 03 - Python Flow control.pptx
+++ b/basic_new/Module 03 - Python Flow control.pptx
@@ -5,20 +5,25 @@
     <p:sldMasterId id="2147483648" r:id="rId1"/>
   </p:sldMasterIdLst>
   <p:notesMasterIdLst>
-    <p:notesMasterId r:id="rId13"/>
+    <p:notesMasterId r:id="rId18"/>
   </p:notesMasterIdLst>
   <p:sldIdLst>
     <p:sldId id="256" r:id="rId2"/>
     <p:sldId id="257" r:id="rId3"/>
     <p:sldId id="258" r:id="rId4"/>
     <p:sldId id="259" r:id="rId5"/>
-    <p:sldId id="260" r:id="rId6"/>
-    <p:sldId id="261" r:id="rId7"/>
-    <p:sldId id="262" r:id="rId8"/>
-    <p:sldId id="322" r:id="rId9"/>
-    <p:sldId id="299" r:id="rId10"/>
-    <p:sldId id="310" r:id="rId11"/>
-    <p:sldId id="321" r:id="rId12"/>
+    <p:sldId id="323" r:id="rId6"/>
+    <p:sldId id="324" r:id="rId7"/>
+    <p:sldId id="260" r:id="rId8"/>
+    <p:sldId id="325" r:id="rId9"/>
+    <p:sldId id="326" r:id="rId10"/>
+    <p:sldId id="261" r:id="rId11"/>
+    <p:sldId id="327" r:id="rId12"/>
+    <p:sldId id="328" r:id="rId13"/>
+    <p:sldId id="262" r:id="rId14"/>
+    <p:sldId id="322" r:id="rId15"/>
+    <p:sldId id="310" r:id="rId16"/>
+    <p:sldId id="321" r:id="rId17"/>
   </p:sldIdLst>
   <p:sldSz cx="12192000" cy="6858000"/>
   <p:notesSz cx="6858000" cy="9144000"/>
@@ -456,7 +461,7 @@
           <a:p>
             <a:fld id="{CC1EDC04-1B37-40A2-80B0-3D5F184B1808}" type="datetimeFigureOut">
               <a:rPr lang="he-IL" smtClean="0"/>
-              <a:t>ל'/סיון/תשפ"ג</a:t>
+              <a:t>ט"ז/תמוז/תשפ"ג</a:t>
             </a:fld>
             <a:endParaRPr lang="he-IL"/>
           </a:p>
@@ -809,6 +814,160 @@
 </p:notes>
 </file>
 
+<file path=ppt/notesSlides/notesSlide10.xml><?xml version="1.0" encoding="utf-8"?>
+<p:notes xmlns:a="http://schemas.openxmlformats.org/drawingml/2006/main" xmlns:r="http://schemas.openxmlformats.org/officeDocument/2006/relationships" xmlns:p="http://schemas.openxmlformats.org/presentationml/2006/main">
+  <p:cSld>
+    <p:spTree>
+      <p:nvGrpSpPr>
+        <p:cNvPr id="1" name=""/>
+        <p:cNvGrpSpPr/>
+        <p:nvPr/>
+      </p:nvGrpSpPr>
+      <p:grpSpPr>
+        <a:xfrm>
+          <a:off x="0" y="0"/>
+          <a:ext cx="0" cy="0"/>
+          <a:chOff x="0" y="0"/>
+          <a:chExt cx="0" cy="0"/>
+        </a:xfrm>
+      </p:grpSpPr>
+      <p:sp>
+        <p:nvSpPr>
+          <p:cNvPr id="2" name="Slide Image Placeholder 1"/>
+          <p:cNvSpPr>
+            <a:spLocks noGrp="1" noRot="1" noChangeAspect="1"/>
+          </p:cNvSpPr>
+          <p:nvPr>
+            <p:ph type="sldImg"/>
+          </p:nvPr>
+        </p:nvSpPr>
+        <p:spPr/>
+      </p:sp>
+      <p:sp>
+        <p:nvSpPr>
+          <p:cNvPr id="3" name="Notes Placeholder 2"/>
+          <p:cNvSpPr>
+            <a:spLocks noGrp="1"/>
+          </p:cNvSpPr>
+          <p:nvPr>
+            <p:ph type="body" idx="1"/>
+          </p:nvPr>
+        </p:nvSpPr>
+        <p:spPr/>
+        <p:txBody>
+          <a:bodyPr/>
+          <a:lstStyle/>
+          <a:p>
+            <a:pPr>
+              <a:spcBef>
+                <a:spcPct val="0"/>
+              </a:spcBef>
+            </a:pPr>
+            <a:r>
+              <a:rPr lang="en-US" dirty="0"/>
+              <a:t>A common coding mistake is to use the assignment operator (=)</a:t>
+            </a:r>
+            <a:r>
+              <a:rPr lang="en-US" baseline="0" dirty="0"/>
+              <a:t> instead of the comparison operator (==).</a:t>
+            </a:r>
+          </a:p>
+          <a:p>
+            <a:pPr>
+              <a:spcBef>
+                <a:spcPct val="0"/>
+              </a:spcBef>
+            </a:pPr>
+            <a:r>
+              <a:rPr lang="en-US" baseline="0" dirty="0"/>
+              <a:t>Luckily for us, </a:t>
+            </a:r>
+            <a:r>
+              <a:rPr lang="en-US" dirty="0"/>
+              <a:t>Python</a:t>
+            </a:r>
+            <a:r>
+              <a:rPr lang="en-US" baseline="0" dirty="0"/>
+              <a:t> is a </a:t>
+            </a:r>
+            <a:r>
+              <a:rPr lang="en-US" b="1" baseline="0" dirty="0"/>
+              <a:t>strongly-typed</a:t>
+            </a:r>
+            <a:r>
+              <a:rPr lang="en-US" b="0" baseline="0" dirty="0"/>
+              <a:t> programming language.</a:t>
+            </a:r>
+          </a:p>
+          <a:p>
+            <a:pPr>
+              <a:spcBef>
+                <a:spcPct val="0"/>
+              </a:spcBef>
+            </a:pPr>
+            <a:r>
+              <a:rPr lang="en-US" b="0" baseline="0" dirty="0"/>
+              <a:t>Therefore, using the assignment operator where a Boolean value is expected will result in a compile-time error.</a:t>
+            </a:r>
+          </a:p>
+          <a:p>
+            <a:pPr>
+              <a:spcBef>
+                <a:spcPct val="0"/>
+              </a:spcBef>
+            </a:pPr>
+            <a:r>
+              <a:rPr lang="en-US" b="0" baseline="0" dirty="0"/>
+              <a:t>Non strongly-typed languages such as C++ allow this during compilation, and the result is most probably a run-time error, </a:t>
+            </a:r>
+            <a:br>
+              <a:rPr lang="en-US" b="0" baseline="0" dirty="0"/>
+            </a:br>
+            <a:r>
+              <a:rPr lang="en-US" b="0" baseline="0" dirty="0"/>
+              <a:t>which is significantly harder to debug.</a:t>
+            </a:r>
+            <a:endParaRPr lang="he-IL" b="1" dirty="0"/>
+          </a:p>
+        </p:txBody>
+      </p:sp>
+      <p:sp>
+        <p:nvSpPr>
+          <p:cNvPr id="4" name="Slide Number Placeholder 3"/>
+          <p:cNvSpPr>
+            <a:spLocks noGrp="1"/>
+          </p:cNvSpPr>
+          <p:nvPr>
+            <p:ph type="sldNum" sz="quarter" idx="10"/>
+          </p:nvPr>
+        </p:nvSpPr>
+        <p:spPr/>
+        <p:txBody>
+          <a:bodyPr/>
+          <a:lstStyle/>
+          <a:p>
+            <a:fld id="{C18343ED-3762-4D46-A439-B4D407E13EF8}" type="slidenum">
+              <a:rPr lang="en-US" smtClean="0"/>
+              <a:pPr/>
+              <a:t>14</a:t>
+            </a:fld>
+            <a:endParaRPr lang="en-US"/>
+          </a:p>
+        </p:txBody>
+      </p:sp>
+    </p:spTree>
+    <p:extLst>
+      <p:ext uri="{BB962C8B-B14F-4D97-AF65-F5344CB8AC3E}">
+        <p14:creationId xmlns:p14="http://schemas.microsoft.com/office/powerpoint/2010/main" val="4232844740"/>
+      </p:ext>
+    </p:extLst>
+  </p:cSld>
+  <p:clrMapOvr>
+    <a:masterClrMapping/>
+  </p:clrMapOvr>
+</p:notes>
+</file>
+
 <file path=ppt/notesSlides/notesSlide2.xml><?xml version="1.0" encoding="utf-8"?>
 <p:notes xmlns:a="http://schemas.openxmlformats.org/drawingml/2006/main" xmlns:r="http://schemas.openxmlformats.org/officeDocument/2006/relationships" xmlns:p="http://schemas.openxmlformats.org/presentationml/2006/main">
   <p:cSld>
@@ -1435,10 +1594,13 @@
               <a:spcBef>
                 <a:spcPct val="0"/>
               </a:spcBef>
+              <a:defRPr/>
             </a:pPr>
             <a:r>
-              <a:rPr lang="en-US" dirty="0"/>
-              <a:t>Explanation:</a:t>
+              <a:rPr lang="en-US" dirty="0">
+                <a:cs typeface="Arial" charset="0"/>
+              </a:rPr>
+              <a:t>A program becomes flexible when the execution of an operation or a series of operations becomes dependent on specific circumstances.</a:t>
             </a:r>
           </a:p>
           <a:p>
@@ -1446,126 +1608,88 @@
               <a:spcBef>
                 <a:spcPct val="0"/>
               </a:spcBef>
+              <a:defRPr/>
             </a:pPr>
-            <a:r>
-              <a:rPr lang="en-US" dirty="0"/>
-              <a:t>First, the statement is checked. </a:t>
-            </a:r>
+            <a:endParaRPr lang="en-US" dirty="0">
+              <a:cs typeface="Arial" charset="0"/>
+            </a:endParaRPr>
           </a:p>
           <a:p>
             <a:pPr>
               <a:spcBef>
                 <a:spcPct val="0"/>
               </a:spcBef>
+              <a:defRPr/>
             </a:pPr>
             <a:r>
-              <a:rPr lang="en-US" dirty="0"/>
-              <a:t>If it is true, that is, if its value is true, the command block is executed. </a:t>
-            </a:r>
-          </a:p>
-          <a:p>
-            <a:pPr>
+              <a:rPr lang="en-US" dirty="0">
+                <a:cs typeface="Arial" charset="0"/>
+              </a:rPr>
+              <a:t>We use conditions:</a:t>
+            </a:r>
+          </a:p>
+          <a:p>
+            <a:pPr marL="171450" indent="-171450">
               <a:spcBef>
                 <a:spcPct val="0"/>
               </a:spcBef>
+              <a:buFont typeface="Arial" pitchFamily="34" charset="0"/>
+              <a:buChar char="•"/>
+              <a:defRPr/>
             </a:pPr>
             <a:r>
-              <a:rPr lang="en-US" b="1" dirty="0"/>
-              <a:t>Regardless</a:t>
-            </a:r>
-            <a:r>
-              <a:rPr lang="en-US" dirty="0"/>
-              <a:t> if the statement is true or false, the program continues and executes the commands following the command block.</a:t>
-            </a:r>
-          </a:p>
-          <a:p>
-            <a:pPr>
+              <a:rPr lang="en-US" dirty="0">
+                <a:cs typeface="Arial" charset="0"/>
+              </a:rPr>
+              <a:t>To check the values of variables – and act differently on different values.</a:t>
+            </a:r>
+          </a:p>
+          <a:p>
+            <a:pPr marL="171450" indent="-171450">
               <a:spcBef>
                 <a:spcPct val="0"/>
               </a:spcBef>
+              <a:buFont typeface="Arial" pitchFamily="34" charset="0"/>
+              <a:buChar char="•"/>
+              <a:defRPr/>
             </a:pPr>
-            <a:endParaRPr lang="en-US" dirty="0"/>
-          </a:p>
-          <a:p>
-            <a:pPr>
+            <a:r>
+              <a:rPr lang="en-US" dirty="0">
+                <a:cs typeface="Arial" charset="0"/>
+              </a:rPr>
+              <a:t>To check input validity – and act differently on valid input than invalid input.</a:t>
+            </a:r>
+          </a:p>
+          <a:p>
+            <a:pPr marL="171450" indent="-171450">
               <a:spcBef>
                 <a:spcPct val="0"/>
               </a:spcBef>
+              <a:buFont typeface="Arial" pitchFamily="34" charset="0"/>
+              <a:buChar char="•"/>
+              <a:defRPr/>
             </a:pPr>
             <a:r>
-              <a:rPr lang="en-US" dirty="0"/>
-              <a:t>Indentation – the command block is indented to the right. </a:t>
-            </a:r>
-          </a:p>
-          <a:p>
-            <a:pPr>
+              <a:rPr lang="en-US" dirty="0">
+                <a:cs typeface="Arial" charset="0"/>
+              </a:rPr>
+              <a:t>To check a graphic object’s properties.</a:t>
+            </a:r>
+          </a:p>
+          <a:p>
+            <a:pPr marL="171450" indent="-171450">
               <a:spcBef>
                 <a:spcPct val="0"/>
               </a:spcBef>
+              <a:buFont typeface="Arial" pitchFamily="34" charset="0"/>
+              <a:buChar char="•"/>
+              <a:defRPr/>
             </a:pPr>
-            <a:endParaRPr lang="en-US" dirty="0"/>
-          </a:p>
-          <a:p>
-            <a:pPr>
-              <a:spcBef>
-                <a:spcPct val="0"/>
-              </a:spcBef>
-            </a:pPr>
-            <a:r>
-              <a:rPr lang="en-US" dirty="0"/>
-              <a:t>Note: the code that is executed if the statement is false, is also executed if the statement is true.</a:t>
-            </a:r>
-          </a:p>
-          <a:p>
-            <a:pPr>
-              <a:spcBef>
-                <a:spcPct val="0"/>
-              </a:spcBef>
-            </a:pPr>
-            <a:r>
-              <a:rPr lang="en-US" dirty="0"/>
-              <a:t>To illustrate consider the following:</a:t>
-            </a:r>
-          </a:p>
-          <a:p>
-            <a:pPr>
-              <a:spcBef>
-                <a:spcPct val="0"/>
-              </a:spcBef>
-            </a:pPr>
-            <a:r>
-              <a:rPr lang="en-US" dirty="0"/>
-              <a:t>All students who passed the final exams deserve a diploma.</a:t>
-            </a:r>
-          </a:p>
-          <a:p>
-            <a:pPr>
-              <a:spcBef>
-                <a:spcPct val="0"/>
-              </a:spcBef>
-            </a:pPr>
-            <a:r>
-              <a:rPr lang="en-US" dirty="0"/>
-              <a:t>But, if a student passed at a certain grade (say, 90 or more), he or she deserves another certificate for their excellence.</a:t>
-            </a:r>
-          </a:p>
-          <a:p>
-            <a:pPr>
-              <a:spcBef>
-                <a:spcPct val="0"/>
-              </a:spcBef>
-            </a:pPr>
-            <a:r>
-              <a:rPr lang="en-US" dirty="0"/>
-              <a:t>So, the program will check if a student excelled – if so, it will issue the appropriate certificate – and then </a:t>
-            </a:r>
-            <a:r>
-              <a:rPr lang="en-US" b="1" dirty="0"/>
-              <a:t>unconditionally</a:t>
-            </a:r>
-            <a:r>
-              <a:rPr lang="en-US" dirty="0"/>
-              <a:t> reward them with a diploma.</a:t>
+            <a:r>
+              <a:rPr lang="en-US" dirty="0">
+                <a:cs typeface="Arial" charset="0"/>
+              </a:rPr>
+              <a:t>And more…</a:t>
             </a:r>
           </a:p>
         </p:txBody>
@@ -1588,7 +1712,7 @@
             <a:fld id="{C18343ED-3762-4D46-A439-B4D407E13EF8}" type="slidenum">
               <a:rPr lang="en-US" smtClean="0"/>
               <a:pPr/>
-              <a:t>5</a:t>
+              <a:t>6</a:t>
             </a:fld>
             <a:endParaRPr lang="en-US"/>
           </a:p>
@@ -1597,7 +1721,7 @@
     </p:spTree>
     <p:extLst>
       <p:ext uri="{BB962C8B-B14F-4D97-AF65-F5344CB8AC3E}">
-        <p14:creationId xmlns:p14="http://schemas.microsoft.com/office/powerpoint/2010/main" val="3919862858"/>
+        <p14:creationId xmlns:p14="http://schemas.microsoft.com/office/powerpoint/2010/main" val="2538764857"/>
       </p:ext>
     </p:extLst>
   </p:cSld>
@@ -1655,11 +1779,10 @@
               <a:spcBef>
                 <a:spcPct val="0"/>
               </a:spcBef>
-              <a:defRPr/>
             </a:pPr>
             <a:r>
-              <a:rPr lang="en-US" u="sng" dirty="0"/>
-              <a:t>Example 1</a:t>
+              <a:rPr lang="en-US" dirty="0"/>
+              <a:t>Explanation:</a:t>
             </a:r>
           </a:p>
           <a:p>
@@ -1667,11 +1790,10 @@
               <a:spcBef>
                 <a:spcPct val="0"/>
               </a:spcBef>
-              <a:defRPr/>
             </a:pPr>
             <a:r>
               <a:rPr lang="en-US" dirty="0"/>
-              <a:t>If the balance equals zero (the statement value is True), display: “No money left...”</a:t>
+              <a:t>First, the statement is checked. </a:t>
             </a:r>
           </a:p>
           <a:p>
@@ -1679,20 +1801,25 @@
               <a:spcBef>
                 <a:spcPct val="0"/>
               </a:spcBef>
-              <a:defRPr/>
             </a:pPr>
-            <a:endParaRPr lang="en-US" dirty="0"/>
+            <a:r>
+              <a:rPr lang="en-US" dirty="0"/>
+              <a:t>If it is true, that is, if its value is true, the command block is executed. </a:t>
+            </a:r>
           </a:p>
           <a:p>
             <a:pPr>
               <a:spcBef>
                 <a:spcPct val="0"/>
               </a:spcBef>
-              <a:defRPr/>
             </a:pPr>
             <a:r>
-              <a:rPr lang="en-US" u="sng" dirty="0"/>
-              <a:t>Example 2</a:t>
+              <a:rPr lang="en-US" b="1" dirty="0"/>
+              <a:t>Regardless</a:t>
+            </a:r>
+            <a:r>
+              <a:rPr lang="en-US" dirty="0"/>
+              <a:t> if the statement is true or false, the program continues and executes the commands following the command block.</a:t>
             </a:r>
           </a:p>
           <a:p>
@@ -1700,23 +1827,18 @@
               <a:spcBef>
                 <a:spcPct val="0"/>
               </a:spcBef>
-              <a:defRPr/>
             </a:pPr>
-            <a:r>
-              <a:rPr lang="en-US" dirty="0"/>
-              <a:t>Is the number divisible by 7?</a:t>
-            </a:r>
+            <a:endParaRPr lang="en-US" dirty="0"/>
           </a:p>
           <a:p>
             <a:pPr>
               <a:spcBef>
                 <a:spcPct val="0"/>
               </a:spcBef>
-              <a:defRPr/>
             </a:pPr>
             <a:r>
               <a:rPr lang="en-US" dirty="0"/>
-              <a:t>If the statement ((num % 7) = = 0) value is true, display “Can be divided by 7”</a:t>
+              <a:t>Indentation – the command block is indented to the right. </a:t>
             </a:r>
           </a:p>
           <a:p>
@@ -1724,7 +1846,6 @@
               <a:spcBef>
                 <a:spcPct val="0"/>
               </a:spcBef>
-              <a:defRPr/>
             </a:pPr>
             <a:endParaRPr lang="en-US" dirty="0"/>
           </a:p>
@@ -1733,15 +1854,10 @@
               <a:spcBef>
                 <a:spcPct val="0"/>
               </a:spcBef>
-              <a:defRPr/>
             </a:pPr>
             <a:r>
-              <a:rPr lang="en-US" b="1" dirty="0"/>
-              <a:t>Note: </a:t>
-            </a:r>
-            <a:r>
               <a:rPr lang="en-US" dirty="0"/>
-              <a:t>The whole Boolean expression is evaluated (either as true or false).</a:t>
+              <a:t>Note: the code that is executed if the statement is false, is also executed if the statement is true.</a:t>
             </a:r>
           </a:p>
           <a:p>
@@ -1749,19 +1865,10 @@
               <a:spcBef>
                 <a:spcPct val="0"/>
               </a:spcBef>
-              <a:defRPr/>
             </a:pPr>
             <a:r>
               <a:rPr lang="en-US" dirty="0"/>
-              <a:t>Non-Boolean variables </a:t>
-            </a:r>
-            <a:r>
-              <a:rPr lang="en-US" b="1" dirty="0"/>
-              <a:t>may</a:t>
-            </a:r>
-            <a:r>
-              <a:rPr lang="en-US" dirty="0"/>
-              <a:t> be included in the expression.</a:t>
+              <a:t>To illustrate consider the following:</a:t>
             </a:r>
           </a:p>
           <a:p>
@@ -1769,11 +1876,40 @@
               <a:spcBef>
                 <a:spcPct val="0"/>
               </a:spcBef>
-              <a:defRPr/>
             </a:pPr>
             <a:r>
               <a:rPr lang="en-US" dirty="0"/>
-              <a:t>What gives the expression is Boolean nature, in this case, is the usage of the comparison operator.</a:t>
+              <a:t>All students who passed the final exams deserve a diploma.</a:t>
+            </a:r>
+          </a:p>
+          <a:p>
+            <a:pPr>
+              <a:spcBef>
+                <a:spcPct val="0"/>
+              </a:spcBef>
+            </a:pPr>
+            <a:r>
+              <a:rPr lang="en-US" dirty="0"/>
+              <a:t>But, if a student passed at a certain grade (say, 90 or more), he or she deserves another certificate for their excellence.</a:t>
+            </a:r>
+          </a:p>
+          <a:p>
+            <a:pPr>
+              <a:spcBef>
+                <a:spcPct val="0"/>
+              </a:spcBef>
+            </a:pPr>
+            <a:r>
+              <a:rPr lang="en-US" dirty="0"/>
+              <a:t>So, the program will check if a student excelled – if so, it will issue the appropriate certificate – and then </a:t>
+            </a:r>
+            <a:r>
+              <a:rPr lang="en-US" b="1" dirty="0"/>
+              <a:t>unconditionally</a:t>
+            </a:r>
+            <a:r>
+              <a:rPr lang="en-US" dirty="0"/>
+              <a:t> reward them with a diploma.</a:t>
             </a:r>
           </a:p>
         </p:txBody>
@@ -1796,7 +1932,7 @@
             <a:fld id="{C18343ED-3762-4D46-A439-B4D407E13EF8}" type="slidenum">
               <a:rPr lang="en-US" smtClean="0"/>
               <a:pPr/>
-              <a:t>6</a:t>
+              <a:t>7</a:t>
             </a:fld>
             <a:endParaRPr lang="en-US"/>
           </a:p>
@@ -1805,7 +1941,7 @@
     </p:spTree>
     <p:extLst>
       <p:ext uri="{BB962C8B-B14F-4D97-AF65-F5344CB8AC3E}">
-        <p14:creationId xmlns:p14="http://schemas.microsoft.com/office/powerpoint/2010/main" val="3283944613"/>
+        <p14:creationId xmlns:p14="http://schemas.microsoft.com/office/powerpoint/2010/main" val="3919862858"/>
       </p:ext>
     </p:extLst>
   </p:cSld>
@@ -1863,14 +1999,13 @@
               <a:spcBef>
                 <a:spcPct val="0"/>
               </a:spcBef>
+              <a:defRPr/>
             </a:pPr>
             <a:r>
-              <a:rPr lang="en-US" dirty="0"/>
-              <a:t>A common coding mistake is to use the assignment operator (=)</a:t>
-            </a:r>
-            <a:r>
-              <a:rPr lang="en-US" baseline="0" dirty="0"/>
-              <a:t> instead of the comparison operator (==).</a:t>
+              <a:rPr lang="en-US" dirty="0">
+                <a:cs typeface="Arial" charset="0"/>
+              </a:rPr>
+              <a:t>A program becomes flexible when the execution of an operation or a series of operations becomes dependent on specific circumstances.</a:t>
             </a:r>
           </a:p>
           <a:p>
@@ -1878,57 +2013,89 @@
               <a:spcBef>
                 <a:spcPct val="0"/>
               </a:spcBef>
+              <a:defRPr/>
             </a:pPr>
-            <a:r>
-              <a:rPr lang="en-US" baseline="0" dirty="0"/>
-              <a:t>Luckily for us, </a:t>
-            </a:r>
-            <a:r>
-              <a:rPr lang="en-US" dirty="0"/>
-              <a:t>Python</a:t>
-            </a:r>
-            <a:r>
-              <a:rPr lang="en-US" baseline="0" dirty="0"/>
-              <a:t> is a </a:t>
-            </a:r>
-            <a:r>
-              <a:rPr lang="en-US" b="1" baseline="0" dirty="0"/>
-              <a:t>strongly-typed</a:t>
-            </a:r>
-            <a:r>
-              <a:rPr lang="en-US" b="0" baseline="0" dirty="0"/>
-              <a:t> programming language.</a:t>
-            </a:r>
+            <a:endParaRPr lang="en-US" dirty="0">
+              <a:cs typeface="Arial" charset="0"/>
+            </a:endParaRPr>
           </a:p>
           <a:p>
             <a:pPr>
               <a:spcBef>
                 <a:spcPct val="0"/>
               </a:spcBef>
+              <a:defRPr/>
             </a:pPr>
             <a:r>
-              <a:rPr lang="en-US" b="0" baseline="0" dirty="0"/>
-              <a:t>Therefore, using the assignment operator where a Boolean value is expected will result in a compile-time error.</a:t>
-            </a:r>
-          </a:p>
-          <a:p>
-            <a:pPr>
+              <a:rPr lang="en-US" dirty="0">
+                <a:cs typeface="Arial" charset="0"/>
+              </a:rPr>
+              <a:t>We use conditions:</a:t>
+            </a:r>
+          </a:p>
+          <a:p>
+            <a:pPr marL="171450" indent="-171450">
               <a:spcBef>
                 <a:spcPct val="0"/>
               </a:spcBef>
+              <a:buFont typeface="Arial" pitchFamily="34" charset="0"/>
+              <a:buChar char="•"/>
+              <a:defRPr/>
             </a:pPr>
             <a:r>
-              <a:rPr lang="en-US" b="0" baseline="0" dirty="0"/>
-              <a:t>Non strongly-typed languages such as C++ allow this during compilation, and the result is most probably a run-time error, </a:t>
-            </a:r>
-            <a:br>
-              <a:rPr lang="en-US" b="0" baseline="0" dirty="0"/>
-            </a:br>
-            <a:r>
-              <a:rPr lang="en-US" b="0" baseline="0" dirty="0"/>
-              <a:t>which is significantly harder to debug.</a:t>
-            </a:r>
-            <a:endParaRPr lang="he-IL" b="1" dirty="0"/>
+              <a:rPr lang="en-US" dirty="0">
+                <a:cs typeface="Arial" charset="0"/>
+              </a:rPr>
+              <a:t>To check the values of variables – and act differently on different values.</a:t>
+            </a:r>
+          </a:p>
+          <a:p>
+            <a:pPr marL="171450" indent="-171450">
+              <a:spcBef>
+                <a:spcPct val="0"/>
+              </a:spcBef>
+              <a:buFont typeface="Arial" pitchFamily="34" charset="0"/>
+              <a:buChar char="•"/>
+              <a:defRPr/>
+            </a:pPr>
+            <a:r>
+              <a:rPr lang="en-US" dirty="0">
+                <a:cs typeface="Arial" charset="0"/>
+              </a:rPr>
+              <a:t>To check input validity – and act differently on valid input than invalid input.</a:t>
+            </a:r>
+          </a:p>
+          <a:p>
+            <a:pPr marL="171450" indent="-171450">
+              <a:spcBef>
+                <a:spcPct val="0"/>
+              </a:spcBef>
+              <a:buFont typeface="Arial" pitchFamily="34" charset="0"/>
+              <a:buChar char="•"/>
+              <a:defRPr/>
+            </a:pPr>
+            <a:r>
+              <a:rPr lang="en-US" dirty="0">
+                <a:cs typeface="Arial" charset="0"/>
+              </a:rPr>
+              <a:t>To check a graphic object’s properties.</a:t>
+            </a:r>
+          </a:p>
+          <a:p>
+            <a:pPr marL="171450" indent="-171450">
+              <a:spcBef>
+                <a:spcPct val="0"/>
+              </a:spcBef>
+              <a:buFont typeface="Arial" pitchFamily="34" charset="0"/>
+              <a:buChar char="•"/>
+              <a:defRPr/>
+            </a:pPr>
+            <a:r>
+              <a:rPr lang="en-US" dirty="0">
+                <a:cs typeface="Arial" charset="0"/>
+              </a:rPr>
+              <a:t>And more…</a:t>
+            </a:r>
           </a:p>
         </p:txBody>
       </p:sp>
@@ -1950,7 +2117,7 @@
             <a:fld id="{C18343ED-3762-4D46-A439-B4D407E13EF8}" type="slidenum">
               <a:rPr lang="en-US" smtClean="0"/>
               <a:pPr/>
-              <a:t>7</a:t>
+              <a:t>9</a:t>
             </a:fld>
             <a:endParaRPr lang="en-US"/>
           </a:p>
@@ -1959,7 +2126,7 @@
     </p:spTree>
     <p:extLst>
       <p:ext uri="{BB962C8B-B14F-4D97-AF65-F5344CB8AC3E}">
-        <p14:creationId xmlns:p14="http://schemas.microsoft.com/office/powerpoint/2010/main" val="42937133"/>
+        <p14:creationId xmlns:p14="http://schemas.microsoft.com/office/powerpoint/2010/main" val="2694355848"/>
       </p:ext>
     </p:extLst>
   </p:cSld>
@@ -2017,14 +2184,11 @@
               <a:spcBef>
                 <a:spcPct val="0"/>
               </a:spcBef>
+              <a:defRPr/>
             </a:pPr>
             <a:r>
-              <a:rPr lang="en-US" dirty="0"/>
-              <a:t>A common coding mistake is to use the assignment operator (=)</a:t>
-            </a:r>
-            <a:r>
-              <a:rPr lang="en-US" baseline="0" dirty="0"/>
-              <a:t> instead of the comparison operator (==).</a:t>
+              <a:rPr lang="en-US" u="sng" dirty="0"/>
+              <a:t>Example 1</a:t>
             </a:r>
           </a:p>
           <a:p>
@@ -2032,26 +2196,11 @@
               <a:spcBef>
                 <a:spcPct val="0"/>
               </a:spcBef>
+              <a:defRPr/>
             </a:pPr>
             <a:r>
-              <a:rPr lang="en-US" baseline="0" dirty="0"/>
-              <a:t>Luckily for us, </a:t>
-            </a:r>
-            <a:r>
               <a:rPr lang="en-US" dirty="0"/>
-              <a:t>Python</a:t>
-            </a:r>
-            <a:r>
-              <a:rPr lang="en-US" baseline="0" dirty="0"/>
-              <a:t> is a </a:t>
-            </a:r>
-            <a:r>
-              <a:rPr lang="en-US" b="1" baseline="0" dirty="0"/>
-              <a:t>strongly-typed</a:t>
-            </a:r>
-            <a:r>
-              <a:rPr lang="en-US" b="0" baseline="0" dirty="0"/>
-              <a:t> programming language.</a:t>
+              <a:t>If the balance equals zero (the statement value is True), display: “No money left...”</a:t>
             </a:r>
           </a:p>
           <a:p>
@@ -2059,30 +2208,102 @@
               <a:spcBef>
                 <a:spcPct val="0"/>
               </a:spcBef>
+              <a:defRPr/>
             </a:pPr>
-            <a:r>
-              <a:rPr lang="en-US" b="0" baseline="0" dirty="0"/>
-              <a:t>Therefore, using the assignment operator where a Boolean value is expected will result in a compile-time error.</a:t>
-            </a:r>
+            <a:endParaRPr lang="en-US" dirty="0"/>
           </a:p>
           <a:p>
             <a:pPr>
               <a:spcBef>
                 <a:spcPct val="0"/>
               </a:spcBef>
+              <a:defRPr/>
             </a:pPr>
             <a:r>
-              <a:rPr lang="en-US" b="0" baseline="0" dirty="0"/>
-              <a:t>Non strongly-typed languages such as C++ allow this during compilation, and the result is most probably a run-time error, </a:t>
-            </a:r>
-            <a:br>
-              <a:rPr lang="en-US" b="0" baseline="0" dirty="0"/>
-            </a:br>
-            <a:r>
-              <a:rPr lang="en-US" b="0" baseline="0" dirty="0"/>
-              <a:t>which is significantly harder to debug.</a:t>
-            </a:r>
-            <a:endParaRPr lang="he-IL" b="1" dirty="0"/>
+              <a:rPr lang="en-US" u="sng" dirty="0"/>
+              <a:t>Example 2</a:t>
+            </a:r>
+          </a:p>
+          <a:p>
+            <a:pPr>
+              <a:spcBef>
+                <a:spcPct val="0"/>
+              </a:spcBef>
+              <a:defRPr/>
+            </a:pPr>
+            <a:r>
+              <a:rPr lang="en-US" dirty="0"/>
+              <a:t>Is the number divisible by 7?</a:t>
+            </a:r>
+          </a:p>
+          <a:p>
+            <a:pPr>
+              <a:spcBef>
+                <a:spcPct val="0"/>
+              </a:spcBef>
+              <a:defRPr/>
+            </a:pPr>
+            <a:r>
+              <a:rPr lang="en-US" dirty="0"/>
+              <a:t>If the statement ((num % 7) = = 0) value is true, display “Can be divided by 7”</a:t>
+            </a:r>
+          </a:p>
+          <a:p>
+            <a:pPr>
+              <a:spcBef>
+                <a:spcPct val="0"/>
+              </a:spcBef>
+              <a:defRPr/>
+            </a:pPr>
+            <a:endParaRPr lang="en-US" dirty="0"/>
+          </a:p>
+          <a:p>
+            <a:pPr>
+              <a:spcBef>
+                <a:spcPct val="0"/>
+              </a:spcBef>
+              <a:defRPr/>
+            </a:pPr>
+            <a:r>
+              <a:rPr lang="en-US" b="1" dirty="0"/>
+              <a:t>Note: </a:t>
+            </a:r>
+            <a:r>
+              <a:rPr lang="en-US" dirty="0"/>
+              <a:t>The whole Boolean expression is evaluated (either as true or false).</a:t>
+            </a:r>
+          </a:p>
+          <a:p>
+            <a:pPr>
+              <a:spcBef>
+                <a:spcPct val="0"/>
+              </a:spcBef>
+              <a:defRPr/>
+            </a:pPr>
+            <a:r>
+              <a:rPr lang="en-US" dirty="0"/>
+              <a:t>Non-Boolean variables </a:t>
+            </a:r>
+            <a:r>
+              <a:rPr lang="en-US" b="1" dirty="0"/>
+              <a:t>may</a:t>
+            </a:r>
+            <a:r>
+              <a:rPr lang="en-US" dirty="0"/>
+              <a:t> be included in the expression.</a:t>
+            </a:r>
+          </a:p>
+          <a:p>
+            <a:pPr>
+              <a:spcBef>
+                <a:spcPct val="0"/>
+              </a:spcBef>
+              <a:defRPr/>
+            </a:pPr>
+            <a:r>
+              <a:rPr lang="en-US" dirty="0"/>
+              <a:t>What gives the expression is Boolean nature, in this case, is the usage of the comparison operator.</a:t>
+            </a:r>
           </a:p>
         </p:txBody>
       </p:sp>
@@ -2104,7 +2325,7 @@
             <a:fld id="{C18343ED-3762-4D46-A439-B4D407E13EF8}" type="slidenum">
               <a:rPr lang="en-US" smtClean="0"/>
               <a:pPr/>
-              <a:t>8</a:t>
+              <a:t>10</a:t>
             </a:fld>
             <a:endParaRPr lang="en-US"/>
           </a:p>
@@ -2113,7 +2334,346 @@
     </p:spTree>
     <p:extLst>
       <p:ext uri="{BB962C8B-B14F-4D97-AF65-F5344CB8AC3E}">
-        <p14:creationId xmlns:p14="http://schemas.microsoft.com/office/powerpoint/2010/main" val="4232844740"/>
+        <p14:creationId xmlns:p14="http://schemas.microsoft.com/office/powerpoint/2010/main" val="3283944613"/>
+      </p:ext>
+    </p:extLst>
+  </p:cSld>
+  <p:clrMapOvr>
+    <a:masterClrMapping/>
+  </p:clrMapOvr>
+</p:notes>
+</file>
+
+<file path=ppt/notesSlides/notesSlide8.xml><?xml version="1.0" encoding="utf-8"?>
+<p:notes xmlns:a="http://schemas.openxmlformats.org/drawingml/2006/main" xmlns:r="http://schemas.openxmlformats.org/officeDocument/2006/relationships" xmlns:p="http://schemas.openxmlformats.org/presentationml/2006/main">
+  <p:cSld>
+    <p:spTree>
+      <p:nvGrpSpPr>
+        <p:cNvPr id="1" name=""/>
+        <p:cNvGrpSpPr/>
+        <p:nvPr/>
+      </p:nvGrpSpPr>
+      <p:grpSpPr>
+        <a:xfrm>
+          <a:off x="0" y="0"/>
+          <a:ext cx="0" cy="0"/>
+          <a:chOff x="0" y="0"/>
+          <a:chExt cx="0" cy="0"/>
+        </a:xfrm>
+      </p:grpSpPr>
+      <p:sp>
+        <p:nvSpPr>
+          <p:cNvPr id="2" name="Slide Image Placeholder 1"/>
+          <p:cNvSpPr>
+            <a:spLocks noGrp="1" noRot="1" noChangeAspect="1"/>
+          </p:cNvSpPr>
+          <p:nvPr>
+            <p:ph type="sldImg"/>
+          </p:nvPr>
+        </p:nvSpPr>
+        <p:spPr/>
+      </p:sp>
+      <p:sp>
+        <p:nvSpPr>
+          <p:cNvPr id="3" name="Notes Placeholder 2"/>
+          <p:cNvSpPr>
+            <a:spLocks noGrp="1"/>
+          </p:cNvSpPr>
+          <p:nvPr>
+            <p:ph type="body" idx="1"/>
+          </p:nvPr>
+        </p:nvSpPr>
+        <p:spPr/>
+        <p:txBody>
+          <a:bodyPr/>
+          <a:lstStyle/>
+          <a:p>
+            <a:pPr>
+              <a:spcBef>
+                <a:spcPct val="0"/>
+              </a:spcBef>
+              <a:defRPr/>
+            </a:pPr>
+            <a:r>
+              <a:rPr lang="en-US" dirty="0">
+                <a:cs typeface="Arial" charset="0"/>
+              </a:rPr>
+              <a:t>A program becomes flexible when the execution of an operation or a series of operations becomes dependent on specific circumstances.</a:t>
+            </a:r>
+          </a:p>
+          <a:p>
+            <a:pPr>
+              <a:spcBef>
+                <a:spcPct val="0"/>
+              </a:spcBef>
+              <a:defRPr/>
+            </a:pPr>
+            <a:endParaRPr lang="en-US" dirty="0">
+              <a:cs typeface="Arial" charset="0"/>
+            </a:endParaRPr>
+          </a:p>
+          <a:p>
+            <a:pPr>
+              <a:spcBef>
+                <a:spcPct val="0"/>
+              </a:spcBef>
+              <a:defRPr/>
+            </a:pPr>
+            <a:r>
+              <a:rPr lang="en-US" dirty="0">
+                <a:cs typeface="Arial" charset="0"/>
+              </a:rPr>
+              <a:t>We use conditions:</a:t>
+            </a:r>
+          </a:p>
+          <a:p>
+            <a:pPr marL="171450" indent="-171450">
+              <a:spcBef>
+                <a:spcPct val="0"/>
+              </a:spcBef>
+              <a:buFont typeface="Arial" pitchFamily="34" charset="0"/>
+              <a:buChar char="•"/>
+              <a:defRPr/>
+            </a:pPr>
+            <a:r>
+              <a:rPr lang="en-US" dirty="0">
+                <a:cs typeface="Arial" charset="0"/>
+              </a:rPr>
+              <a:t>To check the values of variables – and act differently on different values.</a:t>
+            </a:r>
+          </a:p>
+          <a:p>
+            <a:pPr marL="171450" indent="-171450">
+              <a:spcBef>
+                <a:spcPct val="0"/>
+              </a:spcBef>
+              <a:buFont typeface="Arial" pitchFamily="34" charset="0"/>
+              <a:buChar char="•"/>
+              <a:defRPr/>
+            </a:pPr>
+            <a:r>
+              <a:rPr lang="en-US" dirty="0">
+                <a:cs typeface="Arial" charset="0"/>
+              </a:rPr>
+              <a:t>To check input validity – and act differently on valid input than invalid input.</a:t>
+            </a:r>
+          </a:p>
+          <a:p>
+            <a:pPr marL="171450" indent="-171450">
+              <a:spcBef>
+                <a:spcPct val="0"/>
+              </a:spcBef>
+              <a:buFont typeface="Arial" pitchFamily="34" charset="0"/>
+              <a:buChar char="•"/>
+              <a:defRPr/>
+            </a:pPr>
+            <a:r>
+              <a:rPr lang="en-US" dirty="0">
+                <a:cs typeface="Arial" charset="0"/>
+              </a:rPr>
+              <a:t>To check a graphic object’s properties.</a:t>
+            </a:r>
+          </a:p>
+          <a:p>
+            <a:pPr marL="171450" indent="-171450">
+              <a:spcBef>
+                <a:spcPct val="0"/>
+              </a:spcBef>
+              <a:buFont typeface="Arial" pitchFamily="34" charset="0"/>
+              <a:buChar char="•"/>
+              <a:defRPr/>
+            </a:pPr>
+            <a:r>
+              <a:rPr lang="en-US" dirty="0">
+                <a:cs typeface="Arial" charset="0"/>
+              </a:rPr>
+              <a:t>And more…</a:t>
+            </a:r>
+          </a:p>
+        </p:txBody>
+      </p:sp>
+      <p:sp>
+        <p:nvSpPr>
+          <p:cNvPr id="4" name="Slide Number Placeholder 3"/>
+          <p:cNvSpPr>
+            <a:spLocks noGrp="1"/>
+          </p:cNvSpPr>
+          <p:nvPr>
+            <p:ph type="sldNum" sz="quarter" idx="10"/>
+          </p:nvPr>
+        </p:nvSpPr>
+        <p:spPr/>
+        <p:txBody>
+          <a:bodyPr/>
+          <a:lstStyle/>
+          <a:p>
+            <a:fld id="{C18343ED-3762-4D46-A439-B4D407E13EF8}" type="slidenum">
+              <a:rPr lang="en-US" smtClean="0"/>
+              <a:pPr/>
+              <a:t>12</a:t>
+            </a:fld>
+            <a:endParaRPr lang="en-US"/>
+          </a:p>
+        </p:txBody>
+      </p:sp>
+    </p:spTree>
+    <p:extLst>
+      <p:ext uri="{BB962C8B-B14F-4D97-AF65-F5344CB8AC3E}">
+        <p14:creationId xmlns:p14="http://schemas.microsoft.com/office/powerpoint/2010/main" val="74348774"/>
+      </p:ext>
+    </p:extLst>
+  </p:cSld>
+  <p:clrMapOvr>
+    <a:masterClrMapping/>
+  </p:clrMapOvr>
+</p:notes>
+</file>
+
+<file path=ppt/notesSlides/notesSlide9.xml><?xml version="1.0" encoding="utf-8"?>
+<p:notes xmlns:a="http://schemas.openxmlformats.org/drawingml/2006/main" xmlns:r="http://schemas.openxmlformats.org/officeDocument/2006/relationships" xmlns:p="http://schemas.openxmlformats.org/presentationml/2006/main">
+  <p:cSld>
+    <p:spTree>
+      <p:nvGrpSpPr>
+        <p:cNvPr id="1" name=""/>
+        <p:cNvGrpSpPr/>
+        <p:nvPr/>
+      </p:nvGrpSpPr>
+      <p:grpSpPr>
+        <a:xfrm>
+          <a:off x="0" y="0"/>
+          <a:ext cx="0" cy="0"/>
+          <a:chOff x="0" y="0"/>
+          <a:chExt cx="0" cy="0"/>
+        </a:xfrm>
+      </p:grpSpPr>
+      <p:sp>
+        <p:nvSpPr>
+          <p:cNvPr id="2" name="Slide Image Placeholder 1"/>
+          <p:cNvSpPr>
+            <a:spLocks noGrp="1" noRot="1" noChangeAspect="1"/>
+          </p:cNvSpPr>
+          <p:nvPr>
+            <p:ph type="sldImg"/>
+          </p:nvPr>
+        </p:nvSpPr>
+        <p:spPr/>
+      </p:sp>
+      <p:sp>
+        <p:nvSpPr>
+          <p:cNvPr id="3" name="Notes Placeholder 2"/>
+          <p:cNvSpPr>
+            <a:spLocks noGrp="1"/>
+          </p:cNvSpPr>
+          <p:nvPr>
+            <p:ph type="body" idx="1"/>
+          </p:nvPr>
+        </p:nvSpPr>
+        <p:spPr/>
+        <p:txBody>
+          <a:bodyPr/>
+          <a:lstStyle/>
+          <a:p>
+            <a:pPr>
+              <a:spcBef>
+                <a:spcPct val="0"/>
+              </a:spcBef>
+            </a:pPr>
+            <a:r>
+              <a:rPr lang="en-US" dirty="0"/>
+              <a:t>A common coding mistake is to use the assignment operator (=)</a:t>
+            </a:r>
+            <a:r>
+              <a:rPr lang="en-US" baseline="0" dirty="0"/>
+              <a:t> instead of the comparison operator (==).</a:t>
+            </a:r>
+          </a:p>
+          <a:p>
+            <a:pPr>
+              <a:spcBef>
+                <a:spcPct val="0"/>
+              </a:spcBef>
+            </a:pPr>
+            <a:r>
+              <a:rPr lang="en-US" baseline="0" dirty="0"/>
+              <a:t>Luckily for us, </a:t>
+            </a:r>
+            <a:r>
+              <a:rPr lang="en-US" dirty="0"/>
+              <a:t>Python</a:t>
+            </a:r>
+            <a:r>
+              <a:rPr lang="en-US" baseline="0" dirty="0"/>
+              <a:t> is a </a:t>
+            </a:r>
+            <a:r>
+              <a:rPr lang="en-US" b="1" baseline="0" dirty="0"/>
+              <a:t>strongly-typed</a:t>
+            </a:r>
+            <a:r>
+              <a:rPr lang="en-US" b="0" baseline="0" dirty="0"/>
+              <a:t> programming language.</a:t>
+            </a:r>
+          </a:p>
+          <a:p>
+            <a:pPr>
+              <a:spcBef>
+                <a:spcPct val="0"/>
+              </a:spcBef>
+            </a:pPr>
+            <a:r>
+              <a:rPr lang="en-US" b="0" baseline="0" dirty="0"/>
+              <a:t>Therefore, using the assignment operator where a Boolean value is expected will result in a compile-time error.</a:t>
+            </a:r>
+          </a:p>
+          <a:p>
+            <a:pPr>
+              <a:spcBef>
+                <a:spcPct val="0"/>
+              </a:spcBef>
+            </a:pPr>
+            <a:r>
+              <a:rPr lang="en-US" b="0" baseline="0" dirty="0"/>
+              <a:t>Non strongly-typed languages such as C++ allow this during compilation, and the result is most probably a run-time error, </a:t>
+            </a:r>
+            <a:br>
+              <a:rPr lang="en-US" b="0" baseline="0" dirty="0"/>
+            </a:br>
+            <a:r>
+              <a:rPr lang="en-US" b="0" baseline="0" dirty="0"/>
+              <a:t>which is significantly harder to debug.</a:t>
+            </a:r>
+            <a:endParaRPr lang="he-IL" b="1" dirty="0"/>
+          </a:p>
+        </p:txBody>
+      </p:sp>
+      <p:sp>
+        <p:nvSpPr>
+          <p:cNvPr id="4" name="Slide Number Placeholder 3"/>
+          <p:cNvSpPr>
+            <a:spLocks noGrp="1"/>
+          </p:cNvSpPr>
+          <p:nvPr>
+            <p:ph type="sldNum" sz="quarter" idx="10"/>
+          </p:nvPr>
+        </p:nvSpPr>
+        <p:spPr/>
+        <p:txBody>
+          <a:bodyPr/>
+          <a:lstStyle/>
+          <a:p>
+            <a:fld id="{C18343ED-3762-4D46-A439-B4D407E13EF8}" type="slidenum">
+              <a:rPr lang="en-US" smtClean="0"/>
+              <a:pPr/>
+              <a:t>13</a:t>
+            </a:fld>
+            <a:endParaRPr lang="en-US"/>
+          </a:p>
+        </p:txBody>
+      </p:sp>
+    </p:spTree>
+    <p:extLst>
+      <p:ext uri="{BB962C8B-B14F-4D97-AF65-F5344CB8AC3E}">
+        <p14:creationId xmlns:p14="http://schemas.microsoft.com/office/powerpoint/2010/main" val="42937133"/>
       </p:ext>
     </p:extLst>
   </p:cSld>
@@ -2272,7 +2832,7 @@
           <a:p>
             <a:fld id="{AB734A3E-2292-4870-B99D-F40AFCF82B81}" type="datetimeFigureOut">
               <a:rPr lang="he-IL" smtClean="0"/>
-              <a:t>ל'/סיון/תשפ"ג</a:t>
+              <a:t>ט"ז/תמוז/תשפ"ג</a:t>
             </a:fld>
             <a:endParaRPr lang="he-IL"/>
           </a:p>
@@ -2472,7 +3032,7 @@
           <a:p>
             <a:fld id="{AB734A3E-2292-4870-B99D-F40AFCF82B81}" type="datetimeFigureOut">
               <a:rPr lang="he-IL" smtClean="0"/>
-              <a:t>ל'/סיון/תשפ"ג</a:t>
+              <a:t>ט"ז/תמוז/תשפ"ג</a:t>
             </a:fld>
             <a:endParaRPr lang="he-IL"/>
           </a:p>
@@ -2682,7 +3242,7 @@
           <a:p>
             <a:fld id="{AB734A3E-2292-4870-B99D-F40AFCF82B81}" type="datetimeFigureOut">
               <a:rPr lang="he-IL" smtClean="0"/>
-              <a:t>ל'/סיון/תשפ"ג</a:t>
+              <a:t>ט"ז/תמוז/תשפ"ג</a:t>
             </a:fld>
             <a:endParaRPr lang="he-IL"/>
           </a:p>
@@ -5451,7 +6011,7 @@
           <a:p>
             <a:fld id="{AB734A3E-2292-4870-B99D-F40AFCF82B81}" type="datetimeFigureOut">
               <a:rPr lang="he-IL" smtClean="0"/>
-              <a:t>ל'/סיון/תשפ"ג</a:t>
+              <a:t>ט"ז/תמוז/תשפ"ג</a:t>
             </a:fld>
             <a:endParaRPr lang="he-IL"/>
           </a:p>
@@ -5727,7 +6287,7 @@
           <a:p>
             <a:fld id="{AB734A3E-2292-4870-B99D-F40AFCF82B81}" type="datetimeFigureOut">
               <a:rPr lang="he-IL" smtClean="0"/>
-              <a:t>ל'/סיון/תשפ"ג</a:t>
+              <a:t>ט"ז/תמוז/תשפ"ג</a:t>
             </a:fld>
             <a:endParaRPr lang="he-IL"/>
           </a:p>
@@ -5995,7 +6555,7 @@
           <a:p>
             <a:fld id="{AB734A3E-2292-4870-B99D-F40AFCF82B81}" type="datetimeFigureOut">
               <a:rPr lang="he-IL" smtClean="0"/>
-              <a:t>ל'/סיון/תשפ"ג</a:t>
+              <a:t>ט"ז/תמוז/תשפ"ג</a:t>
             </a:fld>
             <a:endParaRPr lang="he-IL"/>
           </a:p>
@@ -6410,7 +6970,7 @@
           <a:p>
             <a:fld id="{AB734A3E-2292-4870-B99D-F40AFCF82B81}" type="datetimeFigureOut">
               <a:rPr lang="he-IL" smtClean="0"/>
-              <a:t>ל'/סיון/תשפ"ג</a:t>
+              <a:t>ט"ז/תמוז/תשפ"ג</a:t>
             </a:fld>
             <a:endParaRPr lang="he-IL"/>
           </a:p>
@@ -6552,7 +7112,7 @@
           <a:p>
             <a:fld id="{AB734A3E-2292-4870-B99D-F40AFCF82B81}" type="datetimeFigureOut">
               <a:rPr lang="he-IL" smtClean="0"/>
-              <a:t>ל'/סיון/תשפ"ג</a:t>
+              <a:t>ט"ז/תמוז/תשפ"ג</a:t>
             </a:fld>
             <a:endParaRPr lang="he-IL"/>
           </a:p>
@@ -6665,7 +7225,7 @@
           <a:p>
             <a:fld id="{AB734A3E-2292-4870-B99D-F40AFCF82B81}" type="datetimeFigureOut">
               <a:rPr lang="he-IL" smtClean="0"/>
-              <a:t>ל'/סיון/תשפ"ג</a:t>
+              <a:t>ט"ז/תמוז/תשפ"ג</a:t>
             </a:fld>
             <a:endParaRPr lang="he-IL"/>
           </a:p>
@@ -6978,7 +7538,7 @@
           <a:p>
             <a:fld id="{AB734A3E-2292-4870-B99D-F40AFCF82B81}" type="datetimeFigureOut">
               <a:rPr lang="he-IL" smtClean="0"/>
-              <a:t>ל'/סיון/תשפ"ג</a:t>
+              <a:t>ט"ז/תמוז/תשפ"ג</a:t>
             </a:fld>
             <a:endParaRPr lang="he-IL"/>
           </a:p>
@@ -7267,7 +7827,7 @@
           <a:p>
             <a:fld id="{AB734A3E-2292-4870-B99D-F40AFCF82B81}" type="datetimeFigureOut">
               <a:rPr lang="he-IL" smtClean="0"/>
-              <a:t>ל'/סיון/תשפ"ג</a:t>
+              <a:t>ט"ז/תמוז/תשפ"ג</a:t>
             </a:fld>
             <a:endParaRPr lang="he-IL"/>
           </a:p>
@@ -7510,7 +8070,7 @@
           <a:p>
             <a:fld id="{AB734A3E-2292-4870-B99D-F40AFCF82B81}" type="datetimeFigureOut">
               <a:rPr lang="he-IL" smtClean="0"/>
-              <a:t>ל'/סיון/תשפ"ג</a:t>
+              <a:t>ט"ז/תמוז/תשפ"ג</a:t>
             </a:fld>
             <a:endParaRPr lang="he-IL"/>
           </a:p>
@@ -7991,6 +8551,2642 @@
       </p:grpSpPr>
       <p:sp>
         <p:nvSpPr>
+          <p:cNvPr id="4" name="Title 3"/>
+          <p:cNvSpPr>
+            <a:spLocks noGrp="1"/>
+          </p:cNvSpPr>
+          <p:nvPr>
+            <p:ph type="title"/>
+          </p:nvPr>
+        </p:nvSpPr>
+        <p:spPr/>
+        <p:txBody>
+          <a:bodyPr/>
+          <a:lstStyle/>
+          <a:p>
+            <a:r>
+              <a:rPr lang="en-US" dirty="0"/>
+              <a:t>For Loop</a:t>
+            </a:r>
+            <a:endParaRPr lang="he-IL" dirty="0"/>
+          </a:p>
+        </p:txBody>
+      </p:sp>
+      <p:sp>
+        <p:nvSpPr>
+          <p:cNvPr id="10" name="Text Placeholder 9">
+            <a:extLst>
+              <a:ext uri="{FF2B5EF4-FFF2-40B4-BE49-F238E27FC236}">
+                <a16:creationId xmlns:a16="http://schemas.microsoft.com/office/drawing/2014/main" id="{5B6F0601-DB2F-455B-BC48-ABD9416FF2BB}"/>
+              </a:ext>
+            </a:extLst>
+          </p:cNvPr>
+          <p:cNvSpPr>
+            <a:spLocks noGrp="1"/>
+          </p:cNvSpPr>
+          <p:nvPr>
+            <p:ph type="body" sz="quarter" idx="15"/>
+          </p:nvPr>
+        </p:nvSpPr>
+        <p:spPr>
+          <a:xfrm>
+            <a:off x="815413" y="1494176"/>
+            <a:ext cx="10673019" cy="4686491"/>
+          </a:xfrm>
+        </p:spPr>
+        <p:txBody>
+          <a:bodyPr>
+            <a:normAutofit/>
+          </a:bodyPr>
+          <a:lstStyle/>
+          <a:p>
+            <a:pPr>
+              <a:buFont typeface="Arial" panose="020B0604020202020204" pitchFamily="34" charset="0"/>
+              <a:buChar char="•"/>
+            </a:pPr>
+            <a:r>
+              <a:rPr lang="en-US" dirty="0"/>
+              <a:t>Python for loops iterates over the member of a sequence in order </a:t>
+            </a:r>
+          </a:p>
+          <a:p>
+            <a:pPr lvl="1">
+              <a:buFont typeface="Arial" panose="020B0604020202020204" pitchFamily="34" charset="0"/>
+              <a:buChar char="•"/>
+            </a:pPr>
+            <a:endParaRPr lang="en-US" sz="1300" dirty="0"/>
+          </a:p>
+          <a:p>
+            <a:pPr marL="457200" lvl="1" indent="0">
+              <a:buNone/>
+            </a:pPr>
+            <a:r>
+              <a:rPr lang="en-US" dirty="0"/>
+              <a:t>Example 1:</a:t>
+            </a:r>
+          </a:p>
+          <a:p>
+            <a:pPr marL="457200" lvl="1" indent="0">
+              <a:buNone/>
+            </a:pPr>
+            <a:endParaRPr lang="en-US" dirty="0"/>
+          </a:p>
+          <a:p>
+            <a:pPr marL="457200" lvl="1" indent="0">
+              <a:buNone/>
+            </a:pPr>
+            <a:endParaRPr lang="en-US" dirty="0"/>
+          </a:p>
+          <a:p>
+            <a:pPr marL="457200" lvl="1" indent="0">
+              <a:buNone/>
+            </a:pPr>
+            <a:r>
+              <a:rPr lang="en-US" dirty="0"/>
+              <a:t>Example 2:</a:t>
+            </a:r>
+          </a:p>
+          <a:p>
+            <a:pPr lvl="1">
+              <a:buFont typeface="Arial" panose="020B0604020202020204" pitchFamily="34" charset="0"/>
+              <a:buChar char="•"/>
+            </a:pPr>
+            <a:endParaRPr lang="en-US" dirty="0"/>
+          </a:p>
+          <a:p>
+            <a:pPr lvl="1">
+              <a:buFont typeface="Arial" panose="020B0604020202020204" pitchFamily="34" charset="0"/>
+              <a:buChar char="•"/>
+            </a:pPr>
+            <a:endParaRPr lang="en-US" dirty="0"/>
+          </a:p>
+          <a:p>
+            <a:pPr lvl="1">
+              <a:buFont typeface="Arial" panose="020B0604020202020204" pitchFamily="34" charset="0"/>
+              <a:buChar char="•"/>
+            </a:pPr>
+            <a:endParaRPr lang="en-US" dirty="0"/>
+          </a:p>
+          <a:p>
+            <a:pPr marL="457200" lvl="1" indent="0">
+              <a:buNone/>
+            </a:pPr>
+            <a:r>
+              <a:rPr lang="en-US" dirty="0"/>
+              <a:t>Example 3:</a:t>
+            </a:r>
+          </a:p>
+          <a:p>
+            <a:pPr>
+              <a:buFont typeface="Arial" panose="020B0604020202020204" pitchFamily="34" charset="0"/>
+              <a:buChar char="•"/>
+            </a:pPr>
+            <a:endParaRPr lang="en-US" dirty="0"/>
+          </a:p>
+          <a:p>
+            <a:pPr>
+              <a:buFont typeface="Arial" panose="020B0604020202020204" pitchFamily="34" charset="0"/>
+              <a:buChar char="•"/>
+            </a:pPr>
+            <a:endParaRPr lang="en-US" dirty="0"/>
+          </a:p>
+        </p:txBody>
+      </p:sp>
+      <p:sp>
+        <p:nvSpPr>
+          <p:cNvPr id="3" name="Rectangle 2">
+            <a:extLst>
+              <a:ext uri="{FF2B5EF4-FFF2-40B4-BE49-F238E27FC236}">
+                <a16:creationId xmlns:a16="http://schemas.microsoft.com/office/drawing/2014/main" id="{73F788CD-06F6-4BC6-9564-5AB0D00921B7}"/>
+              </a:ext>
+            </a:extLst>
+          </p:cNvPr>
+          <p:cNvSpPr>
+            <a:spLocks noChangeArrowheads="1"/>
+          </p:cNvSpPr>
+          <p:nvPr/>
+        </p:nvSpPr>
+        <p:spPr bwMode="auto">
+          <a:xfrm>
+            <a:off x="1526959" y="3167390"/>
+            <a:ext cx="3275861" cy="523220"/>
+          </a:xfrm>
+          <a:prstGeom prst="rect">
+            <a:avLst/>
+          </a:prstGeom>
+          <a:solidFill>
+            <a:srgbClr val="2B2B2B"/>
+          </a:solidFill>
+          <a:ln>
+            <a:noFill/>
+          </a:ln>
+          <a:effectLst/>
+          <a:extLst>
+            <a:ext uri="{91240B29-F687-4F45-9708-019B960494DF}">
+              <a14:hiddenLine xmlns:a14="http://schemas.microsoft.com/office/drawing/2010/main" w="9525">
+                <a:solidFill>
+                  <a:schemeClr val="tx1"/>
+                </a:solidFill>
+                <a:miter lim="800000"/>
+                <a:headEnd/>
+                <a:tailEnd/>
+              </a14:hiddenLine>
+            </a:ext>
+            <a:ext uri="{AF507438-7753-43E0-B8FC-AC1667EBCBE1}">
+              <a14:hiddenEffects xmlns:a14="http://schemas.microsoft.com/office/drawing/2010/main">
+                <a:effectLst>
+                  <a:outerShdw dist="35921" dir="2700000" algn="ctr" rotWithShape="0">
+                    <a:schemeClr val="bg2"/>
+                  </a:outerShdw>
+                </a:effectLst>
+              </a14:hiddenEffects>
+            </a:ext>
+          </a:extLst>
+        </p:spPr>
+        <p:txBody>
+          <a:bodyPr vert="horz" wrap="square" lIns="91440" tIns="45720" rIns="91440" bIns="45720" numCol="1" anchor="ctr" anchorCtr="0" compatLnSpc="1">
+            <a:prstTxWarp prst="textNoShape">
+              <a:avLst/>
+            </a:prstTxWarp>
+            <a:spAutoFit/>
+          </a:bodyPr>
+          <a:lstStyle/>
+          <a:p>
+            <a:pPr marL="0" marR="0" lvl="0" indent="0" algn="l" defTabSz="914400" rtl="0" eaLnBrk="0" fontAlgn="base" latinLnBrk="0" hangingPunct="0">
+              <a:lnSpc>
+                <a:spcPct val="100000"/>
+              </a:lnSpc>
+              <a:spcBef>
+                <a:spcPct val="0"/>
+              </a:spcBef>
+              <a:spcAft>
+                <a:spcPct val="0"/>
+              </a:spcAft>
+              <a:buClrTx/>
+              <a:buSzTx/>
+              <a:buFontTx/>
+              <a:buNone/>
+              <a:tabLst/>
+            </a:pPr>
+            <a:r>
+              <a:rPr kumimoji="0" lang="en-US" altLang="en-US" sz="1400" b="0" i="0" u="none" strike="noStrike" cap="none" normalizeH="0" baseline="0" dirty="0">
+                <a:ln>
+                  <a:noFill/>
+                </a:ln>
+                <a:solidFill>
+                  <a:srgbClr val="CC7832"/>
+                </a:solidFill>
+                <a:effectLst/>
+                <a:latin typeface="Arial Unicode MS"/>
+              </a:rPr>
+              <a:t>for </a:t>
+            </a:r>
+            <a:r>
+              <a:rPr kumimoji="0" lang="en-US" altLang="en-US" sz="1400" b="0" i="0" u="none" strike="noStrike" cap="none" normalizeH="0" baseline="0" dirty="0">
+                <a:ln>
+                  <a:noFill/>
+                </a:ln>
+                <a:solidFill>
+                  <a:srgbClr val="A9B7C6"/>
+                </a:solidFill>
+                <a:effectLst/>
+                <a:latin typeface="Arial Unicode MS"/>
+              </a:rPr>
+              <a:t>letter </a:t>
+            </a:r>
+            <a:r>
+              <a:rPr kumimoji="0" lang="en-US" altLang="en-US" sz="1400" b="0" i="0" u="none" strike="noStrike" cap="none" normalizeH="0" baseline="0" dirty="0">
+                <a:ln>
+                  <a:noFill/>
+                </a:ln>
+                <a:solidFill>
+                  <a:srgbClr val="CC7832"/>
+                </a:solidFill>
+                <a:effectLst/>
+                <a:latin typeface="Arial Unicode MS"/>
+              </a:rPr>
+              <a:t>in </a:t>
+            </a:r>
+            <a:r>
+              <a:rPr kumimoji="0" lang="en-US" altLang="en-US" sz="1400" b="0" i="0" u="none" strike="noStrike" cap="none" normalizeH="0" baseline="0" dirty="0">
+                <a:ln>
+                  <a:noFill/>
+                </a:ln>
+                <a:solidFill>
+                  <a:srgbClr val="6A8759"/>
+                </a:solidFill>
+                <a:effectLst/>
+                <a:latin typeface="Arial Unicode MS"/>
+              </a:rPr>
+              <a:t>'sentence'</a:t>
+            </a:r>
+            <a:r>
+              <a:rPr kumimoji="0" lang="en-US" altLang="en-US" sz="1400" b="0" i="0" u="none" strike="noStrike" cap="none" normalizeH="0" baseline="0" dirty="0">
+                <a:ln>
+                  <a:noFill/>
+                </a:ln>
+                <a:solidFill>
+                  <a:srgbClr val="A9B7C6"/>
+                </a:solidFill>
+                <a:effectLst/>
+                <a:latin typeface="Arial Unicode MS"/>
+              </a:rPr>
+              <a:t>:</a:t>
+            </a:r>
+            <a:br>
+              <a:rPr kumimoji="0" lang="en-US" altLang="en-US" sz="1400" b="0" i="0" u="none" strike="noStrike" cap="none" normalizeH="0" baseline="0" dirty="0">
+                <a:ln>
+                  <a:noFill/>
+                </a:ln>
+                <a:solidFill>
+                  <a:srgbClr val="A9B7C6"/>
+                </a:solidFill>
+                <a:effectLst/>
+                <a:latin typeface="Arial Unicode MS"/>
+              </a:rPr>
+            </a:br>
+            <a:r>
+              <a:rPr kumimoji="0" lang="en-US" altLang="en-US" sz="1400" b="0" i="0" u="none" strike="noStrike" cap="none" normalizeH="0" baseline="0" dirty="0">
+                <a:ln>
+                  <a:noFill/>
+                </a:ln>
+                <a:solidFill>
+                  <a:srgbClr val="A9B7C6"/>
+                </a:solidFill>
+                <a:effectLst/>
+                <a:latin typeface="Arial Unicode MS"/>
+              </a:rPr>
+              <a:t>   </a:t>
+            </a:r>
+            <a:r>
+              <a:rPr kumimoji="0" lang="en-US" altLang="en-US" sz="1400" b="0" i="0" u="none" strike="noStrike" cap="none" normalizeH="0" baseline="0" dirty="0">
+                <a:ln>
+                  <a:noFill/>
+                </a:ln>
+                <a:solidFill>
+                  <a:srgbClr val="8888C6"/>
+                </a:solidFill>
+                <a:effectLst/>
+                <a:latin typeface="Arial Unicode MS"/>
+              </a:rPr>
+              <a:t>print </a:t>
+            </a:r>
+            <a:r>
+              <a:rPr kumimoji="0" lang="en-US" altLang="en-US" sz="1400" b="0" i="0" u="none" strike="noStrike" cap="none" normalizeH="0" baseline="0" dirty="0">
+                <a:ln>
+                  <a:noFill/>
+                </a:ln>
+                <a:solidFill>
+                  <a:srgbClr val="A9B7C6"/>
+                </a:solidFill>
+                <a:effectLst/>
+                <a:latin typeface="Arial Unicode MS"/>
+              </a:rPr>
+              <a:t>(letter)       </a:t>
+            </a:r>
+            <a:r>
+              <a:rPr kumimoji="0" lang="en-US" altLang="en-US" sz="1400" b="0" i="0" u="none" strike="noStrike" cap="none" normalizeH="0" baseline="0" dirty="0">
+                <a:ln>
+                  <a:noFill/>
+                </a:ln>
+                <a:solidFill>
+                  <a:srgbClr val="808080"/>
+                </a:solidFill>
+                <a:effectLst/>
+                <a:latin typeface="Arial Unicode MS"/>
+              </a:rPr>
+              <a:t>#prints: s e n t e n c e</a:t>
+            </a:r>
+            <a:endParaRPr kumimoji="0" lang="en-US" altLang="en-US" sz="1400" b="0" i="0" u="none" strike="noStrike" cap="none" normalizeH="0" baseline="0" dirty="0">
+              <a:ln>
+                <a:noFill/>
+              </a:ln>
+              <a:solidFill>
+                <a:schemeClr val="tx1"/>
+              </a:solidFill>
+              <a:effectLst/>
+              <a:latin typeface="Arial" panose="020B0604020202020204" pitchFamily="34" charset="0"/>
+            </a:endParaRPr>
+          </a:p>
+        </p:txBody>
+      </p:sp>
+      <p:sp>
+        <p:nvSpPr>
+          <p:cNvPr id="6" name="Rectangle 4">
+            <a:extLst>
+              <a:ext uri="{FF2B5EF4-FFF2-40B4-BE49-F238E27FC236}">
+                <a16:creationId xmlns:a16="http://schemas.microsoft.com/office/drawing/2014/main" id="{794D0DCA-A4D9-4243-92A1-D37D486694C1}"/>
+              </a:ext>
+            </a:extLst>
+          </p:cNvPr>
+          <p:cNvSpPr>
+            <a:spLocks noChangeArrowheads="1"/>
+          </p:cNvSpPr>
+          <p:nvPr/>
+        </p:nvSpPr>
+        <p:spPr bwMode="auto">
+          <a:xfrm>
+            <a:off x="1526959" y="4395460"/>
+            <a:ext cx="4347100" cy="738664"/>
+          </a:xfrm>
+          <a:prstGeom prst="rect">
+            <a:avLst/>
+          </a:prstGeom>
+          <a:solidFill>
+            <a:srgbClr val="2B2B2B"/>
+          </a:solidFill>
+          <a:ln>
+            <a:noFill/>
+          </a:ln>
+          <a:effectLst/>
+          <a:extLst>
+            <a:ext uri="{91240B29-F687-4F45-9708-019B960494DF}">
+              <a14:hiddenLine xmlns:a14="http://schemas.microsoft.com/office/drawing/2010/main" w="9525">
+                <a:solidFill>
+                  <a:schemeClr val="tx1"/>
+                </a:solidFill>
+                <a:miter lim="800000"/>
+                <a:headEnd/>
+                <a:tailEnd/>
+              </a14:hiddenLine>
+            </a:ext>
+            <a:ext uri="{AF507438-7753-43E0-B8FC-AC1667EBCBE1}">
+              <a14:hiddenEffects xmlns:a14="http://schemas.microsoft.com/office/drawing/2010/main">
+                <a:effectLst>
+                  <a:outerShdw dist="35921" dir="2700000" algn="ctr" rotWithShape="0">
+                    <a:schemeClr val="bg2"/>
+                  </a:outerShdw>
+                </a:effectLst>
+              </a14:hiddenEffects>
+            </a:ext>
+          </a:extLst>
+        </p:spPr>
+        <p:txBody>
+          <a:bodyPr vert="horz" wrap="square" lIns="91440" tIns="45720" rIns="91440" bIns="45720" numCol="1" anchor="ctr" anchorCtr="0" compatLnSpc="1">
+            <a:prstTxWarp prst="textNoShape">
+              <a:avLst/>
+            </a:prstTxWarp>
+            <a:spAutoFit/>
+          </a:bodyPr>
+          <a:lstStyle/>
+          <a:p>
+            <a:pPr marL="0" marR="0" lvl="0" indent="0" algn="l" defTabSz="914400" rtl="0" eaLnBrk="0" fontAlgn="base" latinLnBrk="0" hangingPunct="0">
+              <a:lnSpc>
+                <a:spcPct val="100000"/>
+              </a:lnSpc>
+              <a:spcBef>
+                <a:spcPct val="0"/>
+              </a:spcBef>
+              <a:spcAft>
+                <a:spcPct val="0"/>
+              </a:spcAft>
+              <a:buClrTx/>
+              <a:buSzTx/>
+              <a:buFontTx/>
+              <a:buNone/>
+              <a:tabLst/>
+            </a:pPr>
+            <a:r>
+              <a:rPr kumimoji="0" lang="en-US" altLang="en-US" sz="1400" b="0" i="0" u="none" strike="noStrike" cap="none" normalizeH="0" baseline="0" dirty="0">
+                <a:ln>
+                  <a:noFill/>
+                </a:ln>
+                <a:solidFill>
+                  <a:srgbClr val="CC7832"/>
+                </a:solidFill>
+                <a:effectLst/>
+                <a:latin typeface="Arial Unicode MS"/>
+              </a:rPr>
+              <a:t>for </a:t>
+            </a:r>
+            <a:r>
+              <a:rPr kumimoji="0" lang="en-US" altLang="en-US" sz="1400" b="0" i="0" u="none" strike="noStrike" cap="none" normalizeH="0" baseline="0" dirty="0">
+                <a:ln>
+                  <a:noFill/>
+                </a:ln>
+                <a:solidFill>
+                  <a:srgbClr val="A9B7C6"/>
+                </a:solidFill>
+                <a:effectLst/>
+                <a:latin typeface="Arial Unicode MS"/>
+              </a:rPr>
+              <a:t>num </a:t>
+            </a:r>
+            <a:r>
+              <a:rPr kumimoji="0" lang="en-US" altLang="en-US" sz="1400" b="0" i="0" u="none" strike="noStrike" cap="none" normalizeH="0" baseline="0" dirty="0">
+                <a:ln>
+                  <a:noFill/>
+                </a:ln>
+                <a:solidFill>
+                  <a:srgbClr val="CC7832"/>
+                </a:solidFill>
+                <a:effectLst/>
+                <a:latin typeface="Arial Unicode MS"/>
+              </a:rPr>
+              <a:t>in </a:t>
+            </a:r>
+            <a:r>
+              <a:rPr kumimoji="0" lang="en-US" altLang="en-US" sz="1400" b="0" i="0" u="none" strike="noStrike" cap="none" normalizeH="0" baseline="0" dirty="0">
+                <a:ln>
+                  <a:noFill/>
+                </a:ln>
+                <a:solidFill>
+                  <a:srgbClr val="8888C6"/>
+                </a:solidFill>
+                <a:effectLst/>
+                <a:latin typeface="Arial Unicode MS"/>
+              </a:rPr>
+              <a:t>range</a:t>
+            </a:r>
+            <a:r>
+              <a:rPr kumimoji="0" lang="en-US" altLang="en-US" sz="1400" b="0" i="0" u="none" strike="noStrike" cap="none" normalizeH="0" baseline="0" dirty="0">
+                <a:ln>
+                  <a:noFill/>
+                </a:ln>
+                <a:solidFill>
+                  <a:srgbClr val="A9B7C6"/>
+                </a:solidFill>
+                <a:effectLst/>
+                <a:latin typeface="Arial Unicode MS"/>
+              </a:rPr>
+              <a:t>(</a:t>
+            </a:r>
+            <a:r>
+              <a:rPr kumimoji="0" lang="en-US" altLang="en-US" sz="1400" b="0" i="0" u="none" strike="noStrike" cap="none" normalizeH="0" baseline="0" dirty="0">
+                <a:ln>
+                  <a:noFill/>
+                </a:ln>
+                <a:solidFill>
+                  <a:srgbClr val="6897BB"/>
+                </a:solidFill>
+                <a:effectLst/>
+                <a:latin typeface="Arial Unicode MS"/>
+              </a:rPr>
+              <a:t>10</a:t>
+            </a:r>
+            <a:r>
+              <a:rPr kumimoji="0" lang="en-US" altLang="en-US" sz="1400" b="0" i="0" u="none" strike="noStrike" cap="none" normalizeH="0" baseline="0" dirty="0">
+                <a:ln>
+                  <a:noFill/>
+                </a:ln>
+                <a:solidFill>
+                  <a:srgbClr val="CC7832"/>
+                </a:solidFill>
+                <a:effectLst/>
+                <a:latin typeface="Arial Unicode MS"/>
+              </a:rPr>
+              <a:t>,</a:t>
+            </a:r>
+            <a:r>
+              <a:rPr kumimoji="0" lang="en-US" altLang="en-US" sz="1400" b="0" i="0" u="none" strike="noStrike" cap="none" normalizeH="0" baseline="0" dirty="0">
+                <a:ln>
+                  <a:noFill/>
+                </a:ln>
+                <a:solidFill>
+                  <a:srgbClr val="6897BB"/>
+                </a:solidFill>
+                <a:effectLst/>
+                <a:latin typeface="Arial Unicode MS"/>
+              </a:rPr>
+              <a:t>20</a:t>
+            </a:r>
+            <a:r>
+              <a:rPr kumimoji="0" lang="en-US" altLang="en-US" sz="1400" b="0" i="0" u="none" strike="noStrike" cap="none" normalizeH="0" baseline="0" dirty="0">
+                <a:ln>
+                  <a:noFill/>
+                </a:ln>
+                <a:solidFill>
+                  <a:srgbClr val="A9B7C6"/>
+                </a:solidFill>
+                <a:effectLst/>
+                <a:latin typeface="Arial Unicode MS"/>
+              </a:rPr>
+              <a:t>):       </a:t>
+            </a:r>
+            <a:r>
+              <a:rPr kumimoji="0" lang="en-US" altLang="en-US" sz="1400" b="0" i="0" u="none" strike="noStrike" cap="none" normalizeH="0" baseline="0" dirty="0">
+                <a:ln>
+                  <a:noFill/>
+                </a:ln>
+                <a:solidFill>
+                  <a:srgbClr val="808080"/>
+                </a:solidFill>
+                <a:effectLst/>
+                <a:latin typeface="Arial Unicode MS"/>
+              </a:rPr>
+              <a:t>#prints 10, 11, 12 …19</a:t>
+            </a:r>
+            <a:br>
+              <a:rPr kumimoji="0" lang="en-US" altLang="en-US" sz="1400" b="0" i="0" u="none" strike="noStrike" cap="none" normalizeH="0" baseline="0" dirty="0">
+                <a:ln>
+                  <a:noFill/>
+                </a:ln>
+                <a:solidFill>
+                  <a:srgbClr val="808080"/>
+                </a:solidFill>
+                <a:effectLst/>
+                <a:latin typeface="Arial Unicode MS"/>
+              </a:rPr>
+            </a:br>
+            <a:r>
+              <a:rPr kumimoji="0" lang="en-US" altLang="en-US" sz="1400" b="0" i="0" u="none" strike="noStrike" cap="none" normalizeH="0" baseline="0" dirty="0">
+                <a:ln>
+                  <a:noFill/>
+                </a:ln>
+                <a:solidFill>
+                  <a:srgbClr val="808080"/>
+                </a:solidFill>
+                <a:effectLst/>
+                <a:latin typeface="Arial Unicode MS"/>
+              </a:rPr>
+              <a:t>   </a:t>
+            </a:r>
+            <a:r>
+              <a:rPr kumimoji="0" lang="en-US" altLang="en-US" sz="1400" b="0" i="0" u="none" strike="noStrike" cap="none" normalizeH="0" baseline="0" dirty="0">
+                <a:ln>
+                  <a:noFill/>
+                </a:ln>
+                <a:solidFill>
+                  <a:srgbClr val="8888C6"/>
+                </a:solidFill>
+                <a:effectLst/>
+                <a:latin typeface="Arial Unicode MS"/>
+              </a:rPr>
+              <a:t>print</a:t>
+            </a:r>
+            <a:r>
+              <a:rPr kumimoji="0" lang="en-US" altLang="en-US" sz="1400" b="0" i="0" u="none" strike="noStrike" cap="none" normalizeH="0" baseline="0" dirty="0">
+                <a:ln>
+                  <a:noFill/>
+                </a:ln>
+                <a:solidFill>
+                  <a:srgbClr val="A9B7C6"/>
+                </a:solidFill>
+                <a:effectLst/>
+                <a:latin typeface="Arial Unicode MS"/>
+              </a:rPr>
+              <a:t>(num)</a:t>
+            </a:r>
+            <a:br>
+              <a:rPr kumimoji="0" lang="en-US" altLang="en-US" sz="1400" b="0" i="0" u="none" strike="noStrike" cap="none" normalizeH="0" baseline="0" dirty="0">
+                <a:ln>
+                  <a:noFill/>
+                </a:ln>
+                <a:solidFill>
+                  <a:srgbClr val="A9B7C6"/>
+                </a:solidFill>
+                <a:effectLst/>
+                <a:latin typeface="Arial Unicode MS"/>
+              </a:rPr>
+            </a:br>
+            <a:endParaRPr kumimoji="0" lang="en-US" altLang="en-US" sz="1400" b="0" i="0" u="none" strike="noStrike" cap="none" normalizeH="0" baseline="0" dirty="0">
+              <a:ln>
+                <a:noFill/>
+              </a:ln>
+              <a:solidFill>
+                <a:schemeClr val="tx1"/>
+              </a:solidFill>
+              <a:effectLst/>
+              <a:latin typeface="Arial" panose="020B0604020202020204" pitchFamily="34" charset="0"/>
+            </a:endParaRPr>
+          </a:p>
+        </p:txBody>
+      </p:sp>
+      <p:sp>
+        <p:nvSpPr>
+          <p:cNvPr id="7" name="Rectangle 5">
+            <a:extLst>
+              <a:ext uri="{FF2B5EF4-FFF2-40B4-BE49-F238E27FC236}">
+                <a16:creationId xmlns:a16="http://schemas.microsoft.com/office/drawing/2014/main" id="{7E655505-4B8F-4047-87DB-58EAC05C2B8E}"/>
+              </a:ext>
+            </a:extLst>
+          </p:cNvPr>
+          <p:cNvSpPr>
+            <a:spLocks noChangeArrowheads="1"/>
+          </p:cNvSpPr>
+          <p:nvPr/>
+        </p:nvSpPr>
+        <p:spPr bwMode="auto">
+          <a:xfrm>
+            <a:off x="1526959" y="5838974"/>
+            <a:ext cx="4347100" cy="738664"/>
+          </a:xfrm>
+          <a:prstGeom prst="rect">
+            <a:avLst/>
+          </a:prstGeom>
+          <a:solidFill>
+            <a:srgbClr val="2B2B2B"/>
+          </a:solidFill>
+          <a:ln>
+            <a:noFill/>
+          </a:ln>
+          <a:effectLst/>
+          <a:extLst>
+            <a:ext uri="{91240B29-F687-4F45-9708-019B960494DF}">
+              <a14:hiddenLine xmlns:a14="http://schemas.microsoft.com/office/drawing/2010/main" w="9525">
+                <a:solidFill>
+                  <a:schemeClr val="tx1"/>
+                </a:solidFill>
+                <a:miter lim="800000"/>
+                <a:headEnd/>
+                <a:tailEnd/>
+              </a14:hiddenLine>
+            </a:ext>
+            <a:ext uri="{AF507438-7753-43E0-B8FC-AC1667EBCBE1}">
+              <a14:hiddenEffects xmlns:a14="http://schemas.microsoft.com/office/drawing/2010/main">
+                <a:effectLst>
+                  <a:outerShdw dist="35921" dir="2700000" algn="ctr" rotWithShape="0">
+                    <a:schemeClr val="bg2"/>
+                  </a:outerShdw>
+                </a:effectLst>
+              </a14:hiddenEffects>
+            </a:ext>
+          </a:extLst>
+        </p:spPr>
+        <p:txBody>
+          <a:bodyPr vert="horz" wrap="square" lIns="91440" tIns="45720" rIns="91440" bIns="45720" numCol="1" anchor="ctr" anchorCtr="0" compatLnSpc="1">
+            <a:prstTxWarp prst="textNoShape">
+              <a:avLst/>
+            </a:prstTxWarp>
+            <a:spAutoFit/>
+          </a:bodyPr>
+          <a:lstStyle/>
+          <a:p>
+            <a:pPr marL="0" marR="0" lvl="0" indent="0" algn="l" defTabSz="914400" rtl="0" eaLnBrk="0" fontAlgn="base" latinLnBrk="0" hangingPunct="0">
+              <a:lnSpc>
+                <a:spcPct val="100000"/>
+              </a:lnSpc>
+              <a:spcBef>
+                <a:spcPct val="0"/>
+              </a:spcBef>
+              <a:spcAft>
+                <a:spcPct val="0"/>
+              </a:spcAft>
+              <a:buClrTx/>
+              <a:buSzTx/>
+              <a:buFontTx/>
+              <a:buNone/>
+              <a:tabLst/>
+            </a:pPr>
+            <a:r>
+              <a:rPr kumimoji="0" lang="en-US" altLang="en-US" sz="1400" b="0" i="0" u="none" strike="noStrike" cap="none" normalizeH="0" baseline="0" dirty="0">
+                <a:ln>
+                  <a:noFill/>
+                </a:ln>
+                <a:solidFill>
+                  <a:srgbClr val="CC7832"/>
+                </a:solidFill>
+                <a:effectLst/>
+                <a:latin typeface="Arial Unicode MS"/>
+              </a:rPr>
+              <a:t>for </a:t>
+            </a:r>
+            <a:r>
+              <a:rPr kumimoji="0" lang="en-US" altLang="en-US" sz="1400" b="0" i="0" u="none" strike="noStrike" cap="none" normalizeH="0" baseline="0" dirty="0">
+                <a:ln>
+                  <a:noFill/>
+                </a:ln>
+                <a:solidFill>
+                  <a:srgbClr val="A9B7C6"/>
+                </a:solidFill>
+                <a:effectLst/>
+                <a:latin typeface="Arial Unicode MS"/>
+              </a:rPr>
+              <a:t>num </a:t>
+            </a:r>
+            <a:r>
+              <a:rPr kumimoji="0" lang="en-US" altLang="en-US" sz="1400" b="0" i="0" u="none" strike="noStrike" cap="none" normalizeH="0" baseline="0" dirty="0">
+                <a:ln>
+                  <a:noFill/>
+                </a:ln>
+                <a:solidFill>
+                  <a:srgbClr val="CC7832"/>
+                </a:solidFill>
+                <a:effectLst/>
+                <a:latin typeface="Arial Unicode MS"/>
+              </a:rPr>
+              <a:t>in </a:t>
+            </a:r>
+            <a:r>
+              <a:rPr kumimoji="0" lang="en-US" altLang="en-US" sz="1400" b="0" i="0" u="none" strike="noStrike" cap="none" normalizeH="0" baseline="0" dirty="0">
+                <a:ln>
+                  <a:noFill/>
+                </a:ln>
+                <a:solidFill>
+                  <a:srgbClr val="8888C6"/>
+                </a:solidFill>
+                <a:effectLst/>
+                <a:latin typeface="Arial Unicode MS"/>
+              </a:rPr>
+              <a:t>range</a:t>
+            </a:r>
+            <a:r>
+              <a:rPr kumimoji="0" lang="en-US" altLang="en-US" sz="1400" b="0" i="0" u="none" strike="noStrike" cap="none" normalizeH="0" baseline="0" dirty="0">
+                <a:ln>
+                  <a:noFill/>
+                </a:ln>
+                <a:solidFill>
+                  <a:srgbClr val="A9B7C6"/>
+                </a:solidFill>
+                <a:effectLst/>
+                <a:latin typeface="Arial Unicode MS"/>
+              </a:rPr>
+              <a:t>(</a:t>
+            </a:r>
+            <a:r>
+              <a:rPr kumimoji="0" lang="en-US" altLang="en-US" sz="1400" b="0" i="0" u="none" strike="noStrike" cap="none" normalizeH="0" baseline="0" dirty="0">
+                <a:ln>
+                  <a:noFill/>
+                </a:ln>
+                <a:solidFill>
+                  <a:srgbClr val="6897BB"/>
+                </a:solidFill>
+                <a:effectLst/>
+                <a:latin typeface="Arial Unicode MS"/>
+              </a:rPr>
+              <a:t>10</a:t>
+            </a:r>
+            <a:r>
+              <a:rPr kumimoji="0" lang="en-US" altLang="en-US" sz="1400" b="0" i="0" u="none" strike="noStrike" cap="none" normalizeH="0" baseline="0" dirty="0">
+                <a:ln>
+                  <a:noFill/>
+                </a:ln>
+                <a:solidFill>
+                  <a:srgbClr val="CC7832"/>
+                </a:solidFill>
+                <a:effectLst/>
+                <a:latin typeface="Arial Unicode MS"/>
+              </a:rPr>
+              <a:t>,</a:t>
+            </a:r>
+            <a:r>
+              <a:rPr kumimoji="0" lang="en-US" altLang="en-US" sz="1400" b="0" i="0" u="none" strike="noStrike" cap="none" normalizeH="0" baseline="0" dirty="0">
+                <a:ln>
+                  <a:noFill/>
+                </a:ln>
+                <a:solidFill>
+                  <a:srgbClr val="6897BB"/>
+                </a:solidFill>
+                <a:effectLst/>
+                <a:latin typeface="Arial Unicode MS"/>
+              </a:rPr>
+              <a:t>21</a:t>
+            </a:r>
+            <a:r>
+              <a:rPr kumimoji="0" lang="en-US" altLang="en-US" sz="1400" b="0" i="0" u="none" strike="noStrike" cap="none" normalizeH="0" baseline="0" dirty="0">
+                <a:ln>
+                  <a:noFill/>
+                </a:ln>
+                <a:solidFill>
+                  <a:srgbClr val="CC7832"/>
+                </a:solidFill>
+                <a:effectLst/>
+                <a:latin typeface="Arial Unicode MS"/>
+              </a:rPr>
+              <a:t>, </a:t>
+            </a:r>
+            <a:r>
+              <a:rPr kumimoji="0" lang="en-US" altLang="en-US" sz="1400" b="0" i="0" u="none" strike="noStrike" cap="none" normalizeH="0" baseline="0" dirty="0">
+                <a:ln>
+                  <a:noFill/>
+                </a:ln>
+                <a:solidFill>
+                  <a:srgbClr val="6897BB"/>
+                </a:solidFill>
+                <a:effectLst/>
+                <a:latin typeface="Arial Unicode MS"/>
+              </a:rPr>
+              <a:t>2</a:t>
+            </a:r>
+            <a:r>
+              <a:rPr kumimoji="0" lang="en-US" altLang="en-US" sz="1400" b="0" i="0" u="none" strike="noStrike" cap="none" normalizeH="0" baseline="0" dirty="0">
+                <a:ln>
+                  <a:noFill/>
+                </a:ln>
+                <a:solidFill>
+                  <a:srgbClr val="A9B7C6"/>
+                </a:solidFill>
+                <a:effectLst/>
+                <a:latin typeface="Arial Unicode MS"/>
+              </a:rPr>
+              <a:t>):     </a:t>
+            </a:r>
+            <a:r>
+              <a:rPr kumimoji="0" lang="en-US" altLang="en-US" sz="1400" b="0" i="0" u="none" strike="noStrike" cap="none" normalizeH="0" baseline="0" dirty="0">
+                <a:ln>
+                  <a:noFill/>
+                </a:ln>
+                <a:solidFill>
+                  <a:srgbClr val="808080"/>
+                </a:solidFill>
+                <a:effectLst/>
+                <a:latin typeface="Arial Unicode MS"/>
+              </a:rPr>
+              <a:t>#prints 10, 12, 14 …20</a:t>
+            </a:r>
+            <a:br>
+              <a:rPr kumimoji="0" lang="en-US" altLang="en-US" sz="1400" b="0" i="0" u="none" strike="noStrike" cap="none" normalizeH="0" baseline="0" dirty="0">
+                <a:ln>
+                  <a:noFill/>
+                </a:ln>
+                <a:solidFill>
+                  <a:srgbClr val="808080"/>
+                </a:solidFill>
+                <a:effectLst/>
+                <a:latin typeface="Arial Unicode MS"/>
+              </a:rPr>
+            </a:br>
+            <a:r>
+              <a:rPr kumimoji="0" lang="en-US" altLang="en-US" sz="1400" b="0" i="0" u="none" strike="noStrike" cap="none" normalizeH="0" baseline="0" dirty="0">
+                <a:ln>
+                  <a:noFill/>
+                </a:ln>
+                <a:solidFill>
+                  <a:srgbClr val="808080"/>
+                </a:solidFill>
+                <a:effectLst/>
+                <a:latin typeface="Arial Unicode MS"/>
+              </a:rPr>
+              <a:t>   </a:t>
+            </a:r>
+            <a:r>
+              <a:rPr kumimoji="0" lang="en-US" altLang="en-US" sz="1400" b="0" i="0" u="none" strike="noStrike" cap="none" normalizeH="0" baseline="0" dirty="0">
+                <a:ln>
+                  <a:noFill/>
+                </a:ln>
+                <a:solidFill>
+                  <a:srgbClr val="8888C6"/>
+                </a:solidFill>
+                <a:effectLst/>
+                <a:latin typeface="Arial Unicode MS"/>
+              </a:rPr>
+              <a:t>print</a:t>
+            </a:r>
+            <a:r>
+              <a:rPr kumimoji="0" lang="en-US" altLang="en-US" sz="1400" b="0" i="0" u="none" strike="noStrike" cap="none" normalizeH="0" baseline="0" dirty="0">
+                <a:ln>
+                  <a:noFill/>
+                </a:ln>
+                <a:solidFill>
+                  <a:srgbClr val="A9B7C6"/>
+                </a:solidFill>
+                <a:effectLst/>
+                <a:latin typeface="Arial Unicode MS"/>
+              </a:rPr>
+              <a:t>(num)</a:t>
+            </a:r>
+            <a:br>
+              <a:rPr kumimoji="0" lang="en-US" altLang="en-US" sz="1400" b="0" i="0" u="none" strike="noStrike" cap="none" normalizeH="0" baseline="0" dirty="0">
+                <a:ln>
+                  <a:noFill/>
+                </a:ln>
+                <a:solidFill>
+                  <a:srgbClr val="A9B7C6"/>
+                </a:solidFill>
+                <a:effectLst/>
+                <a:latin typeface="Arial Unicode MS"/>
+              </a:rPr>
+            </a:br>
+            <a:endParaRPr kumimoji="0" lang="en-US" altLang="en-US" sz="1400" b="0" i="0" u="none" strike="noStrike" cap="none" normalizeH="0" baseline="0" dirty="0">
+              <a:ln>
+                <a:noFill/>
+              </a:ln>
+              <a:solidFill>
+                <a:schemeClr val="tx1"/>
+              </a:solidFill>
+              <a:effectLst/>
+              <a:latin typeface="Arial" panose="020B0604020202020204" pitchFamily="34" charset="0"/>
+            </a:endParaRPr>
+          </a:p>
+        </p:txBody>
+      </p:sp>
+      <p:pic>
+        <p:nvPicPr>
+          <p:cNvPr id="3074" name="Picture 2" descr="Flowchart of a For Loop - codingem.com">
+            <a:extLst>
+              <a:ext uri="{FF2B5EF4-FFF2-40B4-BE49-F238E27FC236}">
+                <a16:creationId xmlns:a16="http://schemas.microsoft.com/office/drawing/2014/main" id="{A39303F5-CA7B-4A79-AF22-F98021DAEE31}"/>
+              </a:ext>
+            </a:extLst>
+          </p:cNvPr>
+          <p:cNvPicPr>
+            <a:picLocks noChangeAspect="1" noChangeArrowheads="1"/>
+          </p:cNvPicPr>
+          <p:nvPr/>
+        </p:nvPicPr>
+        <p:blipFill>
+          <a:blip r:embed="rId3">
+            <a:extLst>
+              <a:ext uri="{28A0092B-C50C-407E-A947-70E740481C1C}">
+                <a14:useLocalDpi xmlns:a14="http://schemas.microsoft.com/office/drawing/2010/main" val="0"/>
+              </a:ext>
+            </a:extLst>
+          </a:blip>
+          <a:srcRect/>
+          <a:stretch>
+            <a:fillRect/>
+          </a:stretch>
+        </p:blipFill>
+        <p:spPr bwMode="auto">
+          <a:xfrm>
+            <a:off x="6421654" y="2310831"/>
+            <a:ext cx="5303551" cy="3998489"/>
+          </a:xfrm>
+          <a:prstGeom prst="rect">
+            <a:avLst/>
+          </a:prstGeom>
+          <a:noFill/>
+          <a:extLst>
+            <a:ext uri="{909E8E84-426E-40DD-AFC4-6F175D3DCCD1}">
+              <a14:hiddenFill xmlns:a14="http://schemas.microsoft.com/office/drawing/2010/main">
+                <a:solidFill>
+                  <a:srgbClr val="FFFFFF"/>
+                </a:solidFill>
+              </a14:hiddenFill>
+            </a:ext>
+          </a:extLst>
+        </p:spPr>
+      </p:pic>
+    </p:spTree>
+    <p:extLst>
+      <p:ext uri="{BB962C8B-B14F-4D97-AF65-F5344CB8AC3E}">
+        <p14:creationId xmlns:p14="http://schemas.microsoft.com/office/powerpoint/2010/main" val="2683803360"/>
+      </p:ext>
+    </p:extLst>
+  </p:cSld>
+  <p:clrMapOvr>
+    <a:masterClrMapping/>
+  </p:clrMapOvr>
+</p:sld>
+</file>
+
+<file path=ppt/slides/slide11.xml><?xml version="1.0" encoding="utf-8"?>
+<p:sld xmlns:a="http://schemas.openxmlformats.org/drawingml/2006/main" xmlns:r="http://schemas.openxmlformats.org/officeDocument/2006/relationships" xmlns:p="http://schemas.openxmlformats.org/presentationml/2006/main">
+  <p:cSld>
+    <p:spTree>
+      <p:nvGrpSpPr>
+        <p:cNvPr id="1" name=""/>
+        <p:cNvGrpSpPr/>
+        <p:nvPr/>
+      </p:nvGrpSpPr>
+      <p:grpSpPr>
+        <a:xfrm>
+          <a:off x="0" y="0"/>
+          <a:ext cx="0" cy="0"/>
+          <a:chOff x="0" y="0"/>
+          <a:chExt cx="0" cy="0"/>
+        </a:xfrm>
+      </p:grpSpPr>
+      <p:sp>
+        <p:nvSpPr>
+          <p:cNvPr id="7" name="Title 6"/>
+          <p:cNvSpPr>
+            <a:spLocks noGrp="1"/>
+          </p:cNvSpPr>
+          <p:nvPr>
+            <p:ph type="title"/>
+          </p:nvPr>
+        </p:nvSpPr>
+        <p:spPr/>
+        <p:txBody>
+          <a:bodyPr/>
+          <a:lstStyle/>
+          <a:p>
+            <a:r>
+              <a:rPr lang="en-US" dirty="0"/>
+              <a:t>For Demo</a:t>
+            </a:r>
+            <a:endParaRPr lang="he-IL" dirty="0"/>
+          </a:p>
+        </p:txBody>
+      </p:sp>
+    </p:spTree>
+    <p:extLst>
+      <p:ext uri="{BB962C8B-B14F-4D97-AF65-F5344CB8AC3E}">
+        <p14:creationId xmlns:p14="http://schemas.microsoft.com/office/powerpoint/2010/main" val="3035985349"/>
+      </p:ext>
+    </p:extLst>
+  </p:cSld>
+  <p:clrMapOvr>
+    <a:masterClrMapping/>
+  </p:clrMapOvr>
+</p:sld>
+</file>
+
+<file path=ppt/slides/slide12.xml><?xml version="1.0" encoding="utf-8"?>
+<p:sld xmlns:a="http://schemas.openxmlformats.org/drawingml/2006/main" xmlns:r="http://schemas.openxmlformats.org/officeDocument/2006/relationships" xmlns:p="http://schemas.openxmlformats.org/presentationml/2006/main">
+  <p:cSld>
+    <p:spTree>
+      <p:nvGrpSpPr>
+        <p:cNvPr id="1" name=""/>
+        <p:cNvGrpSpPr/>
+        <p:nvPr/>
+      </p:nvGrpSpPr>
+      <p:grpSpPr>
+        <a:xfrm>
+          <a:off x="0" y="0"/>
+          <a:ext cx="0" cy="0"/>
+          <a:chOff x="0" y="0"/>
+          <a:chExt cx="0" cy="0"/>
+        </a:xfrm>
+      </p:grpSpPr>
+      <p:sp>
+        <p:nvSpPr>
+          <p:cNvPr id="9" name="TextBox 8">
+            <a:extLst>
+              <a:ext uri="{FF2B5EF4-FFF2-40B4-BE49-F238E27FC236}">
+                <a16:creationId xmlns:a16="http://schemas.microsoft.com/office/drawing/2014/main" id="{8F34E564-AA95-4FDA-899E-877652214FAF}"/>
+              </a:ext>
+            </a:extLst>
+          </p:cNvPr>
+          <p:cNvSpPr txBox="1"/>
+          <p:nvPr/>
+        </p:nvSpPr>
+        <p:spPr>
+          <a:xfrm>
+            <a:off x="497149" y="2938508"/>
+            <a:ext cx="9907480" cy="3139321"/>
+          </a:xfrm>
+          <a:prstGeom prst="rect">
+            <a:avLst/>
+          </a:prstGeom>
+          <a:noFill/>
+        </p:spPr>
+        <p:txBody>
+          <a:bodyPr wrap="square" rtlCol="0">
+            <a:spAutoFit/>
+          </a:bodyPr>
+          <a:lstStyle/>
+          <a:p>
+            <a:r>
+              <a:rPr lang="en-US" dirty="0"/>
+              <a:t>In this example, the program uses a for loop to iterate over the elements of the fruits list. For each iteration, the current element is assigned to the variable fruit, and then it is printed using the print statement.</a:t>
+            </a:r>
+          </a:p>
+          <a:p>
+            <a:endParaRPr lang="en-US" dirty="0"/>
+          </a:p>
+          <a:p>
+            <a:r>
+              <a:rPr lang="en-US" dirty="0"/>
+              <a:t>When you run this code, it will output:</a:t>
+            </a:r>
+          </a:p>
+          <a:p>
+            <a:endParaRPr lang="en-US" dirty="0"/>
+          </a:p>
+          <a:p>
+            <a:r>
+              <a:rPr lang="en-US" dirty="0"/>
+              <a:t>apple</a:t>
+            </a:r>
+          </a:p>
+          <a:p>
+            <a:r>
+              <a:rPr lang="en-US" dirty="0"/>
+              <a:t>banana</a:t>
+            </a:r>
+          </a:p>
+          <a:p>
+            <a:r>
+              <a:rPr lang="en-US" dirty="0"/>
+              <a:t>cherry</a:t>
+            </a:r>
+          </a:p>
+          <a:p>
+            <a:r>
+              <a:rPr lang="en-US" dirty="0"/>
+              <a:t>date</a:t>
+            </a:r>
+          </a:p>
+          <a:p>
+            <a:r>
+              <a:rPr lang="en-US" dirty="0"/>
+              <a:t>elderberry</a:t>
+            </a:r>
+          </a:p>
+        </p:txBody>
+      </p:sp>
+      <p:sp>
+        <p:nvSpPr>
+          <p:cNvPr id="3" name="Rectangle 1">
+            <a:extLst>
+              <a:ext uri="{FF2B5EF4-FFF2-40B4-BE49-F238E27FC236}">
+                <a16:creationId xmlns:a16="http://schemas.microsoft.com/office/drawing/2014/main" id="{40E3FF90-94AF-4060-8E3C-4E457C3DD769}"/>
+              </a:ext>
+            </a:extLst>
+          </p:cNvPr>
+          <p:cNvSpPr>
+            <a:spLocks noChangeArrowheads="1"/>
+          </p:cNvSpPr>
+          <p:nvPr/>
+        </p:nvSpPr>
+        <p:spPr bwMode="auto">
+          <a:xfrm>
+            <a:off x="497149" y="503172"/>
+            <a:ext cx="8637973" cy="1938992"/>
+          </a:xfrm>
+          <a:prstGeom prst="rect">
+            <a:avLst/>
+          </a:prstGeom>
+          <a:solidFill>
+            <a:srgbClr val="2B2B2B"/>
+          </a:solidFill>
+          <a:ln>
+            <a:noFill/>
+          </a:ln>
+          <a:effectLst/>
+          <a:extLst>
+            <a:ext uri="{91240B29-F687-4F45-9708-019B960494DF}">
+              <a14:hiddenLine xmlns:a14="http://schemas.microsoft.com/office/drawing/2010/main" w="9525">
+                <a:solidFill>
+                  <a:schemeClr val="tx1"/>
+                </a:solidFill>
+                <a:miter lim="800000"/>
+                <a:headEnd/>
+                <a:tailEnd/>
+              </a14:hiddenLine>
+            </a:ext>
+            <a:ext uri="{AF507438-7753-43E0-B8FC-AC1667EBCBE1}">
+              <a14:hiddenEffects xmlns:a14="http://schemas.microsoft.com/office/drawing/2010/main">
+                <a:effectLst>
+                  <a:outerShdw dist="35921" dir="2700000" algn="ctr" rotWithShape="0">
+                    <a:schemeClr val="bg2"/>
+                  </a:outerShdw>
+                </a:effectLst>
+              </a14:hiddenEffects>
+            </a:ext>
+          </a:extLst>
+        </p:spPr>
+        <p:txBody>
+          <a:bodyPr vert="horz" wrap="square" lIns="91440" tIns="45720" rIns="91440" bIns="45720" numCol="1" anchor="ctr" anchorCtr="0" compatLnSpc="1">
+            <a:prstTxWarp prst="textNoShape">
+              <a:avLst/>
+            </a:prstTxWarp>
+            <a:spAutoFit/>
+          </a:bodyPr>
+          <a:lstStyle/>
+          <a:p>
+            <a:pPr marL="0" marR="0" lvl="0" indent="0" algn="l" defTabSz="914400" rtl="0" eaLnBrk="0" fontAlgn="base" latinLnBrk="0" hangingPunct="0">
+              <a:lnSpc>
+                <a:spcPct val="100000"/>
+              </a:lnSpc>
+              <a:spcBef>
+                <a:spcPct val="0"/>
+              </a:spcBef>
+              <a:spcAft>
+                <a:spcPct val="0"/>
+              </a:spcAft>
+              <a:buClrTx/>
+              <a:buSzTx/>
+              <a:buFontTx/>
+              <a:buNone/>
+              <a:tabLst/>
+            </a:pPr>
+            <a:r>
+              <a:rPr kumimoji="0" lang="en-US" altLang="en-US" sz="2000" b="0" i="0" u="none" strike="noStrike" cap="none" normalizeH="0" baseline="0" dirty="0">
+                <a:ln>
+                  <a:noFill/>
+                </a:ln>
+                <a:solidFill>
+                  <a:srgbClr val="808080"/>
+                </a:solidFill>
+                <a:effectLst/>
+                <a:latin typeface="Arial Unicode MS"/>
+              </a:rPr>
+              <a:t># A program to print the elements of a list using a for loop</a:t>
+            </a:r>
+            <a:br>
+              <a:rPr kumimoji="0" lang="en-US" altLang="en-US" sz="2000" b="0" i="0" u="none" strike="noStrike" cap="none" normalizeH="0" baseline="0" dirty="0">
+                <a:ln>
+                  <a:noFill/>
+                </a:ln>
+                <a:solidFill>
+                  <a:srgbClr val="808080"/>
+                </a:solidFill>
+                <a:effectLst/>
+                <a:latin typeface="Arial Unicode MS"/>
+              </a:rPr>
+            </a:br>
+            <a:br>
+              <a:rPr kumimoji="0" lang="en-US" altLang="en-US" sz="2000" b="0" i="0" u="none" strike="noStrike" cap="none" normalizeH="0" baseline="0" dirty="0">
+                <a:ln>
+                  <a:noFill/>
+                </a:ln>
+                <a:solidFill>
+                  <a:srgbClr val="808080"/>
+                </a:solidFill>
+                <a:effectLst/>
+                <a:latin typeface="Arial Unicode MS"/>
+              </a:rPr>
+            </a:br>
+            <a:r>
+              <a:rPr kumimoji="0" lang="en-US" altLang="en-US" sz="2000" b="0" i="0" u="none" strike="noStrike" cap="none" normalizeH="0" baseline="0" dirty="0">
+                <a:ln>
+                  <a:noFill/>
+                </a:ln>
+                <a:solidFill>
+                  <a:srgbClr val="A9B7C6"/>
+                </a:solidFill>
+                <a:effectLst/>
+                <a:latin typeface="Arial Unicode MS"/>
+              </a:rPr>
+              <a:t>fruits = [</a:t>
+            </a:r>
+            <a:r>
+              <a:rPr kumimoji="0" lang="en-US" altLang="en-US" sz="2000" b="0" i="0" u="none" strike="noStrike" cap="none" normalizeH="0" baseline="0" dirty="0">
+                <a:ln>
+                  <a:noFill/>
+                </a:ln>
+                <a:solidFill>
+                  <a:srgbClr val="6A8759"/>
+                </a:solidFill>
+                <a:effectLst/>
+                <a:latin typeface="Arial Unicode MS"/>
+              </a:rPr>
+              <a:t>"apple"</a:t>
+            </a:r>
+            <a:r>
+              <a:rPr kumimoji="0" lang="en-US" altLang="en-US" sz="2000" b="0" i="0" u="none" strike="noStrike" cap="none" normalizeH="0" baseline="0" dirty="0">
+                <a:ln>
+                  <a:noFill/>
+                </a:ln>
+                <a:solidFill>
+                  <a:srgbClr val="CC7832"/>
+                </a:solidFill>
+                <a:effectLst/>
+                <a:latin typeface="Arial Unicode MS"/>
+              </a:rPr>
+              <a:t>, </a:t>
+            </a:r>
+            <a:r>
+              <a:rPr kumimoji="0" lang="en-US" altLang="en-US" sz="2000" b="0" i="0" u="none" strike="noStrike" cap="none" normalizeH="0" baseline="0" dirty="0">
+                <a:ln>
+                  <a:noFill/>
+                </a:ln>
+                <a:solidFill>
+                  <a:srgbClr val="6A8759"/>
+                </a:solidFill>
+                <a:effectLst/>
+                <a:latin typeface="Arial Unicode MS"/>
+              </a:rPr>
+              <a:t>"banana"</a:t>
+            </a:r>
+            <a:r>
+              <a:rPr kumimoji="0" lang="en-US" altLang="en-US" sz="2000" b="0" i="0" u="none" strike="noStrike" cap="none" normalizeH="0" baseline="0" dirty="0">
+                <a:ln>
+                  <a:noFill/>
+                </a:ln>
+                <a:solidFill>
+                  <a:srgbClr val="CC7832"/>
+                </a:solidFill>
+                <a:effectLst/>
+                <a:latin typeface="Arial Unicode MS"/>
+              </a:rPr>
+              <a:t>, </a:t>
+            </a:r>
+            <a:r>
+              <a:rPr kumimoji="0" lang="en-US" altLang="en-US" sz="2000" b="0" i="0" u="none" strike="noStrike" cap="none" normalizeH="0" baseline="0" dirty="0">
+                <a:ln>
+                  <a:noFill/>
+                </a:ln>
+                <a:solidFill>
+                  <a:srgbClr val="6A8759"/>
+                </a:solidFill>
+                <a:effectLst/>
+                <a:latin typeface="Arial Unicode MS"/>
+              </a:rPr>
+              <a:t>"cherry"</a:t>
+            </a:r>
+            <a:r>
+              <a:rPr kumimoji="0" lang="en-US" altLang="en-US" sz="2000" b="0" i="0" u="none" strike="noStrike" cap="none" normalizeH="0" baseline="0" dirty="0">
+                <a:ln>
+                  <a:noFill/>
+                </a:ln>
+                <a:solidFill>
+                  <a:srgbClr val="CC7832"/>
+                </a:solidFill>
+                <a:effectLst/>
+                <a:latin typeface="Arial Unicode MS"/>
+              </a:rPr>
+              <a:t>, </a:t>
+            </a:r>
+            <a:r>
+              <a:rPr kumimoji="0" lang="en-US" altLang="en-US" sz="2000" b="0" i="0" u="none" strike="noStrike" cap="none" normalizeH="0" baseline="0" dirty="0">
+                <a:ln>
+                  <a:noFill/>
+                </a:ln>
+                <a:solidFill>
+                  <a:srgbClr val="6A8759"/>
+                </a:solidFill>
+                <a:effectLst/>
+                <a:latin typeface="Arial Unicode MS"/>
+              </a:rPr>
+              <a:t>"date"</a:t>
+            </a:r>
+            <a:r>
+              <a:rPr kumimoji="0" lang="en-US" altLang="en-US" sz="2000" b="0" i="0" u="none" strike="noStrike" cap="none" normalizeH="0" baseline="0" dirty="0">
+                <a:ln>
+                  <a:noFill/>
+                </a:ln>
+                <a:solidFill>
+                  <a:srgbClr val="CC7832"/>
+                </a:solidFill>
+                <a:effectLst/>
+                <a:latin typeface="Arial Unicode MS"/>
+              </a:rPr>
+              <a:t>, </a:t>
+            </a:r>
+            <a:r>
+              <a:rPr kumimoji="0" lang="en-US" altLang="en-US" sz="2000" b="0" i="0" u="none" strike="noStrike" cap="none" normalizeH="0" baseline="0" dirty="0">
+                <a:ln>
+                  <a:noFill/>
+                </a:ln>
+                <a:solidFill>
+                  <a:srgbClr val="6A8759"/>
+                </a:solidFill>
+                <a:effectLst/>
+                <a:latin typeface="Arial Unicode MS"/>
+              </a:rPr>
+              <a:t>"elderberry"</a:t>
+            </a:r>
+            <a:r>
+              <a:rPr kumimoji="0" lang="en-US" altLang="en-US" sz="2000" b="0" i="0" u="none" strike="noStrike" cap="none" normalizeH="0" baseline="0" dirty="0">
+                <a:ln>
+                  <a:noFill/>
+                </a:ln>
+                <a:solidFill>
+                  <a:srgbClr val="A9B7C6"/>
+                </a:solidFill>
+                <a:effectLst/>
+                <a:latin typeface="Arial Unicode MS"/>
+              </a:rPr>
+              <a:t>]</a:t>
+            </a:r>
+            <a:br>
+              <a:rPr kumimoji="0" lang="en-US" altLang="en-US" sz="2000" b="0" i="0" u="none" strike="noStrike" cap="none" normalizeH="0" baseline="0" dirty="0">
+                <a:ln>
+                  <a:noFill/>
+                </a:ln>
+                <a:solidFill>
+                  <a:srgbClr val="A9B7C6"/>
+                </a:solidFill>
+                <a:effectLst/>
+                <a:latin typeface="Arial Unicode MS"/>
+              </a:rPr>
+            </a:br>
+            <a:br>
+              <a:rPr kumimoji="0" lang="en-US" altLang="en-US" sz="2000" b="0" i="0" u="none" strike="noStrike" cap="none" normalizeH="0" baseline="0" dirty="0">
+                <a:ln>
+                  <a:noFill/>
+                </a:ln>
+                <a:solidFill>
+                  <a:srgbClr val="A9B7C6"/>
+                </a:solidFill>
+                <a:effectLst/>
+                <a:latin typeface="Arial Unicode MS"/>
+              </a:rPr>
+            </a:br>
+            <a:r>
+              <a:rPr kumimoji="0" lang="en-US" altLang="en-US" sz="2000" b="0" i="0" u="none" strike="noStrike" cap="none" normalizeH="0" baseline="0" dirty="0">
+                <a:ln>
+                  <a:noFill/>
+                </a:ln>
+                <a:solidFill>
+                  <a:srgbClr val="CC7832"/>
+                </a:solidFill>
+                <a:effectLst/>
+                <a:latin typeface="Arial Unicode MS"/>
+              </a:rPr>
+              <a:t>for </a:t>
+            </a:r>
+            <a:r>
+              <a:rPr kumimoji="0" lang="en-US" altLang="en-US" sz="2000" b="0" i="0" u="none" strike="noStrike" cap="none" normalizeH="0" baseline="0" dirty="0">
+                <a:ln>
+                  <a:noFill/>
+                </a:ln>
+                <a:solidFill>
+                  <a:srgbClr val="A9B7C6"/>
+                </a:solidFill>
+                <a:effectLst/>
+                <a:latin typeface="Arial Unicode MS"/>
+              </a:rPr>
+              <a:t>fruit </a:t>
+            </a:r>
+            <a:r>
+              <a:rPr kumimoji="0" lang="en-US" altLang="en-US" sz="2000" b="0" i="0" u="none" strike="noStrike" cap="none" normalizeH="0" baseline="0" dirty="0">
+                <a:ln>
+                  <a:noFill/>
+                </a:ln>
+                <a:solidFill>
+                  <a:srgbClr val="CC7832"/>
+                </a:solidFill>
+                <a:effectLst/>
+                <a:latin typeface="Arial Unicode MS"/>
+              </a:rPr>
+              <a:t>in </a:t>
+            </a:r>
+            <a:r>
+              <a:rPr kumimoji="0" lang="en-US" altLang="en-US" sz="2000" b="0" i="0" u="none" strike="noStrike" cap="none" normalizeH="0" baseline="0" dirty="0">
+                <a:ln>
+                  <a:noFill/>
+                </a:ln>
+                <a:solidFill>
+                  <a:srgbClr val="A9B7C6"/>
+                </a:solidFill>
+                <a:effectLst/>
+                <a:latin typeface="Arial Unicode MS"/>
+              </a:rPr>
+              <a:t>fruits:</a:t>
+            </a:r>
+            <a:br>
+              <a:rPr kumimoji="0" lang="en-US" altLang="en-US" sz="2000" b="0" i="0" u="none" strike="noStrike" cap="none" normalizeH="0" baseline="0" dirty="0">
+                <a:ln>
+                  <a:noFill/>
+                </a:ln>
+                <a:solidFill>
+                  <a:srgbClr val="A9B7C6"/>
+                </a:solidFill>
+                <a:effectLst/>
+                <a:latin typeface="Arial Unicode MS"/>
+              </a:rPr>
+            </a:br>
+            <a:r>
+              <a:rPr kumimoji="0" lang="en-US" altLang="en-US" sz="2000" b="0" i="0" u="none" strike="noStrike" cap="none" normalizeH="0" baseline="0" dirty="0">
+                <a:ln>
+                  <a:noFill/>
+                </a:ln>
+                <a:solidFill>
+                  <a:srgbClr val="A9B7C6"/>
+                </a:solidFill>
+                <a:effectLst/>
+                <a:latin typeface="Arial Unicode MS"/>
+              </a:rPr>
+              <a:t>    print(fruit)</a:t>
+            </a:r>
+            <a:endParaRPr kumimoji="0" lang="en-US" altLang="en-US" sz="4400" b="0" i="0" u="none" strike="noStrike" cap="none" normalizeH="0" baseline="0" dirty="0">
+              <a:ln>
+                <a:noFill/>
+              </a:ln>
+              <a:solidFill>
+                <a:schemeClr val="tx1"/>
+              </a:solidFill>
+              <a:effectLst/>
+              <a:latin typeface="Arial" panose="020B0604020202020204" pitchFamily="34" charset="0"/>
+            </a:endParaRPr>
+          </a:p>
+        </p:txBody>
+      </p:sp>
+    </p:spTree>
+    <p:extLst>
+      <p:ext uri="{BB962C8B-B14F-4D97-AF65-F5344CB8AC3E}">
+        <p14:creationId xmlns:p14="http://schemas.microsoft.com/office/powerpoint/2010/main" val="63218075"/>
+      </p:ext>
+    </p:extLst>
+  </p:cSld>
+  <p:clrMapOvr>
+    <a:masterClrMapping/>
+  </p:clrMapOvr>
+</p:sld>
+</file>
+
+<file path=ppt/slides/slide13.xml><?xml version="1.0" encoding="utf-8"?>
+<p:sld xmlns:a="http://schemas.openxmlformats.org/drawingml/2006/main" xmlns:r="http://schemas.openxmlformats.org/officeDocument/2006/relationships" xmlns:p="http://schemas.openxmlformats.org/presentationml/2006/main">
+  <p:cSld>
+    <p:spTree>
+      <p:nvGrpSpPr>
+        <p:cNvPr id="1" name=""/>
+        <p:cNvGrpSpPr/>
+        <p:nvPr/>
+      </p:nvGrpSpPr>
+      <p:grpSpPr>
+        <a:xfrm>
+          <a:off x="0" y="0"/>
+          <a:ext cx="0" cy="0"/>
+          <a:chOff x="0" y="0"/>
+          <a:chExt cx="0" cy="0"/>
+        </a:xfrm>
+      </p:grpSpPr>
+      <p:sp>
+        <p:nvSpPr>
+          <p:cNvPr id="5" name="Text Placeholder 4"/>
+          <p:cNvSpPr>
+            <a:spLocks noGrp="1"/>
+          </p:cNvSpPr>
+          <p:nvPr>
+            <p:ph type="body" sz="quarter" idx="15"/>
+          </p:nvPr>
+        </p:nvSpPr>
+        <p:spPr>
+          <a:xfrm>
+            <a:off x="815414" y="1493999"/>
+            <a:ext cx="10561172" cy="4695133"/>
+          </a:xfrm>
+        </p:spPr>
+        <p:txBody>
+          <a:bodyPr>
+            <a:normAutofit lnSpcReduction="10000"/>
+          </a:bodyPr>
+          <a:lstStyle/>
+          <a:p>
+            <a:pPr>
+              <a:lnSpc>
+                <a:spcPct val="90000"/>
+              </a:lnSpc>
+              <a:buFont typeface="Arial" panose="020B0604020202020204" pitchFamily="34" charset="0"/>
+              <a:buChar char="•"/>
+            </a:pPr>
+            <a:r>
+              <a:rPr lang="en-US" dirty="0"/>
+              <a:t>break</a:t>
+            </a:r>
+          </a:p>
+          <a:p>
+            <a:pPr marL="457200" lvl="1" indent="0">
+              <a:lnSpc>
+                <a:spcPct val="90000"/>
+              </a:lnSpc>
+              <a:buNone/>
+            </a:pPr>
+            <a:r>
+              <a:rPr lang="en-US" dirty="0"/>
+              <a:t>The </a:t>
+            </a:r>
+            <a:r>
+              <a:rPr lang="en-US" b="1" dirty="0"/>
+              <a:t>break</a:t>
+            </a:r>
+            <a:r>
+              <a:rPr lang="en-US" dirty="0"/>
+              <a:t> statement in Python terminates the current loop and resumes execution at the next statement, just like the traditional break found in C.</a:t>
+            </a:r>
+          </a:p>
+          <a:p>
+            <a:pPr>
+              <a:lnSpc>
+                <a:spcPct val="90000"/>
+              </a:lnSpc>
+              <a:buFont typeface="Arial" panose="020B0604020202020204" pitchFamily="34" charset="0"/>
+              <a:buChar char="•"/>
+            </a:pPr>
+            <a:r>
+              <a:rPr lang="en-US" dirty="0"/>
+              <a:t>continue</a:t>
+            </a:r>
+          </a:p>
+          <a:p>
+            <a:pPr marL="457200" lvl="1" indent="0">
+              <a:lnSpc>
+                <a:spcPct val="90000"/>
+              </a:lnSpc>
+              <a:buNone/>
+            </a:pPr>
+            <a:r>
+              <a:rPr lang="en-US" dirty="0"/>
+              <a:t>The </a:t>
+            </a:r>
+            <a:r>
+              <a:rPr lang="en-US" b="1" dirty="0"/>
+              <a:t>continue</a:t>
+            </a:r>
+            <a:r>
+              <a:rPr lang="en-US" dirty="0"/>
+              <a:t> statement in Python returns the control to the beginning of the while loop. </a:t>
+            </a:r>
+          </a:p>
+          <a:p>
+            <a:pPr>
+              <a:lnSpc>
+                <a:spcPct val="90000"/>
+              </a:lnSpc>
+              <a:buFont typeface="Arial" panose="020B0604020202020204" pitchFamily="34" charset="0"/>
+              <a:buChar char="•"/>
+            </a:pPr>
+            <a:r>
+              <a:rPr lang="en-US" dirty="0"/>
+              <a:t>pass</a:t>
+            </a:r>
+          </a:p>
+          <a:p>
+            <a:pPr marL="457200" lvl="1" indent="0">
+              <a:buNone/>
+            </a:pPr>
+            <a:r>
+              <a:rPr lang="en-US" dirty="0"/>
+              <a:t>The </a:t>
+            </a:r>
+            <a:r>
+              <a:rPr lang="en-US" b="1" dirty="0"/>
+              <a:t>pass</a:t>
+            </a:r>
+            <a:r>
+              <a:rPr lang="en-US" dirty="0"/>
+              <a:t> statement in Python is used when a statement is required syntactically but you do not want any command or code to execute.</a:t>
+            </a:r>
+          </a:p>
+          <a:p>
+            <a:pPr marL="457200" lvl="1" indent="0">
+              <a:buNone/>
+            </a:pPr>
+            <a:r>
+              <a:rPr lang="en-US" dirty="0"/>
+              <a:t>The </a:t>
+            </a:r>
+            <a:r>
+              <a:rPr lang="en-US" b="1" dirty="0"/>
+              <a:t>pass</a:t>
+            </a:r>
+            <a:r>
+              <a:rPr lang="en-US" dirty="0"/>
+              <a:t> statement is a </a:t>
+            </a:r>
+            <a:r>
+              <a:rPr lang="en-US" i="1" dirty="0"/>
+              <a:t>null</a:t>
+            </a:r>
+            <a:r>
+              <a:rPr lang="en-US" dirty="0"/>
+              <a:t> operation; nothing happens when it executes. The </a:t>
+            </a:r>
+            <a:r>
+              <a:rPr lang="en-US" b="1" dirty="0"/>
+              <a:t>pass</a:t>
+            </a:r>
+            <a:r>
+              <a:rPr lang="en-US" dirty="0"/>
+              <a:t> is also useful in places where your code will eventually go, but has not been written yet</a:t>
+            </a:r>
+          </a:p>
+          <a:p>
+            <a:pPr marL="0" indent="0">
+              <a:buNone/>
+            </a:pPr>
+            <a:endParaRPr lang="en-US" dirty="0"/>
+          </a:p>
+        </p:txBody>
+      </p:sp>
+      <p:sp>
+        <p:nvSpPr>
+          <p:cNvPr id="4" name="Title 3"/>
+          <p:cNvSpPr>
+            <a:spLocks noGrp="1"/>
+          </p:cNvSpPr>
+          <p:nvPr>
+            <p:ph type="title"/>
+          </p:nvPr>
+        </p:nvSpPr>
+        <p:spPr/>
+        <p:txBody>
+          <a:bodyPr/>
+          <a:lstStyle/>
+          <a:p>
+            <a:r>
+              <a:rPr lang="en-US" dirty="0">
+                <a:effectLst/>
+              </a:rPr>
+              <a:t>Loop Control Statements</a:t>
+            </a:r>
+            <a:endParaRPr lang="he-IL" dirty="0"/>
+          </a:p>
+        </p:txBody>
+      </p:sp>
+    </p:spTree>
+    <p:extLst>
+      <p:ext uri="{BB962C8B-B14F-4D97-AF65-F5344CB8AC3E}">
+        <p14:creationId xmlns:p14="http://schemas.microsoft.com/office/powerpoint/2010/main" val="3043315595"/>
+      </p:ext>
+    </p:extLst>
+  </p:cSld>
+  <p:clrMapOvr>
+    <a:masterClrMapping/>
+  </p:clrMapOvr>
+</p:sld>
+</file>
+
+<file path=ppt/slides/slide14.xml><?xml version="1.0" encoding="utf-8"?>
+<p:sld xmlns:a="http://schemas.openxmlformats.org/drawingml/2006/main" xmlns:r="http://schemas.openxmlformats.org/officeDocument/2006/relationships" xmlns:p="http://schemas.openxmlformats.org/presentationml/2006/main">
+  <p:cSld>
+    <p:spTree>
+      <p:nvGrpSpPr>
+        <p:cNvPr id="1" name=""/>
+        <p:cNvGrpSpPr/>
+        <p:nvPr/>
+      </p:nvGrpSpPr>
+      <p:grpSpPr>
+        <a:xfrm>
+          <a:off x="0" y="0"/>
+          <a:ext cx="0" cy="0"/>
+          <a:chOff x="0" y="0"/>
+          <a:chExt cx="0" cy="0"/>
+        </a:xfrm>
+      </p:grpSpPr>
+      <p:sp>
+        <p:nvSpPr>
+          <p:cNvPr id="4" name="Title 3"/>
+          <p:cNvSpPr>
+            <a:spLocks noGrp="1"/>
+          </p:cNvSpPr>
+          <p:nvPr>
+            <p:ph type="title"/>
+          </p:nvPr>
+        </p:nvSpPr>
+        <p:spPr/>
+        <p:txBody>
+          <a:bodyPr/>
+          <a:lstStyle/>
+          <a:p>
+            <a:r>
+              <a:rPr lang="en-US" dirty="0">
+                <a:effectLst/>
+              </a:rPr>
+              <a:t>Loop Control Statements – cont’d</a:t>
+            </a:r>
+            <a:endParaRPr lang="he-IL" dirty="0"/>
+          </a:p>
+        </p:txBody>
+      </p:sp>
+      <p:sp>
+        <p:nvSpPr>
+          <p:cNvPr id="6" name="Rectangle 1">
+            <a:extLst>
+              <a:ext uri="{FF2B5EF4-FFF2-40B4-BE49-F238E27FC236}">
+                <a16:creationId xmlns:a16="http://schemas.microsoft.com/office/drawing/2014/main" id="{AE4D9F09-FB20-4120-AC3D-7CCF288D57E0}"/>
+              </a:ext>
+            </a:extLst>
+          </p:cNvPr>
+          <p:cNvSpPr>
+            <a:spLocks noChangeArrowheads="1"/>
+          </p:cNvSpPr>
+          <p:nvPr/>
+        </p:nvSpPr>
+        <p:spPr bwMode="auto">
+          <a:xfrm>
+            <a:off x="815414" y="1744975"/>
+            <a:ext cx="8905635" cy="4401205"/>
+          </a:xfrm>
+          <a:prstGeom prst="rect">
+            <a:avLst/>
+          </a:prstGeom>
+          <a:solidFill>
+            <a:srgbClr val="2B2B2B"/>
+          </a:solidFill>
+          <a:ln>
+            <a:noFill/>
+          </a:ln>
+          <a:effectLst/>
+          <a:extLst>
+            <a:ext uri="{91240B29-F687-4F45-9708-019B960494DF}">
+              <a14:hiddenLine xmlns:a14="http://schemas.microsoft.com/office/drawing/2010/main" w="9525">
+                <a:solidFill>
+                  <a:schemeClr val="tx1"/>
+                </a:solidFill>
+                <a:miter lim="800000"/>
+                <a:headEnd/>
+                <a:tailEnd/>
+              </a14:hiddenLine>
+            </a:ext>
+            <a:ext uri="{AF507438-7753-43E0-B8FC-AC1667EBCBE1}">
+              <a14:hiddenEffects xmlns:a14="http://schemas.microsoft.com/office/drawing/2010/main">
+                <a:effectLst>
+                  <a:outerShdw dist="35921" dir="2700000" algn="ctr" rotWithShape="0">
+                    <a:schemeClr val="bg2"/>
+                  </a:outerShdw>
+                </a:effectLst>
+              </a14:hiddenEffects>
+            </a:ext>
+          </a:extLst>
+        </p:spPr>
+        <p:txBody>
+          <a:bodyPr vert="horz" wrap="square" lIns="91440" tIns="45720" rIns="91440" bIns="45720" numCol="1" anchor="ctr" anchorCtr="0" compatLnSpc="1">
+            <a:prstTxWarp prst="textNoShape">
+              <a:avLst/>
+            </a:prstTxWarp>
+            <a:spAutoFit/>
+          </a:bodyPr>
+          <a:lstStyle/>
+          <a:p>
+            <a:pPr marL="0" marR="0" lvl="0" indent="0" algn="l" defTabSz="914400" rtl="0" eaLnBrk="0" fontAlgn="base" latinLnBrk="0" hangingPunct="0">
+              <a:lnSpc>
+                <a:spcPct val="100000"/>
+              </a:lnSpc>
+              <a:spcBef>
+                <a:spcPct val="0"/>
+              </a:spcBef>
+              <a:spcAft>
+                <a:spcPct val="0"/>
+              </a:spcAft>
+              <a:buClrTx/>
+              <a:buSzTx/>
+              <a:buFontTx/>
+              <a:buNone/>
+              <a:tabLst/>
+            </a:pPr>
+            <a:r>
+              <a:rPr kumimoji="0" lang="en-US" altLang="en-US" sz="2000" b="0" i="0" u="none" strike="noStrike" cap="none" normalizeH="0" baseline="0" dirty="0">
+                <a:ln>
+                  <a:noFill/>
+                </a:ln>
+                <a:solidFill>
+                  <a:srgbClr val="CC7832"/>
+                </a:solidFill>
+                <a:effectLst/>
+                <a:latin typeface="Arial Unicode MS"/>
+              </a:rPr>
+              <a:t>import </a:t>
+            </a:r>
+            <a:r>
+              <a:rPr kumimoji="0" lang="en-US" altLang="en-US" sz="2000" b="0" i="0" u="none" strike="noStrike" cap="none" normalizeH="0" baseline="0" dirty="0">
+                <a:ln>
+                  <a:noFill/>
+                </a:ln>
+                <a:solidFill>
+                  <a:srgbClr val="A9B7C6"/>
+                </a:solidFill>
+                <a:effectLst/>
+                <a:latin typeface="Arial Unicode MS"/>
+              </a:rPr>
+              <a:t>math</a:t>
+            </a:r>
+            <a:br>
+              <a:rPr kumimoji="0" lang="en-US" altLang="en-US" sz="2000" b="0" i="0" u="none" strike="noStrike" cap="none" normalizeH="0" baseline="0" dirty="0">
+                <a:ln>
+                  <a:noFill/>
+                </a:ln>
+                <a:solidFill>
+                  <a:srgbClr val="A9B7C6"/>
+                </a:solidFill>
+                <a:effectLst/>
+                <a:latin typeface="Arial Unicode MS"/>
+              </a:rPr>
+            </a:br>
+            <a:br>
+              <a:rPr kumimoji="0" lang="en-US" altLang="en-US" sz="2000" b="0" i="0" u="none" strike="noStrike" cap="none" normalizeH="0" baseline="0" dirty="0">
+                <a:ln>
+                  <a:noFill/>
+                </a:ln>
+                <a:solidFill>
+                  <a:srgbClr val="A9B7C6"/>
+                </a:solidFill>
+                <a:effectLst/>
+                <a:latin typeface="Arial Unicode MS"/>
+              </a:rPr>
+            </a:br>
+            <a:r>
+              <a:rPr kumimoji="0" lang="en-US" altLang="en-US" sz="2000" b="0" i="0" u="none" strike="noStrike" cap="none" normalizeH="0" baseline="0" dirty="0" err="1">
+                <a:ln>
+                  <a:noFill/>
+                </a:ln>
+                <a:solidFill>
+                  <a:srgbClr val="A9B7C6"/>
+                </a:solidFill>
+                <a:effectLst/>
+                <a:latin typeface="Arial Unicode MS"/>
+              </a:rPr>
+              <a:t>i</a:t>
+            </a:r>
+            <a:r>
+              <a:rPr kumimoji="0" lang="en-US" altLang="en-US" sz="2000" b="0" i="0" u="none" strike="noStrike" cap="none" normalizeH="0" baseline="0" dirty="0">
+                <a:ln>
+                  <a:noFill/>
+                </a:ln>
+                <a:solidFill>
+                  <a:srgbClr val="A9B7C6"/>
+                </a:solidFill>
+                <a:effectLst/>
+                <a:latin typeface="Arial Unicode MS"/>
+              </a:rPr>
+              <a:t> = </a:t>
+            </a:r>
+            <a:r>
+              <a:rPr kumimoji="0" lang="en-US" altLang="en-US" sz="2000" b="0" i="0" u="none" strike="noStrike" cap="none" normalizeH="0" baseline="0" dirty="0">
+                <a:ln>
+                  <a:noFill/>
+                </a:ln>
+                <a:solidFill>
+                  <a:srgbClr val="6897BB"/>
+                </a:solidFill>
+                <a:effectLst/>
+                <a:latin typeface="Arial Unicode MS"/>
+              </a:rPr>
+              <a:t>5</a:t>
+            </a:r>
+            <a:br>
+              <a:rPr kumimoji="0" lang="en-US" altLang="en-US" sz="2000" b="0" i="0" u="none" strike="noStrike" cap="none" normalizeH="0" baseline="0" dirty="0">
+                <a:ln>
+                  <a:noFill/>
+                </a:ln>
+                <a:solidFill>
+                  <a:srgbClr val="6897BB"/>
+                </a:solidFill>
+                <a:effectLst/>
+                <a:latin typeface="Arial Unicode MS"/>
+              </a:rPr>
+            </a:br>
+            <a:r>
+              <a:rPr kumimoji="0" lang="en-US" altLang="en-US" sz="2000" b="0" i="0" u="none" strike="noStrike" cap="none" normalizeH="0" baseline="0" dirty="0">
+                <a:ln>
+                  <a:noFill/>
+                </a:ln>
+                <a:solidFill>
+                  <a:srgbClr val="8888C6"/>
+                </a:solidFill>
+                <a:effectLst/>
+                <a:latin typeface="Arial Unicode MS"/>
+              </a:rPr>
+              <a:t>print</a:t>
+            </a:r>
+            <a:r>
+              <a:rPr kumimoji="0" lang="en-US" altLang="en-US" sz="2000" b="0" i="0" u="none" strike="noStrike" cap="none" normalizeH="0" baseline="0" dirty="0">
+                <a:ln>
+                  <a:noFill/>
+                </a:ln>
+                <a:solidFill>
+                  <a:srgbClr val="A9B7C6"/>
+                </a:solidFill>
+                <a:effectLst/>
+                <a:latin typeface="Arial Unicode MS"/>
+              </a:rPr>
+              <a:t>(</a:t>
+            </a:r>
+            <a:r>
+              <a:rPr kumimoji="0" lang="en-US" altLang="en-US" sz="2000" b="0" i="0" u="none" strike="noStrike" cap="none" normalizeH="0" baseline="0" dirty="0">
+                <a:ln>
+                  <a:noFill/>
+                </a:ln>
+                <a:solidFill>
+                  <a:srgbClr val="6A8759"/>
+                </a:solidFill>
+                <a:effectLst/>
+                <a:latin typeface="Arial Unicode MS"/>
+              </a:rPr>
+              <a:t>"I will print the square root of 5 non-negative numbers (0 to exit)"</a:t>
+            </a:r>
+            <a:r>
+              <a:rPr kumimoji="0" lang="en-US" altLang="en-US" sz="2000" b="0" i="0" u="none" strike="noStrike" cap="none" normalizeH="0" baseline="0" dirty="0">
+                <a:ln>
+                  <a:noFill/>
+                </a:ln>
+                <a:solidFill>
+                  <a:srgbClr val="A9B7C6"/>
+                </a:solidFill>
+                <a:effectLst/>
+                <a:latin typeface="Arial Unicode MS"/>
+              </a:rPr>
+              <a:t>)</a:t>
+            </a:r>
+            <a:br>
+              <a:rPr kumimoji="0" lang="en-US" altLang="en-US" sz="2000" b="0" i="0" u="none" strike="noStrike" cap="none" normalizeH="0" baseline="0" dirty="0">
+                <a:ln>
+                  <a:noFill/>
+                </a:ln>
+                <a:solidFill>
+                  <a:srgbClr val="A9B7C6"/>
+                </a:solidFill>
+                <a:effectLst/>
+                <a:latin typeface="Arial Unicode MS"/>
+              </a:rPr>
+            </a:br>
+            <a:br>
+              <a:rPr kumimoji="0" lang="en-US" altLang="en-US" sz="2000" b="0" i="0" u="none" strike="noStrike" cap="none" normalizeH="0" baseline="0" dirty="0">
+                <a:ln>
+                  <a:noFill/>
+                </a:ln>
+                <a:solidFill>
+                  <a:srgbClr val="A9B7C6"/>
+                </a:solidFill>
+                <a:effectLst/>
+                <a:latin typeface="Arial Unicode MS"/>
+              </a:rPr>
+            </a:br>
+            <a:r>
+              <a:rPr kumimoji="0" lang="en-US" altLang="en-US" sz="2000" b="0" i="0" u="none" strike="noStrike" cap="none" normalizeH="0" baseline="0" dirty="0">
+                <a:ln>
+                  <a:noFill/>
+                </a:ln>
+                <a:solidFill>
+                  <a:srgbClr val="CC7832"/>
+                </a:solidFill>
+                <a:effectLst/>
+                <a:latin typeface="Arial Unicode MS"/>
+              </a:rPr>
+              <a:t>while </a:t>
+            </a:r>
+            <a:r>
+              <a:rPr kumimoji="0" lang="en-US" altLang="en-US" sz="2000" b="0" i="0" u="none" strike="noStrike" cap="none" normalizeH="0" baseline="0" dirty="0">
+                <a:ln>
+                  <a:noFill/>
+                </a:ln>
+                <a:solidFill>
+                  <a:srgbClr val="A9B7C6"/>
+                </a:solidFill>
+                <a:effectLst/>
+                <a:latin typeface="Arial Unicode MS"/>
+              </a:rPr>
+              <a:t>i:</a:t>
+            </a:r>
+            <a:br>
+              <a:rPr kumimoji="0" lang="en-US" altLang="en-US" sz="2000" b="0" i="0" u="none" strike="noStrike" cap="none" normalizeH="0" baseline="0" dirty="0">
+                <a:ln>
+                  <a:noFill/>
+                </a:ln>
+                <a:solidFill>
+                  <a:srgbClr val="A9B7C6"/>
+                </a:solidFill>
+                <a:effectLst/>
+                <a:latin typeface="Arial Unicode MS"/>
+              </a:rPr>
+            </a:br>
+            <a:r>
+              <a:rPr kumimoji="0" lang="en-US" altLang="en-US" sz="2000" b="0" i="0" u="none" strike="noStrike" cap="none" normalizeH="0" baseline="0" dirty="0">
+                <a:ln>
+                  <a:noFill/>
+                </a:ln>
+                <a:solidFill>
+                  <a:srgbClr val="A9B7C6"/>
+                </a:solidFill>
+                <a:effectLst/>
+                <a:latin typeface="Arial Unicode MS"/>
+              </a:rPr>
+              <a:t>    s = </a:t>
+            </a:r>
+            <a:r>
+              <a:rPr kumimoji="0" lang="en-US" altLang="en-US" sz="2000" b="0" i="0" u="none" strike="noStrike" cap="none" normalizeH="0" baseline="0" dirty="0">
+                <a:ln>
+                  <a:noFill/>
+                </a:ln>
+                <a:solidFill>
+                  <a:srgbClr val="8888C6"/>
+                </a:solidFill>
+                <a:effectLst/>
+                <a:latin typeface="Arial Unicode MS"/>
+              </a:rPr>
+              <a:t>input</a:t>
+            </a:r>
+            <a:r>
+              <a:rPr kumimoji="0" lang="en-US" altLang="en-US" sz="2000" b="0" i="0" u="none" strike="noStrike" cap="none" normalizeH="0" baseline="0" dirty="0">
+                <a:ln>
+                  <a:noFill/>
+                </a:ln>
+                <a:solidFill>
+                  <a:srgbClr val="A9B7C6"/>
+                </a:solidFill>
+                <a:effectLst/>
+                <a:latin typeface="Arial Unicode MS"/>
+              </a:rPr>
+              <a:t>(</a:t>
+            </a:r>
+            <a:r>
+              <a:rPr kumimoji="0" lang="en-US" altLang="en-US" sz="2000" b="0" i="0" u="none" strike="noStrike" cap="none" normalizeH="0" baseline="0" dirty="0">
+                <a:ln>
+                  <a:noFill/>
+                </a:ln>
+                <a:solidFill>
+                  <a:srgbClr val="6A8759"/>
+                </a:solidFill>
+                <a:effectLst/>
+                <a:latin typeface="Arial Unicode MS"/>
+              </a:rPr>
+              <a:t>"Enter the next number =&gt; "</a:t>
+            </a:r>
+            <a:r>
+              <a:rPr kumimoji="0" lang="en-US" altLang="en-US" sz="2000" b="0" i="0" u="none" strike="noStrike" cap="none" normalizeH="0" baseline="0" dirty="0">
+                <a:ln>
+                  <a:noFill/>
+                </a:ln>
+                <a:solidFill>
+                  <a:srgbClr val="A9B7C6"/>
+                </a:solidFill>
+                <a:effectLst/>
+                <a:latin typeface="Arial Unicode MS"/>
+              </a:rPr>
+              <a:t>)</a:t>
+            </a:r>
+            <a:br>
+              <a:rPr kumimoji="0" lang="en-US" altLang="en-US" sz="2000" b="0" i="0" u="none" strike="noStrike" cap="none" normalizeH="0" baseline="0" dirty="0">
+                <a:ln>
+                  <a:noFill/>
+                </a:ln>
+                <a:solidFill>
+                  <a:srgbClr val="A9B7C6"/>
+                </a:solidFill>
+                <a:effectLst/>
+                <a:latin typeface="Arial Unicode MS"/>
+              </a:rPr>
+            </a:br>
+            <a:r>
+              <a:rPr kumimoji="0" lang="en-US" altLang="en-US" sz="2000" b="0" i="0" u="none" strike="noStrike" cap="none" normalizeH="0" baseline="0" dirty="0">
+                <a:ln>
+                  <a:noFill/>
+                </a:ln>
+                <a:solidFill>
+                  <a:srgbClr val="A9B7C6"/>
+                </a:solidFill>
+                <a:effectLst/>
+                <a:latin typeface="Arial Unicode MS"/>
+              </a:rPr>
+              <a:t>    num = </a:t>
+            </a:r>
+            <a:r>
+              <a:rPr kumimoji="0" lang="en-US" altLang="en-US" sz="2000" b="0" i="0" u="none" strike="noStrike" cap="none" normalizeH="0" baseline="0" dirty="0">
+                <a:ln>
+                  <a:noFill/>
+                </a:ln>
+                <a:solidFill>
+                  <a:srgbClr val="8888C6"/>
+                </a:solidFill>
+                <a:effectLst/>
+                <a:latin typeface="Arial Unicode MS"/>
+              </a:rPr>
+              <a:t>int</a:t>
+            </a:r>
+            <a:r>
+              <a:rPr kumimoji="0" lang="en-US" altLang="en-US" sz="2000" b="0" i="0" u="none" strike="noStrike" cap="none" normalizeH="0" baseline="0" dirty="0">
+                <a:ln>
+                  <a:noFill/>
+                </a:ln>
+                <a:solidFill>
+                  <a:srgbClr val="A9B7C6"/>
+                </a:solidFill>
+                <a:effectLst/>
+                <a:latin typeface="Arial Unicode MS"/>
+              </a:rPr>
+              <a:t>(s)</a:t>
+            </a:r>
+            <a:br>
+              <a:rPr kumimoji="0" lang="en-US" altLang="en-US" sz="2000" b="0" i="0" u="none" strike="noStrike" cap="none" normalizeH="0" baseline="0" dirty="0">
+                <a:ln>
+                  <a:noFill/>
+                </a:ln>
+                <a:solidFill>
+                  <a:srgbClr val="A9B7C6"/>
+                </a:solidFill>
+                <a:effectLst/>
+                <a:latin typeface="Arial Unicode MS"/>
+              </a:rPr>
+            </a:br>
+            <a:r>
+              <a:rPr kumimoji="0" lang="en-US" altLang="en-US" sz="2000" b="0" i="0" u="none" strike="noStrike" cap="none" normalizeH="0" baseline="0" dirty="0">
+                <a:ln>
+                  <a:noFill/>
+                </a:ln>
+                <a:solidFill>
+                  <a:srgbClr val="A9B7C6"/>
+                </a:solidFill>
+                <a:effectLst/>
+                <a:latin typeface="Arial Unicode MS"/>
+              </a:rPr>
+              <a:t>    </a:t>
+            </a:r>
+            <a:r>
+              <a:rPr kumimoji="0" lang="en-US" altLang="en-US" sz="2000" b="0" i="0" u="none" strike="noStrike" cap="none" normalizeH="0" baseline="0" dirty="0">
+                <a:ln>
+                  <a:noFill/>
+                </a:ln>
+                <a:solidFill>
+                  <a:srgbClr val="CC7832"/>
+                </a:solidFill>
+                <a:effectLst/>
+                <a:latin typeface="Arial Unicode MS"/>
+              </a:rPr>
+              <a:t>if </a:t>
+            </a:r>
+            <a:r>
+              <a:rPr kumimoji="0" lang="en-US" altLang="en-US" sz="2000" b="0" i="0" u="none" strike="noStrike" cap="none" normalizeH="0" baseline="0" dirty="0">
+                <a:ln>
+                  <a:noFill/>
+                </a:ln>
+                <a:solidFill>
+                  <a:srgbClr val="A9B7C6"/>
+                </a:solidFill>
+                <a:effectLst/>
+                <a:latin typeface="Arial Unicode MS"/>
+              </a:rPr>
+              <a:t>num == </a:t>
+            </a:r>
+            <a:r>
+              <a:rPr kumimoji="0" lang="en-US" altLang="en-US" sz="2000" b="0" i="0" u="none" strike="noStrike" cap="none" normalizeH="0" baseline="0" dirty="0">
+                <a:ln>
+                  <a:noFill/>
+                </a:ln>
+                <a:solidFill>
+                  <a:srgbClr val="6897BB"/>
+                </a:solidFill>
+                <a:effectLst/>
+                <a:latin typeface="Arial Unicode MS"/>
+              </a:rPr>
+              <a:t>0</a:t>
+            </a:r>
+            <a:r>
+              <a:rPr kumimoji="0" lang="en-US" altLang="en-US" sz="2000" b="0" i="0" u="none" strike="noStrike" cap="none" normalizeH="0" baseline="0" dirty="0">
+                <a:ln>
+                  <a:noFill/>
+                </a:ln>
+                <a:solidFill>
+                  <a:srgbClr val="A9B7C6"/>
+                </a:solidFill>
+                <a:effectLst/>
+                <a:latin typeface="Arial Unicode MS"/>
+              </a:rPr>
+              <a:t>:  </a:t>
+            </a:r>
+            <a:r>
+              <a:rPr kumimoji="0" lang="en-US" altLang="en-US" sz="2000" b="0" i="0" u="none" strike="noStrike" cap="none" normalizeH="0" baseline="0" dirty="0">
+                <a:ln>
+                  <a:noFill/>
+                </a:ln>
+                <a:solidFill>
+                  <a:srgbClr val="808080"/>
+                </a:solidFill>
+                <a:effectLst/>
+                <a:latin typeface="Arial Unicode MS"/>
+              </a:rPr>
+              <a:t># user wants to exit</a:t>
+            </a:r>
+          </a:p>
+          <a:p>
+            <a:pPr marL="0" marR="0" lvl="0" indent="0" algn="l" defTabSz="914400" rtl="0" eaLnBrk="0" fontAlgn="base" latinLnBrk="0" hangingPunct="0">
+              <a:lnSpc>
+                <a:spcPct val="100000"/>
+              </a:lnSpc>
+              <a:spcBef>
+                <a:spcPct val="0"/>
+              </a:spcBef>
+              <a:spcAft>
+                <a:spcPct val="0"/>
+              </a:spcAft>
+              <a:buClrTx/>
+              <a:buSzTx/>
+              <a:buFontTx/>
+              <a:buNone/>
+              <a:tabLst/>
+            </a:pPr>
+            <a:r>
+              <a:rPr kumimoji="0" lang="en-US" altLang="en-US" sz="2000" b="0" i="0" u="none" strike="noStrike" cap="none" normalizeH="0" baseline="0" dirty="0">
+                <a:ln>
+                  <a:noFill/>
+                </a:ln>
+                <a:solidFill>
+                  <a:srgbClr val="808080"/>
+                </a:solidFill>
+                <a:effectLst/>
+                <a:latin typeface="Arial Unicode MS"/>
+              </a:rPr>
+              <a:t>	</a:t>
+            </a:r>
+            <a:r>
+              <a:rPr kumimoji="0" lang="en-US" altLang="en-US" sz="2000" b="0" i="0" u="none" strike="noStrike" cap="none" normalizeH="0" baseline="0" dirty="0">
+                <a:ln>
+                  <a:noFill/>
+                </a:ln>
+                <a:solidFill>
+                  <a:srgbClr val="CC7832"/>
+                </a:solidFill>
+                <a:effectLst/>
+                <a:latin typeface="Arial Unicode MS"/>
+              </a:rPr>
+              <a:t> break</a:t>
+            </a:r>
+            <a:br>
+              <a:rPr kumimoji="0" lang="en-US" altLang="en-US" sz="2000" b="0" i="0" u="none" strike="noStrike" cap="none" normalizeH="0" baseline="0" dirty="0">
+                <a:ln>
+                  <a:noFill/>
+                </a:ln>
+                <a:solidFill>
+                  <a:srgbClr val="808080"/>
+                </a:solidFill>
+                <a:effectLst/>
+                <a:latin typeface="Arial Unicode MS"/>
+              </a:rPr>
+            </a:br>
+            <a:r>
+              <a:rPr kumimoji="0" lang="en-US" altLang="en-US" sz="2000" b="0" i="0" u="none" strike="noStrike" cap="none" normalizeH="0" baseline="0" dirty="0">
+                <a:ln>
+                  <a:noFill/>
+                </a:ln>
+                <a:solidFill>
+                  <a:srgbClr val="808080"/>
+                </a:solidFill>
+                <a:effectLst/>
+                <a:latin typeface="Arial Unicode MS"/>
+              </a:rPr>
+              <a:t>        </a:t>
+            </a:r>
+            <a:r>
+              <a:rPr kumimoji="0" lang="en-US" altLang="en-US" sz="2000" b="0" i="0" u="none" strike="noStrike" cap="none" normalizeH="0" baseline="0" dirty="0">
+                <a:ln>
+                  <a:noFill/>
+                </a:ln>
+                <a:solidFill>
+                  <a:srgbClr val="CC7832"/>
+                </a:solidFill>
+                <a:effectLst/>
+                <a:latin typeface="Arial Unicode MS"/>
+              </a:rPr>
+              <a:t>if </a:t>
+            </a:r>
+            <a:r>
+              <a:rPr kumimoji="0" lang="en-US" altLang="en-US" sz="2000" b="0" i="0" u="none" strike="noStrike" cap="none" normalizeH="0" baseline="0" dirty="0">
+                <a:ln>
+                  <a:noFill/>
+                </a:ln>
+                <a:solidFill>
+                  <a:srgbClr val="A9B7C6"/>
+                </a:solidFill>
+                <a:effectLst/>
+                <a:latin typeface="Arial Unicode MS"/>
+              </a:rPr>
+              <a:t>num &lt; </a:t>
+            </a:r>
+            <a:r>
+              <a:rPr kumimoji="0" lang="en-US" altLang="en-US" sz="2000" b="0" i="0" u="none" strike="noStrike" cap="none" normalizeH="0" baseline="0" dirty="0">
+                <a:ln>
+                  <a:noFill/>
+                </a:ln>
+                <a:solidFill>
+                  <a:srgbClr val="6897BB"/>
+                </a:solidFill>
+                <a:effectLst/>
+                <a:latin typeface="Arial Unicode MS"/>
+              </a:rPr>
+              <a:t>0</a:t>
+            </a:r>
+            <a:r>
+              <a:rPr kumimoji="0" lang="en-US" altLang="en-US" sz="2000" b="0" i="0" u="none" strike="noStrike" cap="none" normalizeH="0" baseline="0" dirty="0">
+                <a:ln>
+                  <a:noFill/>
+                </a:ln>
+                <a:solidFill>
+                  <a:srgbClr val="A9B7C6"/>
+                </a:solidFill>
+                <a:effectLst/>
+                <a:latin typeface="Arial Unicode MS"/>
+              </a:rPr>
+              <a:t>:</a:t>
+            </a:r>
+            <a:br>
+              <a:rPr kumimoji="0" lang="en-US" altLang="en-US" sz="2000" b="0" i="0" u="none" strike="noStrike" cap="none" normalizeH="0" baseline="0" dirty="0">
+                <a:ln>
+                  <a:noFill/>
+                </a:ln>
+                <a:solidFill>
+                  <a:srgbClr val="A9B7C6"/>
+                </a:solidFill>
+                <a:effectLst/>
+                <a:latin typeface="Arial Unicode MS"/>
+              </a:rPr>
+            </a:br>
+            <a:r>
+              <a:rPr kumimoji="0" lang="en-US" altLang="en-US" sz="2000" b="0" i="0" u="none" strike="noStrike" cap="none" normalizeH="0" baseline="0" dirty="0">
+                <a:ln>
+                  <a:noFill/>
+                </a:ln>
+                <a:solidFill>
+                  <a:srgbClr val="A9B7C6"/>
+                </a:solidFill>
+                <a:effectLst/>
+                <a:latin typeface="Arial Unicode MS"/>
+              </a:rPr>
+              <a:t>            </a:t>
+            </a:r>
+            <a:r>
+              <a:rPr kumimoji="0" lang="en-US" altLang="en-US" sz="2000" b="0" i="0" u="none" strike="noStrike" cap="none" normalizeH="0" baseline="0" dirty="0">
+                <a:ln>
+                  <a:noFill/>
+                </a:ln>
+                <a:solidFill>
+                  <a:srgbClr val="CC7832"/>
+                </a:solidFill>
+                <a:effectLst/>
+                <a:latin typeface="Arial Unicode MS"/>
+              </a:rPr>
+              <a:t>continue</a:t>
+            </a:r>
+            <a:br>
+              <a:rPr kumimoji="0" lang="en-US" altLang="en-US" sz="2000" b="0" i="0" u="none" strike="noStrike" cap="none" normalizeH="0" baseline="0" dirty="0">
+                <a:ln>
+                  <a:noFill/>
+                </a:ln>
+                <a:solidFill>
+                  <a:srgbClr val="CC7832"/>
+                </a:solidFill>
+                <a:effectLst/>
+                <a:latin typeface="Arial Unicode MS"/>
+              </a:rPr>
+            </a:br>
+            <a:r>
+              <a:rPr kumimoji="0" lang="en-US" altLang="en-US" sz="2000" b="0" i="0" u="none" strike="noStrike" cap="none" normalizeH="0" baseline="0" dirty="0">
+                <a:ln>
+                  <a:noFill/>
+                </a:ln>
+                <a:solidFill>
+                  <a:srgbClr val="CC7832"/>
+                </a:solidFill>
+                <a:effectLst/>
+                <a:latin typeface="Arial Unicode MS"/>
+              </a:rPr>
+              <a:t>    </a:t>
+            </a:r>
+            <a:r>
+              <a:rPr kumimoji="0" lang="en-US" altLang="en-US" sz="2000" b="0" i="0" u="none" strike="noStrike" cap="none" normalizeH="0" baseline="0" dirty="0" err="1">
+                <a:ln>
+                  <a:noFill/>
+                </a:ln>
+                <a:solidFill>
+                  <a:srgbClr val="A9B7C6"/>
+                </a:solidFill>
+                <a:effectLst/>
+                <a:latin typeface="Arial Unicode MS"/>
+              </a:rPr>
+              <a:t>i</a:t>
+            </a:r>
+            <a:r>
+              <a:rPr kumimoji="0" lang="en-US" altLang="en-US" sz="2000" b="0" i="0" u="none" strike="noStrike" cap="none" normalizeH="0" baseline="0" dirty="0">
+                <a:ln>
+                  <a:noFill/>
+                </a:ln>
+                <a:solidFill>
+                  <a:srgbClr val="A9B7C6"/>
+                </a:solidFill>
+                <a:effectLst/>
+                <a:latin typeface="Arial Unicode MS"/>
+              </a:rPr>
+              <a:t> -= </a:t>
+            </a:r>
+            <a:r>
+              <a:rPr kumimoji="0" lang="en-US" altLang="en-US" sz="2000" b="0" i="0" u="none" strike="noStrike" cap="none" normalizeH="0" baseline="0" dirty="0">
+                <a:ln>
+                  <a:noFill/>
+                </a:ln>
+                <a:solidFill>
+                  <a:srgbClr val="6897BB"/>
+                </a:solidFill>
+                <a:effectLst/>
+                <a:latin typeface="Arial Unicode MS"/>
+              </a:rPr>
+              <a:t>1</a:t>
+            </a:r>
+            <a:br>
+              <a:rPr kumimoji="0" lang="en-US" altLang="en-US" sz="2000" b="0" i="0" u="none" strike="noStrike" cap="none" normalizeH="0" baseline="0" dirty="0">
+                <a:ln>
+                  <a:noFill/>
+                </a:ln>
+                <a:solidFill>
+                  <a:srgbClr val="6897BB"/>
+                </a:solidFill>
+                <a:effectLst/>
+                <a:latin typeface="Arial Unicode MS"/>
+              </a:rPr>
+            </a:br>
+            <a:r>
+              <a:rPr kumimoji="0" lang="en-US" altLang="en-US" sz="2000" b="0" i="0" u="none" strike="noStrike" cap="none" normalizeH="0" baseline="0" dirty="0">
+                <a:ln>
+                  <a:noFill/>
+                </a:ln>
+                <a:solidFill>
+                  <a:srgbClr val="6897BB"/>
+                </a:solidFill>
+                <a:effectLst/>
+                <a:latin typeface="Arial Unicode MS"/>
+              </a:rPr>
+              <a:t>    </a:t>
+            </a:r>
+            <a:r>
+              <a:rPr kumimoji="0" lang="en-US" altLang="en-US" sz="2000" b="0" i="0" u="none" strike="noStrike" cap="none" normalizeH="0" baseline="0" dirty="0">
+                <a:ln>
+                  <a:noFill/>
+                </a:ln>
+                <a:solidFill>
+                  <a:srgbClr val="8888C6"/>
+                </a:solidFill>
+                <a:effectLst/>
+                <a:latin typeface="Arial Unicode MS"/>
+              </a:rPr>
+              <a:t>print</a:t>
+            </a:r>
+            <a:r>
+              <a:rPr kumimoji="0" lang="en-US" altLang="en-US" sz="2000" b="0" i="0" u="none" strike="noStrike" cap="none" normalizeH="0" baseline="0" dirty="0">
+                <a:ln>
+                  <a:noFill/>
+                </a:ln>
+                <a:solidFill>
+                  <a:srgbClr val="A9B7C6"/>
+                </a:solidFill>
+                <a:effectLst/>
+                <a:latin typeface="Arial Unicode MS"/>
+              </a:rPr>
+              <a:t>(</a:t>
+            </a:r>
+            <a:r>
+              <a:rPr kumimoji="0" lang="en-US" altLang="en-US" sz="2000" b="0" i="0" u="none" strike="noStrike" cap="none" normalizeH="0" baseline="0" dirty="0" err="1">
+                <a:ln>
+                  <a:noFill/>
+                </a:ln>
+                <a:solidFill>
+                  <a:srgbClr val="A9B7C6"/>
+                </a:solidFill>
+                <a:effectLst/>
+                <a:latin typeface="Arial Unicode MS"/>
+              </a:rPr>
+              <a:t>math.sqrt</a:t>
+            </a:r>
+            <a:r>
+              <a:rPr kumimoji="0" lang="en-US" altLang="en-US" sz="2000" b="0" i="0" u="none" strike="noStrike" cap="none" normalizeH="0" baseline="0" dirty="0">
+                <a:ln>
+                  <a:noFill/>
+                </a:ln>
+                <a:solidFill>
+                  <a:srgbClr val="A9B7C6"/>
+                </a:solidFill>
+                <a:effectLst/>
+                <a:latin typeface="Arial Unicode MS"/>
+              </a:rPr>
+              <a:t>(num))</a:t>
+            </a:r>
+            <a:endParaRPr kumimoji="0" lang="en-US" altLang="en-US" sz="2000" b="0" i="0" u="none" strike="noStrike" cap="none" normalizeH="0" baseline="0" dirty="0">
+              <a:ln>
+                <a:noFill/>
+              </a:ln>
+              <a:solidFill>
+                <a:schemeClr val="tx1"/>
+              </a:solidFill>
+              <a:effectLst/>
+              <a:latin typeface="Arial" panose="020B0604020202020204" pitchFamily="34" charset="0"/>
+            </a:endParaRPr>
+          </a:p>
+        </p:txBody>
+      </p:sp>
+    </p:spTree>
+    <p:extLst>
+      <p:ext uri="{BB962C8B-B14F-4D97-AF65-F5344CB8AC3E}">
+        <p14:creationId xmlns:p14="http://schemas.microsoft.com/office/powerpoint/2010/main" val="86038848"/>
+      </p:ext>
+    </p:extLst>
+  </p:cSld>
+  <p:clrMapOvr>
+    <a:masterClrMapping/>
+  </p:clrMapOvr>
+</p:sld>
+</file>
+
+<file path=ppt/slides/slide15.xml><?xml version="1.0" encoding="utf-8"?>
+<p:sld xmlns:a="http://schemas.openxmlformats.org/drawingml/2006/main" xmlns:r="http://schemas.openxmlformats.org/officeDocument/2006/relationships" xmlns:p="http://schemas.openxmlformats.org/presentationml/2006/main">
+  <p:cSld>
+    <p:spTree>
+      <p:nvGrpSpPr>
+        <p:cNvPr id="1" name=""/>
+        <p:cNvGrpSpPr/>
+        <p:nvPr/>
+      </p:nvGrpSpPr>
+      <p:grpSpPr>
+        <a:xfrm>
+          <a:off x="0" y="0"/>
+          <a:ext cx="0" cy="0"/>
+          <a:chOff x="0" y="0"/>
+          <a:chExt cx="0" cy="0"/>
+        </a:xfrm>
+      </p:grpSpPr>
+      <p:sp>
+        <p:nvSpPr>
           <p:cNvPr id="3" name="Title 2"/>
           <p:cNvSpPr>
             <a:spLocks noGrp="1"/>
@@ -8029,7 +11225,7 @@
 </p:sld>
 </file>
 
-<file path=ppt/slides/slide11.xml><?xml version="1.0" encoding="utf-8"?>
+<file path=ppt/slides/slide16.xml><?xml version="1.0" encoding="utf-8"?>
 <p:sld xmlns:a="http://schemas.openxmlformats.org/drawingml/2006/main" xmlns:r="http://schemas.openxmlformats.org/officeDocument/2006/relationships" xmlns:p="http://schemas.openxmlformats.org/presentationml/2006/main">
   <p:cSld>
     <p:spTree>
@@ -8230,44 +11426,50 @@
         </p:nvSpPr>
         <p:spPr>
           <a:xfrm>
-            <a:off x="838200" y="1690688"/>
-            <a:ext cx="10515600" cy="4351338"/>
+            <a:off x="838200" y="1464816"/>
+            <a:ext cx="10515600" cy="4577210"/>
           </a:xfrm>
         </p:spPr>
         <p:txBody>
-          <a:bodyPr/>
+          <a:bodyPr>
+            <a:normAutofit/>
+          </a:bodyPr>
           <a:lstStyle/>
           <a:p>
             <a:pPr algn="l" rtl="0"/>
             <a:r>
-              <a:rPr lang="en-US" altLang="he-IL" sz="2400" dirty="0"/>
+              <a:rPr lang="en-US" altLang="he-IL" sz="2000" dirty="0"/>
               <a:t>Logical Operators:</a:t>
             </a:r>
           </a:p>
           <a:p>
-            <a:pPr lvl="1" algn="l" rtl="0"/>
+            <a:pPr algn="l" rtl="0"/>
+            <a:endParaRPr lang="en-US" altLang="he-IL" sz="2000" dirty="0"/>
+          </a:p>
+          <a:p>
+            <a:pPr algn="l" rtl="0"/>
+            <a:endParaRPr lang="en-US" altLang="he-IL" sz="2000" dirty="0"/>
+          </a:p>
+          <a:p>
+            <a:pPr algn="l" rtl="0"/>
+            <a:endParaRPr lang="en-US" altLang="he-IL" sz="2000" dirty="0"/>
+          </a:p>
+          <a:p>
+            <a:pPr algn="l" rtl="0"/>
+            <a:endParaRPr lang="en-US" altLang="he-IL" sz="2000" dirty="0"/>
+          </a:p>
+          <a:p>
+            <a:pPr marL="0" indent="0" algn="l" rtl="0">
+              <a:buNone/>
+            </a:pPr>
             <a:r>
               <a:rPr lang="en-US" altLang="he-IL" sz="2000" dirty="0"/>
-              <a:t>and   -  Logical AND</a:t>
-            </a:r>
-          </a:p>
-          <a:p>
-            <a:pPr lvl="1" algn="l" rtl="0"/>
+              <a:t>         Logical AND			Logical OR			Logical NOT</a:t>
+            </a:r>
+          </a:p>
+          <a:p>
             <a:r>
               <a:rPr lang="en-US" altLang="he-IL" sz="2000" dirty="0"/>
-              <a:t>or     -  Logical OR</a:t>
-            </a:r>
-          </a:p>
-          <a:p>
-            <a:pPr lvl="1" algn="l" rtl="0"/>
-            <a:r>
-              <a:rPr lang="en-US" altLang="he-IL" sz="2000" dirty="0"/>
-              <a:t>not   -  Logical NO</a:t>
-            </a:r>
-          </a:p>
-          <a:p>
-            <a:r>
-              <a:rPr lang="en-US" altLang="he-IL" sz="2400" dirty="0"/>
               <a:t>Two sets of relational operators:</a:t>
             </a:r>
           </a:p>
@@ -8282,14 +11484,14 @@
           <p:nvPr>
             <p:extLst>
               <p:ext uri="{D42A27DB-BD31-4B8C-83A1-F6EECF244321}">
-                <p14:modId xmlns:p14="http://schemas.microsoft.com/office/powerpoint/2010/main" val="4108968995"/>
+                <p14:modId xmlns:p14="http://schemas.microsoft.com/office/powerpoint/2010/main" val="3987656991"/>
               </p:ext>
             </p:extLst>
           </p:nvPr>
         </p:nvGraphicFramePr>
         <p:xfrm>
-          <a:off x="1400117" y="3549839"/>
-          <a:ext cx="7880192" cy="2772000"/>
+          <a:off x="1151543" y="4229099"/>
+          <a:ext cx="6864994" cy="2420278"/>
         </p:xfrm>
         <a:graphic>
           <a:graphicData uri="http://schemas.openxmlformats.org/drawingml/2006/table">
@@ -8298,21 +11500,21 @@
                 <a:tableStyleId>{3C2FFA5D-87B4-456A-9821-1D502468CF0F}</a:tableStyleId>
               </a:tblPr>
               <a:tblGrid>
-                <a:gridCol w="2242282">
+                <a:gridCol w="1953411">
                   <a:extLst>
                     <a:ext uri="{9D8B030D-6E8A-4147-A177-3AD203B41FA5}">
                       <a16:colId xmlns:a16="http://schemas.microsoft.com/office/drawing/2014/main" val="20000"/>
                     </a:ext>
                   </a:extLst>
                 </a:gridCol>
-                <a:gridCol w="4551969">
+                <a:gridCol w="3965543">
                   <a:extLst>
                     <a:ext uri="{9D8B030D-6E8A-4147-A177-3AD203B41FA5}">
                       <a16:colId xmlns:a16="http://schemas.microsoft.com/office/drawing/2014/main" val="20001"/>
                     </a:ext>
                   </a:extLst>
                 </a:gridCol>
-                <a:gridCol w="1085941">
+                <a:gridCol w="946040">
                   <a:extLst>
                     <a:ext uri="{9D8B030D-6E8A-4147-A177-3AD203B41FA5}">
                       <a16:colId xmlns:a16="http://schemas.microsoft.com/office/drawing/2014/main" val="20002"/>
@@ -8320,7 +11522,7 @@
                   </a:extLst>
                 </a:gridCol>
               </a:tblGrid>
-              <a:tr h="396000">
+              <a:tr h="345754">
                 <a:tc>
                   <a:txBody>
                     <a:bodyPr/>
@@ -8464,7 +11666,7 @@
                   </a:ext>
                 </a:extLst>
               </a:tr>
-              <a:tr h="396000">
+              <a:tr h="345754">
                 <a:tc>
                   <a:txBody>
                     <a:bodyPr/>
@@ -8608,7 +11810,7 @@
                   </a:ext>
                 </a:extLst>
               </a:tr>
-              <a:tr h="396000">
+              <a:tr h="345754">
                 <a:tc>
                   <a:txBody>
                     <a:bodyPr/>
@@ -8752,7 +11954,7 @@
                   </a:ext>
                 </a:extLst>
               </a:tr>
-              <a:tr h="396000">
+              <a:tr h="345754">
                 <a:tc>
                   <a:txBody>
                     <a:bodyPr/>
@@ -8896,7 +12098,7 @@
                   </a:ext>
                 </a:extLst>
               </a:tr>
-              <a:tr h="396000">
+              <a:tr h="345754">
                 <a:tc>
                   <a:txBody>
                     <a:bodyPr/>
@@ -9029,7 +12231,7 @@
                         <a:tabLst/>
                       </a:pPr>
                       <a:r>
-                        <a:rPr kumimoji="0" lang="he-IL" sz="1500" u="none" strike="noStrike" cap="none" normalizeH="0" baseline="0">
+                        <a:rPr kumimoji="0" lang="he-IL" sz="1500" u="none" strike="noStrike" cap="none" normalizeH="0" baseline="0" dirty="0">
                           <a:ln>
                             <a:noFill/>
                           </a:ln>
@@ -9037,7 +12239,7 @@
                         </a:rPr>
                         <a:t>=&lt;</a:t>
                       </a:r>
-                      <a:endParaRPr kumimoji="0" lang="en-US" sz="1500" b="1" i="0" u="none" strike="noStrike" cap="none" normalizeH="0" baseline="0">
+                      <a:endParaRPr kumimoji="0" lang="en-US" sz="1500" b="1" i="0" u="none" strike="noStrike" cap="none" normalizeH="0" baseline="0" dirty="0">
                         <a:ln>
                           <a:noFill/>
                         </a:ln>
@@ -9058,7 +12260,7 @@
                   </a:ext>
                 </a:extLst>
               </a:tr>
-              <a:tr h="396000">
+              <a:tr h="345754">
                 <a:tc>
                   <a:txBody>
                     <a:bodyPr/>
@@ -9202,7 +12404,7 @@
                   </a:ext>
                 </a:extLst>
               </a:tr>
-              <a:tr h="396000">
+              <a:tr h="345754">
                 <a:tc>
                   <a:txBody>
                     <a:bodyPr/>
@@ -9368,6 +12570,147 @@
           </a:graphicData>
         </a:graphic>
       </p:graphicFrame>
+      <p:pic>
+        <p:nvPicPr>
+          <p:cNvPr id="1030" name="Picture 6" descr="OR operator Venn diagram">
+            <a:extLst>
+              <a:ext uri="{FF2B5EF4-FFF2-40B4-BE49-F238E27FC236}">
+                <a16:creationId xmlns:a16="http://schemas.microsoft.com/office/drawing/2014/main" id="{E4F425FB-C5F1-43B7-BF4A-3415754ABD58}"/>
+              </a:ext>
+            </a:extLst>
+          </p:cNvPr>
+          <p:cNvPicPr>
+            <a:picLocks noChangeAspect="1" noChangeArrowheads="1"/>
+          </p:cNvPicPr>
+          <p:nvPr/>
+        </p:nvPicPr>
+        <p:blipFill>
+          <a:blip r:embed="rId3">
+            <a:extLst>
+              <a:ext uri="{28A0092B-C50C-407E-A947-70E740481C1C}">
+                <a14:useLocalDpi xmlns:a14="http://schemas.microsoft.com/office/drawing/2010/main" val="0"/>
+              </a:ext>
+            </a:extLst>
+          </a:blip>
+          <a:srcRect/>
+          <a:stretch>
+            <a:fillRect/>
+          </a:stretch>
+        </p:blipFill>
+        <p:spPr bwMode="auto">
+          <a:xfrm>
+            <a:off x="4028938" y="1842572"/>
+            <a:ext cx="2562225" cy="1600200"/>
+          </a:xfrm>
+          <a:prstGeom prst="rect">
+            <a:avLst/>
+          </a:prstGeom>
+          <a:noFill/>
+          <a:extLst>
+            <a:ext uri="{909E8E84-426E-40DD-AFC4-6F175D3DCCD1}">
+              <a14:hiddenFill xmlns:a14="http://schemas.microsoft.com/office/drawing/2010/main">
+                <a:solidFill>
+                  <a:srgbClr val="FFFFFF"/>
+                </a:solidFill>
+              </a14:hiddenFill>
+            </a:ext>
+          </a:extLst>
+        </p:spPr>
+      </p:pic>
+      <p:pic>
+        <p:nvPicPr>
+          <p:cNvPr id="1032" name="Picture 8" descr="AND operator Venn diagram">
+            <a:extLst>
+              <a:ext uri="{FF2B5EF4-FFF2-40B4-BE49-F238E27FC236}">
+                <a16:creationId xmlns:a16="http://schemas.microsoft.com/office/drawing/2014/main" id="{21BEA653-4FCD-46D0-824B-5C5FC102E02A}"/>
+              </a:ext>
+            </a:extLst>
+          </p:cNvPr>
+          <p:cNvPicPr>
+            <a:picLocks noChangeAspect="1" noChangeArrowheads="1"/>
+          </p:cNvPicPr>
+          <p:nvPr/>
+        </p:nvPicPr>
+        <p:blipFill>
+          <a:blip r:embed="rId4">
+            <a:extLst>
+              <a:ext uri="{28A0092B-C50C-407E-A947-70E740481C1C}">
+                <a14:useLocalDpi xmlns:a14="http://schemas.microsoft.com/office/drawing/2010/main" val="0"/>
+              </a:ext>
+            </a:extLst>
+          </a:blip>
+          <a:srcRect/>
+          <a:stretch>
+            <a:fillRect/>
+          </a:stretch>
+        </p:blipFill>
+        <p:spPr bwMode="auto">
+          <a:xfrm>
+            <a:off x="838200" y="1842865"/>
+            <a:ext cx="2562225" cy="1600200"/>
+          </a:xfrm>
+          <a:prstGeom prst="rect">
+            <a:avLst/>
+          </a:prstGeom>
+          <a:noFill/>
+          <a:extLst>
+            <a:ext uri="{909E8E84-426E-40DD-AFC4-6F175D3DCCD1}">
+              <a14:hiddenFill xmlns:a14="http://schemas.microsoft.com/office/drawing/2010/main">
+                <a:solidFill>
+                  <a:srgbClr val="FFFFFF"/>
+                </a:solidFill>
+              </a14:hiddenFill>
+            </a:ext>
+          </a:extLst>
+        </p:spPr>
+      </p:pic>
+      <p:pic>
+        <p:nvPicPr>
+          <p:cNvPr id="1034" name="Picture 10" descr="NOT operator Venn diagram">
+            <a:extLst>
+              <a:ext uri="{FF2B5EF4-FFF2-40B4-BE49-F238E27FC236}">
+                <a16:creationId xmlns:a16="http://schemas.microsoft.com/office/drawing/2014/main" id="{42372837-E05D-44E6-84F8-8F993DCD5EAC}"/>
+              </a:ext>
+            </a:extLst>
+          </p:cNvPr>
+          <p:cNvPicPr>
+            <a:picLocks noChangeAspect="1" noChangeArrowheads="1"/>
+          </p:cNvPicPr>
+          <p:nvPr/>
+        </p:nvPicPr>
+        <p:blipFill>
+          <a:blip r:embed="rId5">
+            <a:extLst>
+              <a:ext uri="{28A0092B-C50C-407E-A947-70E740481C1C}">
+                <a14:useLocalDpi xmlns:a14="http://schemas.microsoft.com/office/drawing/2010/main" val="0"/>
+              </a:ext>
+            </a:extLst>
+          </a:blip>
+          <a:srcRect/>
+          <a:stretch>
+            <a:fillRect/>
+          </a:stretch>
+        </p:blipFill>
+        <p:spPr bwMode="auto">
+          <a:xfrm>
+            <a:off x="7667420" y="1766541"/>
+            <a:ext cx="2562225" cy="1600200"/>
+          </a:xfrm>
+          <a:prstGeom prst="rect">
+            <a:avLst/>
+          </a:prstGeom>
+          <a:noFill/>
+          <a:extLst>
+            <a:ext uri="{909E8E84-426E-40DD-AFC4-6F175D3DCCD1}">
+              <a14:hiddenFill xmlns:a14="http://schemas.microsoft.com/office/drawing/2010/main">
+                <a:solidFill>
+                  <a:srgbClr val="FFFFFF"/>
+                </a:solidFill>
+              </a14:hiddenFill>
+            </a:ext>
+          </a:extLst>
+        </p:spPr>
+      </p:pic>
     </p:spTree>
     <p:extLst>
       <p:ext uri="{BB962C8B-B14F-4D97-AF65-F5344CB8AC3E}">
@@ -9937,6 +13280,42 @@
           </a:p>
         </p:txBody>
       </p:sp>
+      <p:pic>
+        <p:nvPicPr>
+          <p:cNvPr id="8" name="Picture 7">
+            <a:extLst>
+              <a:ext uri="{FF2B5EF4-FFF2-40B4-BE49-F238E27FC236}">
+                <a16:creationId xmlns:a16="http://schemas.microsoft.com/office/drawing/2014/main" id="{4096893A-E5DD-4AE3-B24C-2090B7696A91}"/>
+              </a:ext>
+            </a:extLst>
+          </p:cNvPr>
+          <p:cNvPicPr>
+            <a:picLocks noChangeAspect="1"/>
+          </p:cNvPicPr>
+          <p:nvPr/>
+        </p:nvPicPr>
+        <p:blipFill>
+          <a:blip r:embed="rId3">
+            <a:extLst>
+              <a:ext uri="{28A0092B-C50C-407E-A947-70E740481C1C}">
+                <a14:useLocalDpi xmlns:a14="http://schemas.microsoft.com/office/drawing/2010/main" val="0"/>
+              </a:ext>
+            </a:extLst>
+          </a:blip>
+          <a:stretch>
+            <a:fillRect/>
+          </a:stretch>
+        </p:blipFill>
+        <p:spPr>
+          <a:xfrm>
+            <a:off x="6691753" y="948015"/>
+            <a:ext cx="4350250" cy="5078027"/>
+          </a:xfrm>
+          <a:prstGeom prst="rect">
+            <a:avLst/>
+          </a:prstGeom>
+        </p:spPr>
+      </p:pic>
     </p:spTree>
     <p:extLst>
       <p:ext uri="{BB962C8B-B14F-4D97-AF65-F5344CB8AC3E}">
@@ -9951,6 +13330,633 @@
 </file>
 
 <file path=ppt/slides/slide5.xml><?xml version="1.0" encoding="utf-8"?>
+<p:sld xmlns:a="http://schemas.openxmlformats.org/drawingml/2006/main" xmlns:r="http://schemas.openxmlformats.org/officeDocument/2006/relationships" xmlns:p="http://schemas.openxmlformats.org/presentationml/2006/main">
+  <p:cSld>
+    <p:spTree>
+      <p:nvGrpSpPr>
+        <p:cNvPr id="1" name=""/>
+        <p:cNvGrpSpPr/>
+        <p:nvPr/>
+      </p:nvGrpSpPr>
+      <p:grpSpPr>
+        <a:xfrm>
+          <a:off x="0" y="0"/>
+          <a:ext cx="0" cy="0"/>
+          <a:chOff x="0" y="0"/>
+          <a:chExt cx="0" cy="0"/>
+        </a:xfrm>
+      </p:grpSpPr>
+      <p:sp>
+        <p:nvSpPr>
+          <p:cNvPr id="7" name="Title 6"/>
+          <p:cNvSpPr>
+            <a:spLocks noGrp="1"/>
+          </p:cNvSpPr>
+          <p:nvPr>
+            <p:ph type="title"/>
+          </p:nvPr>
+        </p:nvSpPr>
+        <p:spPr/>
+        <p:txBody>
+          <a:bodyPr/>
+          <a:lstStyle/>
+          <a:p>
+            <a:r>
+              <a:rPr lang="en-US" dirty="0"/>
+              <a:t>If Demo</a:t>
+            </a:r>
+            <a:endParaRPr lang="he-IL" dirty="0"/>
+          </a:p>
+        </p:txBody>
+      </p:sp>
+    </p:spTree>
+    <p:extLst>
+      <p:ext uri="{BB962C8B-B14F-4D97-AF65-F5344CB8AC3E}">
+        <p14:creationId xmlns:p14="http://schemas.microsoft.com/office/powerpoint/2010/main" val="3016809958"/>
+      </p:ext>
+    </p:extLst>
+  </p:cSld>
+  <p:clrMapOvr>
+    <a:masterClrMapping/>
+  </p:clrMapOvr>
+</p:sld>
+</file>
+
+<file path=ppt/slides/slide6.xml><?xml version="1.0" encoding="utf-8"?>
+<p:sld xmlns:a="http://schemas.openxmlformats.org/drawingml/2006/main" xmlns:r="http://schemas.openxmlformats.org/officeDocument/2006/relationships" xmlns:p="http://schemas.openxmlformats.org/presentationml/2006/main">
+  <p:cSld>
+    <p:spTree>
+      <p:nvGrpSpPr>
+        <p:cNvPr id="1" name=""/>
+        <p:cNvGrpSpPr/>
+        <p:nvPr/>
+      </p:nvGrpSpPr>
+      <p:grpSpPr>
+        <a:xfrm>
+          <a:off x="0" y="0"/>
+          <a:ext cx="0" cy="0"/>
+          <a:chOff x="0" y="0"/>
+          <a:chExt cx="0" cy="0"/>
+        </a:xfrm>
+      </p:grpSpPr>
+      <p:sp>
+        <p:nvSpPr>
+          <p:cNvPr id="7" name="Rectangle 1">
+            <a:extLst>
+              <a:ext uri="{FF2B5EF4-FFF2-40B4-BE49-F238E27FC236}">
+                <a16:creationId xmlns:a16="http://schemas.microsoft.com/office/drawing/2014/main" id="{AE4B9510-E9CF-496E-9A71-C848CA91CDDB}"/>
+              </a:ext>
+            </a:extLst>
+          </p:cNvPr>
+          <p:cNvSpPr>
+            <a:spLocks noChangeArrowheads="1"/>
+          </p:cNvSpPr>
+          <p:nvPr/>
+        </p:nvSpPr>
+        <p:spPr bwMode="auto">
+          <a:xfrm>
+            <a:off x="727969" y="1170746"/>
+            <a:ext cx="6027938" cy="2554545"/>
+          </a:xfrm>
+          <a:prstGeom prst="rect">
+            <a:avLst/>
+          </a:prstGeom>
+          <a:solidFill>
+            <a:srgbClr val="2B2B2B"/>
+          </a:solidFill>
+          <a:ln>
+            <a:noFill/>
+          </a:ln>
+          <a:effectLst/>
+          <a:extLst>
+            <a:ext uri="{91240B29-F687-4F45-9708-019B960494DF}">
+              <a14:hiddenLine xmlns:a14="http://schemas.microsoft.com/office/drawing/2010/main" w="9525">
+                <a:solidFill>
+                  <a:schemeClr val="tx1"/>
+                </a:solidFill>
+                <a:miter lim="800000"/>
+                <a:headEnd/>
+                <a:tailEnd/>
+              </a14:hiddenLine>
+            </a:ext>
+            <a:ext uri="{AF507438-7753-43E0-B8FC-AC1667EBCBE1}">
+              <a14:hiddenEffects xmlns:a14="http://schemas.microsoft.com/office/drawing/2010/main">
+                <a:effectLst>
+                  <a:outerShdw dist="35921" dir="2700000" algn="ctr" rotWithShape="0">
+                    <a:schemeClr val="bg2"/>
+                  </a:outerShdw>
+                </a:effectLst>
+              </a14:hiddenEffects>
+            </a:ext>
+          </a:extLst>
+        </p:spPr>
+        <p:txBody>
+          <a:bodyPr vert="horz" wrap="square" lIns="91440" tIns="45720" rIns="91440" bIns="45720" numCol="1" anchor="ctr" anchorCtr="0" compatLnSpc="1">
+            <a:prstTxWarp prst="textNoShape">
+              <a:avLst/>
+            </a:prstTxWarp>
+            <a:spAutoFit/>
+          </a:bodyPr>
+          <a:lstStyle/>
+          <a:p>
+            <a:pPr marL="0" marR="0" lvl="0" indent="0" algn="l" defTabSz="914400" rtl="0" eaLnBrk="0" fontAlgn="base" latinLnBrk="0" hangingPunct="0">
+              <a:lnSpc>
+                <a:spcPct val="100000"/>
+              </a:lnSpc>
+              <a:spcBef>
+                <a:spcPct val="0"/>
+              </a:spcBef>
+              <a:spcAft>
+                <a:spcPct val="0"/>
+              </a:spcAft>
+              <a:buClrTx/>
+              <a:buSzTx/>
+              <a:buFontTx/>
+              <a:buNone/>
+              <a:tabLst/>
+            </a:pPr>
+            <a:r>
+              <a:rPr kumimoji="0" lang="en-US" altLang="en-US" sz="1600" b="0" i="0" u="none" strike="noStrike" cap="none" normalizeH="0" baseline="0" dirty="0">
+                <a:ln>
+                  <a:noFill/>
+                </a:ln>
+                <a:solidFill>
+                  <a:srgbClr val="808080"/>
+                </a:solidFill>
+                <a:effectLst/>
+                <a:latin typeface="Arial Unicode MS"/>
+              </a:rPr>
+              <a:t># A simple program to check if a number is positive or negative</a:t>
+            </a:r>
+            <a:br>
+              <a:rPr kumimoji="0" lang="en-US" altLang="en-US" sz="1600" b="0" i="0" u="none" strike="noStrike" cap="none" normalizeH="0" baseline="0" dirty="0">
+                <a:ln>
+                  <a:noFill/>
+                </a:ln>
+                <a:solidFill>
+                  <a:srgbClr val="808080"/>
+                </a:solidFill>
+                <a:effectLst/>
+                <a:latin typeface="Arial Unicode MS"/>
+              </a:rPr>
+            </a:br>
+            <a:br>
+              <a:rPr kumimoji="0" lang="en-US" altLang="en-US" sz="1600" b="0" i="0" u="none" strike="noStrike" cap="none" normalizeH="0" baseline="0" dirty="0">
+                <a:ln>
+                  <a:noFill/>
+                </a:ln>
+                <a:solidFill>
+                  <a:srgbClr val="808080"/>
+                </a:solidFill>
+                <a:effectLst/>
+                <a:latin typeface="Arial Unicode MS"/>
+              </a:rPr>
+            </a:br>
+            <a:r>
+              <a:rPr kumimoji="0" lang="en-US" altLang="en-US" sz="1600" b="0" i="0" u="none" strike="noStrike" cap="none" normalizeH="0" baseline="0" dirty="0">
+                <a:ln>
+                  <a:noFill/>
+                </a:ln>
+                <a:solidFill>
+                  <a:srgbClr val="A9B7C6"/>
+                </a:solidFill>
+                <a:effectLst/>
+                <a:latin typeface="Arial Unicode MS"/>
+              </a:rPr>
+              <a:t>number = int(input(</a:t>
+            </a:r>
+            <a:r>
+              <a:rPr kumimoji="0" lang="en-US" altLang="en-US" sz="1600" b="0" i="0" u="none" strike="noStrike" cap="none" normalizeH="0" baseline="0" dirty="0">
+                <a:ln>
+                  <a:noFill/>
+                </a:ln>
+                <a:solidFill>
+                  <a:srgbClr val="6A8759"/>
+                </a:solidFill>
+                <a:effectLst/>
+                <a:latin typeface="Arial Unicode MS"/>
+              </a:rPr>
+              <a:t>"Enter a number: "</a:t>
+            </a:r>
+            <a:r>
+              <a:rPr kumimoji="0" lang="en-US" altLang="en-US" sz="1600" b="0" i="0" u="none" strike="noStrike" cap="none" normalizeH="0" baseline="0" dirty="0">
+                <a:ln>
+                  <a:noFill/>
+                </a:ln>
+                <a:solidFill>
+                  <a:srgbClr val="A9B7C6"/>
+                </a:solidFill>
+                <a:effectLst/>
+                <a:latin typeface="Arial Unicode MS"/>
+              </a:rPr>
+              <a:t>))</a:t>
+            </a:r>
+            <a:br>
+              <a:rPr kumimoji="0" lang="en-US" altLang="en-US" sz="1600" b="0" i="0" u="none" strike="noStrike" cap="none" normalizeH="0" baseline="0" dirty="0">
+                <a:ln>
+                  <a:noFill/>
+                </a:ln>
+                <a:solidFill>
+                  <a:srgbClr val="A9B7C6"/>
+                </a:solidFill>
+                <a:effectLst/>
+                <a:latin typeface="Arial Unicode MS"/>
+              </a:rPr>
+            </a:br>
+            <a:br>
+              <a:rPr kumimoji="0" lang="en-US" altLang="en-US" sz="1600" b="0" i="0" u="none" strike="noStrike" cap="none" normalizeH="0" baseline="0" dirty="0">
+                <a:ln>
+                  <a:noFill/>
+                </a:ln>
+                <a:solidFill>
+                  <a:srgbClr val="A9B7C6"/>
+                </a:solidFill>
+                <a:effectLst/>
+                <a:latin typeface="Arial Unicode MS"/>
+              </a:rPr>
+            </a:br>
+            <a:r>
+              <a:rPr kumimoji="0" lang="en-US" altLang="en-US" sz="1600" b="0" i="0" u="none" strike="noStrike" cap="none" normalizeH="0" baseline="0" dirty="0">
+                <a:ln>
+                  <a:noFill/>
+                </a:ln>
+                <a:solidFill>
+                  <a:srgbClr val="CC7832"/>
+                </a:solidFill>
+                <a:effectLst/>
+                <a:latin typeface="Arial Unicode MS"/>
+              </a:rPr>
+              <a:t>if </a:t>
+            </a:r>
+            <a:r>
+              <a:rPr kumimoji="0" lang="en-US" altLang="en-US" sz="1600" b="0" i="0" u="none" strike="noStrike" cap="none" normalizeH="0" baseline="0" dirty="0">
+                <a:ln>
+                  <a:noFill/>
+                </a:ln>
+                <a:solidFill>
+                  <a:srgbClr val="A9B7C6"/>
+                </a:solidFill>
+                <a:effectLst/>
+                <a:latin typeface="Arial Unicode MS"/>
+              </a:rPr>
+              <a:t>number &gt; </a:t>
+            </a:r>
+            <a:r>
+              <a:rPr kumimoji="0" lang="en-US" altLang="en-US" sz="1600" b="0" i="0" u="none" strike="noStrike" cap="none" normalizeH="0" baseline="0" dirty="0">
+                <a:ln>
+                  <a:noFill/>
+                </a:ln>
+                <a:solidFill>
+                  <a:srgbClr val="6897BB"/>
+                </a:solidFill>
+                <a:effectLst/>
+                <a:latin typeface="Arial Unicode MS"/>
+              </a:rPr>
+              <a:t>0</a:t>
+            </a:r>
+            <a:r>
+              <a:rPr kumimoji="0" lang="en-US" altLang="en-US" sz="1600" b="0" i="0" u="none" strike="noStrike" cap="none" normalizeH="0" baseline="0" dirty="0">
+                <a:ln>
+                  <a:noFill/>
+                </a:ln>
+                <a:solidFill>
+                  <a:srgbClr val="A9B7C6"/>
+                </a:solidFill>
+                <a:effectLst/>
+                <a:latin typeface="Arial Unicode MS"/>
+              </a:rPr>
+              <a:t>:</a:t>
+            </a:r>
+            <a:br>
+              <a:rPr kumimoji="0" lang="en-US" altLang="en-US" sz="1600" b="0" i="0" u="none" strike="noStrike" cap="none" normalizeH="0" baseline="0" dirty="0">
+                <a:ln>
+                  <a:noFill/>
+                </a:ln>
+                <a:solidFill>
+                  <a:srgbClr val="A9B7C6"/>
+                </a:solidFill>
+                <a:effectLst/>
+                <a:latin typeface="Arial Unicode MS"/>
+              </a:rPr>
+            </a:br>
+            <a:r>
+              <a:rPr kumimoji="0" lang="en-US" altLang="en-US" sz="1600" b="0" i="0" u="none" strike="noStrike" cap="none" normalizeH="0" baseline="0" dirty="0">
+                <a:ln>
+                  <a:noFill/>
+                </a:ln>
+                <a:solidFill>
+                  <a:srgbClr val="A9B7C6"/>
+                </a:solidFill>
+                <a:effectLst/>
+                <a:latin typeface="Arial Unicode MS"/>
+              </a:rPr>
+              <a:t>    print(</a:t>
+            </a:r>
+            <a:r>
+              <a:rPr kumimoji="0" lang="en-US" altLang="en-US" sz="1600" b="0" i="0" u="none" strike="noStrike" cap="none" normalizeH="0" baseline="0" dirty="0">
+                <a:ln>
+                  <a:noFill/>
+                </a:ln>
+                <a:solidFill>
+                  <a:srgbClr val="6A8759"/>
+                </a:solidFill>
+                <a:effectLst/>
+                <a:latin typeface="Arial Unicode MS"/>
+              </a:rPr>
+              <a:t>"The number is positive."</a:t>
+            </a:r>
+            <a:r>
+              <a:rPr kumimoji="0" lang="en-US" altLang="en-US" sz="1600" b="0" i="0" u="none" strike="noStrike" cap="none" normalizeH="0" baseline="0" dirty="0">
+                <a:ln>
+                  <a:noFill/>
+                </a:ln>
+                <a:solidFill>
+                  <a:srgbClr val="A9B7C6"/>
+                </a:solidFill>
+                <a:effectLst/>
+                <a:latin typeface="Arial Unicode MS"/>
+              </a:rPr>
+              <a:t>)</a:t>
+            </a:r>
+            <a:br>
+              <a:rPr kumimoji="0" lang="en-US" altLang="en-US" sz="1600" b="0" i="0" u="none" strike="noStrike" cap="none" normalizeH="0" baseline="0" dirty="0">
+                <a:ln>
+                  <a:noFill/>
+                </a:ln>
+                <a:solidFill>
+                  <a:srgbClr val="A9B7C6"/>
+                </a:solidFill>
+                <a:effectLst/>
+                <a:latin typeface="Arial Unicode MS"/>
+              </a:rPr>
+            </a:br>
+            <a:r>
+              <a:rPr kumimoji="0" lang="en-US" altLang="en-US" sz="1600" b="0" i="0" u="none" strike="noStrike" cap="none" normalizeH="0" baseline="0" dirty="0" err="1">
+                <a:ln>
+                  <a:noFill/>
+                </a:ln>
+                <a:solidFill>
+                  <a:srgbClr val="CC7832"/>
+                </a:solidFill>
+                <a:effectLst/>
+                <a:latin typeface="Arial Unicode MS"/>
+              </a:rPr>
+              <a:t>elif</a:t>
+            </a:r>
+            <a:r>
+              <a:rPr kumimoji="0" lang="en-US" altLang="en-US" sz="1600" b="0" i="0" u="none" strike="noStrike" cap="none" normalizeH="0" baseline="0" dirty="0">
+                <a:ln>
+                  <a:noFill/>
+                </a:ln>
+                <a:solidFill>
+                  <a:srgbClr val="CC7832"/>
+                </a:solidFill>
+                <a:effectLst/>
+                <a:latin typeface="Arial Unicode MS"/>
+              </a:rPr>
+              <a:t> </a:t>
+            </a:r>
+            <a:r>
+              <a:rPr kumimoji="0" lang="en-US" altLang="en-US" sz="1600" b="0" i="0" u="none" strike="noStrike" cap="none" normalizeH="0" baseline="0" dirty="0">
+                <a:ln>
+                  <a:noFill/>
+                </a:ln>
+                <a:solidFill>
+                  <a:srgbClr val="A9B7C6"/>
+                </a:solidFill>
+                <a:effectLst/>
+                <a:latin typeface="Arial Unicode MS"/>
+              </a:rPr>
+              <a:t>number &lt; </a:t>
+            </a:r>
+            <a:r>
+              <a:rPr kumimoji="0" lang="en-US" altLang="en-US" sz="1600" b="0" i="0" u="none" strike="noStrike" cap="none" normalizeH="0" baseline="0" dirty="0">
+                <a:ln>
+                  <a:noFill/>
+                </a:ln>
+                <a:solidFill>
+                  <a:srgbClr val="6897BB"/>
+                </a:solidFill>
+                <a:effectLst/>
+                <a:latin typeface="Arial Unicode MS"/>
+              </a:rPr>
+              <a:t>0</a:t>
+            </a:r>
+            <a:r>
+              <a:rPr kumimoji="0" lang="en-US" altLang="en-US" sz="1600" b="0" i="0" u="none" strike="noStrike" cap="none" normalizeH="0" baseline="0" dirty="0">
+                <a:ln>
+                  <a:noFill/>
+                </a:ln>
+                <a:solidFill>
+                  <a:srgbClr val="A9B7C6"/>
+                </a:solidFill>
+                <a:effectLst/>
+                <a:latin typeface="Arial Unicode MS"/>
+              </a:rPr>
+              <a:t>:</a:t>
+            </a:r>
+            <a:br>
+              <a:rPr kumimoji="0" lang="en-US" altLang="en-US" sz="1600" b="0" i="0" u="none" strike="noStrike" cap="none" normalizeH="0" baseline="0" dirty="0">
+                <a:ln>
+                  <a:noFill/>
+                </a:ln>
+                <a:solidFill>
+                  <a:srgbClr val="A9B7C6"/>
+                </a:solidFill>
+                <a:effectLst/>
+                <a:latin typeface="Arial Unicode MS"/>
+              </a:rPr>
+            </a:br>
+            <a:r>
+              <a:rPr kumimoji="0" lang="en-US" altLang="en-US" sz="1600" b="0" i="0" u="none" strike="noStrike" cap="none" normalizeH="0" baseline="0" dirty="0">
+                <a:ln>
+                  <a:noFill/>
+                </a:ln>
+                <a:solidFill>
+                  <a:srgbClr val="A9B7C6"/>
+                </a:solidFill>
+                <a:effectLst/>
+                <a:latin typeface="Arial Unicode MS"/>
+              </a:rPr>
+              <a:t>    print(</a:t>
+            </a:r>
+            <a:r>
+              <a:rPr kumimoji="0" lang="en-US" altLang="en-US" sz="1600" b="0" i="0" u="none" strike="noStrike" cap="none" normalizeH="0" baseline="0" dirty="0">
+                <a:ln>
+                  <a:noFill/>
+                </a:ln>
+                <a:solidFill>
+                  <a:srgbClr val="6A8759"/>
+                </a:solidFill>
+                <a:effectLst/>
+                <a:latin typeface="Arial Unicode MS"/>
+              </a:rPr>
+              <a:t>"The number is negative."</a:t>
+            </a:r>
+            <a:r>
+              <a:rPr kumimoji="0" lang="en-US" altLang="en-US" sz="1600" b="0" i="0" u="none" strike="noStrike" cap="none" normalizeH="0" baseline="0" dirty="0">
+                <a:ln>
+                  <a:noFill/>
+                </a:ln>
+                <a:solidFill>
+                  <a:srgbClr val="A9B7C6"/>
+                </a:solidFill>
+                <a:effectLst/>
+                <a:latin typeface="Arial Unicode MS"/>
+              </a:rPr>
+              <a:t>)</a:t>
+            </a:r>
+            <a:br>
+              <a:rPr kumimoji="0" lang="en-US" altLang="en-US" sz="1600" b="0" i="0" u="none" strike="noStrike" cap="none" normalizeH="0" baseline="0" dirty="0">
+                <a:ln>
+                  <a:noFill/>
+                </a:ln>
+                <a:solidFill>
+                  <a:srgbClr val="A9B7C6"/>
+                </a:solidFill>
+                <a:effectLst/>
+                <a:latin typeface="Arial Unicode MS"/>
+              </a:rPr>
+            </a:br>
+            <a:r>
+              <a:rPr kumimoji="0" lang="en-US" altLang="en-US" sz="1600" b="0" i="0" u="none" strike="noStrike" cap="none" normalizeH="0" baseline="0" dirty="0">
+                <a:ln>
+                  <a:noFill/>
+                </a:ln>
+                <a:solidFill>
+                  <a:srgbClr val="CC7832"/>
+                </a:solidFill>
+                <a:effectLst/>
+                <a:latin typeface="Arial Unicode MS"/>
+              </a:rPr>
+              <a:t>else</a:t>
+            </a:r>
+            <a:r>
+              <a:rPr kumimoji="0" lang="en-US" altLang="en-US" sz="1600" b="0" i="0" u="none" strike="noStrike" cap="none" normalizeH="0" baseline="0" dirty="0">
+                <a:ln>
+                  <a:noFill/>
+                </a:ln>
+                <a:solidFill>
+                  <a:srgbClr val="A9B7C6"/>
+                </a:solidFill>
+                <a:effectLst/>
+                <a:latin typeface="Arial Unicode MS"/>
+              </a:rPr>
+              <a:t>:</a:t>
+            </a:r>
+            <a:br>
+              <a:rPr kumimoji="0" lang="en-US" altLang="en-US" sz="1600" b="0" i="0" u="none" strike="noStrike" cap="none" normalizeH="0" baseline="0" dirty="0">
+                <a:ln>
+                  <a:noFill/>
+                </a:ln>
+                <a:solidFill>
+                  <a:srgbClr val="A9B7C6"/>
+                </a:solidFill>
+                <a:effectLst/>
+                <a:latin typeface="Arial Unicode MS"/>
+              </a:rPr>
+            </a:br>
+            <a:r>
+              <a:rPr kumimoji="0" lang="en-US" altLang="en-US" sz="1600" b="0" i="0" u="none" strike="noStrike" cap="none" normalizeH="0" baseline="0" dirty="0">
+                <a:ln>
+                  <a:noFill/>
+                </a:ln>
+                <a:solidFill>
+                  <a:srgbClr val="A9B7C6"/>
+                </a:solidFill>
+                <a:effectLst/>
+                <a:latin typeface="Arial Unicode MS"/>
+              </a:rPr>
+              <a:t>    print(</a:t>
+            </a:r>
+            <a:r>
+              <a:rPr kumimoji="0" lang="en-US" altLang="en-US" sz="1600" b="0" i="0" u="none" strike="noStrike" cap="none" normalizeH="0" baseline="0" dirty="0">
+                <a:ln>
+                  <a:noFill/>
+                </a:ln>
+                <a:solidFill>
+                  <a:srgbClr val="6A8759"/>
+                </a:solidFill>
+                <a:effectLst/>
+                <a:latin typeface="Arial Unicode MS"/>
+              </a:rPr>
+              <a:t>"The number is zero."</a:t>
+            </a:r>
+            <a:r>
+              <a:rPr kumimoji="0" lang="en-US" altLang="en-US" sz="1600" b="0" i="0" u="none" strike="noStrike" cap="none" normalizeH="0" baseline="0" dirty="0">
+                <a:ln>
+                  <a:noFill/>
+                </a:ln>
+                <a:solidFill>
+                  <a:srgbClr val="A9B7C6"/>
+                </a:solidFill>
+                <a:effectLst/>
+                <a:latin typeface="Arial Unicode MS"/>
+              </a:rPr>
+              <a:t>)</a:t>
+            </a:r>
+            <a:endParaRPr kumimoji="0" lang="en-US" altLang="en-US" sz="3600" b="0" i="0" u="none" strike="noStrike" cap="none" normalizeH="0" baseline="0" dirty="0">
+              <a:ln>
+                <a:noFill/>
+              </a:ln>
+              <a:solidFill>
+                <a:schemeClr val="tx1"/>
+              </a:solidFill>
+              <a:effectLst/>
+              <a:latin typeface="Arial" panose="020B0604020202020204" pitchFamily="34" charset="0"/>
+            </a:endParaRPr>
+          </a:p>
+        </p:txBody>
+      </p:sp>
+      <p:sp>
+        <p:nvSpPr>
+          <p:cNvPr id="9" name="TextBox 8">
+            <a:extLst>
+              <a:ext uri="{FF2B5EF4-FFF2-40B4-BE49-F238E27FC236}">
+                <a16:creationId xmlns:a16="http://schemas.microsoft.com/office/drawing/2014/main" id="{8F34E564-AA95-4FDA-899E-877652214FAF}"/>
+              </a:ext>
+            </a:extLst>
+          </p:cNvPr>
+          <p:cNvSpPr txBox="1"/>
+          <p:nvPr/>
+        </p:nvSpPr>
+        <p:spPr>
+          <a:xfrm>
+            <a:off x="692458" y="4225770"/>
+            <a:ext cx="9907480" cy="1200329"/>
+          </a:xfrm>
+          <a:prstGeom prst="rect">
+            <a:avLst/>
+          </a:prstGeom>
+          <a:noFill/>
+        </p:spPr>
+        <p:txBody>
+          <a:bodyPr wrap="square" rtlCol="0">
+            <a:spAutoFit/>
+          </a:bodyPr>
+          <a:lstStyle/>
+          <a:p>
+            <a:r>
+              <a:rPr lang="en-US" dirty="0"/>
+              <a:t>In this example, the program asks the user to enter a number. It then uses the if statement to check whether the number is positive, negative, or zero. If the number is greater than zero, it prints "The number is positive." If the number is less than zero, it prints "The number is negative." Otherwise, if the number is zero, it prints "The number is zero."</a:t>
+            </a:r>
+          </a:p>
+        </p:txBody>
+      </p:sp>
+    </p:spTree>
+    <p:extLst>
+      <p:ext uri="{BB962C8B-B14F-4D97-AF65-F5344CB8AC3E}">
+        <p14:creationId xmlns:p14="http://schemas.microsoft.com/office/powerpoint/2010/main" val="4245307249"/>
+      </p:ext>
+    </p:extLst>
+  </p:cSld>
+  <p:clrMapOvr>
+    <a:masterClrMapping/>
+  </p:clrMapOvr>
+</p:sld>
+</file>
+
+<file path=ppt/slides/slide7.xml><?xml version="1.0" encoding="utf-8"?>
 <p:sld xmlns:a="http://schemas.openxmlformats.org/drawingml/2006/main" xmlns:r="http://schemas.openxmlformats.org/officeDocument/2006/relationships" xmlns:p="http://schemas.openxmlformats.org/presentationml/2006/main">
   <p:cSld>
     <p:spTree>
@@ -10763,6 +14769,53 @@
           </a:p>
         </p:txBody>
       </p:sp>
+      <p:pic>
+        <p:nvPicPr>
+          <p:cNvPr id="2050" name="Picture 2" descr="Python while Loop (With Examples)">
+            <a:extLst>
+              <a:ext uri="{FF2B5EF4-FFF2-40B4-BE49-F238E27FC236}">
+                <a16:creationId xmlns:a16="http://schemas.microsoft.com/office/drawing/2014/main" id="{93C8958A-74DF-47BC-8569-4B0CB6FFFDE0}"/>
+              </a:ext>
+            </a:extLst>
+          </p:cNvPr>
+          <p:cNvPicPr>
+            <a:picLocks noChangeAspect="1" noChangeArrowheads="1"/>
+          </p:cNvPicPr>
+          <p:nvPr/>
+        </p:nvPicPr>
+        <p:blipFill>
+          <a:blip r:embed="rId3">
+            <a:extLst>
+              <a:ext uri="{28A0092B-C50C-407E-A947-70E740481C1C}">
+                <a14:useLocalDpi xmlns:a14="http://schemas.microsoft.com/office/drawing/2010/main" val="0"/>
+              </a:ext>
+            </a:extLst>
+          </a:blip>
+          <a:srcRect/>
+          <a:stretch>
+            <a:fillRect/>
+          </a:stretch>
+        </p:blipFill>
+        <p:spPr bwMode="auto">
+          <a:xfrm>
+            <a:off x="5471390" y="2525192"/>
+            <a:ext cx="5433677" cy="3954786"/>
+          </a:xfrm>
+          <a:prstGeom prst="rect">
+            <a:avLst/>
+          </a:prstGeom>
+          <a:noFill/>
+          <a:extLst>
+            <a:ext uri="{909E8E84-426E-40DD-AFC4-6F175D3DCCD1}">
+              <a14:hiddenFill xmlns:a14="http://schemas.microsoft.com/office/drawing/2010/main">
+                <a:solidFill>
+                  <a:srgbClr val="FFFFFF"/>
+                </a:solidFill>
+              </a14:hiddenFill>
+            </a:ext>
+          </a:extLst>
+        </p:spPr>
+      </p:pic>
     </p:spTree>
     <p:extLst>
       <p:ext uri="{BB962C8B-B14F-4D97-AF65-F5344CB8AC3E}">
@@ -10776,2066 +14829,7 @@
 </p:sld>
 </file>
 
-<file path=ppt/slides/slide6.xml><?xml version="1.0" encoding="utf-8"?>
-<p:sld xmlns:a="http://schemas.openxmlformats.org/drawingml/2006/main" xmlns:r="http://schemas.openxmlformats.org/officeDocument/2006/relationships" xmlns:p="http://schemas.openxmlformats.org/presentationml/2006/main">
-  <p:cSld>
-    <p:spTree>
-      <p:nvGrpSpPr>
-        <p:cNvPr id="1" name=""/>
-        <p:cNvGrpSpPr/>
-        <p:nvPr/>
-      </p:nvGrpSpPr>
-      <p:grpSpPr>
-        <a:xfrm>
-          <a:off x="0" y="0"/>
-          <a:ext cx="0" cy="0"/>
-          <a:chOff x="0" y="0"/>
-          <a:chExt cx="0" cy="0"/>
-        </a:xfrm>
-      </p:grpSpPr>
-      <p:sp>
-        <p:nvSpPr>
-          <p:cNvPr id="4" name="Title 3"/>
-          <p:cNvSpPr>
-            <a:spLocks noGrp="1"/>
-          </p:cNvSpPr>
-          <p:nvPr>
-            <p:ph type="title"/>
-          </p:nvPr>
-        </p:nvSpPr>
-        <p:spPr/>
-        <p:txBody>
-          <a:bodyPr/>
-          <a:lstStyle/>
-          <a:p>
-            <a:r>
-              <a:rPr lang="en-US" dirty="0"/>
-              <a:t>For Loop</a:t>
-            </a:r>
-            <a:endParaRPr lang="he-IL" dirty="0"/>
-          </a:p>
-        </p:txBody>
-      </p:sp>
-      <p:sp>
-        <p:nvSpPr>
-          <p:cNvPr id="10" name="Text Placeholder 9">
-            <a:extLst>
-              <a:ext uri="{FF2B5EF4-FFF2-40B4-BE49-F238E27FC236}">
-                <a16:creationId xmlns:a16="http://schemas.microsoft.com/office/drawing/2014/main" id="{5B6F0601-DB2F-455B-BC48-ABD9416FF2BB}"/>
-              </a:ext>
-            </a:extLst>
-          </p:cNvPr>
-          <p:cNvSpPr>
-            <a:spLocks noGrp="1"/>
-          </p:cNvSpPr>
-          <p:nvPr>
-            <p:ph type="body" sz="quarter" idx="15"/>
-          </p:nvPr>
-        </p:nvSpPr>
-        <p:spPr>
-          <a:xfrm>
-            <a:off x="815413" y="1494176"/>
-            <a:ext cx="10673019" cy="4686491"/>
-          </a:xfrm>
-        </p:spPr>
-        <p:txBody>
-          <a:bodyPr>
-            <a:normAutofit/>
-          </a:bodyPr>
-          <a:lstStyle/>
-          <a:p>
-            <a:pPr>
-              <a:buFont typeface="Arial" panose="020B0604020202020204" pitchFamily="34" charset="0"/>
-              <a:buChar char="•"/>
-            </a:pPr>
-            <a:r>
-              <a:rPr lang="en-US" dirty="0"/>
-              <a:t>Python for loops iterates over the member of a sequence in order </a:t>
-            </a:r>
-          </a:p>
-          <a:p>
-            <a:pPr lvl="1">
-              <a:buFont typeface="Arial" panose="020B0604020202020204" pitchFamily="34" charset="0"/>
-              <a:buChar char="•"/>
-            </a:pPr>
-            <a:endParaRPr lang="en-US" sz="1300" dirty="0"/>
-          </a:p>
-          <a:p>
-            <a:pPr marL="457200" lvl="1" indent="0">
-              <a:buNone/>
-            </a:pPr>
-            <a:r>
-              <a:rPr lang="en-US" dirty="0"/>
-              <a:t>Example 1:</a:t>
-            </a:r>
-          </a:p>
-          <a:p>
-            <a:pPr marL="457200" lvl="1" indent="0">
-              <a:buNone/>
-            </a:pPr>
-            <a:endParaRPr lang="en-US" dirty="0"/>
-          </a:p>
-          <a:p>
-            <a:pPr marL="457200" lvl="1" indent="0">
-              <a:buNone/>
-            </a:pPr>
-            <a:endParaRPr lang="en-US" dirty="0"/>
-          </a:p>
-          <a:p>
-            <a:pPr marL="457200" lvl="1" indent="0">
-              <a:buNone/>
-            </a:pPr>
-            <a:r>
-              <a:rPr lang="en-US" dirty="0"/>
-              <a:t>Example 2:</a:t>
-            </a:r>
-          </a:p>
-          <a:p>
-            <a:pPr lvl="1">
-              <a:buFont typeface="Arial" panose="020B0604020202020204" pitchFamily="34" charset="0"/>
-              <a:buChar char="•"/>
-            </a:pPr>
-            <a:endParaRPr lang="en-US" dirty="0"/>
-          </a:p>
-          <a:p>
-            <a:pPr lvl="1">
-              <a:buFont typeface="Arial" panose="020B0604020202020204" pitchFamily="34" charset="0"/>
-              <a:buChar char="•"/>
-            </a:pPr>
-            <a:endParaRPr lang="en-US" dirty="0"/>
-          </a:p>
-          <a:p>
-            <a:pPr lvl="1">
-              <a:buFont typeface="Arial" panose="020B0604020202020204" pitchFamily="34" charset="0"/>
-              <a:buChar char="•"/>
-            </a:pPr>
-            <a:endParaRPr lang="en-US" dirty="0"/>
-          </a:p>
-          <a:p>
-            <a:pPr marL="457200" lvl="1" indent="0">
-              <a:buNone/>
-            </a:pPr>
-            <a:r>
-              <a:rPr lang="en-US" dirty="0"/>
-              <a:t>Example 3:</a:t>
-            </a:r>
-          </a:p>
-          <a:p>
-            <a:pPr>
-              <a:buFont typeface="Arial" panose="020B0604020202020204" pitchFamily="34" charset="0"/>
-              <a:buChar char="•"/>
-            </a:pPr>
-            <a:endParaRPr lang="en-US" dirty="0"/>
-          </a:p>
-          <a:p>
-            <a:pPr>
-              <a:buFont typeface="Arial" panose="020B0604020202020204" pitchFamily="34" charset="0"/>
-              <a:buChar char="•"/>
-            </a:pPr>
-            <a:endParaRPr lang="en-US" dirty="0"/>
-          </a:p>
-        </p:txBody>
-      </p:sp>
-      <p:sp>
-        <p:nvSpPr>
-          <p:cNvPr id="3" name="Rectangle 2">
-            <a:extLst>
-              <a:ext uri="{FF2B5EF4-FFF2-40B4-BE49-F238E27FC236}">
-                <a16:creationId xmlns:a16="http://schemas.microsoft.com/office/drawing/2014/main" id="{73F788CD-06F6-4BC6-9564-5AB0D00921B7}"/>
-              </a:ext>
-            </a:extLst>
-          </p:cNvPr>
-          <p:cNvSpPr>
-            <a:spLocks noChangeArrowheads="1"/>
-          </p:cNvSpPr>
-          <p:nvPr/>
-        </p:nvSpPr>
-        <p:spPr bwMode="auto">
-          <a:xfrm>
-            <a:off x="1526959" y="3167390"/>
-            <a:ext cx="3275861" cy="523220"/>
-          </a:xfrm>
-          <a:prstGeom prst="rect">
-            <a:avLst/>
-          </a:prstGeom>
-          <a:solidFill>
-            <a:srgbClr val="2B2B2B"/>
-          </a:solidFill>
-          <a:ln>
-            <a:noFill/>
-          </a:ln>
-          <a:effectLst/>
-          <a:extLst>
-            <a:ext uri="{91240B29-F687-4F45-9708-019B960494DF}">
-              <a14:hiddenLine xmlns:a14="http://schemas.microsoft.com/office/drawing/2010/main" w="9525">
-                <a:solidFill>
-                  <a:schemeClr val="tx1"/>
-                </a:solidFill>
-                <a:miter lim="800000"/>
-                <a:headEnd/>
-                <a:tailEnd/>
-              </a14:hiddenLine>
-            </a:ext>
-            <a:ext uri="{AF507438-7753-43E0-B8FC-AC1667EBCBE1}">
-              <a14:hiddenEffects xmlns:a14="http://schemas.microsoft.com/office/drawing/2010/main">
-                <a:effectLst>
-                  <a:outerShdw dist="35921" dir="2700000" algn="ctr" rotWithShape="0">
-                    <a:schemeClr val="bg2"/>
-                  </a:outerShdw>
-                </a:effectLst>
-              </a14:hiddenEffects>
-            </a:ext>
-          </a:extLst>
-        </p:spPr>
-        <p:txBody>
-          <a:bodyPr vert="horz" wrap="square" lIns="91440" tIns="45720" rIns="91440" bIns="45720" numCol="1" anchor="ctr" anchorCtr="0" compatLnSpc="1">
-            <a:prstTxWarp prst="textNoShape">
-              <a:avLst/>
-            </a:prstTxWarp>
-            <a:spAutoFit/>
-          </a:bodyPr>
-          <a:lstStyle/>
-          <a:p>
-            <a:pPr marL="0" marR="0" lvl="0" indent="0" algn="l" defTabSz="914400" rtl="0" eaLnBrk="0" fontAlgn="base" latinLnBrk="0" hangingPunct="0">
-              <a:lnSpc>
-                <a:spcPct val="100000"/>
-              </a:lnSpc>
-              <a:spcBef>
-                <a:spcPct val="0"/>
-              </a:spcBef>
-              <a:spcAft>
-                <a:spcPct val="0"/>
-              </a:spcAft>
-              <a:buClrTx/>
-              <a:buSzTx/>
-              <a:buFontTx/>
-              <a:buNone/>
-              <a:tabLst/>
-            </a:pPr>
-            <a:r>
-              <a:rPr kumimoji="0" lang="en-US" altLang="en-US" sz="1400" b="0" i="0" u="none" strike="noStrike" cap="none" normalizeH="0" baseline="0" dirty="0">
-                <a:ln>
-                  <a:noFill/>
-                </a:ln>
-                <a:solidFill>
-                  <a:srgbClr val="CC7832"/>
-                </a:solidFill>
-                <a:effectLst/>
-                <a:latin typeface="Arial Unicode MS"/>
-              </a:rPr>
-              <a:t>for </a:t>
-            </a:r>
-            <a:r>
-              <a:rPr kumimoji="0" lang="en-US" altLang="en-US" sz="1400" b="0" i="0" u="none" strike="noStrike" cap="none" normalizeH="0" baseline="0" dirty="0">
-                <a:ln>
-                  <a:noFill/>
-                </a:ln>
-                <a:solidFill>
-                  <a:srgbClr val="A9B7C6"/>
-                </a:solidFill>
-                <a:effectLst/>
-                <a:latin typeface="Arial Unicode MS"/>
-              </a:rPr>
-              <a:t>letter </a:t>
-            </a:r>
-            <a:r>
-              <a:rPr kumimoji="0" lang="en-US" altLang="en-US" sz="1400" b="0" i="0" u="none" strike="noStrike" cap="none" normalizeH="0" baseline="0" dirty="0">
-                <a:ln>
-                  <a:noFill/>
-                </a:ln>
-                <a:solidFill>
-                  <a:srgbClr val="CC7832"/>
-                </a:solidFill>
-                <a:effectLst/>
-                <a:latin typeface="Arial Unicode MS"/>
-              </a:rPr>
-              <a:t>in </a:t>
-            </a:r>
-            <a:r>
-              <a:rPr kumimoji="0" lang="en-US" altLang="en-US" sz="1400" b="0" i="0" u="none" strike="noStrike" cap="none" normalizeH="0" baseline="0" dirty="0">
-                <a:ln>
-                  <a:noFill/>
-                </a:ln>
-                <a:solidFill>
-                  <a:srgbClr val="6A8759"/>
-                </a:solidFill>
-                <a:effectLst/>
-                <a:latin typeface="Arial Unicode MS"/>
-              </a:rPr>
-              <a:t>'sentence'</a:t>
-            </a:r>
-            <a:r>
-              <a:rPr kumimoji="0" lang="en-US" altLang="en-US" sz="1400" b="0" i="0" u="none" strike="noStrike" cap="none" normalizeH="0" baseline="0" dirty="0">
-                <a:ln>
-                  <a:noFill/>
-                </a:ln>
-                <a:solidFill>
-                  <a:srgbClr val="A9B7C6"/>
-                </a:solidFill>
-                <a:effectLst/>
-                <a:latin typeface="Arial Unicode MS"/>
-              </a:rPr>
-              <a:t>:</a:t>
-            </a:r>
-            <a:br>
-              <a:rPr kumimoji="0" lang="en-US" altLang="en-US" sz="1400" b="0" i="0" u="none" strike="noStrike" cap="none" normalizeH="0" baseline="0" dirty="0">
-                <a:ln>
-                  <a:noFill/>
-                </a:ln>
-                <a:solidFill>
-                  <a:srgbClr val="A9B7C6"/>
-                </a:solidFill>
-                <a:effectLst/>
-                <a:latin typeface="Arial Unicode MS"/>
-              </a:rPr>
-            </a:br>
-            <a:r>
-              <a:rPr kumimoji="0" lang="en-US" altLang="en-US" sz="1400" b="0" i="0" u="none" strike="noStrike" cap="none" normalizeH="0" baseline="0" dirty="0">
-                <a:ln>
-                  <a:noFill/>
-                </a:ln>
-                <a:solidFill>
-                  <a:srgbClr val="A9B7C6"/>
-                </a:solidFill>
-                <a:effectLst/>
-                <a:latin typeface="Arial Unicode MS"/>
-              </a:rPr>
-              <a:t>   </a:t>
-            </a:r>
-            <a:r>
-              <a:rPr kumimoji="0" lang="en-US" altLang="en-US" sz="1400" b="0" i="0" u="none" strike="noStrike" cap="none" normalizeH="0" baseline="0" dirty="0">
-                <a:ln>
-                  <a:noFill/>
-                </a:ln>
-                <a:solidFill>
-                  <a:srgbClr val="8888C6"/>
-                </a:solidFill>
-                <a:effectLst/>
-                <a:latin typeface="Arial Unicode MS"/>
-              </a:rPr>
-              <a:t>print </a:t>
-            </a:r>
-            <a:r>
-              <a:rPr kumimoji="0" lang="en-US" altLang="en-US" sz="1400" b="0" i="0" u="none" strike="noStrike" cap="none" normalizeH="0" baseline="0" dirty="0">
-                <a:ln>
-                  <a:noFill/>
-                </a:ln>
-                <a:solidFill>
-                  <a:srgbClr val="A9B7C6"/>
-                </a:solidFill>
-                <a:effectLst/>
-                <a:latin typeface="Arial Unicode MS"/>
-              </a:rPr>
-              <a:t>(letter)       </a:t>
-            </a:r>
-            <a:r>
-              <a:rPr kumimoji="0" lang="en-US" altLang="en-US" sz="1400" b="0" i="0" u="none" strike="noStrike" cap="none" normalizeH="0" baseline="0" dirty="0">
-                <a:ln>
-                  <a:noFill/>
-                </a:ln>
-                <a:solidFill>
-                  <a:srgbClr val="808080"/>
-                </a:solidFill>
-                <a:effectLst/>
-                <a:latin typeface="Arial Unicode MS"/>
-              </a:rPr>
-              <a:t>#prints: s e n t e n c e</a:t>
-            </a:r>
-            <a:endParaRPr kumimoji="0" lang="en-US" altLang="en-US" sz="1400" b="0" i="0" u="none" strike="noStrike" cap="none" normalizeH="0" baseline="0" dirty="0">
-              <a:ln>
-                <a:noFill/>
-              </a:ln>
-              <a:solidFill>
-                <a:schemeClr val="tx1"/>
-              </a:solidFill>
-              <a:effectLst/>
-              <a:latin typeface="Arial" panose="020B0604020202020204" pitchFamily="34" charset="0"/>
-            </a:endParaRPr>
-          </a:p>
-        </p:txBody>
-      </p:sp>
-      <p:sp>
-        <p:nvSpPr>
-          <p:cNvPr id="6" name="Rectangle 4">
-            <a:extLst>
-              <a:ext uri="{FF2B5EF4-FFF2-40B4-BE49-F238E27FC236}">
-                <a16:creationId xmlns:a16="http://schemas.microsoft.com/office/drawing/2014/main" id="{794D0DCA-A4D9-4243-92A1-D37D486694C1}"/>
-              </a:ext>
-            </a:extLst>
-          </p:cNvPr>
-          <p:cNvSpPr>
-            <a:spLocks noChangeArrowheads="1"/>
-          </p:cNvSpPr>
-          <p:nvPr/>
-        </p:nvSpPr>
-        <p:spPr bwMode="auto">
-          <a:xfrm>
-            <a:off x="1526959" y="4395460"/>
-            <a:ext cx="4347100" cy="738664"/>
-          </a:xfrm>
-          <a:prstGeom prst="rect">
-            <a:avLst/>
-          </a:prstGeom>
-          <a:solidFill>
-            <a:srgbClr val="2B2B2B"/>
-          </a:solidFill>
-          <a:ln>
-            <a:noFill/>
-          </a:ln>
-          <a:effectLst/>
-          <a:extLst>
-            <a:ext uri="{91240B29-F687-4F45-9708-019B960494DF}">
-              <a14:hiddenLine xmlns:a14="http://schemas.microsoft.com/office/drawing/2010/main" w="9525">
-                <a:solidFill>
-                  <a:schemeClr val="tx1"/>
-                </a:solidFill>
-                <a:miter lim="800000"/>
-                <a:headEnd/>
-                <a:tailEnd/>
-              </a14:hiddenLine>
-            </a:ext>
-            <a:ext uri="{AF507438-7753-43E0-B8FC-AC1667EBCBE1}">
-              <a14:hiddenEffects xmlns:a14="http://schemas.microsoft.com/office/drawing/2010/main">
-                <a:effectLst>
-                  <a:outerShdw dist="35921" dir="2700000" algn="ctr" rotWithShape="0">
-                    <a:schemeClr val="bg2"/>
-                  </a:outerShdw>
-                </a:effectLst>
-              </a14:hiddenEffects>
-            </a:ext>
-          </a:extLst>
-        </p:spPr>
-        <p:txBody>
-          <a:bodyPr vert="horz" wrap="square" lIns="91440" tIns="45720" rIns="91440" bIns="45720" numCol="1" anchor="ctr" anchorCtr="0" compatLnSpc="1">
-            <a:prstTxWarp prst="textNoShape">
-              <a:avLst/>
-            </a:prstTxWarp>
-            <a:spAutoFit/>
-          </a:bodyPr>
-          <a:lstStyle/>
-          <a:p>
-            <a:pPr marL="0" marR="0" lvl="0" indent="0" algn="l" defTabSz="914400" rtl="0" eaLnBrk="0" fontAlgn="base" latinLnBrk="0" hangingPunct="0">
-              <a:lnSpc>
-                <a:spcPct val="100000"/>
-              </a:lnSpc>
-              <a:spcBef>
-                <a:spcPct val="0"/>
-              </a:spcBef>
-              <a:spcAft>
-                <a:spcPct val="0"/>
-              </a:spcAft>
-              <a:buClrTx/>
-              <a:buSzTx/>
-              <a:buFontTx/>
-              <a:buNone/>
-              <a:tabLst/>
-            </a:pPr>
-            <a:r>
-              <a:rPr kumimoji="0" lang="en-US" altLang="en-US" sz="1400" b="0" i="0" u="none" strike="noStrike" cap="none" normalizeH="0" baseline="0" dirty="0">
-                <a:ln>
-                  <a:noFill/>
-                </a:ln>
-                <a:solidFill>
-                  <a:srgbClr val="CC7832"/>
-                </a:solidFill>
-                <a:effectLst/>
-                <a:latin typeface="Arial Unicode MS"/>
-              </a:rPr>
-              <a:t>for </a:t>
-            </a:r>
-            <a:r>
-              <a:rPr kumimoji="0" lang="en-US" altLang="en-US" sz="1400" b="0" i="0" u="none" strike="noStrike" cap="none" normalizeH="0" baseline="0" dirty="0">
-                <a:ln>
-                  <a:noFill/>
-                </a:ln>
-                <a:solidFill>
-                  <a:srgbClr val="A9B7C6"/>
-                </a:solidFill>
-                <a:effectLst/>
-                <a:latin typeface="Arial Unicode MS"/>
-              </a:rPr>
-              <a:t>num </a:t>
-            </a:r>
-            <a:r>
-              <a:rPr kumimoji="0" lang="en-US" altLang="en-US" sz="1400" b="0" i="0" u="none" strike="noStrike" cap="none" normalizeH="0" baseline="0" dirty="0">
-                <a:ln>
-                  <a:noFill/>
-                </a:ln>
-                <a:solidFill>
-                  <a:srgbClr val="CC7832"/>
-                </a:solidFill>
-                <a:effectLst/>
-                <a:latin typeface="Arial Unicode MS"/>
-              </a:rPr>
-              <a:t>in </a:t>
-            </a:r>
-            <a:r>
-              <a:rPr kumimoji="0" lang="en-US" altLang="en-US" sz="1400" b="0" i="0" u="none" strike="noStrike" cap="none" normalizeH="0" baseline="0" dirty="0">
-                <a:ln>
-                  <a:noFill/>
-                </a:ln>
-                <a:solidFill>
-                  <a:srgbClr val="8888C6"/>
-                </a:solidFill>
-                <a:effectLst/>
-                <a:latin typeface="Arial Unicode MS"/>
-              </a:rPr>
-              <a:t>range</a:t>
-            </a:r>
-            <a:r>
-              <a:rPr kumimoji="0" lang="en-US" altLang="en-US" sz="1400" b="0" i="0" u="none" strike="noStrike" cap="none" normalizeH="0" baseline="0" dirty="0">
-                <a:ln>
-                  <a:noFill/>
-                </a:ln>
-                <a:solidFill>
-                  <a:srgbClr val="A9B7C6"/>
-                </a:solidFill>
-                <a:effectLst/>
-                <a:latin typeface="Arial Unicode MS"/>
-              </a:rPr>
-              <a:t>(</a:t>
-            </a:r>
-            <a:r>
-              <a:rPr kumimoji="0" lang="en-US" altLang="en-US" sz="1400" b="0" i="0" u="none" strike="noStrike" cap="none" normalizeH="0" baseline="0" dirty="0">
-                <a:ln>
-                  <a:noFill/>
-                </a:ln>
-                <a:solidFill>
-                  <a:srgbClr val="6897BB"/>
-                </a:solidFill>
-                <a:effectLst/>
-                <a:latin typeface="Arial Unicode MS"/>
-              </a:rPr>
-              <a:t>10</a:t>
-            </a:r>
-            <a:r>
-              <a:rPr kumimoji="0" lang="en-US" altLang="en-US" sz="1400" b="0" i="0" u="none" strike="noStrike" cap="none" normalizeH="0" baseline="0" dirty="0">
-                <a:ln>
-                  <a:noFill/>
-                </a:ln>
-                <a:solidFill>
-                  <a:srgbClr val="CC7832"/>
-                </a:solidFill>
-                <a:effectLst/>
-                <a:latin typeface="Arial Unicode MS"/>
-              </a:rPr>
-              <a:t>,</a:t>
-            </a:r>
-            <a:r>
-              <a:rPr kumimoji="0" lang="en-US" altLang="en-US" sz="1400" b="0" i="0" u="none" strike="noStrike" cap="none" normalizeH="0" baseline="0" dirty="0">
-                <a:ln>
-                  <a:noFill/>
-                </a:ln>
-                <a:solidFill>
-                  <a:srgbClr val="6897BB"/>
-                </a:solidFill>
-                <a:effectLst/>
-                <a:latin typeface="Arial Unicode MS"/>
-              </a:rPr>
-              <a:t>20</a:t>
-            </a:r>
-            <a:r>
-              <a:rPr kumimoji="0" lang="en-US" altLang="en-US" sz="1400" b="0" i="0" u="none" strike="noStrike" cap="none" normalizeH="0" baseline="0" dirty="0">
-                <a:ln>
-                  <a:noFill/>
-                </a:ln>
-                <a:solidFill>
-                  <a:srgbClr val="A9B7C6"/>
-                </a:solidFill>
-                <a:effectLst/>
-                <a:latin typeface="Arial Unicode MS"/>
-              </a:rPr>
-              <a:t>):       </a:t>
-            </a:r>
-            <a:r>
-              <a:rPr kumimoji="0" lang="en-US" altLang="en-US" sz="1400" b="0" i="0" u="none" strike="noStrike" cap="none" normalizeH="0" baseline="0" dirty="0">
-                <a:ln>
-                  <a:noFill/>
-                </a:ln>
-                <a:solidFill>
-                  <a:srgbClr val="808080"/>
-                </a:solidFill>
-                <a:effectLst/>
-                <a:latin typeface="Arial Unicode MS"/>
-              </a:rPr>
-              <a:t>#prints 10, 11, 12 …19</a:t>
-            </a:r>
-            <a:br>
-              <a:rPr kumimoji="0" lang="en-US" altLang="en-US" sz="1400" b="0" i="0" u="none" strike="noStrike" cap="none" normalizeH="0" baseline="0" dirty="0">
-                <a:ln>
-                  <a:noFill/>
-                </a:ln>
-                <a:solidFill>
-                  <a:srgbClr val="808080"/>
-                </a:solidFill>
-                <a:effectLst/>
-                <a:latin typeface="Arial Unicode MS"/>
-              </a:rPr>
-            </a:br>
-            <a:r>
-              <a:rPr kumimoji="0" lang="en-US" altLang="en-US" sz="1400" b="0" i="0" u="none" strike="noStrike" cap="none" normalizeH="0" baseline="0" dirty="0">
-                <a:ln>
-                  <a:noFill/>
-                </a:ln>
-                <a:solidFill>
-                  <a:srgbClr val="808080"/>
-                </a:solidFill>
-                <a:effectLst/>
-                <a:latin typeface="Arial Unicode MS"/>
-              </a:rPr>
-              <a:t>   </a:t>
-            </a:r>
-            <a:r>
-              <a:rPr kumimoji="0" lang="en-US" altLang="en-US" sz="1400" b="0" i="0" u="none" strike="noStrike" cap="none" normalizeH="0" baseline="0" dirty="0">
-                <a:ln>
-                  <a:noFill/>
-                </a:ln>
-                <a:solidFill>
-                  <a:srgbClr val="8888C6"/>
-                </a:solidFill>
-                <a:effectLst/>
-                <a:latin typeface="Arial Unicode MS"/>
-              </a:rPr>
-              <a:t>print</a:t>
-            </a:r>
-            <a:r>
-              <a:rPr kumimoji="0" lang="en-US" altLang="en-US" sz="1400" b="0" i="0" u="none" strike="noStrike" cap="none" normalizeH="0" baseline="0" dirty="0">
-                <a:ln>
-                  <a:noFill/>
-                </a:ln>
-                <a:solidFill>
-                  <a:srgbClr val="A9B7C6"/>
-                </a:solidFill>
-                <a:effectLst/>
-                <a:latin typeface="Arial Unicode MS"/>
-              </a:rPr>
-              <a:t>(num)</a:t>
-            </a:r>
-            <a:br>
-              <a:rPr kumimoji="0" lang="en-US" altLang="en-US" sz="1400" b="0" i="0" u="none" strike="noStrike" cap="none" normalizeH="0" baseline="0" dirty="0">
-                <a:ln>
-                  <a:noFill/>
-                </a:ln>
-                <a:solidFill>
-                  <a:srgbClr val="A9B7C6"/>
-                </a:solidFill>
-                <a:effectLst/>
-                <a:latin typeface="Arial Unicode MS"/>
-              </a:rPr>
-            </a:br>
-            <a:endParaRPr kumimoji="0" lang="en-US" altLang="en-US" sz="1400" b="0" i="0" u="none" strike="noStrike" cap="none" normalizeH="0" baseline="0" dirty="0">
-              <a:ln>
-                <a:noFill/>
-              </a:ln>
-              <a:solidFill>
-                <a:schemeClr val="tx1"/>
-              </a:solidFill>
-              <a:effectLst/>
-              <a:latin typeface="Arial" panose="020B0604020202020204" pitchFamily="34" charset="0"/>
-            </a:endParaRPr>
-          </a:p>
-        </p:txBody>
-      </p:sp>
-      <p:sp>
-        <p:nvSpPr>
-          <p:cNvPr id="7" name="Rectangle 5">
-            <a:extLst>
-              <a:ext uri="{FF2B5EF4-FFF2-40B4-BE49-F238E27FC236}">
-                <a16:creationId xmlns:a16="http://schemas.microsoft.com/office/drawing/2014/main" id="{7E655505-4B8F-4047-87DB-58EAC05C2B8E}"/>
-              </a:ext>
-            </a:extLst>
-          </p:cNvPr>
-          <p:cNvSpPr>
-            <a:spLocks noChangeArrowheads="1"/>
-          </p:cNvSpPr>
-          <p:nvPr/>
-        </p:nvSpPr>
-        <p:spPr bwMode="auto">
-          <a:xfrm>
-            <a:off x="1526959" y="5838974"/>
-            <a:ext cx="4347100" cy="738664"/>
-          </a:xfrm>
-          <a:prstGeom prst="rect">
-            <a:avLst/>
-          </a:prstGeom>
-          <a:solidFill>
-            <a:srgbClr val="2B2B2B"/>
-          </a:solidFill>
-          <a:ln>
-            <a:noFill/>
-          </a:ln>
-          <a:effectLst/>
-          <a:extLst>
-            <a:ext uri="{91240B29-F687-4F45-9708-019B960494DF}">
-              <a14:hiddenLine xmlns:a14="http://schemas.microsoft.com/office/drawing/2010/main" w="9525">
-                <a:solidFill>
-                  <a:schemeClr val="tx1"/>
-                </a:solidFill>
-                <a:miter lim="800000"/>
-                <a:headEnd/>
-                <a:tailEnd/>
-              </a14:hiddenLine>
-            </a:ext>
-            <a:ext uri="{AF507438-7753-43E0-B8FC-AC1667EBCBE1}">
-              <a14:hiddenEffects xmlns:a14="http://schemas.microsoft.com/office/drawing/2010/main">
-                <a:effectLst>
-                  <a:outerShdw dist="35921" dir="2700000" algn="ctr" rotWithShape="0">
-                    <a:schemeClr val="bg2"/>
-                  </a:outerShdw>
-                </a:effectLst>
-              </a14:hiddenEffects>
-            </a:ext>
-          </a:extLst>
-        </p:spPr>
-        <p:txBody>
-          <a:bodyPr vert="horz" wrap="square" lIns="91440" tIns="45720" rIns="91440" bIns="45720" numCol="1" anchor="ctr" anchorCtr="0" compatLnSpc="1">
-            <a:prstTxWarp prst="textNoShape">
-              <a:avLst/>
-            </a:prstTxWarp>
-            <a:spAutoFit/>
-          </a:bodyPr>
-          <a:lstStyle/>
-          <a:p>
-            <a:pPr marL="0" marR="0" lvl="0" indent="0" algn="l" defTabSz="914400" rtl="0" eaLnBrk="0" fontAlgn="base" latinLnBrk="0" hangingPunct="0">
-              <a:lnSpc>
-                <a:spcPct val="100000"/>
-              </a:lnSpc>
-              <a:spcBef>
-                <a:spcPct val="0"/>
-              </a:spcBef>
-              <a:spcAft>
-                <a:spcPct val="0"/>
-              </a:spcAft>
-              <a:buClrTx/>
-              <a:buSzTx/>
-              <a:buFontTx/>
-              <a:buNone/>
-              <a:tabLst/>
-            </a:pPr>
-            <a:r>
-              <a:rPr kumimoji="0" lang="en-US" altLang="en-US" sz="1400" b="0" i="0" u="none" strike="noStrike" cap="none" normalizeH="0" baseline="0" dirty="0">
-                <a:ln>
-                  <a:noFill/>
-                </a:ln>
-                <a:solidFill>
-                  <a:srgbClr val="CC7832"/>
-                </a:solidFill>
-                <a:effectLst/>
-                <a:latin typeface="Arial Unicode MS"/>
-              </a:rPr>
-              <a:t>for </a:t>
-            </a:r>
-            <a:r>
-              <a:rPr kumimoji="0" lang="en-US" altLang="en-US" sz="1400" b="0" i="0" u="none" strike="noStrike" cap="none" normalizeH="0" baseline="0" dirty="0">
-                <a:ln>
-                  <a:noFill/>
-                </a:ln>
-                <a:solidFill>
-                  <a:srgbClr val="A9B7C6"/>
-                </a:solidFill>
-                <a:effectLst/>
-                <a:latin typeface="Arial Unicode MS"/>
-              </a:rPr>
-              <a:t>num </a:t>
-            </a:r>
-            <a:r>
-              <a:rPr kumimoji="0" lang="en-US" altLang="en-US" sz="1400" b="0" i="0" u="none" strike="noStrike" cap="none" normalizeH="0" baseline="0" dirty="0">
-                <a:ln>
-                  <a:noFill/>
-                </a:ln>
-                <a:solidFill>
-                  <a:srgbClr val="CC7832"/>
-                </a:solidFill>
-                <a:effectLst/>
-                <a:latin typeface="Arial Unicode MS"/>
-              </a:rPr>
-              <a:t>in </a:t>
-            </a:r>
-            <a:r>
-              <a:rPr kumimoji="0" lang="en-US" altLang="en-US" sz="1400" b="0" i="0" u="none" strike="noStrike" cap="none" normalizeH="0" baseline="0" dirty="0">
-                <a:ln>
-                  <a:noFill/>
-                </a:ln>
-                <a:solidFill>
-                  <a:srgbClr val="8888C6"/>
-                </a:solidFill>
-                <a:effectLst/>
-                <a:latin typeface="Arial Unicode MS"/>
-              </a:rPr>
-              <a:t>range</a:t>
-            </a:r>
-            <a:r>
-              <a:rPr kumimoji="0" lang="en-US" altLang="en-US" sz="1400" b="0" i="0" u="none" strike="noStrike" cap="none" normalizeH="0" baseline="0" dirty="0">
-                <a:ln>
-                  <a:noFill/>
-                </a:ln>
-                <a:solidFill>
-                  <a:srgbClr val="A9B7C6"/>
-                </a:solidFill>
-                <a:effectLst/>
-                <a:latin typeface="Arial Unicode MS"/>
-              </a:rPr>
-              <a:t>(</a:t>
-            </a:r>
-            <a:r>
-              <a:rPr kumimoji="0" lang="en-US" altLang="en-US" sz="1400" b="0" i="0" u="none" strike="noStrike" cap="none" normalizeH="0" baseline="0" dirty="0">
-                <a:ln>
-                  <a:noFill/>
-                </a:ln>
-                <a:solidFill>
-                  <a:srgbClr val="6897BB"/>
-                </a:solidFill>
-                <a:effectLst/>
-                <a:latin typeface="Arial Unicode MS"/>
-              </a:rPr>
-              <a:t>10</a:t>
-            </a:r>
-            <a:r>
-              <a:rPr kumimoji="0" lang="en-US" altLang="en-US" sz="1400" b="0" i="0" u="none" strike="noStrike" cap="none" normalizeH="0" baseline="0" dirty="0">
-                <a:ln>
-                  <a:noFill/>
-                </a:ln>
-                <a:solidFill>
-                  <a:srgbClr val="CC7832"/>
-                </a:solidFill>
-                <a:effectLst/>
-                <a:latin typeface="Arial Unicode MS"/>
-              </a:rPr>
-              <a:t>,</a:t>
-            </a:r>
-            <a:r>
-              <a:rPr kumimoji="0" lang="en-US" altLang="en-US" sz="1400" b="0" i="0" u="none" strike="noStrike" cap="none" normalizeH="0" baseline="0" dirty="0">
-                <a:ln>
-                  <a:noFill/>
-                </a:ln>
-                <a:solidFill>
-                  <a:srgbClr val="6897BB"/>
-                </a:solidFill>
-                <a:effectLst/>
-                <a:latin typeface="Arial Unicode MS"/>
-              </a:rPr>
-              <a:t>21</a:t>
-            </a:r>
-            <a:r>
-              <a:rPr kumimoji="0" lang="en-US" altLang="en-US" sz="1400" b="0" i="0" u="none" strike="noStrike" cap="none" normalizeH="0" baseline="0" dirty="0">
-                <a:ln>
-                  <a:noFill/>
-                </a:ln>
-                <a:solidFill>
-                  <a:srgbClr val="CC7832"/>
-                </a:solidFill>
-                <a:effectLst/>
-                <a:latin typeface="Arial Unicode MS"/>
-              </a:rPr>
-              <a:t>, </a:t>
-            </a:r>
-            <a:r>
-              <a:rPr kumimoji="0" lang="en-US" altLang="en-US" sz="1400" b="0" i="0" u="none" strike="noStrike" cap="none" normalizeH="0" baseline="0" dirty="0">
-                <a:ln>
-                  <a:noFill/>
-                </a:ln>
-                <a:solidFill>
-                  <a:srgbClr val="6897BB"/>
-                </a:solidFill>
-                <a:effectLst/>
-                <a:latin typeface="Arial Unicode MS"/>
-              </a:rPr>
-              <a:t>2</a:t>
-            </a:r>
-            <a:r>
-              <a:rPr kumimoji="0" lang="en-US" altLang="en-US" sz="1400" b="0" i="0" u="none" strike="noStrike" cap="none" normalizeH="0" baseline="0" dirty="0">
-                <a:ln>
-                  <a:noFill/>
-                </a:ln>
-                <a:solidFill>
-                  <a:srgbClr val="A9B7C6"/>
-                </a:solidFill>
-                <a:effectLst/>
-                <a:latin typeface="Arial Unicode MS"/>
-              </a:rPr>
-              <a:t>):     </a:t>
-            </a:r>
-            <a:r>
-              <a:rPr kumimoji="0" lang="en-US" altLang="en-US" sz="1400" b="0" i="0" u="none" strike="noStrike" cap="none" normalizeH="0" baseline="0" dirty="0">
-                <a:ln>
-                  <a:noFill/>
-                </a:ln>
-                <a:solidFill>
-                  <a:srgbClr val="808080"/>
-                </a:solidFill>
-                <a:effectLst/>
-                <a:latin typeface="Arial Unicode MS"/>
-              </a:rPr>
-              <a:t>#prints 10, 12, 14 …20</a:t>
-            </a:r>
-            <a:br>
-              <a:rPr kumimoji="0" lang="en-US" altLang="en-US" sz="1400" b="0" i="0" u="none" strike="noStrike" cap="none" normalizeH="0" baseline="0" dirty="0">
-                <a:ln>
-                  <a:noFill/>
-                </a:ln>
-                <a:solidFill>
-                  <a:srgbClr val="808080"/>
-                </a:solidFill>
-                <a:effectLst/>
-                <a:latin typeface="Arial Unicode MS"/>
-              </a:rPr>
-            </a:br>
-            <a:r>
-              <a:rPr kumimoji="0" lang="en-US" altLang="en-US" sz="1400" b="0" i="0" u="none" strike="noStrike" cap="none" normalizeH="0" baseline="0" dirty="0">
-                <a:ln>
-                  <a:noFill/>
-                </a:ln>
-                <a:solidFill>
-                  <a:srgbClr val="808080"/>
-                </a:solidFill>
-                <a:effectLst/>
-                <a:latin typeface="Arial Unicode MS"/>
-              </a:rPr>
-              <a:t>   </a:t>
-            </a:r>
-            <a:r>
-              <a:rPr kumimoji="0" lang="en-US" altLang="en-US" sz="1400" b="0" i="0" u="none" strike="noStrike" cap="none" normalizeH="0" baseline="0" dirty="0">
-                <a:ln>
-                  <a:noFill/>
-                </a:ln>
-                <a:solidFill>
-                  <a:srgbClr val="8888C6"/>
-                </a:solidFill>
-                <a:effectLst/>
-                <a:latin typeface="Arial Unicode MS"/>
-              </a:rPr>
-              <a:t>print</a:t>
-            </a:r>
-            <a:r>
-              <a:rPr kumimoji="0" lang="en-US" altLang="en-US" sz="1400" b="0" i="0" u="none" strike="noStrike" cap="none" normalizeH="0" baseline="0" dirty="0">
-                <a:ln>
-                  <a:noFill/>
-                </a:ln>
-                <a:solidFill>
-                  <a:srgbClr val="A9B7C6"/>
-                </a:solidFill>
-                <a:effectLst/>
-                <a:latin typeface="Arial Unicode MS"/>
-              </a:rPr>
-              <a:t>(num)</a:t>
-            </a:r>
-            <a:br>
-              <a:rPr kumimoji="0" lang="en-US" altLang="en-US" sz="1400" b="0" i="0" u="none" strike="noStrike" cap="none" normalizeH="0" baseline="0" dirty="0">
-                <a:ln>
-                  <a:noFill/>
-                </a:ln>
-                <a:solidFill>
-                  <a:srgbClr val="A9B7C6"/>
-                </a:solidFill>
-                <a:effectLst/>
-                <a:latin typeface="Arial Unicode MS"/>
-              </a:rPr>
-            </a:br>
-            <a:endParaRPr kumimoji="0" lang="en-US" altLang="en-US" sz="1400" b="0" i="0" u="none" strike="noStrike" cap="none" normalizeH="0" baseline="0" dirty="0">
-              <a:ln>
-                <a:noFill/>
-              </a:ln>
-              <a:solidFill>
-                <a:schemeClr val="tx1"/>
-              </a:solidFill>
-              <a:effectLst/>
-              <a:latin typeface="Arial" panose="020B0604020202020204" pitchFamily="34" charset="0"/>
-            </a:endParaRPr>
-          </a:p>
-        </p:txBody>
-      </p:sp>
-    </p:spTree>
-    <p:extLst>
-      <p:ext uri="{BB962C8B-B14F-4D97-AF65-F5344CB8AC3E}">
-        <p14:creationId xmlns:p14="http://schemas.microsoft.com/office/powerpoint/2010/main" val="2683803360"/>
-      </p:ext>
-    </p:extLst>
-  </p:cSld>
-  <p:clrMapOvr>
-    <a:masterClrMapping/>
-  </p:clrMapOvr>
-</p:sld>
-</file>
-
-<file path=ppt/slides/slide7.xml><?xml version="1.0" encoding="utf-8"?>
-<p:sld xmlns:a="http://schemas.openxmlformats.org/drawingml/2006/main" xmlns:r="http://schemas.openxmlformats.org/officeDocument/2006/relationships" xmlns:p="http://schemas.openxmlformats.org/presentationml/2006/main">
-  <p:cSld>
-    <p:spTree>
-      <p:nvGrpSpPr>
-        <p:cNvPr id="1" name=""/>
-        <p:cNvGrpSpPr/>
-        <p:nvPr/>
-      </p:nvGrpSpPr>
-      <p:grpSpPr>
-        <a:xfrm>
-          <a:off x="0" y="0"/>
-          <a:ext cx="0" cy="0"/>
-          <a:chOff x="0" y="0"/>
-          <a:chExt cx="0" cy="0"/>
-        </a:xfrm>
-      </p:grpSpPr>
-      <p:sp>
-        <p:nvSpPr>
-          <p:cNvPr id="5" name="Text Placeholder 4"/>
-          <p:cNvSpPr>
-            <a:spLocks noGrp="1"/>
-          </p:cNvSpPr>
-          <p:nvPr>
-            <p:ph type="body" sz="quarter" idx="15"/>
-          </p:nvPr>
-        </p:nvSpPr>
-        <p:spPr>
-          <a:xfrm>
-            <a:off x="815414" y="1493999"/>
-            <a:ext cx="10561172" cy="4695133"/>
-          </a:xfrm>
-        </p:spPr>
-        <p:txBody>
-          <a:bodyPr>
-            <a:normAutofit lnSpcReduction="10000"/>
-          </a:bodyPr>
-          <a:lstStyle/>
-          <a:p>
-            <a:pPr>
-              <a:lnSpc>
-                <a:spcPct val="90000"/>
-              </a:lnSpc>
-              <a:buFont typeface="Arial" panose="020B0604020202020204" pitchFamily="34" charset="0"/>
-              <a:buChar char="•"/>
-            </a:pPr>
-            <a:r>
-              <a:rPr lang="en-US" dirty="0"/>
-              <a:t>break</a:t>
-            </a:r>
-          </a:p>
-          <a:p>
-            <a:pPr marL="457200" lvl="1" indent="0">
-              <a:lnSpc>
-                <a:spcPct val="90000"/>
-              </a:lnSpc>
-              <a:buNone/>
-            </a:pPr>
-            <a:r>
-              <a:rPr lang="en-US" dirty="0"/>
-              <a:t>The </a:t>
-            </a:r>
-            <a:r>
-              <a:rPr lang="en-US" b="1" dirty="0"/>
-              <a:t>break</a:t>
-            </a:r>
-            <a:r>
-              <a:rPr lang="en-US" dirty="0"/>
-              <a:t> statement in Python terminates the current loop and resumes execution at the next statement, just like the traditional break found in C.</a:t>
-            </a:r>
-          </a:p>
-          <a:p>
-            <a:pPr>
-              <a:lnSpc>
-                <a:spcPct val="90000"/>
-              </a:lnSpc>
-              <a:buFont typeface="Arial" panose="020B0604020202020204" pitchFamily="34" charset="0"/>
-              <a:buChar char="•"/>
-            </a:pPr>
-            <a:r>
-              <a:rPr lang="en-US" dirty="0"/>
-              <a:t>continue</a:t>
-            </a:r>
-          </a:p>
-          <a:p>
-            <a:pPr marL="457200" lvl="1" indent="0">
-              <a:lnSpc>
-                <a:spcPct val="90000"/>
-              </a:lnSpc>
-              <a:buNone/>
-            </a:pPr>
-            <a:r>
-              <a:rPr lang="en-US" dirty="0"/>
-              <a:t>The </a:t>
-            </a:r>
-            <a:r>
-              <a:rPr lang="en-US" b="1" dirty="0"/>
-              <a:t>continue</a:t>
-            </a:r>
-            <a:r>
-              <a:rPr lang="en-US" dirty="0"/>
-              <a:t> statement in Python returns the control to the beginning of the while loop. </a:t>
-            </a:r>
-          </a:p>
-          <a:p>
-            <a:pPr>
-              <a:lnSpc>
-                <a:spcPct val="90000"/>
-              </a:lnSpc>
-              <a:buFont typeface="Arial" panose="020B0604020202020204" pitchFamily="34" charset="0"/>
-              <a:buChar char="•"/>
-            </a:pPr>
-            <a:r>
-              <a:rPr lang="en-US" dirty="0"/>
-              <a:t>pass</a:t>
-            </a:r>
-          </a:p>
-          <a:p>
-            <a:pPr marL="457200" lvl="1" indent="0">
-              <a:buNone/>
-            </a:pPr>
-            <a:r>
-              <a:rPr lang="en-US" dirty="0"/>
-              <a:t>The </a:t>
-            </a:r>
-            <a:r>
-              <a:rPr lang="en-US" b="1" dirty="0"/>
-              <a:t>pass</a:t>
-            </a:r>
-            <a:r>
-              <a:rPr lang="en-US" dirty="0"/>
-              <a:t> statement in Python is used when a statement is required syntactically but you do not want any command or code to execute.</a:t>
-            </a:r>
-          </a:p>
-          <a:p>
-            <a:pPr marL="457200" lvl="1" indent="0">
-              <a:buNone/>
-            </a:pPr>
-            <a:r>
-              <a:rPr lang="en-US" dirty="0"/>
-              <a:t>The </a:t>
-            </a:r>
-            <a:r>
-              <a:rPr lang="en-US" b="1" dirty="0"/>
-              <a:t>pass</a:t>
-            </a:r>
-            <a:r>
-              <a:rPr lang="en-US" dirty="0"/>
-              <a:t> statement is a </a:t>
-            </a:r>
-            <a:r>
-              <a:rPr lang="en-US" i="1" dirty="0"/>
-              <a:t>null</a:t>
-            </a:r>
-            <a:r>
-              <a:rPr lang="en-US" dirty="0"/>
-              <a:t> operation; nothing happens when it executes. The </a:t>
-            </a:r>
-            <a:r>
-              <a:rPr lang="en-US" b="1" dirty="0"/>
-              <a:t>pass</a:t>
-            </a:r>
-            <a:r>
-              <a:rPr lang="en-US" dirty="0"/>
-              <a:t> is also useful in places where your code will eventually go, but has not been written yet</a:t>
-            </a:r>
-          </a:p>
-          <a:p>
-            <a:pPr marL="0" indent="0">
-              <a:buNone/>
-            </a:pPr>
-            <a:endParaRPr lang="en-US" dirty="0"/>
-          </a:p>
-        </p:txBody>
-      </p:sp>
-      <p:sp>
-        <p:nvSpPr>
-          <p:cNvPr id="4" name="Title 3"/>
-          <p:cNvSpPr>
-            <a:spLocks noGrp="1"/>
-          </p:cNvSpPr>
-          <p:nvPr>
-            <p:ph type="title"/>
-          </p:nvPr>
-        </p:nvSpPr>
-        <p:spPr/>
-        <p:txBody>
-          <a:bodyPr/>
-          <a:lstStyle/>
-          <a:p>
-            <a:r>
-              <a:rPr lang="en-US" dirty="0">
-                <a:effectLst/>
-              </a:rPr>
-              <a:t>Loop Control Statements</a:t>
-            </a:r>
-            <a:endParaRPr lang="he-IL" dirty="0"/>
-          </a:p>
-        </p:txBody>
-      </p:sp>
-    </p:spTree>
-    <p:extLst>
-      <p:ext uri="{BB962C8B-B14F-4D97-AF65-F5344CB8AC3E}">
-        <p14:creationId xmlns:p14="http://schemas.microsoft.com/office/powerpoint/2010/main" val="3043315595"/>
-      </p:ext>
-    </p:extLst>
-  </p:cSld>
-  <p:clrMapOvr>
-    <a:masterClrMapping/>
-  </p:clrMapOvr>
-</p:sld>
-</file>
-
 <file path=ppt/slides/slide8.xml><?xml version="1.0" encoding="utf-8"?>
-<p:sld xmlns:a="http://schemas.openxmlformats.org/drawingml/2006/main" xmlns:r="http://schemas.openxmlformats.org/officeDocument/2006/relationships" xmlns:p="http://schemas.openxmlformats.org/presentationml/2006/main">
-  <p:cSld>
-    <p:spTree>
-      <p:nvGrpSpPr>
-        <p:cNvPr id="1" name=""/>
-        <p:cNvGrpSpPr/>
-        <p:nvPr/>
-      </p:nvGrpSpPr>
-      <p:grpSpPr>
-        <a:xfrm>
-          <a:off x="0" y="0"/>
-          <a:ext cx="0" cy="0"/>
-          <a:chOff x="0" y="0"/>
-          <a:chExt cx="0" cy="0"/>
-        </a:xfrm>
-      </p:grpSpPr>
-      <p:sp>
-        <p:nvSpPr>
-          <p:cNvPr id="4" name="Title 3"/>
-          <p:cNvSpPr>
-            <a:spLocks noGrp="1"/>
-          </p:cNvSpPr>
-          <p:nvPr>
-            <p:ph type="title"/>
-          </p:nvPr>
-        </p:nvSpPr>
-        <p:spPr/>
-        <p:txBody>
-          <a:bodyPr/>
-          <a:lstStyle/>
-          <a:p>
-            <a:r>
-              <a:rPr lang="en-US" dirty="0">
-                <a:effectLst/>
-              </a:rPr>
-              <a:t>Loop Control Statements – cont’d</a:t>
-            </a:r>
-            <a:endParaRPr lang="he-IL" dirty="0"/>
-          </a:p>
-        </p:txBody>
-      </p:sp>
-      <p:sp>
-        <p:nvSpPr>
-          <p:cNvPr id="6" name="Rectangle 1">
-            <a:extLst>
-              <a:ext uri="{FF2B5EF4-FFF2-40B4-BE49-F238E27FC236}">
-                <a16:creationId xmlns:a16="http://schemas.microsoft.com/office/drawing/2014/main" id="{AE4D9F09-FB20-4120-AC3D-7CCF288D57E0}"/>
-              </a:ext>
-            </a:extLst>
-          </p:cNvPr>
-          <p:cNvSpPr>
-            <a:spLocks noChangeArrowheads="1"/>
-          </p:cNvSpPr>
-          <p:nvPr/>
-        </p:nvSpPr>
-        <p:spPr bwMode="auto">
-          <a:xfrm>
-            <a:off x="815414" y="1744975"/>
-            <a:ext cx="8905635" cy="4401205"/>
-          </a:xfrm>
-          <a:prstGeom prst="rect">
-            <a:avLst/>
-          </a:prstGeom>
-          <a:solidFill>
-            <a:srgbClr val="2B2B2B"/>
-          </a:solidFill>
-          <a:ln>
-            <a:noFill/>
-          </a:ln>
-          <a:effectLst/>
-          <a:extLst>
-            <a:ext uri="{91240B29-F687-4F45-9708-019B960494DF}">
-              <a14:hiddenLine xmlns:a14="http://schemas.microsoft.com/office/drawing/2010/main" w="9525">
-                <a:solidFill>
-                  <a:schemeClr val="tx1"/>
-                </a:solidFill>
-                <a:miter lim="800000"/>
-                <a:headEnd/>
-                <a:tailEnd/>
-              </a14:hiddenLine>
-            </a:ext>
-            <a:ext uri="{AF507438-7753-43E0-B8FC-AC1667EBCBE1}">
-              <a14:hiddenEffects xmlns:a14="http://schemas.microsoft.com/office/drawing/2010/main">
-                <a:effectLst>
-                  <a:outerShdw dist="35921" dir="2700000" algn="ctr" rotWithShape="0">
-                    <a:schemeClr val="bg2"/>
-                  </a:outerShdw>
-                </a:effectLst>
-              </a14:hiddenEffects>
-            </a:ext>
-          </a:extLst>
-        </p:spPr>
-        <p:txBody>
-          <a:bodyPr vert="horz" wrap="square" lIns="91440" tIns="45720" rIns="91440" bIns="45720" numCol="1" anchor="ctr" anchorCtr="0" compatLnSpc="1">
-            <a:prstTxWarp prst="textNoShape">
-              <a:avLst/>
-            </a:prstTxWarp>
-            <a:spAutoFit/>
-          </a:bodyPr>
-          <a:lstStyle/>
-          <a:p>
-            <a:pPr marL="0" marR="0" lvl="0" indent="0" algn="l" defTabSz="914400" rtl="0" eaLnBrk="0" fontAlgn="base" latinLnBrk="0" hangingPunct="0">
-              <a:lnSpc>
-                <a:spcPct val="100000"/>
-              </a:lnSpc>
-              <a:spcBef>
-                <a:spcPct val="0"/>
-              </a:spcBef>
-              <a:spcAft>
-                <a:spcPct val="0"/>
-              </a:spcAft>
-              <a:buClrTx/>
-              <a:buSzTx/>
-              <a:buFontTx/>
-              <a:buNone/>
-              <a:tabLst/>
-            </a:pPr>
-            <a:r>
-              <a:rPr kumimoji="0" lang="en-US" altLang="en-US" sz="2000" b="0" i="0" u="none" strike="noStrike" cap="none" normalizeH="0" baseline="0" dirty="0">
-                <a:ln>
-                  <a:noFill/>
-                </a:ln>
-                <a:solidFill>
-                  <a:srgbClr val="CC7832"/>
-                </a:solidFill>
-                <a:effectLst/>
-                <a:latin typeface="Arial Unicode MS"/>
-              </a:rPr>
-              <a:t>import </a:t>
-            </a:r>
-            <a:r>
-              <a:rPr kumimoji="0" lang="en-US" altLang="en-US" sz="2000" b="0" i="0" u="none" strike="noStrike" cap="none" normalizeH="0" baseline="0" dirty="0">
-                <a:ln>
-                  <a:noFill/>
-                </a:ln>
-                <a:solidFill>
-                  <a:srgbClr val="A9B7C6"/>
-                </a:solidFill>
-                <a:effectLst/>
-                <a:latin typeface="Arial Unicode MS"/>
-              </a:rPr>
-              <a:t>math</a:t>
-            </a:r>
-            <a:br>
-              <a:rPr kumimoji="0" lang="en-US" altLang="en-US" sz="2000" b="0" i="0" u="none" strike="noStrike" cap="none" normalizeH="0" baseline="0" dirty="0">
-                <a:ln>
-                  <a:noFill/>
-                </a:ln>
-                <a:solidFill>
-                  <a:srgbClr val="A9B7C6"/>
-                </a:solidFill>
-                <a:effectLst/>
-                <a:latin typeface="Arial Unicode MS"/>
-              </a:rPr>
-            </a:br>
-            <a:br>
-              <a:rPr kumimoji="0" lang="en-US" altLang="en-US" sz="2000" b="0" i="0" u="none" strike="noStrike" cap="none" normalizeH="0" baseline="0" dirty="0">
-                <a:ln>
-                  <a:noFill/>
-                </a:ln>
-                <a:solidFill>
-                  <a:srgbClr val="A9B7C6"/>
-                </a:solidFill>
-                <a:effectLst/>
-                <a:latin typeface="Arial Unicode MS"/>
-              </a:rPr>
-            </a:br>
-            <a:r>
-              <a:rPr kumimoji="0" lang="en-US" altLang="en-US" sz="2000" b="0" i="0" u="none" strike="noStrike" cap="none" normalizeH="0" baseline="0" dirty="0" err="1">
-                <a:ln>
-                  <a:noFill/>
-                </a:ln>
-                <a:solidFill>
-                  <a:srgbClr val="A9B7C6"/>
-                </a:solidFill>
-                <a:effectLst/>
-                <a:latin typeface="Arial Unicode MS"/>
-              </a:rPr>
-              <a:t>i</a:t>
-            </a:r>
-            <a:r>
-              <a:rPr kumimoji="0" lang="en-US" altLang="en-US" sz="2000" b="0" i="0" u="none" strike="noStrike" cap="none" normalizeH="0" baseline="0" dirty="0">
-                <a:ln>
-                  <a:noFill/>
-                </a:ln>
-                <a:solidFill>
-                  <a:srgbClr val="A9B7C6"/>
-                </a:solidFill>
-                <a:effectLst/>
-                <a:latin typeface="Arial Unicode MS"/>
-              </a:rPr>
-              <a:t> = </a:t>
-            </a:r>
-            <a:r>
-              <a:rPr kumimoji="0" lang="en-US" altLang="en-US" sz="2000" b="0" i="0" u="none" strike="noStrike" cap="none" normalizeH="0" baseline="0" dirty="0">
-                <a:ln>
-                  <a:noFill/>
-                </a:ln>
-                <a:solidFill>
-                  <a:srgbClr val="6897BB"/>
-                </a:solidFill>
-                <a:effectLst/>
-                <a:latin typeface="Arial Unicode MS"/>
-              </a:rPr>
-              <a:t>5</a:t>
-            </a:r>
-            <a:br>
-              <a:rPr kumimoji="0" lang="en-US" altLang="en-US" sz="2000" b="0" i="0" u="none" strike="noStrike" cap="none" normalizeH="0" baseline="0" dirty="0">
-                <a:ln>
-                  <a:noFill/>
-                </a:ln>
-                <a:solidFill>
-                  <a:srgbClr val="6897BB"/>
-                </a:solidFill>
-                <a:effectLst/>
-                <a:latin typeface="Arial Unicode MS"/>
-              </a:rPr>
-            </a:br>
-            <a:r>
-              <a:rPr kumimoji="0" lang="en-US" altLang="en-US" sz="2000" b="0" i="0" u="none" strike="noStrike" cap="none" normalizeH="0" baseline="0" dirty="0">
-                <a:ln>
-                  <a:noFill/>
-                </a:ln>
-                <a:solidFill>
-                  <a:srgbClr val="8888C6"/>
-                </a:solidFill>
-                <a:effectLst/>
-                <a:latin typeface="Arial Unicode MS"/>
-              </a:rPr>
-              <a:t>print</a:t>
-            </a:r>
-            <a:r>
-              <a:rPr kumimoji="0" lang="en-US" altLang="en-US" sz="2000" b="0" i="0" u="none" strike="noStrike" cap="none" normalizeH="0" baseline="0" dirty="0">
-                <a:ln>
-                  <a:noFill/>
-                </a:ln>
-                <a:solidFill>
-                  <a:srgbClr val="A9B7C6"/>
-                </a:solidFill>
-                <a:effectLst/>
-                <a:latin typeface="Arial Unicode MS"/>
-              </a:rPr>
-              <a:t>(</a:t>
-            </a:r>
-            <a:r>
-              <a:rPr kumimoji="0" lang="en-US" altLang="en-US" sz="2000" b="0" i="0" u="none" strike="noStrike" cap="none" normalizeH="0" baseline="0" dirty="0">
-                <a:ln>
-                  <a:noFill/>
-                </a:ln>
-                <a:solidFill>
-                  <a:srgbClr val="6A8759"/>
-                </a:solidFill>
-                <a:effectLst/>
-                <a:latin typeface="Arial Unicode MS"/>
-              </a:rPr>
-              <a:t>"I will print the square root of 5 non-negative numbers (0 to exit)"</a:t>
-            </a:r>
-            <a:r>
-              <a:rPr kumimoji="0" lang="en-US" altLang="en-US" sz="2000" b="0" i="0" u="none" strike="noStrike" cap="none" normalizeH="0" baseline="0" dirty="0">
-                <a:ln>
-                  <a:noFill/>
-                </a:ln>
-                <a:solidFill>
-                  <a:srgbClr val="A9B7C6"/>
-                </a:solidFill>
-                <a:effectLst/>
-                <a:latin typeface="Arial Unicode MS"/>
-              </a:rPr>
-              <a:t>)</a:t>
-            </a:r>
-            <a:br>
-              <a:rPr kumimoji="0" lang="en-US" altLang="en-US" sz="2000" b="0" i="0" u="none" strike="noStrike" cap="none" normalizeH="0" baseline="0" dirty="0">
-                <a:ln>
-                  <a:noFill/>
-                </a:ln>
-                <a:solidFill>
-                  <a:srgbClr val="A9B7C6"/>
-                </a:solidFill>
-                <a:effectLst/>
-                <a:latin typeface="Arial Unicode MS"/>
-              </a:rPr>
-            </a:br>
-            <a:br>
-              <a:rPr kumimoji="0" lang="en-US" altLang="en-US" sz="2000" b="0" i="0" u="none" strike="noStrike" cap="none" normalizeH="0" baseline="0" dirty="0">
-                <a:ln>
-                  <a:noFill/>
-                </a:ln>
-                <a:solidFill>
-                  <a:srgbClr val="A9B7C6"/>
-                </a:solidFill>
-                <a:effectLst/>
-                <a:latin typeface="Arial Unicode MS"/>
-              </a:rPr>
-            </a:br>
-            <a:r>
-              <a:rPr kumimoji="0" lang="en-US" altLang="en-US" sz="2000" b="0" i="0" u="none" strike="noStrike" cap="none" normalizeH="0" baseline="0" dirty="0">
-                <a:ln>
-                  <a:noFill/>
-                </a:ln>
-                <a:solidFill>
-                  <a:srgbClr val="CC7832"/>
-                </a:solidFill>
-                <a:effectLst/>
-                <a:latin typeface="Arial Unicode MS"/>
-              </a:rPr>
-              <a:t>while </a:t>
-            </a:r>
-            <a:r>
-              <a:rPr kumimoji="0" lang="en-US" altLang="en-US" sz="2000" b="0" i="0" u="none" strike="noStrike" cap="none" normalizeH="0" baseline="0" dirty="0">
-                <a:ln>
-                  <a:noFill/>
-                </a:ln>
-                <a:solidFill>
-                  <a:srgbClr val="A9B7C6"/>
-                </a:solidFill>
-                <a:effectLst/>
-                <a:latin typeface="Arial Unicode MS"/>
-              </a:rPr>
-              <a:t>i:</a:t>
-            </a:r>
-            <a:br>
-              <a:rPr kumimoji="0" lang="en-US" altLang="en-US" sz="2000" b="0" i="0" u="none" strike="noStrike" cap="none" normalizeH="0" baseline="0" dirty="0">
-                <a:ln>
-                  <a:noFill/>
-                </a:ln>
-                <a:solidFill>
-                  <a:srgbClr val="A9B7C6"/>
-                </a:solidFill>
-                <a:effectLst/>
-                <a:latin typeface="Arial Unicode MS"/>
-              </a:rPr>
-            </a:br>
-            <a:r>
-              <a:rPr kumimoji="0" lang="en-US" altLang="en-US" sz="2000" b="0" i="0" u="none" strike="noStrike" cap="none" normalizeH="0" baseline="0" dirty="0">
-                <a:ln>
-                  <a:noFill/>
-                </a:ln>
-                <a:solidFill>
-                  <a:srgbClr val="A9B7C6"/>
-                </a:solidFill>
-                <a:effectLst/>
-                <a:latin typeface="Arial Unicode MS"/>
-              </a:rPr>
-              <a:t>    s = </a:t>
-            </a:r>
-            <a:r>
-              <a:rPr kumimoji="0" lang="en-US" altLang="en-US" sz="2000" b="0" i="0" u="none" strike="noStrike" cap="none" normalizeH="0" baseline="0" dirty="0">
-                <a:ln>
-                  <a:noFill/>
-                </a:ln>
-                <a:solidFill>
-                  <a:srgbClr val="8888C6"/>
-                </a:solidFill>
-                <a:effectLst/>
-                <a:latin typeface="Arial Unicode MS"/>
-              </a:rPr>
-              <a:t>input</a:t>
-            </a:r>
-            <a:r>
-              <a:rPr kumimoji="0" lang="en-US" altLang="en-US" sz="2000" b="0" i="0" u="none" strike="noStrike" cap="none" normalizeH="0" baseline="0" dirty="0">
-                <a:ln>
-                  <a:noFill/>
-                </a:ln>
-                <a:solidFill>
-                  <a:srgbClr val="A9B7C6"/>
-                </a:solidFill>
-                <a:effectLst/>
-                <a:latin typeface="Arial Unicode MS"/>
-              </a:rPr>
-              <a:t>(</a:t>
-            </a:r>
-            <a:r>
-              <a:rPr kumimoji="0" lang="en-US" altLang="en-US" sz="2000" b="0" i="0" u="none" strike="noStrike" cap="none" normalizeH="0" baseline="0" dirty="0">
-                <a:ln>
-                  <a:noFill/>
-                </a:ln>
-                <a:solidFill>
-                  <a:srgbClr val="6A8759"/>
-                </a:solidFill>
-                <a:effectLst/>
-                <a:latin typeface="Arial Unicode MS"/>
-              </a:rPr>
-              <a:t>"Enter the next number =&gt; "</a:t>
-            </a:r>
-            <a:r>
-              <a:rPr kumimoji="0" lang="en-US" altLang="en-US" sz="2000" b="0" i="0" u="none" strike="noStrike" cap="none" normalizeH="0" baseline="0" dirty="0">
-                <a:ln>
-                  <a:noFill/>
-                </a:ln>
-                <a:solidFill>
-                  <a:srgbClr val="A9B7C6"/>
-                </a:solidFill>
-                <a:effectLst/>
-                <a:latin typeface="Arial Unicode MS"/>
-              </a:rPr>
-              <a:t>)</a:t>
-            </a:r>
-            <a:br>
-              <a:rPr kumimoji="0" lang="en-US" altLang="en-US" sz="2000" b="0" i="0" u="none" strike="noStrike" cap="none" normalizeH="0" baseline="0" dirty="0">
-                <a:ln>
-                  <a:noFill/>
-                </a:ln>
-                <a:solidFill>
-                  <a:srgbClr val="A9B7C6"/>
-                </a:solidFill>
-                <a:effectLst/>
-                <a:latin typeface="Arial Unicode MS"/>
-              </a:rPr>
-            </a:br>
-            <a:r>
-              <a:rPr kumimoji="0" lang="en-US" altLang="en-US" sz="2000" b="0" i="0" u="none" strike="noStrike" cap="none" normalizeH="0" baseline="0" dirty="0">
-                <a:ln>
-                  <a:noFill/>
-                </a:ln>
-                <a:solidFill>
-                  <a:srgbClr val="A9B7C6"/>
-                </a:solidFill>
-                <a:effectLst/>
-                <a:latin typeface="Arial Unicode MS"/>
-              </a:rPr>
-              <a:t>    num = </a:t>
-            </a:r>
-            <a:r>
-              <a:rPr kumimoji="0" lang="en-US" altLang="en-US" sz="2000" b="0" i="0" u="none" strike="noStrike" cap="none" normalizeH="0" baseline="0" dirty="0">
-                <a:ln>
-                  <a:noFill/>
-                </a:ln>
-                <a:solidFill>
-                  <a:srgbClr val="8888C6"/>
-                </a:solidFill>
-                <a:effectLst/>
-                <a:latin typeface="Arial Unicode MS"/>
-              </a:rPr>
-              <a:t>int</a:t>
-            </a:r>
-            <a:r>
-              <a:rPr kumimoji="0" lang="en-US" altLang="en-US" sz="2000" b="0" i="0" u="none" strike="noStrike" cap="none" normalizeH="0" baseline="0" dirty="0">
-                <a:ln>
-                  <a:noFill/>
-                </a:ln>
-                <a:solidFill>
-                  <a:srgbClr val="A9B7C6"/>
-                </a:solidFill>
-                <a:effectLst/>
-                <a:latin typeface="Arial Unicode MS"/>
-              </a:rPr>
-              <a:t>(s)</a:t>
-            </a:r>
-            <a:br>
-              <a:rPr kumimoji="0" lang="en-US" altLang="en-US" sz="2000" b="0" i="0" u="none" strike="noStrike" cap="none" normalizeH="0" baseline="0" dirty="0">
-                <a:ln>
-                  <a:noFill/>
-                </a:ln>
-                <a:solidFill>
-                  <a:srgbClr val="A9B7C6"/>
-                </a:solidFill>
-                <a:effectLst/>
-                <a:latin typeface="Arial Unicode MS"/>
-              </a:rPr>
-            </a:br>
-            <a:r>
-              <a:rPr kumimoji="0" lang="en-US" altLang="en-US" sz="2000" b="0" i="0" u="none" strike="noStrike" cap="none" normalizeH="0" baseline="0" dirty="0">
-                <a:ln>
-                  <a:noFill/>
-                </a:ln>
-                <a:solidFill>
-                  <a:srgbClr val="A9B7C6"/>
-                </a:solidFill>
-                <a:effectLst/>
-                <a:latin typeface="Arial Unicode MS"/>
-              </a:rPr>
-              <a:t>    </a:t>
-            </a:r>
-            <a:r>
-              <a:rPr kumimoji="0" lang="en-US" altLang="en-US" sz="2000" b="0" i="0" u="none" strike="noStrike" cap="none" normalizeH="0" baseline="0" dirty="0">
-                <a:ln>
-                  <a:noFill/>
-                </a:ln>
-                <a:solidFill>
-                  <a:srgbClr val="CC7832"/>
-                </a:solidFill>
-                <a:effectLst/>
-                <a:latin typeface="Arial Unicode MS"/>
-              </a:rPr>
-              <a:t>if </a:t>
-            </a:r>
-            <a:r>
-              <a:rPr kumimoji="0" lang="en-US" altLang="en-US" sz="2000" b="0" i="0" u="none" strike="noStrike" cap="none" normalizeH="0" baseline="0" dirty="0">
-                <a:ln>
-                  <a:noFill/>
-                </a:ln>
-                <a:solidFill>
-                  <a:srgbClr val="A9B7C6"/>
-                </a:solidFill>
-                <a:effectLst/>
-                <a:latin typeface="Arial Unicode MS"/>
-              </a:rPr>
-              <a:t>num == </a:t>
-            </a:r>
-            <a:r>
-              <a:rPr kumimoji="0" lang="en-US" altLang="en-US" sz="2000" b="0" i="0" u="none" strike="noStrike" cap="none" normalizeH="0" baseline="0" dirty="0">
-                <a:ln>
-                  <a:noFill/>
-                </a:ln>
-                <a:solidFill>
-                  <a:srgbClr val="6897BB"/>
-                </a:solidFill>
-                <a:effectLst/>
-                <a:latin typeface="Arial Unicode MS"/>
-              </a:rPr>
-              <a:t>0</a:t>
-            </a:r>
-            <a:r>
-              <a:rPr kumimoji="0" lang="en-US" altLang="en-US" sz="2000" b="0" i="0" u="none" strike="noStrike" cap="none" normalizeH="0" baseline="0" dirty="0">
-                <a:ln>
-                  <a:noFill/>
-                </a:ln>
-                <a:solidFill>
-                  <a:srgbClr val="A9B7C6"/>
-                </a:solidFill>
-                <a:effectLst/>
-                <a:latin typeface="Arial Unicode MS"/>
-              </a:rPr>
-              <a:t>:  </a:t>
-            </a:r>
-            <a:r>
-              <a:rPr kumimoji="0" lang="en-US" altLang="en-US" sz="2000" b="0" i="0" u="none" strike="noStrike" cap="none" normalizeH="0" baseline="0" dirty="0">
-                <a:ln>
-                  <a:noFill/>
-                </a:ln>
-                <a:solidFill>
-                  <a:srgbClr val="808080"/>
-                </a:solidFill>
-                <a:effectLst/>
-                <a:latin typeface="Arial Unicode MS"/>
-              </a:rPr>
-              <a:t># user wants to exit</a:t>
-            </a:r>
-          </a:p>
-          <a:p>
-            <a:pPr marL="0" marR="0" lvl="0" indent="0" algn="l" defTabSz="914400" rtl="0" eaLnBrk="0" fontAlgn="base" latinLnBrk="0" hangingPunct="0">
-              <a:lnSpc>
-                <a:spcPct val="100000"/>
-              </a:lnSpc>
-              <a:spcBef>
-                <a:spcPct val="0"/>
-              </a:spcBef>
-              <a:spcAft>
-                <a:spcPct val="0"/>
-              </a:spcAft>
-              <a:buClrTx/>
-              <a:buSzTx/>
-              <a:buFontTx/>
-              <a:buNone/>
-              <a:tabLst/>
-            </a:pPr>
-            <a:r>
-              <a:rPr kumimoji="0" lang="en-US" altLang="en-US" sz="2000" b="0" i="0" u="none" strike="noStrike" cap="none" normalizeH="0" baseline="0" dirty="0">
-                <a:ln>
-                  <a:noFill/>
-                </a:ln>
-                <a:solidFill>
-                  <a:srgbClr val="808080"/>
-                </a:solidFill>
-                <a:effectLst/>
-                <a:latin typeface="Arial Unicode MS"/>
-              </a:rPr>
-              <a:t>	</a:t>
-            </a:r>
-            <a:r>
-              <a:rPr kumimoji="0" lang="en-US" altLang="en-US" sz="2000" b="0" i="0" u="none" strike="noStrike" cap="none" normalizeH="0" baseline="0" dirty="0">
-                <a:ln>
-                  <a:noFill/>
-                </a:ln>
-                <a:solidFill>
-                  <a:srgbClr val="CC7832"/>
-                </a:solidFill>
-                <a:effectLst/>
-                <a:latin typeface="Arial Unicode MS"/>
-              </a:rPr>
-              <a:t> break</a:t>
-            </a:r>
-            <a:br>
-              <a:rPr kumimoji="0" lang="en-US" altLang="en-US" sz="2000" b="0" i="0" u="none" strike="noStrike" cap="none" normalizeH="0" baseline="0" dirty="0">
-                <a:ln>
-                  <a:noFill/>
-                </a:ln>
-                <a:solidFill>
-                  <a:srgbClr val="808080"/>
-                </a:solidFill>
-                <a:effectLst/>
-                <a:latin typeface="Arial Unicode MS"/>
-              </a:rPr>
-            </a:br>
-            <a:r>
-              <a:rPr kumimoji="0" lang="en-US" altLang="en-US" sz="2000" b="0" i="0" u="none" strike="noStrike" cap="none" normalizeH="0" baseline="0" dirty="0">
-                <a:ln>
-                  <a:noFill/>
-                </a:ln>
-                <a:solidFill>
-                  <a:srgbClr val="808080"/>
-                </a:solidFill>
-                <a:effectLst/>
-                <a:latin typeface="Arial Unicode MS"/>
-              </a:rPr>
-              <a:t>        </a:t>
-            </a:r>
-            <a:r>
-              <a:rPr kumimoji="0" lang="en-US" altLang="en-US" sz="2000" b="0" i="0" u="none" strike="noStrike" cap="none" normalizeH="0" baseline="0" dirty="0">
-                <a:ln>
-                  <a:noFill/>
-                </a:ln>
-                <a:solidFill>
-                  <a:srgbClr val="CC7832"/>
-                </a:solidFill>
-                <a:effectLst/>
-                <a:latin typeface="Arial Unicode MS"/>
-              </a:rPr>
-              <a:t>if </a:t>
-            </a:r>
-            <a:r>
-              <a:rPr kumimoji="0" lang="en-US" altLang="en-US" sz="2000" b="0" i="0" u="none" strike="noStrike" cap="none" normalizeH="0" baseline="0" dirty="0">
-                <a:ln>
-                  <a:noFill/>
-                </a:ln>
-                <a:solidFill>
-                  <a:srgbClr val="A9B7C6"/>
-                </a:solidFill>
-                <a:effectLst/>
-                <a:latin typeface="Arial Unicode MS"/>
-              </a:rPr>
-              <a:t>num &lt; </a:t>
-            </a:r>
-            <a:r>
-              <a:rPr kumimoji="0" lang="en-US" altLang="en-US" sz="2000" b="0" i="0" u="none" strike="noStrike" cap="none" normalizeH="0" baseline="0" dirty="0">
-                <a:ln>
-                  <a:noFill/>
-                </a:ln>
-                <a:solidFill>
-                  <a:srgbClr val="6897BB"/>
-                </a:solidFill>
-                <a:effectLst/>
-                <a:latin typeface="Arial Unicode MS"/>
-              </a:rPr>
-              <a:t>0</a:t>
-            </a:r>
-            <a:r>
-              <a:rPr kumimoji="0" lang="en-US" altLang="en-US" sz="2000" b="0" i="0" u="none" strike="noStrike" cap="none" normalizeH="0" baseline="0" dirty="0">
-                <a:ln>
-                  <a:noFill/>
-                </a:ln>
-                <a:solidFill>
-                  <a:srgbClr val="A9B7C6"/>
-                </a:solidFill>
-                <a:effectLst/>
-                <a:latin typeface="Arial Unicode MS"/>
-              </a:rPr>
-              <a:t>:</a:t>
-            </a:r>
-            <a:br>
-              <a:rPr kumimoji="0" lang="en-US" altLang="en-US" sz="2000" b="0" i="0" u="none" strike="noStrike" cap="none" normalizeH="0" baseline="0" dirty="0">
-                <a:ln>
-                  <a:noFill/>
-                </a:ln>
-                <a:solidFill>
-                  <a:srgbClr val="A9B7C6"/>
-                </a:solidFill>
-                <a:effectLst/>
-                <a:latin typeface="Arial Unicode MS"/>
-              </a:rPr>
-            </a:br>
-            <a:r>
-              <a:rPr kumimoji="0" lang="en-US" altLang="en-US" sz="2000" b="0" i="0" u="none" strike="noStrike" cap="none" normalizeH="0" baseline="0" dirty="0">
-                <a:ln>
-                  <a:noFill/>
-                </a:ln>
-                <a:solidFill>
-                  <a:srgbClr val="A9B7C6"/>
-                </a:solidFill>
-                <a:effectLst/>
-                <a:latin typeface="Arial Unicode MS"/>
-              </a:rPr>
-              <a:t>            </a:t>
-            </a:r>
-            <a:r>
-              <a:rPr kumimoji="0" lang="en-US" altLang="en-US" sz="2000" b="0" i="0" u="none" strike="noStrike" cap="none" normalizeH="0" baseline="0" dirty="0">
-                <a:ln>
-                  <a:noFill/>
-                </a:ln>
-                <a:solidFill>
-                  <a:srgbClr val="CC7832"/>
-                </a:solidFill>
-                <a:effectLst/>
-                <a:latin typeface="Arial Unicode MS"/>
-              </a:rPr>
-              <a:t>continue</a:t>
-            </a:r>
-            <a:br>
-              <a:rPr kumimoji="0" lang="en-US" altLang="en-US" sz="2000" b="0" i="0" u="none" strike="noStrike" cap="none" normalizeH="0" baseline="0" dirty="0">
-                <a:ln>
-                  <a:noFill/>
-                </a:ln>
-                <a:solidFill>
-                  <a:srgbClr val="CC7832"/>
-                </a:solidFill>
-                <a:effectLst/>
-                <a:latin typeface="Arial Unicode MS"/>
-              </a:rPr>
-            </a:br>
-            <a:r>
-              <a:rPr kumimoji="0" lang="en-US" altLang="en-US" sz="2000" b="0" i="0" u="none" strike="noStrike" cap="none" normalizeH="0" baseline="0" dirty="0">
-                <a:ln>
-                  <a:noFill/>
-                </a:ln>
-                <a:solidFill>
-                  <a:srgbClr val="CC7832"/>
-                </a:solidFill>
-                <a:effectLst/>
-                <a:latin typeface="Arial Unicode MS"/>
-              </a:rPr>
-              <a:t>    </a:t>
-            </a:r>
-            <a:r>
-              <a:rPr kumimoji="0" lang="en-US" altLang="en-US" sz="2000" b="0" i="0" u="none" strike="noStrike" cap="none" normalizeH="0" baseline="0" dirty="0" err="1">
-                <a:ln>
-                  <a:noFill/>
-                </a:ln>
-                <a:solidFill>
-                  <a:srgbClr val="A9B7C6"/>
-                </a:solidFill>
-                <a:effectLst/>
-                <a:latin typeface="Arial Unicode MS"/>
-              </a:rPr>
-              <a:t>i</a:t>
-            </a:r>
-            <a:r>
-              <a:rPr kumimoji="0" lang="en-US" altLang="en-US" sz="2000" b="0" i="0" u="none" strike="noStrike" cap="none" normalizeH="0" baseline="0" dirty="0">
-                <a:ln>
-                  <a:noFill/>
-                </a:ln>
-                <a:solidFill>
-                  <a:srgbClr val="A9B7C6"/>
-                </a:solidFill>
-                <a:effectLst/>
-                <a:latin typeface="Arial Unicode MS"/>
-              </a:rPr>
-              <a:t> -= </a:t>
-            </a:r>
-            <a:r>
-              <a:rPr kumimoji="0" lang="en-US" altLang="en-US" sz="2000" b="0" i="0" u="none" strike="noStrike" cap="none" normalizeH="0" baseline="0" dirty="0">
-                <a:ln>
-                  <a:noFill/>
-                </a:ln>
-                <a:solidFill>
-                  <a:srgbClr val="6897BB"/>
-                </a:solidFill>
-                <a:effectLst/>
-                <a:latin typeface="Arial Unicode MS"/>
-              </a:rPr>
-              <a:t>1</a:t>
-            </a:r>
-            <a:br>
-              <a:rPr kumimoji="0" lang="en-US" altLang="en-US" sz="2000" b="0" i="0" u="none" strike="noStrike" cap="none" normalizeH="0" baseline="0" dirty="0">
-                <a:ln>
-                  <a:noFill/>
-                </a:ln>
-                <a:solidFill>
-                  <a:srgbClr val="6897BB"/>
-                </a:solidFill>
-                <a:effectLst/>
-                <a:latin typeface="Arial Unicode MS"/>
-              </a:rPr>
-            </a:br>
-            <a:r>
-              <a:rPr kumimoji="0" lang="en-US" altLang="en-US" sz="2000" b="0" i="0" u="none" strike="noStrike" cap="none" normalizeH="0" baseline="0" dirty="0">
-                <a:ln>
-                  <a:noFill/>
-                </a:ln>
-                <a:solidFill>
-                  <a:srgbClr val="6897BB"/>
-                </a:solidFill>
-                <a:effectLst/>
-                <a:latin typeface="Arial Unicode MS"/>
-              </a:rPr>
-              <a:t>    </a:t>
-            </a:r>
-            <a:r>
-              <a:rPr kumimoji="0" lang="en-US" altLang="en-US" sz="2000" b="0" i="0" u="none" strike="noStrike" cap="none" normalizeH="0" baseline="0" dirty="0">
-                <a:ln>
-                  <a:noFill/>
-                </a:ln>
-                <a:solidFill>
-                  <a:srgbClr val="8888C6"/>
-                </a:solidFill>
-                <a:effectLst/>
-                <a:latin typeface="Arial Unicode MS"/>
-              </a:rPr>
-              <a:t>print</a:t>
-            </a:r>
-            <a:r>
-              <a:rPr kumimoji="0" lang="en-US" altLang="en-US" sz="2000" b="0" i="0" u="none" strike="noStrike" cap="none" normalizeH="0" baseline="0" dirty="0">
-                <a:ln>
-                  <a:noFill/>
-                </a:ln>
-                <a:solidFill>
-                  <a:srgbClr val="A9B7C6"/>
-                </a:solidFill>
-                <a:effectLst/>
-                <a:latin typeface="Arial Unicode MS"/>
-              </a:rPr>
-              <a:t>(</a:t>
-            </a:r>
-            <a:r>
-              <a:rPr kumimoji="0" lang="en-US" altLang="en-US" sz="2000" b="0" i="0" u="none" strike="noStrike" cap="none" normalizeH="0" baseline="0" dirty="0" err="1">
-                <a:ln>
-                  <a:noFill/>
-                </a:ln>
-                <a:solidFill>
-                  <a:srgbClr val="A9B7C6"/>
-                </a:solidFill>
-                <a:effectLst/>
-                <a:latin typeface="Arial Unicode MS"/>
-              </a:rPr>
-              <a:t>math.sqrt</a:t>
-            </a:r>
-            <a:r>
-              <a:rPr kumimoji="0" lang="en-US" altLang="en-US" sz="2000" b="0" i="0" u="none" strike="noStrike" cap="none" normalizeH="0" baseline="0" dirty="0">
-                <a:ln>
-                  <a:noFill/>
-                </a:ln>
-                <a:solidFill>
-                  <a:srgbClr val="A9B7C6"/>
-                </a:solidFill>
-                <a:effectLst/>
-                <a:latin typeface="Arial Unicode MS"/>
-              </a:rPr>
-              <a:t>(num))</a:t>
-            </a:r>
-            <a:endParaRPr kumimoji="0" lang="en-US" altLang="en-US" sz="2000" b="0" i="0" u="none" strike="noStrike" cap="none" normalizeH="0" baseline="0" dirty="0">
-              <a:ln>
-                <a:noFill/>
-              </a:ln>
-              <a:solidFill>
-                <a:schemeClr val="tx1"/>
-              </a:solidFill>
-              <a:effectLst/>
-              <a:latin typeface="Arial" panose="020B0604020202020204" pitchFamily="34" charset="0"/>
-            </a:endParaRPr>
-          </a:p>
-        </p:txBody>
-      </p:sp>
-    </p:spTree>
-    <p:extLst>
-      <p:ext uri="{BB962C8B-B14F-4D97-AF65-F5344CB8AC3E}">
-        <p14:creationId xmlns:p14="http://schemas.microsoft.com/office/powerpoint/2010/main" val="86038848"/>
-      </p:ext>
-    </p:extLst>
-  </p:cSld>
-  <p:clrMapOvr>
-    <a:masterClrMapping/>
-  </p:clrMapOvr>
-</p:sld>
-</file>
-
-<file path=ppt/slides/slide9.xml><?xml version="1.0" encoding="utf-8"?>
 <p:sld xmlns:a="http://schemas.openxmlformats.org/drawingml/2006/main" xmlns:r="http://schemas.openxmlformats.org/officeDocument/2006/relationships" xmlns:p="http://schemas.openxmlformats.org/presentationml/2006/main">
   <p:cSld>
     <p:spTree>
@@ -12869,7 +14863,7 @@
           <a:p>
             <a:r>
               <a:rPr lang="en-US" dirty="0"/>
-              <a:t>Input Check</a:t>
+              <a:t>While Demo</a:t>
             </a:r>
             <a:endParaRPr lang="he-IL" dirty="0"/>
           </a:p>
@@ -12878,7 +14872,408 @@
     </p:spTree>
     <p:extLst>
       <p:ext uri="{BB962C8B-B14F-4D97-AF65-F5344CB8AC3E}">
-        <p14:creationId xmlns:p14="http://schemas.microsoft.com/office/powerpoint/2010/main" val="1820392228"/>
+        <p14:creationId xmlns:p14="http://schemas.microsoft.com/office/powerpoint/2010/main" val="3951026284"/>
+      </p:ext>
+    </p:extLst>
+  </p:cSld>
+  <p:clrMapOvr>
+    <a:masterClrMapping/>
+  </p:clrMapOvr>
+</p:sld>
+</file>
+
+<file path=ppt/slides/slide9.xml><?xml version="1.0" encoding="utf-8"?>
+<p:sld xmlns:a="http://schemas.openxmlformats.org/drawingml/2006/main" xmlns:r="http://schemas.openxmlformats.org/officeDocument/2006/relationships" xmlns:p="http://schemas.openxmlformats.org/presentationml/2006/main">
+  <p:cSld>
+    <p:spTree>
+      <p:nvGrpSpPr>
+        <p:cNvPr id="1" name=""/>
+        <p:cNvGrpSpPr/>
+        <p:nvPr/>
+      </p:nvGrpSpPr>
+      <p:grpSpPr>
+        <a:xfrm>
+          <a:off x="0" y="0"/>
+          <a:ext cx="0" cy="0"/>
+          <a:chOff x="0" y="0"/>
+          <a:chExt cx="0" cy="0"/>
+        </a:xfrm>
+      </p:grpSpPr>
+      <p:sp>
+        <p:nvSpPr>
+          <p:cNvPr id="9" name="TextBox 8">
+            <a:extLst>
+              <a:ext uri="{FF2B5EF4-FFF2-40B4-BE49-F238E27FC236}">
+                <a16:creationId xmlns:a16="http://schemas.microsoft.com/office/drawing/2014/main" id="{8F34E564-AA95-4FDA-899E-877652214FAF}"/>
+              </a:ext>
+            </a:extLst>
+          </p:cNvPr>
+          <p:cNvSpPr txBox="1"/>
+          <p:nvPr/>
+        </p:nvSpPr>
+        <p:spPr>
+          <a:xfrm>
+            <a:off x="497149" y="2938508"/>
+            <a:ext cx="9907480" cy="3416320"/>
+          </a:xfrm>
+          <a:prstGeom prst="rect">
+            <a:avLst/>
+          </a:prstGeom>
+          <a:noFill/>
+        </p:spPr>
+        <p:txBody>
+          <a:bodyPr wrap="square" rtlCol="0">
+            <a:spAutoFit/>
+          </a:bodyPr>
+          <a:lstStyle/>
+          <a:p>
+            <a:r>
+              <a:rPr lang="en-US" dirty="0"/>
+              <a:t>In this example, the program uses a while loop to print numbers from 1 to 5. The loop continues as long as the number variable is less than or equal to 5. Inside the loop, the current value of number is printed, and then the number variable is incremented by 1 using number += 1.</a:t>
+            </a:r>
+          </a:p>
+          <a:p>
+            <a:endParaRPr lang="en-US" dirty="0"/>
+          </a:p>
+          <a:p>
+            <a:r>
+              <a:rPr lang="en-US" dirty="0"/>
+              <a:t>When you run this code, it will output:</a:t>
+            </a:r>
+          </a:p>
+          <a:p>
+            <a:endParaRPr lang="en-US" dirty="0"/>
+          </a:p>
+          <a:p>
+            <a:endParaRPr lang="en-US" dirty="0"/>
+          </a:p>
+          <a:p>
+            <a:r>
+              <a:rPr lang="en-US" dirty="0"/>
+              <a:t>1</a:t>
+            </a:r>
+          </a:p>
+          <a:p>
+            <a:r>
+              <a:rPr lang="en-US" dirty="0"/>
+              <a:t>2</a:t>
+            </a:r>
+          </a:p>
+          <a:p>
+            <a:r>
+              <a:rPr lang="en-US" dirty="0"/>
+              <a:t>3</a:t>
+            </a:r>
+          </a:p>
+          <a:p>
+            <a:r>
+              <a:rPr lang="en-US" dirty="0"/>
+              <a:t>4</a:t>
+            </a:r>
+          </a:p>
+          <a:p>
+            <a:r>
+              <a:rPr lang="en-US" dirty="0"/>
+              <a:t>5</a:t>
+            </a:r>
+          </a:p>
+        </p:txBody>
+      </p:sp>
+      <p:sp>
+        <p:nvSpPr>
+          <p:cNvPr id="2" name="Rectangle 1">
+            <a:extLst>
+              <a:ext uri="{FF2B5EF4-FFF2-40B4-BE49-F238E27FC236}">
+                <a16:creationId xmlns:a16="http://schemas.microsoft.com/office/drawing/2014/main" id="{A6D2E021-21FF-439C-B161-B2A8E0EBC9D1}"/>
+              </a:ext>
+            </a:extLst>
+          </p:cNvPr>
+          <p:cNvSpPr>
+            <a:spLocks noChangeArrowheads="1"/>
+          </p:cNvSpPr>
+          <p:nvPr/>
+        </p:nvSpPr>
+        <p:spPr bwMode="auto">
+          <a:xfrm>
+            <a:off x="497149" y="600905"/>
+            <a:ext cx="7812350" cy="2031325"/>
+          </a:xfrm>
+          <a:prstGeom prst="rect">
+            <a:avLst/>
+          </a:prstGeom>
+          <a:solidFill>
+            <a:srgbClr val="2B2B2B"/>
+          </a:solidFill>
+          <a:ln>
+            <a:noFill/>
+          </a:ln>
+          <a:effectLst/>
+          <a:extLst>
+            <a:ext uri="{91240B29-F687-4F45-9708-019B960494DF}">
+              <a14:hiddenLine xmlns:a14="http://schemas.microsoft.com/office/drawing/2010/main" w="9525">
+                <a:solidFill>
+                  <a:schemeClr val="tx1"/>
+                </a:solidFill>
+                <a:miter lim="800000"/>
+                <a:headEnd/>
+                <a:tailEnd/>
+              </a14:hiddenLine>
+            </a:ext>
+            <a:ext uri="{AF507438-7753-43E0-B8FC-AC1667EBCBE1}">
+              <a14:hiddenEffects xmlns:a14="http://schemas.microsoft.com/office/drawing/2010/main">
+                <a:effectLst>
+                  <a:outerShdw dist="35921" dir="2700000" algn="ctr" rotWithShape="0">
+                    <a:schemeClr val="bg2"/>
+                  </a:outerShdw>
+                </a:effectLst>
+              </a14:hiddenEffects>
+            </a:ext>
+          </a:extLst>
+        </p:spPr>
+        <p:txBody>
+          <a:bodyPr vert="horz" wrap="square" lIns="91440" tIns="45720" rIns="91440" bIns="45720" numCol="1" anchor="ctr" anchorCtr="0" compatLnSpc="1">
+            <a:prstTxWarp prst="textNoShape">
+              <a:avLst/>
+            </a:prstTxWarp>
+            <a:spAutoFit/>
+          </a:bodyPr>
+          <a:lstStyle/>
+          <a:p>
+            <a:pPr marL="0" marR="0" lvl="0" indent="0" algn="l" defTabSz="914400" rtl="0" eaLnBrk="0" fontAlgn="base" latinLnBrk="0" hangingPunct="0">
+              <a:lnSpc>
+                <a:spcPct val="100000"/>
+              </a:lnSpc>
+              <a:spcBef>
+                <a:spcPct val="0"/>
+              </a:spcBef>
+              <a:spcAft>
+                <a:spcPct val="0"/>
+              </a:spcAft>
+              <a:buClrTx/>
+              <a:buSzTx/>
+              <a:buFontTx/>
+              <a:buNone/>
+              <a:tabLst/>
+            </a:pPr>
+            <a:r>
+              <a:rPr kumimoji="0" lang="en-US" altLang="en-US" b="0" i="0" u="none" strike="noStrike" cap="none" normalizeH="0" baseline="0" dirty="0">
+                <a:ln>
+                  <a:noFill/>
+                </a:ln>
+                <a:solidFill>
+                  <a:srgbClr val="808080"/>
+                </a:solidFill>
+                <a:effectLst/>
+                <a:latin typeface="Arial Unicode MS"/>
+              </a:rPr>
+              <a:t># A program to print numbers from 1 to 5 using a while loop</a:t>
+            </a:r>
+            <a:br>
+              <a:rPr kumimoji="0" lang="en-US" altLang="en-US" b="0" i="0" u="none" strike="noStrike" cap="none" normalizeH="0" baseline="0" dirty="0">
+                <a:ln>
+                  <a:noFill/>
+                </a:ln>
+                <a:solidFill>
+                  <a:srgbClr val="808080"/>
+                </a:solidFill>
+                <a:effectLst/>
+                <a:latin typeface="Arial Unicode MS"/>
+              </a:rPr>
+            </a:br>
+            <a:br>
+              <a:rPr kumimoji="0" lang="en-US" altLang="en-US" b="0" i="0" u="none" strike="noStrike" cap="none" normalizeH="0" baseline="0" dirty="0">
+                <a:ln>
+                  <a:noFill/>
+                </a:ln>
+                <a:solidFill>
+                  <a:srgbClr val="808080"/>
+                </a:solidFill>
+                <a:effectLst/>
+                <a:latin typeface="Arial Unicode MS"/>
+              </a:rPr>
+            </a:br>
+            <a:r>
+              <a:rPr kumimoji="0" lang="en-US" altLang="en-US" b="0" i="0" u="none" strike="noStrike" cap="none" normalizeH="0" baseline="0" dirty="0">
+                <a:ln>
+                  <a:noFill/>
+                </a:ln>
+                <a:solidFill>
+                  <a:srgbClr val="A9B7C6"/>
+                </a:solidFill>
+                <a:effectLst/>
+                <a:latin typeface="Arial Unicode MS"/>
+              </a:rPr>
+              <a:t>number = </a:t>
+            </a:r>
+            <a:r>
+              <a:rPr kumimoji="0" lang="en-US" altLang="en-US" b="0" i="0" u="none" strike="noStrike" cap="none" normalizeH="0" baseline="0" dirty="0">
+                <a:ln>
+                  <a:noFill/>
+                </a:ln>
+                <a:solidFill>
+                  <a:srgbClr val="6897BB"/>
+                </a:solidFill>
+                <a:effectLst/>
+                <a:latin typeface="Arial Unicode MS"/>
+              </a:rPr>
+              <a:t>1</a:t>
+            </a:r>
+            <a:br>
+              <a:rPr kumimoji="0" lang="en-US" altLang="en-US" b="0" i="0" u="none" strike="noStrike" cap="none" normalizeH="0" baseline="0" dirty="0">
+                <a:ln>
+                  <a:noFill/>
+                </a:ln>
+                <a:solidFill>
+                  <a:srgbClr val="6897BB"/>
+                </a:solidFill>
+                <a:effectLst/>
+                <a:latin typeface="Arial Unicode MS"/>
+              </a:rPr>
+            </a:br>
+            <a:br>
+              <a:rPr kumimoji="0" lang="en-US" altLang="en-US" b="0" i="0" u="none" strike="noStrike" cap="none" normalizeH="0" baseline="0" dirty="0">
+                <a:ln>
+                  <a:noFill/>
+                </a:ln>
+                <a:solidFill>
+                  <a:srgbClr val="6897BB"/>
+                </a:solidFill>
+                <a:effectLst/>
+                <a:latin typeface="Arial Unicode MS"/>
+              </a:rPr>
+            </a:br>
+            <a:r>
+              <a:rPr kumimoji="0" lang="en-US" altLang="en-US" b="0" i="0" u="none" strike="noStrike" cap="none" normalizeH="0" baseline="0" dirty="0">
+                <a:ln>
+                  <a:noFill/>
+                </a:ln>
+                <a:solidFill>
+                  <a:srgbClr val="CC7832"/>
+                </a:solidFill>
+                <a:effectLst/>
+                <a:latin typeface="Arial Unicode MS"/>
+              </a:rPr>
+              <a:t>while </a:t>
+            </a:r>
+            <a:r>
+              <a:rPr kumimoji="0" lang="en-US" altLang="en-US" b="0" i="0" u="none" strike="noStrike" cap="none" normalizeH="0" baseline="0" dirty="0">
+                <a:ln>
+                  <a:noFill/>
+                </a:ln>
+                <a:solidFill>
+                  <a:srgbClr val="A9B7C6"/>
+                </a:solidFill>
+                <a:effectLst/>
+                <a:latin typeface="Arial Unicode MS"/>
+              </a:rPr>
+              <a:t>number &lt;= </a:t>
+            </a:r>
+            <a:r>
+              <a:rPr kumimoji="0" lang="en-US" altLang="en-US" b="0" i="0" u="none" strike="noStrike" cap="none" normalizeH="0" baseline="0" dirty="0">
+                <a:ln>
+                  <a:noFill/>
+                </a:ln>
+                <a:solidFill>
+                  <a:srgbClr val="6897BB"/>
+                </a:solidFill>
+                <a:effectLst/>
+                <a:latin typeface="Arial Unicode MS"/>
+              </a:rPr>
+              <a:t>5</a:t>
+            </a:r>
+            <a:r>
+              <a:rPr kumimoji="0" lang="en-US" altLang="en-US" b="0" i="0" u="none" strike="noStrike" cap="none" normalizeH="0" baseline="0" dirty="0">
+                <a:ln>
+                  <a:noFill/>
+                </a:ln>
+                <a:solidFill>
+                  <a:srgbClr val="A9B7C6"/>
+                </a:solidFill>
+                <a:effectLst/>
+                <a:latin typeface="Arial Unicode MS"/>
+              </a:rPr>
+              <a:t>:</a:t>
+            </a:r>
+            <a:br>
+              <a:rPr kumimoji="0" lang="en-US" altLang="en-US" b="0" i="0" u="none" strike="noStrike" cap="none" normalizeH="0" baseline="0" dirty="0">
+                <a:ln>
+                  <a:noFill/>
+                </a:ln>
+                <a:solidFill>
+                  <a:srgbClr val="A9B7C6"/>
+                </a:solidFill>
+                <a:effectLst/>
+                <a:latin typeface="Arial Unicode MS"/>
+              </a:rPr>
+            </a:br>
+            <a:r>
+              <a:rPr kumimoji="0" lang="en-US" altLang="en-US" b="0" i="0" u="none" strike="noStrike" cap="none" normalizeH="0" baseline="0" dirty="0">
+                <a:ln>
+                  <a:noFill/>
+                </a:ln>
+                <a:solidFill>
+                  <a:srgbClr val="A9B7C6"/>
+                </a:solidFill>
+                <a:effectLst/>
+                <a:latin typeface="Arial Unicode MS"/>
+              </a:rPr>
+              <a:t>    print(number)</a:t>
+            </a:r>
+            <a:br>
+              <a:rPr kumimoji="0" lang="en-US" altLang="en-US" b="0" i="0" u="none" strike="noStrike" cap="none" normalizeH="0" baseline="0" dirty="0">
+                <a:ln>
+                  <a:noFill/>
+                </a:ln>
+                <a:solidFill>
+                  <a:srgbClr val="A9B7C6"/>
+                </a:solidFill>
+                <a:effectLst/>
+                <a:latin typeface="Arial Unicode MS"/>
+              </a:rPr>
+            </a:br>
+            <a:r>
+              <a:rPr kumimoji="0" lang="en-US" altLang="en-US" b="0" i="0" u="none" strike="noStrike" cap="none" normalizeH="0" baseline="0" dirty="0">
+                <a:ln>
+                  <a:noFill/>
+                </a:ln>
+                <a:solidFill>
+                  <a:srgbClr val="A9B7C6"/>
+                </a:solidFill>
+                <a:effectLst/>
+                <a:latin typeface="Arial Unicode MS"/>
+              </a:rPr>
+              <a:t>    number += </a:t>
+            </a:r>
+            <a:r>
+              <a:rPr kumimoji="0" lang="en-US" altLang="en-US" b="0" i="0" u="none" strike="noStrike" cap="none" normalizeH="0" baseline="0" dirty="0">
+                <a:ln>
+                  <a:noFill/>
+                </a:ln>
+                <a:solidFill>
+                  <a:srgbClr val="6897BB"/>
+                </a:solidFill>
+                <a:effectLst/>
+                <a:latin typeface="Arial Unicode MS"/>
+              </a:rPr>
+              <a:t>1</a:t>
+            </a:r>
+            <a:endParaRPr kumimoji="0" lang="en-US" altLang="en-US" sz="4000" b="0" i="0" u="none" strike="noStrike" cap="none" normalizeH="0" baseline="0" dirty="0">
+              <a:ln>
+                <a:noFill/>
+              </a:ln>
+              <a:solidFill>
+                <a:schemeClr val="tx1"/>
+              </a:solidFill>
+              <a:effectLst/>
+              <a:latin typeface="Arial" panose="020B0604020202020204" pitchFamily="34" charset="0"/>
+            </a:endParaRPr>
+          </a:p>
+        </p:txBody>
+      </p:sp>
+    </p:spTree>
+    <p:extLst>
+      <p:ext uri="{BB962C8B-B14F-4D97-AF65-F5344CB8AC3E}">
+        <p14:creationId xmlns:p14="http://schemas.microsoft.com/office/powerpoint/2010/main" val="122093452"/>
       </p:ext>
     </p:extLst>
   </p:cSld>

--- a/basic_new/Module 03 - Python Flow control.pptx
+++ b/basic_new/Module 03 - Python Flow control.pptx
@@ -8,7 +8,7 @@
     <p:notesMasterId r:id="rId18"/>
   </p:notesMasterIdLst>
   <p:sldIdLst>
-    <p:sldId id="256" r:id="rId2"/>
+    <p:sldId id="336" r:id="rId2"/>
     <p:sldId id="257" r:id="rId3"/>
     <p:sldId id="258" r:id="rId4"/>
     <p:sldId id="259" r:id="rId5"/>
@@ -461,7 +461,7 @@
           <a:p>
             <a:fld id="{CC1EDC04-1B37-40A2-80B0-3D5F184B1808}" type="datetimeFigureOut">
               <a:rPr lang="he-IL" smtClean="0"/>
-              <a:t>ט"ז/תמוז/תשפ"ג</a:t>
+              <a:t>כ'/תמוז/תשפ"ג</a:t>
             </a:fld>
             <a:endParaRPr lang="he-IL"/>
           </a:p>
@@ -730,11 +730,11 @@
 </file>
 
 <file path=ppt/notesSlides/notesSlide1.xml><?xml version="1.0" encoding="utf-8"?>
-<p:notes xmlns:a="http://schemas.openxmlformats.org/drawingml/2006/main" xmlns:r="http://schemas.openxmlformats.org/officeDocument/2006/relationships" xmlns:p="http://schemas.openxmlformats.org/presentationml/2006/main">
+<p:notes xmlns:a="http://schemas.openxmlformats.org/drawingml/2006/main" xmlns:r="http://schemas.openxmlformats.org/officeDocument/2006/relationships" xmlns:p="http://schemas.openxmlformats.org/presentationml/2006/main" showMasterSp="0" showMasterPhAnim="0">
   <p:cSld>
     <p:spTree>
       <p:nvGrpSpPr>
-        <p:cNvPr id="1" name=""/>
+        <p:cNvPr id="1" name="Shape 158"/>
         <p:cNvGrpSpPr/>
         <p:nvPr/>
       </p:nvGrpSpPr>
@@ -748,65 +748,84 @@
       </p:grpSpPr>
       <p:sp>
         <p:nvSpPr>
-          <p:cNvPr id="2" name="Slide Image Placeholder 1"/>
-          <p:cNvSpPr>
-            <a:spLocks noGrp="1" noRot="1" noChangeAspect="1"/>
-          </p:cNvSpPr>
-          <p:nvPr>
-            <p:ph type="sldImg"/>
-          </p:nvPr>
-        </p:nvSpPr>
-        <p:spPr/>
-      </p:sp>
-      <p:sp>
-        <p:nvSpPr>
-          <p:cNvPr id="3" name="Notes Placeholder 2"/>
-          <p:cNvSpPr>
+          <p:cNvPr id="159" name="Google Shape;159;p3:notes"/>
+          <p:cNvSpPr txBox="1">
             <a:spLocks noGrp="1"/>
           </p:cNvSpPr>
           <p:nvPr>
             <p:ph type="body" idx="1"/>
           </p:nvPr>
         </p:nvSpPr>
-        <p:spPr/>
+        <p:spPr>
+          <a:xfrm>
+            <a:off x="685800" y="4400550"/>
+            <a:ext cx="5486400" cy="3600450"/>
+          </a:xfrm>
+          <a:prstGeom prst="rect">
+            <a:avLst/>
+          </a:prstGeom>
+        </p:spPr>
         <p:txBody>
-          <a:bodyPr/>
+          <a:bodyPr spcFirstLastPara="1" wrap="square" lIns="91425" tIns="45700" rIns="91425" bIns="45700" anchor="t" anchorCtr="0">
+            <a:noAutofit/>
+          </a:bodyPr>
           <a:lstStyle/>
           <a:p>
-            <a:endParaRPr lang="en-US" dirty="0"/>
+            <a:pPr marL="0" lvl="0" indent="0" algn="l" rtl="0">
+              <a:spcBef>
+                <a:spcPts val="0"/>
+              </a:spcBef>
+              <a:spcAft>
+                <a:spcPts val="0"/>
+              </a:spcAft>
+              <a:buNone/>
+            </a:pPr>
+            <a:endParaRPr/>
           </a:p>
         </p:txBody>
       </p:sp>
       <p:sp>
         <p:nvSpPr>
-          <p:cNvPr id="4" name="Slide Number Placeholder 3"/>
+          <p:cNvPr id="160" name="Google Shape;160;p3:notes"/>
           <p:cNvSpPr>
-            <a:spLocks noGrp="1"/>
+            <a:spLocks noGrp="1" noRot="1" noChangeAspect="1"/>
           </p:cNvSpPr>
           <p:nvPr>
-            <p:ph type="sldNum" sz="quarter" idx="10"/>
+            <p:ph type="sldImg" idx="2"/>
           </p:nvPr>
         </p:nvSpPr>
-        <p:spPr/>
-        <p:txBody>
-          <a:bodyPr/>
-          <a:lstStyle/>
-          <a:p>
-            <a:fld id="{C18343ED-3762-4D46-A439-B4D407E13EF8}" type="slidenum">
-              <a:rPr lang="en-US" smtClean="0"/>
-              <a:pPr/>
-              <a:t>1</a:t>
-            </a:fld>
-            <a:endParaRPr lang="en-US"/>
-          </a:p>
-        </p:txBody>
+        <p:spPr>
+          <a:xfrm>
+            <a:off x="685800" y="1143000"/>
+            <a:ext cx="5486400" cy="3086100"/>
+          </a:xfrm>
+          <a:custGeom>
+            <a:avLst/>
+            <a:gdLst/>
+            <a:ahLst/>
+            <a:cxnLst/>
+            <a:rect l="l" t="t" r="r" b="b"/>
+            <a:pathLst>
+              <a:path w="120000" h="120000" extrusionOk="0">
+                <a:moveTo>
+                  <a:pt x="0" y="0"/>
+                </a:moveTo>
+                <a:lnTo>
+                  <a:pt x="120000" y="0"/>
+                </a:lnTo>
+                <a:lnTo>
+                  <a:pt x="120000" y="120000"/>
+                </a:lnTo>
+                <a:lnTo>
+                  <a:pt x="0" y="120000"/>
+                </a:lnTo>
+                <a:close/>
+              </a:path>
+            </a:pathLst>
+          </a:custGeom>
+        </p:spPr>
       </p:sp>
     </p:spTree>
-    <p:extLst>
-      <p:ext uri="{BB962C8B-B14F-4D97-AF65-F5344CB8AC3E}">
-        <p14:creationId xmlns:p14="http://schemas.microsoft.com/office/powerpoint/2010/main" val="327790973"/>
-      </p:ext>
-    </p:extLst>
   </p:cSld>
   <p:clrMapOvr>
     <a:masterClrMapping/>
@@ -2832,7 +2851,7 @@
           <a:p>
             <a:fld id="{AB734A3E-2292-4870-B99D-F40AFCF82B81}" type="datetimeFigureOut">
               <a:rPr lang="he-IL" smtClean="0"/>
-              <a:t>ט"ז/תמוז/תשפ"ג</a:t>
+              <a:t>כ'/תמוז/תשפ"ג</a:t>
             </a:fld>
             <a:endParaRPr lang="he-IL"/>
           </a:p>
@@ -3032,7 +3051,7 @@
           <a:p>
             <a:fld id="{AB734A3E-2292-4870-B99D-F40AFCF82B81}" type="datetimeFigureOut">
               <a:rPr lang="he-IL" smtClean="0"/>
-              <a:t>ט"ז/תמוז/תשפ"ג</a:t>
+              <a:t>כ'/תמוז/תשפ"ג</a:t>
             </a:fld>
             <a:endParaRPr lang="he-IL"/>
           </a:p>
@@ -3242,7 +3261,7 @@
           <a:p>
             <a:fld id="{AB734A3E-2292-4870-B99D-F40AFCF82B81}" type="datetimeFigureOut">
               <a:rPr lang="he-IL" smtClean="0"/>
-              <a:t>ט"ז/תמוז/תשפ"ג</a:t>
+              <a:t>כ'/תמוז/תשפ"ג</a:t>
             </a:fld>
             <a:endParaRPr lang="he-IL"/>
           </a:p>
@@ -3316,299 +3335,6 @@
 </file>
 
 <file path=ppt/slideLayouts/slideLayout12.xml><?xml version="1.0" encoding="utf-8"?>
-<p:sldLayout xmlns:a="http://schemas.openxmlformats.org/drawingml/2006/main" xmlns:r="http://schemas.openxmlformats.org/officeDocument/2006/relationships" xmlns:p="http://schemas.openxmlformats.org/presentationml/2006/main" userDrawn="1">
-  <p:cSld name="1_Title Slide">
-    <p:spTree>
-      <p:nvGrpSpPr>
-        <p:cNvPr id="1" name=""/>
-        <p:cNvGrpSpPr/>
-        <p:nvPr/>
-      </p:nvGrpSpPr>
-      <p:grpSpPr>
-        <a:xfrm>
-          <a:off x="0" y="0"/>
-          <a:ext cx="0" cy="0"/>
-          <a:chOff x="0" y="0"/>
-          <a:chExt cx="0" cy="0"/>
-        </a:xfrm>
-      </p:grpSpPr>
-      <p:sp>
-        <p:nvSpPr>
-          <p:cNvPr id="2" name="Title 1"/>
-          <p:cNvSpPr>
-            <a:spLocks noGrp="1"/>
-          </p:cNvSpPr>
-          <p:nvPr>
-            <p:ph type="ctrTitle"/>
-          </p:nvPr>
-        </p:nvSpPr>
-        <p:spPr>
-          <a:xfrm>
-            <a:off x="774049" y="1340768"/>
-            <a:ext cx="9850763" cy="1085850"/>
-          </a:xfrm>
-        </p:spPr>
-        <p:txBody>
-          <a:bodyPr vert="horz" lIns="0" tIns="45720" rIns="91440" bIns="45720" rtlCol="0" anchor="t" anchorCtr="0">
-            <a:normAutofit/>
-          </a:bodyPr>
-          <a:lstStyle>
-            <a:lvl1pPr>
-              <a:defRPr lang="en-US" sz="3200" dirty="0">
-                <a:ln w="3175">
-                  <a:noFill/>
-                </a:ln>
-              </a:defRPr>
-            </a:lvl1pPr>
-          </a:lstStyle>
-          <a:p>
-            <a:pPr lvl="0"/>
-            <a:r>
-              <a:rPr lang="en-US"/>
-              <a:t>Click to edit Master title style</a:t>
-            </a:r>
-            <a:endParaRPr lang="en-US" dirty="0"/>
-          </a:p>
-        </p:txBody>
-      </p:sp>
-      <p:sp>
-        <p:nvSpPr>
-          <p:cNvPr id="11" name="TextBox 10"/>
-          <p:cNvSpPr txBox="1"/>
-          <p:nvPr userDrawn="1"/>
-        </p:nvSpPr>
-        <p:spPr>
-          <a:xfrm>
-            <a:off x="774050" y="6362070"/>
-            <a:ext cx="10506527" cy="261610"/>
-          </a:xfrm>
-          <a:prstGeom prst="rect">
-            <a:avLst/>
-          </a:prstGeom>
-          <a:noFill/>
-        </p:spPr>
-        <p:txBody>
-          <a:bodyPr wrap="square" lIns="0" rtlCol="0">
-            <a:spAutoFit/>
-          </a:bodyPr>
-          <a:lstStyle/>
-          <a:p>
-            <a:pPr algn="l"/>
-            <a:r>
-              <a:rPr lang="en-US" sz="1100" kern="1200" dirty="0">
-                <a:solidFill>
-                  <a:schemeClr val="tx1">
-                    <a:lumMod val="85000"/>
-                    <a:lumOff val="15000"/>
-                  </a:schemeClr>
-                </a:solidFill>
-                <a:latin typeface="Segoe" panose="020B0502040504020203" pitchFamily="34" charset="0"/>
-                <a:ea typeface="+mn-ea"/>
-                <a:cs typeface="+mn-cs"/>
-              </a:rPr>
-              <a:t>Copyright © SELA Software &amp; Education Labs, Ltd. | 14-18 Baruch Hirsch St., </a:t>
-            </a:r>
-            <a:r>
-              <a:rPr lang="en-US" sz="1100" kern="1200" dirty="0" err="1">
-                <a:solidFill>
-                  <a:schemeClr val="tx1">
-                    <a:lumMod val="85000"/>
-                    <a:lumOff val="15000"/>
-                  </a:schemeClr>
-                </a:solidFill>
-                <a:latin typeface="Segoe" panose="020B0502040504020203" pitchFamily="34" charset="0"/>
-                <a:ea typeface="+mn-ea"/>
-                <a:cs typeface="+mn-cs"/>
-              </a:rPr>
-              <a:t>Bnei</a:t>
-            </a:r>
-            <a:r>
-              <a:rPr lang="en-US" sz="1100" kern="1200" dirty="0">
-                <a:solidFill>
-                  <a:schemeClr val="tx1">
-                    <a:lumMod val="85000"/>
-                    <a:lumOff val="15000"/>
-                  </a:schemeClr>
-                </a:solidFill>
-                <a:latin typeface="Segoe" panose="020B0502040504020203" pitchFamily="34" charset="0"/>
-                <a:ea typeface="+mn-ea"/>
-                <a:cs typeface="+mn-cs"/>
-              </a:rPr>
-              <a:t> </a:t>
-            </a:r>
-            <a:r>
-              <a:rPr lang="en-US" sz="1100" kern="1200" dirty="0" err="1">
-                <a:solidFill>
-                  <a:schemeClr val="tx1">
-                    <a:lumMod val="85000"/>
-                    <a:lumOff val="15000"/>
-                  </a:schemeClr>
-                </a:solidFill>
-                <a:latin typeface="Segoe" panose="020B0502040504020203" pitchFamily="34" charset="0"/>
-                <a:ea typeface="+mn-ea"/>
-                <a:cs typeface="+mn-cs"/>
-              </a:rPr>
-              <a:t>Brak</a:t>
-            </a:r>
-            <a:r>
-              <a:rPr lang="en-US" sz="1100" kern="1200">
-                <a:solidFill>
-                  <a:schemeClr val="tx1">
-                    <a:lumMod val="85000"/>
-                    <a:lumOff val="15000"/>
-                  </a:schemeClr>
-                </a:solidFill>
-                <a:latin typeface="Segoe" panose="020B0502040504020203" pitchFamily="34" charset="0"/>
-                <a:ea typeface="+mn-ea"/>
-                <a:cs typeface="+mn-cs"/>
-              </a:rPr>
-              <a:t> 51202, Israel | www.selagroup.com</a:t>
-            </a:r>
-            <a:endParaRPr lang="en-US" sz="800" dirty="0">
-              <a:solidFill>
-                <a:schemeClr val="tx1">
-                  <a:lumMod val="85000"/>
-                  <a:lumOff val="15000"/>
-                </a:schemeClr>
-              </a:solidFill>
-              <a:latin typeface="Segoe" panose="020B0502040504020203" pitchFamily="34" charset="0"/>
-            </a:endParaRPr>
-          </a:p>
-        </p:txBody>
-      </p:sp>
-      <p:pic>
-        <p:nvPicPr>
-          <p:cNvPr id="13" name="Picture 12"/>
-          <p:cNvPicPr>
-            <a:picLocks noChangeAspect="1"/>
-          </p:cNvPicPr>
-          <p:nvPr userDrawn="1"/>
-        </p:nvPicPr>
-        <p:blipFill>
-          <a:blip r:embed="rId2" cstate="print">
-            <a:extLst>
-              <a:ext uri="{28A0092B-C50C-407E-A947-70E740481C1C}">
-                <a14:useLocalDpi xmlns:a14="http://schemas.microsoft.com/office/drawing/2010/main" val="0"/>
-              </a:ext>
-            </a:extLst>
-          </a:blip>
-          <a:stretch>
-            <a:fillRect/>
-          </a:stretch>
-        </p:blipFill>
-        <p:spPr>
-          <a:xfrm>
-            <a:off x="774050" y="534798"/>
-            <a:ext cx="3509932" cy="483907"/>
-          </a:xfrm>
-          <a:prstGeom prst="rect">
-            <a:avLst/>
-          </a:prstGeom>
-        </p:spPr>
-      </p:pic>
-      <p:sp>
-        <p:nvSpPr>
-          <p:cNvPr id="7" name="Text Placeholder 6"/>
-          <p:cNvSpPr>
-            <a:spLocks noGrp="1"/>
-          </p:cNvSpPr>
-          <p:nvPr>
-            <p:ph type="body" sz="quarter" idx="10"/>
-          </p:nvPr>
-        </p:nvSpPr>
-        <p:spPr>
-          <a:xfrm>
-            <a:off x="774701" y="2427289"/>
-            <a:ext cx="9850967" cy="1362075"/>
-          </a:xfrm>
-          <a:prstGeom prst="rect">
-            <a:avLst/>
-          </a:prstGeom>
-        </p:spPr>
-        <p:txBody>
-          <a:bodyPr/>
-          <a:lstStyle>
-            <a:lvl1pPr marL="0" marR="0" indent="0" algn="l" defTabSz="914400" rtl="0" eaLnBrk="1" fontAlgn="auto" latinLnBrk="0" hangingPunct="1">
-              <a:lnSpc>
-                <a:spcPct val="100000"/>
-              </a:lnSpc>
-              <a:spcBef>
-                <a:spcPct val="20000"/>
-              </a:spcBef>
-              <a:spcAft>
-                <a:spcPts val="0"/>
-              </a:spcAft>
-              <a:buClrTx/>
-              <a:buSzTx/>
-              <a:buFontTx/>
-              <a:buNone/>
-              <a:tabLst/>
-              <a:defRPr>
-                <a:solidFill>
-                  <a:srgbClr val="E89636"/>
-                </a:solidFill>
-              </a:defRPr>
-            </a:lvl1pPr>
-            <a:lvl2pPr marL="457200" indent="0" algn="l" rtl="0">
-              <a:buFontTx/>
-              <a:buNone/>
-              <a:defRPr/>
-            </a:lvl2pPr>
-            <a:lvl3pPr marL="914400" indent="0" algn="l" rtl="0">
-              <a:buFontTx/>
-              <a:buNone/>
-              <a:defRPr/>
-            </a:lvl3pPr>
-            <a:lvl4pPr marL="1371600" indent="0" algn="l" rtl="0">
-              <a:buFontTx/>
-              <a:buNone/>
-              <a:defRPr/>
-            </a:lvl4pPr>
-            <a:lvl5pPr marL="1828800" indent="0" algn="l" rtl="0">
-              <a:buFontTx/>
-              <a:buNone/>
-              <a:defRPr/>
-            </a:lvl5pPr>
-          </a:lstStyle>
-          <a:p>
-            <a:pPr lvl="0"/>
-            <a:r>
-              <a:rPr lang="en-US"/>
-              <a:t>Click to edit Master text styles</a:t>
-            </a:r>
-          </a:p>
-        </p:txBody>
-      </p:sp>
-    </p:spTree>
-    <p:extLst>
-      <p:ext uri="{BB962C8B-B14F-4D97-AF65-F5344CB8AC3E}">
-        <p14:creationId xmlns:p14="http://schemas.microsoft.com/office/powerpoint/2010/main" val="3324926536"/>
-      </p:ext>
-    </p:extLst>
-  </p:cSld>
-  <p:clrMapOvr>
-    <a:masterClrMapping/>
-  </p:clrMapOvr>
-  <p:extLst>
-    <p:ext uri="{DCECCB84-F9BA-43D5-87BE-67443E8EF086}">
-      <p15:sldGuideLst xmlns:p15="http://schemas.microsoft.com/office/powerpoint/2012/main">
-        <p15:guide id="1" orient="horz" pos="789">
-          <p15:clr>
-            <a:srgbClr val="FBAE40"/>
-          </p15:clr>
-        </p15:guide>
-        <p15:guide id="2" pos="612">
-          <p15:clr>
-            <a:srgbClr val="FBAE40"/>
-          </p15:clr>
-        </p15:guide>
-      </p15:sldGuideLst>
-    </p:ext>
-  </p:extLst>
-</p:sldLayout>
-</file>
-
-<file path=ppt/slideLayouts/slideLayout13.xml><?xml version="1.0" encoding="utf-8"?>
 <p:sldLayout xmlns:a="http://schemas.openxmlformats.org/drawingml/2006/main" xmlns:r="http://schemas.openxmlformats.org/officeDocument/2006/relationships" xmlns:p="http://schemas.openxmlformats.org/presentationml/2006/main" userDrawn="1">
   <p:cSld name="ModuleAgenda">
     <p:spTree>
@@ -3736,7 +3462,7 @@
 </p:sldLayout>
 </file>
 
-<file path=ppt/slideLayouts/slideLayout14.xml><?xml version="1.0" encoding="utf-8"?>
+<file path=ppt/slideLayouts/slideLayout13.xml><?xml version="1.0" encoding="utf-8"?>
 <p:sldLayout xmlns:a="http://schemas.openxmlformats.org/drawingml/2006/main" xmlns:r="http://schemas.openxmlformats.org/officeDocument/2006/relationships" xmlns:p="http://schemas.openxmlformats.org/presentationml/2006/main" userDrawn="1">
   <p:cSld name="2CodeSnippets">
     <p:spTree>
@@ -4117,7 +3843,7 @@
 </p:sldLayout>
 </file>
 
-<file path=ppt/slideLayouts/slideLayout15.xml><?xml version="1.0" encoding="utf-8"?>
+<file path=ppt/slideLayouts/slideLayout14.xml><?xml version="1.0" encoding="utf-8"?>
 <p:sldLayout xmlns:a="http://schemas.openxmlformats.org/drawingml/2006/main" xmlns:r="http://schemas.openxmlformats.org/officeDocument/2006/relationships" xmlns:p="http://schemas.openxmlformats.org/presentationml/2006/main" userDrawn="1">
   <p:cSld name="CodeSnippets">
     <p:spTree>
@@ -4367,7 +4093,7 @@
 </p:sldLayout>
 </file>
 
-<file path=ppt/slideLayouts/slideLayout16.xml><?xml version="1.0" encoding="utf-8"?>
+<file path=ppt/slideLayouts/slideLayout15.xml><?xml version="1.0" encoding="utf-8"?>
 <p:sldLayout xmlns:a="http://schemas.openxmlformats.org/drawingml/2006/main" xmlns:r="http://schemas.openxmlformats.org/officeDocument/2006/relationships" xmlns:p="http://schemas.openxmlformats.org/presentationml/2006/main" userDrawn="1">
   <p:cSld name="Demo Page">
     <p:spTree>
@@ -4885,7 +4611,7 @@
 </p:sldLayout>
 </file>
 
-<file path=ppt/slideLayouts/slideLayout17.xml><?xml version="1.0" encoding="utf-8"?>
+<file path=ppt/slideLayouts/slideLayout16.xml><?xml version="1.0" encoding="utf-8"?>
 <p:sldLayout xmlns:a="http://schemas.openxmlformats.org/drawingml/2006/main" xmlns:r="http://schemas.openxmlformats.org/officeDocument/2006/relationships" xmlns:p="http://schemas.openxmlformats.org/presentationml/2006/main" userDrawn="1">
   <p:cSld name="Lab">
     <p:spTree>
@@ -5403,7 +5129,7 @@
 </p:sldLayout>
 </file>
 
-<file path=ppt/slideLayouts/slideLayout18.xml><?xml version="1.0" encoding="utf-8"?>
+<file path=ppt/slideLayouts/slideLayout17.xml><?xml version="1.0" encoding="utf-8"?>
 <p:sldLayout xmlns:a="http://schemas.openxmlformats.org/drawingml/2006/main" xmlns:r="http://schemas.openxmlformats.org/officeDocument/2006/relationships" xmlns:p="http://schemas.openxmlformats.org/presentationml/2006/main" userDrawn="1">
   <p:cSld name="Questions">
     <p:spTree>
@@ -5884,6 +5610,63 @@
 </p:sldLayout>
 </file>
 
+<file path=ppt/slideLayouts/slideLayout18.xml><?xml version="1.0" encoding="utf-8"?>
+<p:sldLayout xmlns:a="http://schemas.openxmlformats.org/drawingml/2006/main" xmlns:r="http://schemas.openxmlformats.org/officeDocument/2006/relationships" xmlns:p="http://schemas.openxmlformats.org/presentationml/2006/main" matchingName="6_Title Slide">
+  <p:cSld name="6_Title Slide">
+    <p:spTree>
+      <p:nvGrpSpPr>
+        <p:cNvPr id="1" name="Shape 16"/>
+        <p:cNvGrpSpPr/>
+        <p:nvPr/>
+      </p:nvGrpSpPr>
+      <p:grpSpPr>
+        <a:xfrm>
+          <a:off x="0" y="0"/>
+          <a:ext cx="0" cy="0"/>
+          <a:chOff x="0" y="0"/>
+          <a:chExt cx="0" cy="0"/>
+        </a:xfrm>
+      </p:grpSpPr>
+      <p:pic>
+        <p:nvPicPr>
+          <p:cNvPr id="17" name="Google Shape;17;p10"/>
+          <p:cNvPicPr preferRelativeResize="0"/>
+          <p:nvPr/>
+        </p:nvPicPr>
+        <p:blipFill rotWithShape="1">
+          <a:blip r:embed="rId2">
+            <a:alphaModFix/>
+          </a:blip>
+          <a:srcRect/>
+          <a:stretch/>
+        </p:blipFill>
+        <p:spPr>
+          <a:xfrm>
+            <a:off x="10668000" y="5981612"/>
+            <a:ext cx="1246029" cy="511263"/>
+          </a:xfrm>
+          <a:prstGeom prst="rect">
+            <a:avLst/>
+          </a:prstGeom>
+          <a:noFill/>
+          <a:ln>
+            <a:noFill/>
+          </a:ln>
+        </p:spPr>
+      </p:pic>
+    </p:spTree>
+    <p:extLst>
+      <p:ext uri="{BB962C8B-B14F-4D97-AF65-F5344CB8AC3E}">
+        <p14:creationId xmlns:p14="http://schemas.microsoft.com/office/powerpoint/2010/main" val="3138810208"/>
+      </p:ext>
+    </p:extLst>
+  </p:cSld>
+  <p:clrMapOvr>
+    <a:masterClrMapping/>
+  </p:clrMapOvr>
+</p:sldLayout>
+</file>
+
 <file path=ppt/slideLayouts/slideLayout2.xml><?xml version="1.0" encoding="utf-8"?>
 <p:sldLayout xmlns:a="http://schemas.openxmlformats.org/drawingml/2006/main" xmlns:r="http://schemas.openxmlformats.org/officeDocument/2006/relationships" xmlns:p="http://schemas.openxmlformats.org/presentationml/2006/main" type="obj" preserve="1">
   <p:cSld name="Title and Content">
@@ -6011,7 +5794,7 @@
           <a:p>
             <a:fld id="{AB734A3E-2292-4870-B99D-F40AFCF82B81}" type="datetimeFigureOut">
               <a:rPr lang="he-IL" smtClean="0"/>
-              <a:t>ט"ז/תמוז/תשפ"ג</a:t>
+              <a:t>כ'/תמוז/תשפ"ג</a:t>
             </a:fld>
             <a:endParaRPr lang="he-IL"/>
           </a:p>
@@ -6287,7 +6070,7 @@
           <a:p>
             <a:fld id="{AB734A3E-2292-4870-B99D-F40AFCF82B81}" type="datetimeFigureOut">
               <a:rPr lang="he-IL" smtClean="0"/>
-              <a:t>ט"ז/תמוז/תשפ"ג</a:t>
+              <a:t>כ'/תמוז/תשפ"ג</a:t>
             </a:fld>
             <a:endParaRPr lang="he-IL"/>
           </a:p>
@@ -6555,7 +6338,7 @@
           <a:p>
             <a:fld id="{AB734A3E-2292-4870-B99D-F40AFCF82B81}" type="datetimeFigureOut">
               <a:rPr lang="he-IL" smtClean="0"/>
-              <a:t>ט"ז/תמוז/תשפ"ג</a:t>
+              <a:t>כ'/תמוז/תשפ"ג</a:t>
             </a:fld>
             <a:endParaRPr lang="he-IL"/>
           </a:p>
@@ -6970,7 +6753,7 @@
           <a:p>
             <a:fld id="{AB734A3E-2292-4870-B99D-F40AFCF82B81}" type="datetimeFigureOut">
               <a:rPr lang="he-IL" smtClean="0"/>
-              <a:t>ט"ז/תמוז/תשפ"ג</a:t>
+              <a:t>כ'/תמוז/תשפ"ג</a:t>
             </a:fld>
             <a:endParaRPr lang="he-IL"/>
           </a:p>
@@ -7112,7 +6895,7 @@
           <a:p>
             <a:fld id="{AB734A3E-2292-4870-B99D-F40AFCF82B81}" type="datetimeFigureOut">
               <a:rPr lang="he-IL" smtClean="0"/>
-              <a:t>ט"ז/תמוז/תשפ"ג</a:t>
+              <a:t>כ'/תמוז/תשפ"ג</a:t>
             </a:fld>
             <a:endParaRPr lang="he-IL"/>
           </a:p>
@@ -7225,7 +7008,7 @@
           <a:p>
             <a:fld id="{AB734A3E-2292-4870-B99D-F40AFCF82B81}" type="datetimeFigureOut">
               <a:rPr lang="he-IL" smtClean="0"/>
-              <a:t>ט"ז/תמוז/תשפ"ג</a:t>
+              <a:t>כ'/תמוז/תשפ"ג</a:t>
             </a:fld>
             <a:endParaRPr lang="he-IL"/>
           </a:p>
@@ -7538,7 +7321,7 @@
           <a:p>
             <a:fld id="{AB734A3E-2292-4870-B99D-F40AFCF82B81}" type="datetimeFigureOut">
               <a:rPr lang="he-IL" smtClean="0"/>
-              <a:t>ט"ז/תמוז/תשפ"ג</a:t>
+              <a:t>כ'/תמוז/תשפ"ג</a:t>
             </a:fld>
             <a:endParaRPr lang="he-IL"/>
           </a:p>
@@ -7827,7 +7610,7 @@
           <a:p>
             <a:fld id="{AB734A3E-2292-4870-B99D-F40AFCF82B81}" type="datetimeFigureOut">
               <a:rPr lang="he-IL" smtClean="0"/>
-              <a:t>ט"ז/תמוז/תשפ"ג</a:t>
+              <a:t>כ'/תמוז/תשפ"ג</a:t>
             </a:fld>
             <a:endParaRPr lang="he-IL"/>
           </a:p>
@@ -8070,7 +7853,7 @@
           <a:p>
             <a:fld id="{AB734A3E-2292-4870-B99D-F40AFCF82B81}" type="datetimeFigureOut">
               <a:rPr lang="he-IL" smtClean="0"/>
-              <a:t>ט"ז/תמוז/תשפ"ג</a:t>
+              <a:t>כ'/תמוז/תשפ"ג</a:t>
             </a:fld>
             <a:endParaRPr lang="he-IL"/>
           </a:p>
@@ -8186,13 +7969,13 @@
     <p:sldLayoutId id="2147483657" r:id="rId9"/>
     <p:sldLayoutId id="2147483658" r:id="rId10"/>
     <p:sldLayoutId id="2147483659" r:id="rId11"/>
-    <p:sldLayoutId id="2147483660" r:id="rId12"/>
-    <p:sldLayoutId id="2147483661" r:id="rId13"/>
-    <p:sldLayoutId id="2147483662" r:id="rId14"/>
-    <p:sldLayoutId id="2147483663" r:id="rId15"/>
-    <p:sldLayoutId id="2147483664" r:id="rId16"/>
-    <p:sldLayoutId id="2147483666" r:id="rId17"/>
-    <p:sldLayoutId id="2147483668" r:id="rId18"/>
+    <p:sldLayoutId id="2147483661" r:id="rId12"/>
+    <p:sldLayoutId id="2147483662" r:id="rId13"/>
+    <p:sldLayoutId id="2147483663" r:id="rId14"/>
+    <p:sldLayoutId id="2147483664" r:id="rId15"/>
+    <p:sldLayoutId id="2147483666" r:id="rId16"/>
+    <p:sldLayoutId id="2147483668" r:id="rId17"/>
+    <p:sldLayoutId id="2147483669" r:id="rId18"/>
   </p:sldLayoutIdLst>
   <p:txStyles>
     <p:titleStyle>
@@ -8482,7 +8265,7 @@
   <p:cSld>
     <p:spTree>
       <p:nvGrpSpPr>
-        <p:cNvPr id="1" name=""/>
+        <p:cNvPr id="1" name="Shape 161"/>
         <p:cNvGrpSpPr/>
         <p:nvPr/>
       </p:nvGrpSpPr>
@@ -8496,45 +8279,502 @@
       </p:grpSpPr>
       <p:sp>
         <p:nvSpPr>
-          <p:cNvPr id="2" name="Title 1"/>
-          <p:cNvSpPr>
-            <a:spLocks noGrp="1"/>
-          </p:cNvSpPr>
-          <p:nvPr>
-            <p:ph type="ctrTitle"/>
-          </p:nvPr>
+          <p:cNvPr id="162" name="Google Shape;162;p3"/>
+          <p:cNvSpPr/>
+          <p:nvPr/>
         </p:nvSpPr>
-        <p:spPr/>
+        <p:spPr>
+          <a:xfrm>
+            <a:off x="753215" y="731221"/>
+            <a:ext cx="1852408" cy="1804715"/>
+          </a:xfrm>
+          <a:prstGeom prst="rect">
+            <a:avLst/>
+          </a:prstGeom>
+          <a:noFill/>
+          <a:ln w="114300" cap="flat" cmpd="sng">
+            <a:solidFill>
+              <a:srgbClr val="0071F6"/>
+            </a:solidFill>
+            <a:prstDash val="solid"/>
+            <a:miter lim="800000"/>
+            <a:headEnd type="none" w="sm" len="sm"/>
+            <a:tailEnd type="none" w="sm" len="sm"/>
+          </a:ln>
+        </p:spPr>
         <p:txBody>
-          <a:bodyPr/>
+          <a:bodyPr spcFirstLastPara="1" wrap="square" lIns="91425" tIns="45700" rIns="91425" bIns="45700" anchor="ctr" anchorCtr="0">
+            <a:noAutofit/>
+          </a:bodyPr>
           <a:lstStyle/>
           <a:p>
-            <a:r>
-              <a:rPr lang="en-US" dirty="0">
-                <a:cs typeface="Times New Roman" pitchFamily="18" charset="0"/>
-              </a:rPr>
-              <a:t>Module 03: Flow control</a:t>
-            </a:r>
-            <a:endParaRPr lang="he-IL" dirty="0"/>
+            <a:pPr marL="0" marR="0" lvl="0" indent="0" algn="ctr" rtl="0">
+              <a:spcBef>
+                <a:spcPts val="0"/>
+              </a:spcBef>
+              <a:spcAft>
+                <a:spcPts val="0"/>
+              </a:spcAft>
+              <a:buNone/>
+            </a:pPr>
+            <a:endParaRPr sz="10000" b="0" i="0" u="none" strike="noStrike" cap="none">
+              <a:solidFill>
+                <a:schemeClr val="lt1"/>
+              </a:solidFill>
+              <a:latin typeface="Calibri"/>
+              <a:ea typeface="Calibri"/>
+              <a:cs typeface="Calibri"/>
+              <a:sym typeface="Calibri"/>
+            </a:endParaRPr>
           </a:p>
         </p:txBody>
       </p:sp>
+      <p:sp>
+        <p:nvSpPr>
+          <p:cNvPr id="163" name="Google Shape;163;p3"/>
+          <p:cNvSpPr/>
+          <p:nvPr/>
+        </p:nvSpPr>
+        <p:spPr>
+          <a:xfrm>
+            <a:off x="1024128" y="974550"/>
+            <a:ext cx="1938528" cy="1220010"/>
+          </a:xfrm>
+          <a:prstGeom prst="rect">
+            <a:avLst/>
+          </a:prstGeom>
+          <a:solidFill>
+            <a:schemeClr val="lt1"/>
+          </a:solidFill>
+          <a:ln>
+            <a:noFill/>
+          </a:ln>
+        </p:spPr>
+        <p:txBody>
+          <a:bodyPr spcFirstLastPara="1" wrap="square" lIns="91425" tIns="45700" rIns="91425" bIns="45700" anchor="ctr" anchorCtr="0">
+            <a:noAutofit/>
+          </a:bodyPr>
+          <a:lstStyle/>
+          <a:p>
+            <a:pPr marL="0" marR="0" lvl="0" indent="0" algn="ctr" rtl="0">
+              <a:spcBef>
+                <a:spcPts val="0"/>
+              </a:spcBef>
+              <a:spcAft>
+                <a:spcPts val="0"/>
+              </a:spcAft>
+              <a:buNone/>
+            </a:pPr>
+            <a:endParaRPr sz="1800" b="0" i="0" u="none" strike="noStrike" cap="none">
+              <a:solidFill>
+                <a:schemeClr val="lt1"/>
+              </a:solidFill>
+              <a:latin typeface="Calibri"/>
+              <a:ea typeface="Calibri"/>
+              <a:cs typeface="Calibri"/>
+              <a:sym typeface="Calibri"/>
+            </a:endParaRPr>
+          </a:p>
+        </p:txBody>
+      </p:sp>
+      <p:sp>
+        <p:nvSpPr>
+          <p:cNvPr id="164" name="Google Shape;164;p3"/>
+          <p:cNvSpPr txBox="1"/>
+          <p:nvPr/>
+        </p:nvSpPr>
+        <p:spPr>
+          <a:xfrm>
+            <a:off x="1197504" y="1264978"/>
+            <a:ext cx="9479731" cy="696987"/>
+          </a:xfrm>
+          <a:prstGeom prst="rect">
+            <a:avLst/>
+          </a:prstGeom>
+          <a:noFill/>
+          <a:ln>
+            <a:noFill/>
+          </a:ln>
+        </p:spPr>
+        <p:txBody>
+          <a:bodyPr spcFirstLastPara="1" wrap="square" lIns="0" tIns="0" rIns="0" bIns="0" anchor="t" anchorCtr="0">
+            <a:noAutofit/>
+          </a:bodyPr>
+          <a:lstStyle/>
+          <a:p>
+            <a:pPr marL="0" marR="0" lvl="0" indent="0" algn="l" rtl="0">
+              <a:lnSpc>
+                <a:spcPct val="90000"/>
+              </a:lnSpc>
+              <a:spcBef>
+                <a:spcPts val="0"/>
+              </a:spcBef>
+              <a:spcAft>
+                <a:spcPts val="0"/>
+              </a:spcAft>
+              <a:buClr>
+                <a:schemeClr val="dk1"/>
+              </a:buClr>
+              <a:buSzPts val="5000"/>
+              <a:buFont typeface="Lexend"/>
+              <a:buNone/>
+            </a:pPr>
+            <a:r>
+              <a:rPr lang="en-US" sz="6000" b="1" dirty="0">
+                <a:latin typeface="Lexend" panose="020B0604020202020204"/>
+                <a:cs typeface="Levenim MT" panose="02010502060101010101" pitchFamily="2" charset="-79"/>
+              </a:rPr>
+              <a:t>Module 03- Flow control</a:t>
+            </a:r>
+            <a:endParaRPr lang="en-US" sz="2400" b="1" i="0" u="none" strike="noStrike" cap="none" dirty="0">
+              <a:solidFill>
+                <a:schemeClr val="tx2">
+                  <a:lumMod val="25000"/>
+                </a:schemeClr>
+              </a:solidFill>
+              <a:latin typeface="Lexend" panose="020B0604020202020204"/>
+              <a:ea typeface="Lexend" panose="020B0604020202020204"/>
+              <a:cs typeface="Levenim MT" panose="02010502060101010101" pitchFamily="2" charset="-79"/>
+              <a:sym typeface="Lexend"/>
+            </a:endParaRPr>
+          </a:p>
+        </p:txBody>
+      </p:sp>
+      <p:grpSp>
+        <p:nvGrpSpPr>
+          <p:cNvPr id="26" name="Group 25">
+            <a:extLst>
+              <a:ext uri="{FF2B5EF4-FFF2-40B4-BE49-F238E27FC236}">
+                <a16:creationId xmlns:a16="http://schemas.microsoft.com/office/drawing/2014/main" id="{3707614E-B472-D72F-3362-F3D5800A79AE}"/>
+              </a:ext>
+            </a:extLst>
+          </p:cNvPr>
+          <p:cNvGrpSpPr/>
+          <p:nvPr/>
+        </p:nvGrpSpPr>
+        <p:grpSpPr>
+          <a:xfrm>
+            <a:off x="4768981" y="6314787"/>
+            <a:ext cx="2898939" cy="435065"/>
+            <a:chOff x="4346126" y="6301065"/>
+            <a:chExt cx="2898939" cy="435065"/>
+          </a:xfrm>
+        </p:grpSpPr>
+        <p:sp>
+          <p:nvSpPr>
+            <p:cNvPr id="27" name="Google Shape;157;p2">
+              <a:extLst>
+                <a:ext uri="{FF2B5EF4-FFF2-40B4-BE49-F238E27FC236}">
+                  <a16:creationId xmlns:a16="http://schemas.microsoft.com/office/drawing/2014/main" id="{4EA5EBB7-68D9-5C27-8971-C58931043AB0}"/>
+                </a:ext>
+              </a:extLst>
+            </p:cNvPr>
+            <p:cNvSpPr txBox="1"/>
+            <p:nvPr/>
+          </p:nvSpPr>
+          <p:spPr>
+            <a:xfrm>
+              <a:off x="4346126" y="6301065"/>
+              <a:ext cx="2898939" cy="260080"/>
+            </a:xfrm>
+            <a:prstGeom prst="rect">
+              <a:avLst/>
+            </a:prstGeom>
+            <a:noFill/>
+            <a:ln>
+              <a:noFill/>
+            </a:ln>
+          </p:spPr>
+          <p:txBody>
+            <a:bodyPr spcFirstLastPara="1" wrap="square" lIns="91425" tIns="45700" rIns="91425" bIns="45700" anchor="t" anchorCtr="0">
+              <a:noAutofit/>
+            </a:bodyPr>
+            <a:lstStyle/>
+            <a:p>
+              <a:pPr marL="0" marR="0" lvl="0" indent="0" algn="ctr" rtl="0">
+                <a:lnSpc>
+                  <a:spcPct val="90000"/>
+                </a:lnSpc>
+                <a:spcBef>
+                  <a:spcPts val="0"/>
+                </a:spcBef>
+                <a:spcAft>
+                  <a:spcPts val="0"/>
+                </a:spcAft>
+                <a:buClr>
+                  <a:schemeClr val="lt1"/>
+                </a:buClr>
+                <a:buSzPts val="4000"/>
+                <a:buFont typeface="Lexend"/>
+                <a:buNone/>
+              </a:pPr>
+              <a:r>
+                <a:rPr lang="en-US" sz="1100" b="1" i="0" u="none" strike="noStrike" cap="none" dirty="0">
+                  <a:solidFill>
+                    <a:srgbClr val="00DBE9"/>
+                  </a:solidFill>
+                  <a:latin typeface="+mn-lt"/>
+                  <a:ea typeface="Lexend"/>
+                  <a:cs typeface="+mn-cs"/>
+                  <a:sym typeface="Lexend"/>
+                  <a:hlinkClick r:id="rId3">
+                    <a:extLst>
+                      <a:ext uri="{A12FA001-AC4F-418D-AE19-62706E023703}">
+                        <ahyp:hlinkClr xmlns:ahyp="http://schemas.microsoft.com/office/drawing/2018/hyperlinkcolor" val="tx"/>
+                      </a:ext>
+                    </a:extLst>
+                  </a:hlinkClick>
+                </a:rPr>
+                <a:t>WWW.SELACLOUD.COM</a:t>
+              </a:r>
+              <a:endParaRPr sz="1100" dirty="0">
+                <a:solidFill>
+                  <a:srgbClr val="00DBE9"/>
+                </a:solidFill>
+                <a:latin typeface="+mn-lt"/>
+                <a:cs typeface="+mn-cs"/>
+              </a:endParaRPr>
+            </a:p>
+            <a:p>
+              <a:pPr marL="0" marR="0" lvl="0" indent="0" algn="ctr" rtl="0">
+                <a:lnSpc>
+                  <a:spcPct val="90000"/>
+                </a:lnSpc>
+                <a:spcBef>
+                  <a:spcPts val="0"/>
+                </a:spcBef>
+                <a:spcAft>
+                  <a:spcPts val="0"/>
+                </a:spcAft>
+                <a:buClr>
+                  <a:schemeClr val="lt1"/>
+                </a:buClr>
+                <a:buSzPts val="4000"/>
+                <a:buFont typeface="Noto Sans Hebrew"/>
+                <a:buNone/>
+              </a:pPr>
+              <a:endParaRPr sz="1100" b="1" i="0" u="none" strike="noStrike" cap="none" dirty="0">
+                <a:solidFill>
+                  <a:srgbClr val="00DBE9"/>
+                </a:solidFill>
+                <a:latin typeface="Lexend Light" pitchFamily="2" charset="0"/>
+                <a:ea typeface="Lexend"/>
+                <a:cs typeface="Lexend"/>
+                <a:sym typeface="Lexend"/>
+              </a:endParaRPr>
+            </a:p>
+          </p:txBody>
+        </p:sp>
+        <p:grpSp>
+          <p:nvGrpSpPr>
+            <p:cNvPr id="28" name="Group 27">
+              <a:extLst>
+                <a:ext uri="{FF2B5EF4-FFF2-40B4-BE49-F238E27FC236}">
+                  <a16:creationId xmlns:a16="http://schemas.microsoft.com/office/drawing/2014/main" id="{60FDA890-33F8-40FC-59E2-9BD7B4CF4B60}"/>
+                </a:ext>
+              </a:extLst>
+            </p:cNvPr>
+            <p:cNvGrpSpPr/>
+            <p:nvPr/>
+          </p:nvGrpSpPr>
+          <p:grpSpPr>
+            <a:xfrm>
+              <a:off x="5196988" y="6503312"/>
+              <a:ext cx="1188416" cy="232818"/>
+              <a:chOff x="5196988" y="6503312"/>
+              <a:chExt cx="1188416" cy="232818"/>
+            </a:xfrm>
+          </p:grpSpPr>
+          <p:pic>
+            <p:nvPicPr>
+              <p:cNvPr id="29" name="Picture 28" descr="Icon&#10;&#10;Description automatically generated">
+                <a:hlinkClick r:id="rId4"/>
+                <a:extLst>
+                  <a:ext uri="{FF2B5EF4-FFF2-40B4-BE49-F238E27FC236}">
+                    <a16:creationId xmlns:a16="http://schemas.microsoft.com/office/drawing/2014/main" id="{64501E28-0CD7-BEAB-240F-3FE7691367B8}"/>
+                  </a:ext>
+                </a:extLst>
+              </p:cNvPr>
+              <p:cNvPicPr>
+                <a:picLocks noChangeAspect="1"/>
+              </p:cNvPicPr>
+              <p:nvPr/>
+            </p:nvPicPr>
+            <p:blipFill>
+              <a:blip r:embed="rId5"/>
+              <a:stretch>
+                <a:fillRect/>
+              </a:stretch>
+            </p:blipFill>
+            <p:spPr>
+              <a:xfrm>
+                <a:off x="5407162" y="6503312"/>
+                <a:ext cx="338919" cy="232817"/>
+              </a:xfrm>
+              <a:prstGeom prst="rect">
+                <a:avLst/>
+              </a:prstGeom>
+            </p:spPr>
+          </p:pic>
+          <p:pic>
+            <p:nvPicPr>
+              <p:cNvPr id="30" name="Picture 29" descr="Logo, icon&#10;&#10;Description automatically generated">
+                <a:hlinkClick r:id="rId6"/>
+                <a:extLst>
+                  <a:ext uri="{FF2B5EF4-FFF2-40B4-BE49-F238E27FC236}">
+                    <a16:creationId xmlns:a16="http://schemas.microsoft.com/office/drawing/2014/main" id="{4D899894-16A2-81DC-1AC3-0E3C481677CD}"/>
+                  </a:ext>
+                </a:extLst>
+              </p:cNvPr>
+              <p:cNvPicPr>
+                <a:picLocks noChangeAspect="1"/>
+              </p:cNvPicPr>
+              <p:nvPr/>
+            </p:nvPicPr>
+            <p:blipFill>
+              <a:blip r:embed="rId7"/>
+              <a:stretch>
+                <a:fillRect/>
+              </a:stretch>
+            </p:blipFill>
+            <p:spPr>
+              <a:xfrm>
+                <a:off x="5837917" y="6503313"/>
+                <a:ext cx="338919" cy="232817"/>
+              </a:xfrm>
+              <a:prstGeom prst="rect">
+                <a:avLst/>
+              </a:prstGeom>
+            </p:spPr>
+          </p:pic>
+          <p:pic>
+            <p:nvPicPr>
+              <p:cNvPr id="31" name="Picture 30" descr="Logo&#10;&#10;Description automatically generated">
+                <a:hlinkClick r:id="rId8"/>
+                <a:extLst>
+                  <a:ext uri="{FF2B5EF4-FFF2-40B4-BE49-F238E27FC236}">
+                    <a16:creationId xmlns:a16="http://schemas.microsoft.com/office/drawing/2014/main" id="{6DECAAD2-14ED-D62E-83E5-01D62FD73E58}"/>
+                  </a:ext>
+                </a:extLst>
+              </p:cNvPr>
+              <p:cNvPicPr>
+                <a:picLocks noChangeAspect="1"/>
+              </p:cNvPicPr>
+              <p:nvPr/>
+            </p:nvPicPr>
+            <p:blipFill>
+              <a:blip r:embed="rId9"/>
+              <a:stretch>
+                <a:fillRect/>
+              </a:stretch>
+            </p:blipFill>
+            <p:spPr>
+              <a:xfrm>
+                <a:off x="6046485" y="6503313"/>
+                <a:ext cx="338919" cy="232817"/>
+              </a:xfrm>
+              <a:prstGeom prst="rect">
+                <a:avLst/>
+              </a:prstGeom>
+            </p:spPr>
+          </p:pic>
+          <p:pic>
+            <p:nvPicPr>
+              <p:cNvPr id="32" name="Picture 31" descr="Icon&#10;&#10;Description automatically generated">
+                <a:hlinkClick r:id="rId10"/>
+                <a:extLst>
+                  <a:ext uri="{FF2B5EF4-FFF2-40B4-BE49-F238E27FC236}">
+                    <a16:creationId xmlns:a16="http://schemas.microsoft.com/office/drawing/2014/main" id="{DC102836-817A-8573-C7AB-C2724E6E5F1C}"/>
+                  </a:ext>
+                </a:extLst>
+              </p:cNvPr>
+              <p:cNvPicPr>
+                <a:picLocks noChangeAspect="1"/>
+              </p:cNvPicPr>
+              <p:nvPr/>
+            </p:nvPicPr>
+            <p:blipFill>
+              <a:blip r:embed="rId11"/>
+              <a:stretch>
+                <a:fillRect/>
+              </a:stretch>
+            </p:blipFill>
+            <p:spPr>
+              <a:xfrm>
+                <a:off x="5196988" y="6503312"/>
+                <a:ext cx="338919" cy="232817"/>
+              </a:xfrm>
+              <a:prstGeom prst="rect">
+                <a:avLst/>
+              </a:prstGeom>
+            </p:spPr>
+          </p:pic>
+          <p:pic>
+            <p:nvPicPr>
+              <p:cNvPr id="33" name="Picture 32" descr="Icon&#10;&#10;Description automatically generated">
+                <a:hlinkClick r:id="rId12"/>
+                <a:extLst>
+                  <a:ext uri="{FF2B5EF4-FFF2-40B4-BE49-F238E27FC236}">
+                    <a16:creationId xmlns:a16="http://schemas.microsoft.com/office/drawing/2014/main" id="{F46B6109-4740-9E76-5C84-B96F79785CAF}"/>
+                  </a:ext>
+                </a:extLst>
+              </p:cNvPr>
+              <p:cNvPicPr>
+                <a:picLocks noChangeAspect="1"/>
+              </p:cNvPicPr>
+              <p:nvPr/>
+            </p:nvPicPr>
+            <p:blipFill>
+              <a:blip r:embed="rId13"/>
+              <a:stretch>
+                <a:fillRect/>
+              </a:stretch>
+            </p:blipFill>
+            <p:spPr>
+              <a:xfrm>
+                <a:off x="5626137" y="6503312"/>
+                <a:ext cx="338919" cy="232817"/>
+              </a:xfrm>
+              <a:prstGeom prst="rect">
+                <a:avLst/>
+              </a:prstGeom>
+            </p:spPr>
+          </p:pic>
+        </p:grpSp>
+      </p:grpSp>
     </p:spTree>
-    <p:extLst>
-      <p:ext uri="{BB962C8B-B14F-4D97-AF65-F5344CB8AC3E}">
-        <p14:creationId xmlns:p14="http://schemas.microsoft.com/office/powerpoint/2010/main" val="3841498629"/>
-      </p:ext>
-    </p:extLst>
   </p:cSld>
   <p:clrMapOvr>
     <a:masterClrMapping/>
   </p:clrMapOvr>
+  <mc:AlternateContent xmlns:mc="http://schemas.openxmlformats.org/markup-compatibility/2006" xmlns:p14="http://schemas.microsoft.com/office/powerpoint/2010/main">
+    <mc:Choice Requires="p14">
+      <p:transition spd="slow" p14:dur="2000" advTm="2283"/>
+    </mc:Choice>
+    <mc:Fallback xmlns="">
+      <p:transition spd="slow" advTm="2283"/>
+    </mc:Fallback>
+  </mc:AlternateContent>
 </p:sld>
 </file>
 
 <file path=ppt/slides/slide10.xml><?xml version="1.0" encoding="utf-8"?>
 <p:sld xmlns:a="http://schemas.openxmlformats.org/drawingml/2006/main" xmlns:r="http://schemas.openxmlformats.org/officeDocument/2006/relationships" xmlns:p="http://schemas.openxmlformats.org/presentationml/2006/main">
   <p:cSld>
+    <p:bg>
+      <p:bgPr>
+        <a:blipFill dpi="0" rotWithShape="1">
+          <a:blip r:embed="rId3">
+            <a:lum/>
+          </a:blip>
+          <a:srcRect/>
+          <a:stretch>
+            <a:fillRect/>
+          </a:stretch>
+        </a:blipFill>
+        <a:effectLst/>
+      </p:bgPr>
+    </p:bg>
     <p:spTree>
       <p:nvGrpSpPr>
         <p:cNvPr id="1" name=""/>
@@ -8565,10 +8805,20 @@
           <a:lstStyle/>
           <a:p>
             <a:r>
-              <a:rPr lang="en-US" dirty="0"/>
+              <a:rPr lang="en-US" b="1" dirty="0">
+                <a:solidFill>
+                  <a:srgbClr val="0071F6"/>
+                </a:solidFill>
+                <a:latin typeface="Lexend" panose="020B0604020202020204"/>
+              </a:rPr>
               <a:t>For Loop</a:t>
             </a:r>
-            <a:endParaRPr lang="he-IL" dirty="0"/>
+            <a:endParaRPr lang="he-IL" b="1" dirty="0">
+              <a:solidFill>
+                <a:srgbClr val="0071F6"/>
+              </a:solidFill>
+              <a:latin typeface="Lexend" panose="020B0604020202020204"/>
+            </a:endParaRPr>
           </a:p>
         </p:txBody>
       </p:sp>
@@ -8605,7 +8855,9 @@
               <a:buChar char="•"/>
             </a:pPr>
             <a:r>
-              <a:rPr lang="en-US" dirty="0"/>
+              <a:rPr lang="en-US" dirty="0">
+                <a:latin typeface="Lexend Light"/>
+              </a:rPr>
               <a:t>Python for loops iterates over the member of a sequence in order </a:t>
             </a:r>
           </a:p>
@@ -8614,14 +8866,18 @@
               <a:buFont typeface="Arial" panose="020B0604020202020204" pitchFamily="34" charset="0"/>
               <a:buChar char="•"/>
             </a:pPr>
-            <a:endParaRPr lang="en-US" sz="1300" dirty="0"/>
+            <a:endParaRPr lang="en-US" sz="1300" dirty="0">
+              <a:latin typeface="Lexend Light"/>
+            </a:endParaRPr>
           </a:p>
           <a:p>
             <a:pPr marL="457200" lvl="1" indent="0">
               <a:buNone/>
             </a:pPr>
             <a:r>
-              <a:rPr lang="en-US" dirty="0"/>
+              <a:rPr lang="en-US" dirty="0">
+                <a:latin typeface="Lexend Light"/>
+              </a:rPr>
               <a:t>Example 1:</a:t>
             </a:r>
           </a:p>
@@ -8629,20 +8885,26 @@
             <a:pPr marL="457200" lvl="1" indent="0">
               <a:buNone/>
             </a:pPr>
-            <a:endParaRPr lang="en-US" dirty="0"/>
+            <a:endParaRPr lang="en-US" dirty="0">
+              <a:latin typeface="Lexend Light"/>
+            </a:endParaRPr>
           </a:p>
           <a:p>
             <a:pPr marL="457200" lvl="1" indent="0">
               <a:buNone/>
             </a:pPr>
-            <a:endParaRPr lang="en-US" dirty="0"/>
+            <a:endParaRPr lang="en-US" dirty="0">
+              <a:latin typeface="Lexend Light"/>
+            </a:endParaRPr>
           </a:p>
           <a:p>
             <a:pPr marL="457200" lvl="1" indent="0">
               <a:buNone/>
             </a:pPr>
             <a:r>
-              <a:rPr lang="en-US" dirty="0"/>
+              <a:rPr lang="en-US" dirty="0">
+                <a:latin typeface="Lexend Light"/>
+              </a:rPr>
               <a:t>Example 2:</a:t>
             </a:r>
           </a:p>
@@ -8651,28 +8913,36 @@
               <a:buFont typeface="Arial" panose="020B0604020202020204" pitchFamily="34" charset="0"/>
               <a:buChar char="•"/>
             </a:pPr>
-            <a:endParaRPr lang="en-US" dirty="0"/>
+            <a:endParaRPr lang="en-US" dirty="0">
+              <a:latin typeface="Lexend Light"/>
+            </a:endParaRPr>
           </a:p>
           <a:p>
             <a:pPr lvl="1">
               <a:buFont typeface="Arial" panose="020B0604020202020204" pitchFamily="34" charset="0"/>
               <a:buChar char="•"/>
             </a:pPr>
-            <a:endParaRPr lang="en-US" dirty="0"/>
+            <a:endParaRPr lang="en-US" dirty="0">
+              <a:latin typeface="Lexend Light"/>
+            </a:endParaRPr>
           </a:p>
           <a:p>
             <a:pPr lvl="1">
               <a:buFont typeface="Arial" panose="020B0604020202020204" pitchFamily="34" charset="0"/>
               <a:buChar char="•"/>
             </a:pPr>
-            <a:endParaRPr lang="en-US" dirty="0"/>
+            <a:endParaRPr lang="en-US" dirty="0">
+              <a:latin typeface="Lexend Light"/>
+            </a:endParaRPr>
           </a:p>
           <a:p>
             <a:pPr marL="457200" lvl="1" indent="0">
               <a:buNone/>
             </a:pPr>
             <a:r>
-              <a:rPr lang="en-US" dirty="0"/>
+              <a:rPr lang="en-US" dirty="0">
+                <a:latin typeface="Lexend Light"/>
+              </a:rPr>
               <a:t>Example 3:</a:t>
             </a:r>
           </a:p>
@@ -8681,14 +8951,18 @@
               <a:buFont typeface="Arial" panose="020B0604020202020204" pitchFamily="34" charset="0"/>
               <a:buChar char="•"/>
             </a:pPr>
-            <a:endParaRPr lang="en-US" dirty="0"/>
+            <a:endParaRPr lang="en-US" dirty="0">
+              <a:latin typeface="Lexend Light"/>
+            </a:endParaRPr>
           </a:p>
           <a:p>
             <a:pPr>
               <a:buFont typeface="Arial" panose="020B0604020202020204" pitchFamily="34" charset="0"/>
               <a:buChar char="•"/>
             </a:pPr>
-            <a:endParaRPr lang="en-US" dirty="0"/>
+            <a:endParaRPr lang="en-US" dirty="0">
+              <a:latin typeface="Lexend Light"/>
+            </a:endParaRPr>
           </a:p>
         </p:txBody>
       </p:sp>
@@ -8708,7 +8982,7 @@
         </p:nvSpPr>
         <p:spPr bwMode="auto">
           <a:xfrm>
-            <a:off x="1526959" y="3167390"/>
+            <a:off x="1526959" y="2779463"/>
             <a:ext cx="3275861" cy="523220"/>
           </a:xfrm>
           <a:prstGeom prst="rect">
@@ -8926,7 +9200,7 @@
         </p:nvSpPr>
         <p:spPr bwMode="auto">
           <a:xfrm>
-            <a:off x="1526959" y="4395460"/>
+            <a:off x="1519241" y="3915169"/>
             <a:ext cx="4347100" cy="738664"/>
           </a:xfrm>
           <a:prstGeom prst="rect">
@@ -9208,7 +9482,7 @@
         </p:nvSpPr>
         <p:spPr bwMode="auto">
           <a:xfrm>
-            <a:off x="1526959" y="5838974"/>
+            <a:off x="1519241" y="5442003"/>
             <a:ext cx="4347100" cy="738664"/>
           </a:xfrm>
           <a:prstGeom prst="rect">
@@ -9515,7 +9789,7 @@
           <p:nvPr/>
         </p:nvPicPr>
         <p:blipFill>
-          <a:blip r:embed="rId3">
+          <a:blip r:embed="rId4">
             <a:extLst>
               <a:ext uri="{28A0092B-C50C-407E-A947-70E740481C1C}">
                 <a14:useLocalDpi xmlns:a14="http://schemas.microsoft.com/office/drawing/2010/main" val="0"/>
@@ -9529,7 +9803,7 @@
         </p:blipFill>
         <p:spPr bwMode="auto">
           <a:xfrm>
-            <a:off x="6421654" y="2310831"/>
+            <a:off x="6585605" y="2579149"/>
             <a:ext cx="5303551" cy="3998489"/>
           </a:xfrm>
           <a:prstGeom prst="rect">
@@ -9563,6 +9837,20 @@
 <file path=ppt/slides/slide11.xml><?xml version="1.0" encoding="utf-8"?>
 <p:sld xmlns:a="http://schemas.openxmlformats.org/drawingml/2006/main" xmlns:r="http://schemas.openxmlformats.org/officeDocument/2006/relationships" xmlns:p="http://schemas.openxmlformats.org/presentationml/2006/main">
   <p:cSld>
+    <p:bg>
+      <p:bgPr>
+        <a:blipFill dpi="0" rotWithShape="1">
+          <a:blip r:embed="rId2">
+            <a:lum/>
+          </a:blip>
+          <a:srcRect/>
+          <a:stretch>
+            <a:fillRect/>
+          </a:stretch>
+        </a:blipFill>
+        <a:effectLst/>
+      </p:bgPr>
+    </p:bg>
     <p:spTree>
       <p:nvGrpSpPr>
         <p:cNvPr id="1" name=""/>
@@ -9593,10 +9881,14 @@
           <a:lstStyle/>
           <a:p>
             <a:r>
-              <a:rPr lang="en-US" dirty="0"/>
+              <a:rPr lang="en-US" b="1" dirty="0">
+                <a:latin typeface="Lexend Light"/>
+              </a:rPr>
               <a:t>For Demo</a:t>
             </a:r>
-            <a:endParaRPr lang="he-IL" dirty="0"/>
+            <a:endParaRPr lang="he-IL" b="1" dirty="0">
+              <a:latin typeface="Lexend Light"/>
+            </a:endParaRPr>
           </a:p>
         </p:txBody>
       </p:sp>
@@ -9616,6 +9908,20 @@
 <file path=ppt/slides/slide12.xml><?xml version="1.0" encoding="utf-8"?>
 <p:sld xmlns:a="http://schemas.openxmlformats.org/drawingml/2006/main" xmlns:r="http://schemas.openxmlformats.org/officeDocument/2006/relationships" xmlns:p="http://schemas.openxmlformats.org/presentationml/2006/main">
   <p:cSld>
+    <p:bg>
+      <p:bgPr>
+        <a:blipFill dpi="0" rotWithShape="1">
+          <a:blip r:embed="rId3">
+            <a:lum/>
+          </a:blip>
+          <a:srcRect/>
+          <a:stretch>
+            <a:fillRect/>
+          </a:stretch>
+        </a:blipFill>
+        <a:effectLst/>
+      </p:bgPr>
+    </p:bg>
     <p:spTree>
       <p:nvGrpSpPr>
         <p:cNvPr id="1" name=""/>
@@ -9659,49 +9965,67 @@
           <a:lstStyle/>
           <a:p>
             <a:r>
-              <a:rPr lang="en-US" dirty="0"/>
+              <a:rPr lang="en-US" dirty="0">
+                <a:latin typeface="Lexend Light"/>
+              </a:rPr>
               <a:t>In this example, the program uses a for loop to iterate over the elements of the fruits list. For each iteration, the current element is assigned to the variable fruit, and then it is printed using the print statement.</a:t>
             </a:r>
           </a:p>
           <a:p>
-            <a:endParaRPr lang="en-US" dirty="0"/>
-          </a:p>
-          <a:p>
-            <a:r>
-              <a:rPr lang="en-US" dirty="0"/>
+            <a:endParaRPr lang="en-US" dirty="0">
+              <a:latin typeface="Lexend Light"/>
+            </a:endParaRPr>
+          </a:p>
+          <a:p>
+            <a:r>
+              <a:rPr lang="en-US" dirty="0">
+                <a:latin typeface="Lexend Light"/>
+              </a:rPr>
               <a:t>When you run this code, it will output:</a:t>
             </a:r>
           </a:p>
           <a:p>
-            <a:endParaRPr lang="en-US" dirty="0"/>
-          </a:p>
-          <a:p>
-            <a:r>
-              <a:rPr lang="en-US" dirty="0"/>
+            <a:endParaRPr lang="en-US" dirty="0">
+              <a:latin typeface="Lexend Light"/>
+            </a:endParaRPr>
+          </a:p>
+          <a:p>
+            <a:r>
+              <a:rPr lang="en-US" dirty="0">
+                <a:latin typeface="Lexend Light"/>
+              </a:rPr>
               <a:t>apple</a:t>
             </a:r>
           </a:p>
           <a:p>
             <a:r>
-              <a:rPr lang="en-US" dirty="0"/>
+              <a:rPr lang="en-US" dirty="0">
+                <a:latin typeface="Lexend Light"/>
+              </a:rPr>
               <a:t>banana</a:t>
             </a:r>
           </a:p>
           <a:p>
             <a:r>
-              <a:rPr lang="en-US" dirty="0"/>
+              <a:rPr lang="en-US" dirty="0">
+                <a:latin typeface="Lexend Light"/>
+              </a:rPr>
               <a:t>cherry</a:t>
             </a:r>
           </a:p>
           <a:p>
             <a:r>
-              <a:rPr lang="en-US" dirty="0"/>
+              <a:rPr lang="en-US" dirty="0">
+                <a:latin typeface="Lexend Light"/>
+              </a:rPr>
               <a:t>date</a:t>
             </a:r>
           </a:p>
           <a:p>
             <a:r>
-              <a:rPr lang="en-US" dirty="0"/>
+              <a:rPr lang="en-US" dirty="0">
+                <a:latin typeface="Lexend Light"/>
+              </a:rPr>
               <a:t>elderberry</a:t>
             </a:r>
           </a:p>
@@ -10093,6 +10417,20 @@
 <file path=ppt/slides/slide13.xml><?xml version="1.0" encoding="utf-8"?>
 <p:sld xmlns:a="http://schemas.openxmlformats.org/drawingml/2006/main" xmlns:r="http://schemas.openxmlformats.org/officeDocument/2006/relationships" xmlns:p="http://schemas.openxmlformats.org/presentationml/2006/main">
   <p:cSld>
+    <p:bg>
+      <p:bgPr>
+        <a:blipFill dpi="0" rotWithShape="1">
+          <a:blip r:embed="rId3">
+            <a:lum/>
+          </a:blip>
+          <a:srcRect/>
+          <a:stretch>
+            <a:fillRect/>
+          </a:stretch>
+        </a:blipFill>
+        <a:effectLst/>
+      </p:bgPr>
+    </p:bg>
     <p:spTree>
       <p:nvGrpSpPr>
         <p:cNvPr id="1" name=""/>
@@ -10137,7 +10475,9 @@
               <a:buChar char="•"/>
             </a:pPr>
             <a:r>
-              <a:rPr lang="en-US" dirty="0"/>
+              <a:rPr lang="en-US" dirty="0">
+                <a:latin typeface="Lexend Light"/>
+              </a:rPr>
               <a:t>break</a:t>
             </a:r>
           </a:p>
@@ -10149,15 +10489,21 @@
               <a:buNone/>
             </a:pPr>
             <a:r>
-              <a:rPr lang="en-US" dirty="0"/>
+              <a:rPr lang="en-US" dirty="0">
+                <a:latin typeface="Lexend Light"/>
+              </a:rPr>
               <a:t>The </a:t>
             </a:r>
             <a:r>
-              <a:rPr lang="en-US" b="1" dirty="0"/>
+              <a:rPr lang="en-US" b="1" dirty="0">
+                <a:latin typeface="Lexend Light"/>
+              </a:rPr>
               <a:t>break</a:t>
             </a:r>
             <a:r>
-              <a:rPr lang="en-US" dirty="0"/>
+              <a:rPr lang="en-US" dirty="0">
+                <a:latin typeface="Lexend Light"/>
+              </a:rPr>
               <a:t> statement in Python terminates the current loop and resumes execution at the next statement, just like the traditional break found in C.</a:t>
             </a:r>
           </a:p>
@@ -10170,7 +10516,9 @@
               <a:buChar char="•"/>
             </a:pPr>
             <a:r>
-              <a:rPr lang="en-US" dirty="0"/>
+              <a:rPr lang="en-US" dirty="0">
+                <a:latin typeface="Lexend Light"/>
+              </a:rPr>
               <a:t>continue</a:t>
             </a:r>
           </a:p>
@@ -10182,15 +10530,21 @@
               <a:buNone/>
             </a:pPr>
             <a:r>
-              <a:rPr lang="en-US" dirty="0"/>
+              <a:rPr lang="en-US" dirty="0">
+                <a:latin typeface="Lexend Light"/>
+              </a:rPr>
               <a:t>The </a:t>
             </a:r>
             <a:r>
-              <a:rPr lang="en-US" b="1" dirty="0"/>
+              <a:rPr lang="en-US" b="1" dirty="0">
+                <a:latin typeface="Lexend Light"/>
+              </a:rPr>
               <a:t>continue</a:t>
             </a:r>
             <a:r>
-              <a:rPr lang="en-US" dirty="0"/>
+              <a:rPr lang="en-US" dirty="0">
+                <a:latin typeface="Lexend Light"/>
+              </a:rPr>
               <a:t> statement in Python returns the control to the beginning of the while loop. </a:t>
             </a:r>
           </a:p>
@@ -10203,7 +10557,9 @@
               <a:buChar char="•"/>
             </a:pPr>
             <a:r>
-              <a:rPr lang="en-US" dirty="0"/>
+              <a:rPr lang="en-US" dirty="0">
+                <a:latin typeface="Lexend Light"/>
+              </a:rPr>
               <a:t>pass</a:t>
             </a:r>
           </a:p>
@@ -10212,15 +10568,21 @@
               <a:buNone/>
             </a:pPr>
             <a:r>
-              <a:rPr lang="en-US" dirty="0"/>
+              <a:rPr lang="en-US" dirty="0">
+                <a:latin typeface="Lexend Light"/>
+              </a:rPr>
               <a:t>The </a:t>
             </a:r>
             <a:r>
-              <a:rPr lang="en-US" b="1" dirty="0"/>
+              <a:rPr lang="en-US" b="1" dirty="0">
+                <a:latin typeface="Lexend Light"/>
+              </a:rPr>
               <a:t>pass</a:t>
             </a:r>
             <a:r>
-              <a:rPr lang="en-US" dirty="0"/>
+              <a:rPr lang="en-US" dirty="0">
+                <a:latin typeface="Lexend Light"/>
+              </a:rPr>
               <a:t> statement in Python is used when a statement is required syntactically but you do not want any command or code to execute.</a:t>
             </a:r>
           </a:p>
@@ -10229,31 +10591,45 @@
               <a:buNone/>
             </a:pPr>
             <a:r>
-              <a:rPr lang="en-US" dirty="0"/>
+              <a:rPr lang="en-US" dirty="0">
+                <a:latin typeface="Lexend Light"/>
+              </a:rPr>
               <a:t>The </a:t>
             </a:r>
             <a:r>
-              <a:rPr lang="en-US" b="1" dirty="0"/>
+              <a:rPr lang="en-US" b="1" dirty="0">
+                <a:latin typeface="Lexend Light"/>
+              </a:rPr>
               <a:t>pass</a:t>
             </a:r>
             <a:r>
-              <a:rPr lang="en-US" dirty="0"/>
+              <a:rPr lang="en-US" dirty="0">
+                <a:latin typeface="Lexend Light"/>
+              </a:rPr>
               <a:t> statement is a </a:t>
             </a:r>
             <a:r>
-              <a:rPr lang="en-US" i="1" dirty="0"/>
+              <a:rPr lang="en-US" i="1" dirty="0">
+                <a:latin typeface="Lexend Light"/>
+              </a:rPr>
               <a:t>null</a:t>
             </a:r>
             <a:r>
-              <a:rPr lang="en-US" dirty="0"/>
+              <a:rPr lang="en-US" dirty="0">
+                <a:latin typeface="Lexend Light"/>
+              </a:rPr>
               <a:t> operation; nothing happens when it executes. The </a:t>
             </a:r>
             <a:r>
-              <a:rPr lang="en-US" b="1" dirty="0"/>
+              <a:rPr lang="en-US" b="1" dirty="0">
+                <a:latin typeface="Lexend Light"/>
+              </a:rPr>
               <a:t>pass</a:t>
             </a:r>
             <a:r>
-              <a:rPr lang="en-US" dirty="0"/>
+              <a:rPr lang="en-US" dirty="0">
+                <a:latin typeface="Lexend Light"/>
+              </a:rPr>
               <a:t> is also useful in places where your code will eventually go, but has not been written yet</a:t>
             </a:r>
           </a:p>
@@ -10261,7 +10637,9 @@
             <a:pPr marL="0" indent="0">
               <a:buNone/>
             </a:pPr>
-            <a:endParaRPr lang="en-US" dirty="0"/>
+            <a:endParaRPr lang="en-US" dirty="0">
+              <a:latin typeface="Lexend Light"/>
+            </a:endParaRPr>
           </a:p>
         </p:txBody>
       </p:sp>
@@ -10281,12 +10659,21 @@
           <a:lstStyle/>
           <a:p>
             <a:r>
-              <a:rPr lang="en-US" dirty="0">
-                <a:effectLst/>
+              <a:rPr lang="en-US" b="1" dirty="0">
+                <a:solidFill>
+                  <a:srgbClr val="0071F6"/>
+                </a:solidFill>
+                <a:effectLst/>
+                <a:latin typeface="Lexend" panose="020B0604020202020204"/>
               </a:rPr>
               <a:t>Loop Control Statements</a:t>
             </a:r>
-            <a:endParaRPr lang="he-IL" dirty="0"/>
+            <a:endParaRPr lang="he-IL" b="1" dirty="0">
+              <a:solidFill>
+                <a:srgbClr val="0071F6"/>
+              </a:solidFill>
+              <a:latin typeface="Lexend" panose="020B0604020202020204"/>
+            </a:endParaRPr>
           </a:p>
         </p:txBody>
       </p:sp>
@@ -10306,6 +10693,20 @@
 <file path=ppt/slides/slide14.xml><?xml version="1.0" encoding="utf-8"?>
 <p:sld xmlns:a="http://schemas.openxmlformats.org/drawingml/2006/main" xmlns:r="http://schemas.openxmlformats.org/officeDocument/2006/relationships" xmlns:p="http://schemas.openxmlformats.org/presentationml/2006/main">
   <p:cSld>
+    <p:bg>
+      <p:bgPr>
+        <a:blipFill dpi="0" rotWithShape="1">
+          <a:blip r:embed="rId3">
+            <a:lum/>
+          </a:blip>
+          <a:srcRect/>
+          <a:stretch>
+            <a:fillRect/>
+          </a:stretch>
+        </a:blipFill>
+        <a:effectLst/>
+      </p:bgPr>
+    </p:bg>
     <p:spTree>
       <p:nvGrpSpPr>
         <p:cNvPr id="1" name=""/>
@@ -10336,12 +10737,21 @@
           <a:lstStyle/>
           <a:p>
             <a:r>
-              <a:rPr lang="en-US" dirty="0">
-                <a:effectLst/>
+              <a:rPr lang="en-US" b="1" dirty="0">
+                <a:solidFill>
+                  <a:srgbClr val="0071F6"/>
+                </a:solidFill>
+                <a:effectLst/>
+                <a:latin typeface="Lexend" panose="020B0604020202020204"/>
               </a:rPr>
               <a:t>Loop Control Statements – cont’d</a:t>
             </a:r>
-            <a:endParaRPr lang="he-IL" dirty="0"/>
+            <a:endParaRPr lang="he-IL" b="1" dirty="0">
+              <a:solidFill>
+                <a:srgbClr val="0071F6"/>
+              </a:solidFill>
+              <a:latin typeface="Lexend" panose="020B0604020202020204"/>
+            </a:endParaRPr>
           </a:p>
         </p:txBody>
       </p:sp>
@@ -11171,6 +11581,20 @@
 <file path=ppt/slides/slide15.xml><?xml version="1.0" encoding="utf-8"?>
 <p:sld xmlns:a="http://schemas.openxmlformats.org/drawingml/2006/main" xmlns:r="http://schemas.openxmlformats.org/officeDocument/2006/relationships" xmlns:p="http://schemas.openxmlformats.org/presentationml/2006/main">
   <p:cSld>
+    <p:bg>
+      <p:bgPr>
+        <a:blipFill dpi="0" rotWithShape="1">
+          <a:blip r:embed="rId2">
+            <a:lum/>
+          </a:blip>
+          <a:srcRect/>
+          <a:stretch>
+            <a:fillRect/>
+          </a:stretch>
+        </a:blipFill>
+        <a:effectLst/>
+      </p:bgPr>
+    </p:bg>
     <p:spTree>
       <p:nvGrpSpPr>
         <p:cNvPr id="1" name=""/>
@@ -11201,14 +11625,20 @@
           <a:lstStyle/>
           <a:p>
             <a:r>
-              <a:rPr lang="en-US" dirty="0" err="1"/>
+              <a:rPr lang="en-US" b="1" dirty="0" err="1">
+                <a:latin typeface="Lexend Light"/>
+              </a:rPr>
               <a:t>Conslution</a:t>
             </a:r>
             <a:r>
-              <a:rPr lang="en-US" dirty="0"/>
+              <a:rPr lang="en-US" b="1" dirty="0">
+                <a:latin typeface="Lexend Light"/>
+              </a:rPr>
               <a:t> Labs 01-08</a:t>
             </a:r>
-            <a:endParaRPr lang="he-IL" dirty="0"/>
+            <a:endParaRPr lang="he-IL" b="1" dirty="0">
+              <a:latin typeface="Lexend Light"/>
+            </a:endParaRPr>
           </a:p>
         </p:txBody>
       </p:sp>
@@ -11228,6 +11658,20 @@
 <file path=ppt/slides/slide16.xml><?xml version="1.0" encoding="utf-8"?>
 <p:sld xmlns:a="http://schemas.openxmlformats.org/drawingml/2006/main" xmlns:r="http://schemas.openxmlformats.org/officeDocument/2006/relationships" xmlns:p="http://schemas.openxmlformats.org/presentationml/2006/main">
   <p:cSld>
+    <p:bg>
+      <p:bgPr>
+        <a:blipFill dpi="0" rotWithShape="1">
+          <a:blip r:embed="rId2">
+            <a:lum/>
+          </a:blip>
+          <a:srcRect/>
+          <a:stretch>
+            <a:fillRect/>
+          </a:stretch>
+        </a:blipFill>
+        <a:effectLst/>
+      </p:bgPr>
+    </p:bg>
     <p:spTree>
       <p:nvGrpSpPr>
         <p:cNvPr id="1" name=""/>
@@ -11258,6 +11702,20 @@
 <file path=ppt/slides/slide2.xml><?xml version="1.0" encoding="utf-8"?>
 <p:sld xmlns:a="http://schemas.openxmlformats.org/drawingml/2006/main" xmlns:r="http://schemas.openxmlformats.org/officeDocument/2006/relationships" xmlns:p="http://schemas.openxmlformats.org/presentationml/2006/main">
   <p:cSld>
+    <p:bg>
+      <p:bgPr>
+        <a:blipFill dpi="0" rotWithShape="1">
+          <a:blip r:embed="rId2">
+            <a:lum/>
+          </a:blip>
+          <a:srcRect/>
+          <a:stretch>
+            <a:fillRect/>
+          </a:stretch>
+        </a:blipFill>
+        <a:effectLst/>
+      </p:bgPr>
+    </p:bg>
     <p:spTree>
       <p:nvGrpSpPr>
         <p:cNvPr id="1" name=""/>
@@ -11293,7 +11751,9 @@
               </a:spcAft>
             </a:pPr>
             <a:r>
-              <a:rPr lang="en-US" altLang="he-IL" dirty="0"/>
+              <a:rPr lang="en-US" altLang="he-IL" dirty="0">
+                <a:latin typeface="Lexend Light"/>
+              </a:rPr>
               <a:t>Relational and Logical Operators</a:t>
             </a:r>
           </a:p>
@@ -11304,13 +11764,17 @@
               </a:spcAft>
             </a:pPr>
             <a:r>
-              <a:rPr lang="en-US" dirty="0"/>
+              <a:rPr lang="en-US" dirty="0">
+                <a:latin typeface="Lexend Light"/>
+              </a:rPr>
               <a:t>If statement</a:t>
             </a:r>
           </a:p>
           <a:p>
             <a:r>
-              <a:rPr lang="en-US" dirty="0"/>
+              <a:rPr lang="en-US" dirty="0">
+                <a:latin typeface="Lexend Light"/>
+              </a:rPr>
               <a:t>While loop</a:t>
             </a:r>
           </a:p>
@@ -11321,7 +11785,9 @@
               </a:lnSpc>
             </a:pPr>
             <a:r>
-              <a:rPr lang="en-US" dirty="0"/>
+              <a:rPr lang="en-US" dirty="0">
+                <a:latin typeface="Lexend Light"/>
+              </a:rPr>
               <a:t>For loop</a:t>
             </a:r>
           </a:p>
@@ -11332,7 +11798,9 @@
               </a:lnSpc>
             </a:pPr>
             <a:r>
-              <a:rPr lang="en-US" dirty="0"/>
+              <a:rPr lang="en-US" dirty="0">
+                <a:latin typeface="Lexend Light"/>
+              </a:rPr>
               <a:t>Loop Control Statements</a:t>
             </a:r>
           </a:p>
@@ -11354,10 +11822,20 @@
           <a:lstStyle/>
           <a:p>
             <a:r>
-              <a:rPr lang="en-US" dirty="0"/>
+              <a:rPr lang="en-US" b="1" dirty="0">
+                <a:solidFill>
+                  <a:srgbClr val="0071F6"/>
+                </a:solidFill>
+                <a:latin typeface="Lexend" panose="020B0604020202020204"/>
+              </a:rPr>
               <a:t>Agenda</a:t>
             </a:r>
-            <a:endParaRPr lang="he-IL" dirty="0"/>
+            <a:endParaRPr lang="he-IL" b="1" dirty="0">
+              <a:solidFill>
+                <a:srgbClr val="0071F6"/>
+              </a:solidFill>
+              <a:latin typeface="Lexend" panose="020B0604020202020204"/>
+            </a:endParaRPr>
           </a:p>
         </p:txBody>
       </p:sp>
@@ -11377,6 +11855,20 @@
 <file path=ppt/slides/slide3.xml><?xml version="1.0" encoding="utf-8"?>
 <p:sld xmlns:a="http://schemas.openxmlformats.org/drawingml/2006/main" xmlns:r="http://schemas.openxmlformats.org/officeDocument/2006/relationships" xmlns:p="http://schemas.openxmlformats.org/presentationml/2006/main">
   <p:cSld>
+    <p:bg>
+      <p:bgPr>
+        <a:blipFill dpi="0" rotWithShape="1">
+          <a:blip r:embed="rId3">
+            <a:lum/>
+          </a:blip>
+          <a:srcRect/>
+          <a:stretch>
+            <a:fillRect/>
+          </a:stretch>
+        </a:blipFill>
+        <a:effectLst/>
+      </p:bgPr>
+    </p:bg>
     <p:spTree>
       <p:nvGrpSpPr>
         <p:cNvPr id="1" name=""/>
@@ -11407,10 +11899,20 @@
           <a:lstStyle/>
           <a:p>
             <a:r>
-              <a:rPr lang="en-US" altLang="he-IL" dirty="0"/>
+              <a:rPr lang="en-US" altLang="he-IL" b="1" dirty="0">
+                <a:solidFill>
+                  <a:srgbClr val="0071F6"/>
+                </a:solidFill>
+                <a:latin typeface="Lexend" panose="020B0604020202020204"/>
+              </a:rPr>
               <a:t>Relational and Logical Operators</a:t>
             </a:r>
-            <a:endParaRPr lang="he-IL" dirty="0"/>
+            <a:endParaRPr lang="he-IL" b="1" dirty="0">
+              <a:solidFill>
+                <a:srgbClr val="0071F6"/>
+              </a:solidFill>
+              <a:latin typeface="Lexend" panose="020B0604020202020204"/>
+            </a:endParaRPr>
           </a:p>
         </p:txBody>
       </p:sp>
@@ -11438,38 +11940,52 @@
           <a:p>
             <a:pPr algn="l" rtl="0"/>
             <a:r>
-              <a:rPr lang="en-US" altLang="he-IL" sz="2000" dirty="0"/>
+              <a:rPr lang="en-US" altLang="he-IL" sz="2000" dirty="0">
+                <a:latin typeface="Lexend Light"/>
+              </a:rPr>
               <a:t>Logical Operators:</a:t>
             </a:r>
           </a:p>
           <a:p>
             <a:pPr algn="l" rtl="0"/>
-            <a:endParaRPr lang="en-US" altLang="he-IL" sz="2000" dirty="0"/>
+            <a:endParaRPr lang="en-US" altLang="he-IL" sz="2000" dirty="0">
+              <a:latin typeface="Lexend Light"/>
+            </a:endParaRPr>
           </a:p>
           <a:p>
             <a:pPr algn="l" rtl="0"/>
-            <a:endParaRPr lang="en-US" altLang="he-IL" sz="2000" dirty="0"/>
+            <a:endParaRPr lang="en-US" altLang="he-IL" sz="2000" dirty="0">
+              <a:latin typeface="Lexend Light"/>
+            </a:endParaRPr>
           </a:p>
           <a:p>
             <a:pPr algn="l" rtl="0"/>
-            <a:endParaRPr lang="en-US" altLang="he-IL" sz="2000" dirty="0"/>
+            <a:endParaRPr lang="en-US" altLang="he-IL" sz="2000" dirty="0">
+              <a:latin typeface="Lexend Light"/>
+            </a:endParaRPr>
           </a:p>
           <a:p>
             <a:pPr algn="l" rtl="0"/>
-            <a:endParaRPr lang="en-US" altLang="he-IL" sz="2000" dirty="0"/>
+            <a:endParaRPr lang="en-US" altLang="he-IL" sz="2000" dirty="0">
+              <a:latin typeface="Lexend Light"/>
+            </a:endParaRPr>
           </a:p>
           <a:p>
             <a:pPr marL="0" indent="0" algn="l" rtl="0">
               <a:buNone/>
             </a:pPr>
             <a:r>
-              <a:rPr lang="en-US" altLang="he-IL" sz="2000" dirty="0"/>
+              <a:rPr lang="en-US" altLang="he-IL" sz="2000" dirty="0">
+                <a:latin typeface="Lexend Light"/>
+              </a:rPr>
               <a:t>         Logical AND			Logical OR			Logical NOT</a:t>
             </a:r>
           </a:p>
           <a:p>
             <a:r>
-              <a:rPr lang="en-US" altLang="he-IL" sz="2000" dirty="0"/>
+              <a:rPr lang="en-US" altLang="he-IL" sz="2000" dirty="0">
+                <a:latin typeface="Lexend Light"/>
+              </a:rPr>
               <a:t>Two sets of relational operators:</a:t>
             </a:r>
           </a:p>
@@ -12585,7 +13101,7 @@
           <p:nvPr/>
         </p:nvPicPr>
         <p:blipFill>
-          <a:blip r:embed="rId3">
+          <a:blip r:embed="rId4">
             <a:extLst>
               <a:ext uri="{28A0092B-C50C-407E-A947-70E740481C1C}">
                 <a14:useLocalDpi xmlns:a14="http://schemas.microsoft.com/office/drawing/2010/main" val="0"/>
@@ -12632,7 +13148,7 @@
           <p:nvPr/>
         </p:nvPicPr>
         <p:blipFill>
-          <a:blip r:embed="rId4">
+          <a:blip r:embed="rId5">
             <a:extLst>
               <a:ext uri="{28A0092B-C50C-407E-A947-70E740481C1C}">
                 <a14:useLocalDpi xmlns:a14="http://schemas.microsoft.com/office/drawing/2010/main" val="0"/>
@@ -12679,7 +13195,7 @@
           <p:nvPr/>
         </p:nvPicPr>
         <p:blipFill>
-          <a:blip r:embed="rId5">
+          <a:blip r:embed="rId6">
             <a:extLst>
               <a:ext uri="{28A0092B-C50C-407E-A947-70E740481C1C}">
                 <a14:useLocalDpi xmlns:a14="http://schemas.microsoft.com/office/drawing/2010/main" val="0"/>
@@ -12727,6 +13243,20 @@
 <file path=ppt/slides/slide4.xml><?xml version="1.0" encoding="utf-8"?>
 <p:sld xmlns:a="http://schemas.openxmlformats.org/drawingml/2006/main" xmlns:r="http://schemas.openxmlformats.org/officeDocument/2006/relationships" xmlns:p="http://schemas.openxmlformats.org/presentationml/2006/main">
   <p:cSld>
+    <p:bg>
+      <p:bgPr>
+        <a:blipFill dpi="0" rotWithShape="1">
+          <a:blip r:embed="rId3">
+            <a:lum/>
+          </a:blip>
+          <a:srcRect/>
+          <a:stretch>
+            <a:fillRect/>
+          </a:stretch>
+        </a:blipFill>
+        <a:effectLst/>
+      </p:bgPr>
+    </p:bg>
     <p:spTree>
       <p:nvGrpSpPr>
         <p:cNvPr id="1" name=""/>
@@ -12757,14 +13287,29 @@
           <a:lstStyle/>
           <a:p>
             <a:r>
-              <a:rPr lang="en-US" sz="4400" dirty="0"/>
+              <a:rPr lang="en-US" sz="4400" b="1" dirty="0">
+                <a:solidFill>
+                  <a:srgbClr val="0071F6"/>
+                </a:solidFill>
+                <a:latin typeface="Lexend" panose="020B0604020202020204"/>
+              </a:rPr>
               <a:t>If </a:t>
             </a:r>
             <a:r>
-              <a:rPr lang="en-US" sz="4400" dirty="0" err="1"/>
+              <a:rPr lang="en-US" sz="4400" b="1" dirty="0" err="1">
+                <a:solidFill>
+                  <a:srgbClr val="0071F6"/>
+                </a:solidFill>
+                <a:latin typeface="Lexend" panose="020B0604020202020204"/>
+              </a:rPr>
               <a:t>statment</a:t>
             </a:r>
-            <a:endParaRPr lang="he-IL" dirty="0"/>
+            <a:endParaRPr lang="he-IL" b="1" dirty="0">
+              <a:solidFill>
+                <a:srgbClr val="0071F6"/>
+              </a:solidFill>
+              <a:latin typeface="Lexend" panose="020B0604020202020204"/>
+            </a:endParaRPr>
           </a:p>
         </p:txBody>
       </p:sp>
@@ -12789,7 +13334,9 @@
               <a:buNone/>
             </a:pPr>
             <a:r>
-              <a:rPr lang="en-US" sz="2000" dirty="0"/>
+              <a:rPr lang="en-US" sz="2000" dirty="0">
+                <a:latin typeface="Lexend Light"/>
+              </a:rPr>
               <a:t>if statement1: </a:t>
             </a:r>
           </a:p>
@@ -12798,7 +13345,9 @@
               <a:buNone/>
             </a:pPr>
             <a:r>
-              <a:rPr lang="en-US" sz="2000" dirty="0"/>
+              <a:rPr lang="en-US" sz="2000" dirty="0">
+                <a:latin typeface="Lexend Light"/>
+              </a:rPr>
               <a:t>	…	</a:t>
             </a:r>
           </a:p>
@@ -12807,11 +13356,15 @@
               <a:buNone/>
             </a:pPr>
             <a:r>
-              <a:rPr lang="en-US" sz="2000" dirty="0" err="1"/>
+              <a:rPr lang="en-US" sz="2000" dirty="0" err="1">
+                <a:latin typeface="Lexend Light"/>
+              </a:rPr>
               <a:t>elif</a:t>
             </a:r>
             <a:r>
-              <a:rPr lang="en-US" sz="2000" dirty="0"/>
+              <a:rPr lang="en-US" sz="2000" dirty="0">
+                <a:latin typeface="Lexend Light"/>
+              </a:rPr>
               <a:t> statement2: </a:t>
             </a:r>
           </a:p>
@@ -12820,7 +13373,9 @@
               <a:buNone/>
             </a:pPr>
             <a:r>
-              <a:rPr lang="en-US" sz="2000" dirty="0"/>
+              <a:rPr lang="en-US" sz="2000" dirty="0">
+                <a:latin typeface="Lexend Light"/>
+              </a:rPr>
               <a:t>	……..</a:t>
             </a:r>
           </a:p>
@@ -12829,7 +13384,9 @@
               <a:buNone/>
             </a:pPr>
             <a:r>
-              <a:rPr lang="en-US" sz="2000" dirty="0"/>
+              <a:rPr lang="en-US" sz="2000" dirty="0">
+                <a:latin typeface="Lexend Light"/>
+              </a:rPr>
               <a:t>else: </a:t>
             </a:r>
           </a:p>
@@ -12838,34 +13395,48 @@
               <a:buNone/>
             </a:pPr>
             <a:r>
-              <a:rPr lang="en-US" sz="2000" dirty="0"/>
+              <a:rPr lang="en-US" sz="2000" dirty="0">
+                <a:latin typeface="Lexend Light"/>
+              </a:rPr>
               <a:t>	……</a:t>
             </a:r>
           </a:p>
           <a:p>
             <a:r>
-              <a:rPr lang="en-US" sz="2000" i="1" dirty="0" err="1"/>
+              <a:rPr lang="en-US" sz="2000" i="1" dirty="0" err="1">
+                <a:latin typeface="Lexend Light"/>
+              </a:rPr>
               <a:t>elif</a:t>
             </a:r>
             <a:r>
-              <a:rPr lang="en-US" sz="2000" dirty="0"/>
+              <a:rPr lang="en-US" sz="2000" dirty="0">
+                <a:latin typeface="Lexend Light"/>
+              </a:rPr>
               <a:t> and </a:t>
             </a:r>
             <a:r>
-              <a:rPr lang="en-US" sz="2000" i="1" dirty="0"/>
+              <a:rPr lang="en-US" sz="2000" i="1" dirty="0">
+                <a:latin typeface="Lexend Light"/>
+              </a:rPr>
               <a:t>else</a:t>
             </a:r>
             <a:r>
-              <a:rPr lang="en-US" sz="2000" dirty="0"/>
+              <a:rPr lang="en-US" sz="2000" dirty="0">
+                <a:latin typeface="Lexend Light"/>
+              </a:rPr>
               <a:t> statements are optional</a:t>
             </a:r>
           </a:p>
           <a:p>
-            <a:endParaRPr lang="en-US" sz="1200" dirty="0"/>
-          </a:p>
-          <a:p>
-            <a:r>
-              <a:rPr lang="en-US" sz="2000" dirty="0"/>
+            <a:endParaRPr lang="en-US" sz="1200" dirty="0">
+              <a:latin typeface="Lexend Light"/>
+            </a:endParaRPr>
+          </a:p>
+          <a:p>
+            <a:r>
+              <a:rPr lang="en-US" sz="2000" dirty="0">
+                <a:latin typeface="Lexend Light"/>
+              </a:rPr>
               <a:t>Example:</a:t>
             </a:r>
           </a:p>
@@ -13295,7 +13866,7 @@
           <p:nvPr/>
         </p:nvPicPr>
         <p:blipFill>
-          <a:blip r:embed="rId3">
+          <a:blip r:embed="rId4">
             <a:extLst>
               <a:ext uri="{28A0092B-C50C-407E-A947-70E740481C1C}">
                 <a14:useLocalDpi xmlns:a14="http://schemas.microsoft.com/office/drawing/2010/main" val="0"/>
@@ -13332,6 +13903,20 @@
 <file path=ppt/slides/slide5.xml><?xml version="1.0" encoding="utf-8"?>
 <p:sld xmlns:a="http://schemas.openxmlformats.org/drawingml/2006/main" xmlns:r="http://schemas.openxmlformats.org/officeDocument/2006/relationships" xmlns:p="http://schemas.openxmlformats.org/presentationml/2006/main">
   <p:cSld>
+    <p:bg>
+      <p:bgPr>
+        <a:blipFill dpi="0" rotWithShape="1">
+          <a:blip r:embed="rId2">
+            <a:lum/>
+          </a:blip>
+          <a:srcRect/>
+          <a:stretch>
+            <a:fillRect/>
+          </a:stretch>
+        </a:blipFill>
+        <a:effectLst/>
+      </p:bgPr>
+    </p:bg>
     <p:spTree>
       <p:nvGrpSpPr>
         <p:cNvPr id="1" name=""/>
@@ -13362,10 +13947,14 @@
           <a:lstStyle/>
           <a:p>
             <a:r>
-              <a:rPr lang="en-US" dirty="0"/>
+              <a:rPr lang="en-US" b="1" dirty="0">
+                <a:latin typeface="Lexend Light"/>
+              </a:rPr>
               <a:t>If Demo</a:t>
             </a:r>
-            <a:endParaRPr lang="he-IL" dirty="0"/>
+            <a:endParaRPr lang="he-IL" b="1" dirty="0">
+              <a:latin typeface="Lexend Light"/>
+            </a:endParaRPr>
           </a:p>
         </p:txBody>
       </p:sp>
@@ -13385,6 +13974,20 @@
 <file path=ppt/slides/slide6.xml><?xml version="1.0" encoding="utf-8"?>
 <p:sld xmlns:a="http://schemas.openxmlformats.org/drawingml/2006/main" xmlns:r="http://schemas.openxmlformats.org/officeDocument/2006/relationships" xmlns:p="http://schemas.openxmlformats.org/presentationml/2006/main">
   <p:cSld>
+    <p:bg>
+      <p:bgPr>
+        <a:blipFill dpi="0" rotWithShape="1">
+          <a:blip r:embed="rId3">
+            <a:lum/>
+          </a:blip>
+          <a:srcRect/>
+          <a:stretch>
+            <a:fillRect/>
+          </a:stretch>
+        </a:blipFill>
+        <a:effectLst/>
+      </p:bgPr>
+    </p:bg>
     <p:spTree>
       <p:nvGrpSpPr>
         <p:cNvPr id="1" name=""/>
@@ -13937,7 +14540,9 @@
           <a:lstStyle/>
           <a:p>
             <a:r>
-              <a:rPr lang="en-US" dirty="0"/>
+              <a:rPr lang="en-US" dirty="0">
+                <a:latin typeface="Lexend Light"/>
+              </a:rPr>
               <a:t>In this example, the program asks the user to enter a number. It then uses the if statement to check whether the number is positive, negative, or zero. If the number is greater than zero, it prints "The number is positive." If the number is less than zero, it prints "The number is negative." Otherwise, if the number is zero, it prints "The number is zero."</a:t>
             </a:r>
           </a:p>
@@ -13959,6 +14564,20 @@
 <file path=ppt/slides/slide7.xml><?xml version="1.0" encoding="utf-8"?>
 <p:sld xmlns:a="http://schemas.openxmlformats.org/drawingml/2006/main" xmlns:r="http://schemas.openxmlformats.org/officeDocument/2006/relationships" xmlns:p="http://schemas.openxmlformats.org/presentationml/2006/main">
   <p:cSld>
+    <p:bg>
+      <p:bgPr>
+        <a:blipFill dpi="0" rotWithShape="1">
+          <a:blip r:embed="rId3">
+            <a:lum/>
+          </a:blip>
+          <a:srcRect/>
+          <a:stretch>
+            <a:fillRect/>
+          </a:stretch>
+        </a:blipFill>
+        <a:effectLst/>
+      </p:bgPr>
+    </p:bg>
     <p:spTree>
       <p:nvGrpSpPr>
         <p:cNvPr id="1" name=""/>
@@ -13989,10 +14608,20 @@
           <a:lstStyle/>
           <a:p>
             <a:r>
-              <a:rPr lang="en-US" dirty="0"/>
+              <a:rPr lang="en-US" b="1" dirty="0">
+                <a:solidFill>
+                  <a:srgbClr val="0071F6"/>
+                </a:solidFill>
+                <a:latin typeface="Lexend" panose="020B0604020202020204"/>
+              </a:rPr>
               <a:t>While loop</a:t>
             </a:r>
-            <a:endParaRPr lang="he-IL" dirty="0"/>
+            <a:endParaRPr lang="he-IL" b="1" dirty="0">
+              <a:solidFill>
+                <a:srgbClr val="0071F6"/>
+              </a:solidFill>
+              <a:latin typeface="Lexend" panose="020B0604020202020204"/>
+            </a:endParaRPr>
           </a:p>
         </p:txBody>
       </p:sp>
@@ -14029,15 +14658,21 @@
               <a:buChar char="•"/>
             </a:pPr>
             <a:r>
-              <a:rPr lang="en-US" sz="1800" dirty="0"/>
+              <a:rPr lang="en-US" sz="1800" dirty="0">
+                <a:latin typeface="Lexend Light"/>
+              </a:rPr>
               <a:t>Python</a:t>
             </a:r>
             <a:r>
-              <a:rPr lang="he-IL" dirty="0"/>
+              <a:rPr lang="he-IL" dirty="0">
+                <a:latin typeface="Lexend Light"/>
+              </a:rPr>
               <a:t> </a:t>
             </a:r>
             <a:r>
-              <a:rPr lang="en-US" sz="1800" dirty="0"/>
+              <a:rPr lang="en-US" sz="1800" dirty="0">
+                <a:latin typeface="Lexend Light"/>
+              </a:rPr>
               <a:t>while loops are used for repeating sections of code - but unlike a for loop, the while loop will run as long as defined condition is met. </a:t>
             </a:r>
           </a:p>
@@ -14046,7 +14681,9 @@
               <a:buFont typeface="Arial" panose="020B0604020202020204" pitchFamily="34" charset="0"/>
               <a:buChar char="•"/>
             </a:pPr>
-            <a:endParaRPr lang="en-US" sz="1000" dirty="0"/>
+            <a:endParaRPr lang="en-US" sz="1000" dirty="0">
+              <a:latin typeface="Lexend Light"/>
+            </a:endParaRPr>
           </a:p>
           <a:p>
             <a:pPr marL="285750" indent="-285750">
@@ -14054,17 +14691,23 @@
               <a:buChar char="•"/>
             </a:pPr>
             <a:r>
-              <a:rPr lang="en-US" sz="1800" dirty="0"/>
+              <a:rPr lang="en-US" sz="1800" dirty="0">
+                <a:latin typeface="Lexend Light"/>
+              </a:rPr>
               <a:t>while expression:</a:t>
             </a:r>
           </a:p>
           <a:p>
             <a:r>
-              <a:rPr lang="en-US" dirty="0"/>
+              <a:rPr lang="en-US" dirty="0">
+                <a:latin typeface="Lexend Light"/>
+              </a:rPr>
               <a:t>	</a:t>
             </a:r>
             <a:r>
-              <a:rPr lang="en-US" sz="1800" dirty="0"/>
+              <a:rPr lang="en-US" sz="1800" dirty="0">
+                <a:latin typeface="Lexend Light"/>
+              </a:rPr>
               <a:t> statement(s)</a:t>
             </a:r>
           </a:p>
@@ -14073,7 +14716,9 @@
               <a:buFont typeface="Arial" pitchFamily="34" charset="0"/>
               <a:buNone/>
             </a:pPr>
-            <a:endParaRPr lang="en-US" sz="1000" dirty="0"/>
+            <a:endParaRPr lang="en-US" sz="1000" dirty="0">
+              <a:latin typeface="Lexend Light"/>
+            </a:endParaRPr>
           </a:p>
           <a:p>
             <a:pPr marL="0" indent="0">
@@ -14081,7 +14726,9 @@
               <a:buNone/>
             </a:pPr>
             <a:r>
-              <a:rPr lang="en-US" sz="1600" dirty="0"/>
+              <a:rPr lang="en-US" sz="1600" dirty="0">
+                <a:latin typeface="Lexend Light"/>
+              </a:rPr>
               <a:t>Example 1:</a:t>
             </a:r>
           </a:p>
@@ -14090,42 +14737,54 @@
               <a:buFont typeface="Arial" pitchFamily="34" charset="0"/>
               <a:buNone/>
             </a:pPr>
-            <a:endParaRPr lang="en-US" sz="1600" dirty="0"/>
+            <a:endParaRPr lang="en-US" sz="1600" dirty="0">
+              <a:latin typeface="Lexend Light"/>
+            </a:endParaRPr>
           </a:p>
           <a:p>
             <a:pPr marL="0" indent="0">
               <a:buFont typeface="Arial" pitchFamily="34" charset="0"/>
               <a:buNone/>
             </a:pPr>
-            <a:endParaRPr lang="en-US" sz="1600" dirty="0"/>
+            <a:endParaRPr lang="en-US" sz="1600" dirty="0">
+              <a:latin typeface="Lexend Light"/>
+            </a:endParaRPr>
           </a:p>
           <a:p>
             <a:pPr marL="0" indent="0">
               <a:buFont typeface="Arial" pitchFamily="34" charset="0"/>
               <a:buNone/>
             </a:pPr>
-            <a:endParaRPr lang="en-US" sz="1600" dirty="0"/>
+            <a:endParaRPr lang="en-US" sz="1600" dirty="0">
+              <a:latin typeface="Lexend Light"/>
+            </a:endParaRPr>
           </a:p>
           <a:p>
             <a:pPr marL="0" indent="0">
               <a:buFont typeface="Arial" pitchFamily="34" charset="0"/>
               <a:buNone/>
             </a:pPr>
-            <a:endParaRPr lang="en-US" sz="1600" dirty="0"/>
+            <a:endParaRPr lang="en-US" sz="1600" dirty="0">
+              <a:latin typeface="Lexend Light"/>
+            </a:endParaRPr>
           </a:p>
           <a:p>
             <a:pPr marL="0" indent="0">
               <a:buFont typeface="Arial" pitchFamily="34" charset="0"/>
               <a:buNone/>
             </a:pPr>
-            <a:endParaRPr lang="en-US" sz="1600" dirty="0"/>
+            <a:endParaRPr lang="en-US" sz="1600" dirty="0">
+              <a:latin typeface="Lexend Light"/>
+            </a:endParaRPr>
           </a:p>
           <a:p>
             <a:pPr marL="0" indent="0">
               <a:buFont typeface="Arial" pitchFamily="34" charset="0"/>
               <a:buNone/>
             </a:pPr>
-            <a:endParaRPr lang="en-US" sz="1000" dirty="0"/>
+            <a:endParaRPr lang="en-US" sz="1000" dirty="0">
+              <a:latin typeface="Lexend Light"/>
+            </a:endParaRPr>
           </a:p>
           <a:p>
             <a:pPr marL="0" indent="0">
@@ -14133,12 +14792,16 @@
               <a:buNone/>
             </a:pPr>
             <a:r>
-              <a:rPr lang="en-US" sz="1600" dirty="0"/>
+              <a:rPr lang="en-US" sz="1600" dirty="0">
+                <a:latin typeface="Lexend Light"/>
+              </a:rPr>
               <a:t>Example 2:</a:t>
             </a:r>
           </a:p>
           <a:p>
-            <a:endParaRPr lang="en-US" dirty="0"/>
+            <a:endParaRPr lang="en-US" dirty="0">
+              <a:latin typeface="Lexend Light"/>
+            </a:endParaRPr>
           </a:p>
         </p:txBody>
       </p:sp>
@@ -14784,7 +15447,7 @@
           <p:nvPr/>
         </p:nvPicPr>
         <p:blipFill>
-          <a:blip r:embed="rId3">
+          <a:blip r:embed="rId4">
             <a:extLst>
               <a:ext uri="{28A0092B-C50C-407E-A947-70E740481C1C}">
                 <a14:useLocalDpi xmlns:a14="http://schemas.microsoft.com/office/drawing/2010/main" val="0"/>
@@ -14832,6 +15495,20 @@
 <file path=ppt/slides/slide8.xml><?xml version="1.0" encoding="utf-8"?>
 <p:sld xmlns:a="http://schemas.openxmlformats.org/drawingml/2006/main" xmlns:r="http://schemas.openxmlformats.org/officeDocument/2006/relationships" xmlns:p="http://schemas.openxmlformats.org/presentationml/2006/main">
   <p:cSld>
+    <p:bg>
+      <p:bgPr>
+        <a:blipFill dpi="0" rotWithShape="1">
+          <a:blip r:embed="rId2">
+            <a:lum/>
+          </a:blip>
+          <a:srcRect/>
+          <a:stretch>
+            <a:fillRect/>
+          </a:stretch>
+        </a:blipFill>
+        <a:effectLst/>
+      </p:bgPr>
+    </p:bg>
     <p:spTree>
       <p:nvGrpSpPr>
         <p:cNvPr id="1" name=""/>
@@ -14862,10 +15539,14 @@
           <a:lstStyle/>
           <a:p>
             <a:r>
-              <a:rPr lang="en-US" dirty="0"/>
+              <a:rPr lang="en-US" b="1" dirty="0">
+                <a:latin typeface="Lexend Light"/>
+              </a:rPr>
               <a:t>While Demo</a:t>
             </a:r>
-            <a:endParaRPr lang="he-IL" dirty="0"/>
+            <a:endParaRPr lang="he-IL" b="1" dirty="0">
+              <a:latin typeface="Lexend Light"/>
+            </a:endParaRPr>
           </a:p>
         </p:txBody>
       </p:sp>
@@ -14885,6 +15566,20 @@
 <file path=ppt/slides/slide9.xml><?xml version="1.0" encoding="utf-8"?>
 <p:sld xmlns:a="http://schemas.openxmlformats.org/drawingml/2006/main" xmlns:r="http://schemas.openxmlformats.org/officeDocument/2006/relationships" xmlns:p="http://schemas.openxmlformats.org/presentationml/2006/main">
   <p:cSld>
+    <p:bg>
+      <p:bgPr>
+        <a:blipFill dpi="0" rotWithShape="1">
+          <a:blip r:embed="rId3">
+            <a:lum/>
+          </a:blip>
+          <a:srcRect/>
+          <a:stretch>
+            <a:fillRect/>
+          </a:stretch>
+        </a:blipFill>
+        <a:effectLst/>
+      </p:bgPr>
+    </p:bg>
     <p:spTree>
       <p:nvGrpSpPr>
         <p:cNvPr id="1" name=""/>
@@ -14928,52 +15623,72 @@
           <a:lstStyle/>
           <a:p>
             <a:r>
-              <a:rPr lang="en-US" dirty="0"/>
+              <a:rPr lang="en-US" dirty="0">
+                <a:latin typeface="Lexend Light"/>
+              </a:rPr>
               <a:t>In this example, the program uses a while loop to print numbers from 1 to 5. The loop continues as long as the number variable is less than or equal to 5. Inside the loop, the current value of number is printed, and then the number variable is incremented by 1 using number += 1.</a:t>
             </a:r>
           </a:p>
           <a:p>
-            <a:endParaRPr lang="en-US" dirty="0"/>
-          </a:p>
-          <a:p>
-            <a:r>
-              <a:rPr lang="en-US" dirty="0"/>
+            <a:endParaRPr lang="en-US" dirty="0">
+              <a:latin typeface="Lexend Light"/>
+            </a:endParaRPr>
+          </a:p>
+          <a:p>
+            <a:r>
+              <a:rPr lang="en-US" dirty="0">
+                <a:latin typeface="Lexend Light"/>
+              </a:rPr>
               <a:t>When you run this code, it will output:</a:t>
             </a:r>
           </a:p>
           <a:p>
-            <a:endParaRPr lang="en-US" dirty="0"/>
-          </a:p>
-          <a:p>
-            <a:endParaRPr lang="en-US" dirty="0"/>
-          </a:p>
-          <a:p>
-            <a:r>
-              <a:rPr lang="en-US" dirty="0"/>
+            <a:endParaRPr lang="en-US" dirty="0">
+              <a:latin typeface="Lexend Light"/>
+            </a:endParaRPr>
+          </a:p>
+          <a:p>
+            <a:endParaRPr lang="en-US" dirty="0">
+              <a:latin typeface="Lexend Light"/>
+            </a:endParaRPr>
+          </a:p>
+          <a:p>
+            <a:r>
+              <a:rPr lang="en-US" dirty="0">
+                <a:latin typeface="Lexend Light"/>
+              </a:rPr>
               <a:t>1</a:t>
             </a:r>
           </a:p>
           <a:p>
             <a:r>
-              <a:rPr lang="en-US" dirty="0"/>
+              <a:rPr lang="en-US" dirty="0">
+                <a:latin typeface="Lexend Light"/>
+              </a:rPr>
               <a:t>2</a:t>
             </a:r>
           </a:p>
           <a:p>
             <a:r>
-              <a:rPr lang="en-US" dirty="0"/>
+              <a:rPr lang="en-US" dirty="0">
+                <a:latin typeface="Lexend Light"/>
+              </a:rPr>
               <a:t>3</a:t>
             </a:r>
           </a:p>
           <a:p>
             <a:r>
-              <a:rPr lang="en-US" dirty="0"/>
+              <a:rPr lang="en-US" dirty="0">
+                <a:latin typeface="Lexend Light"/>
+              </a:rPr>
               <a:t>4</a:t>
             </a:r>
           </a:p>
           <a:p>
             <a:r>
-              <a:rPr lang="en-US" dirty="0"/>
+              <a:rPr lang="en-US" dirty="0">
+                <a:latin typeface="Lexend Light"/>
+              </a:rPr>
               <a:t>5</a:t>
             </a:r>
           </a:p>
